--- a/汇报/第六周课堂汇报.pptx
+++ b/汇报/第六周课堂汇报.pptx
@@ -11,35 +11,38 @@
     <p:sldId id="299" r:id="rId5"/>
     <p:sldId id="301" r:id="rId6"/>
     <p:sldId id="302" r:id="rId7"/>
-    <p:sldId id="303" r:id="rId8"/>
-    <p:sldId id="289" r:id="rId9"/>
-    <p:sldId id="290" r:id="rId10"/>
-    <p:sldId id="269" r:id="rId11"/>
-    <p:sldId id="258" r:id="rId12"/>
-    <p:sldId id="266" r:id="rId13"/>
-    <p:sldId id="267" r:id="rId14"/>
-    <p:sldId id="268" r:id="rId15"/>
-    <p:sldId id="291" r:id="rId16"/>
-    <p:sldId id="292" r:id="rId17"/>
-    <p:sldId id="293" r:id="rId18"/>
-    <p:sldId id="296" r:id="rId19"/>
-    <p:sldId id="294" r:id="rId20"/>
-    <p:sldId id="295" r:id="rId21"/>
-    <p:sldId id="297" r:id="rId22"/>
-    <p:sldId id="271" r:id="rId23"/>
-    <p:sldId id="270" r:id="rId24"/>
-    <p:sldId id="272" r:id="rId25"/>
-    <p:sldId id="273" r:id="rId26"/>
-    <p:sldId id="274" r:id="rId27"/>
-    <p:sldId id="276" r:id="rId28"/>
-    <p:sldId id="275" r:id="rId29"/>
-    <p:sldId id="277" r:id="rId30"/>
-    <p:sldId id="282" r:id="rId31"/>
-    <p:sldId id="283" r:id="rId32"/>
-    <p:sldId id="284" r:id="rId33"/>
-    <p:sldId id="285" r:id="rId34"/>
-    <p:sldId id="286" r:id="rId35"/>
-    <p:sldId id="287" r:id="rId36"/>
+    <p:sldId id="304" r:id="rId8"/>
+    <p:sldId id="305" r:id="rId9"/>
+    <p:sldId id="306" r:id="rId10"/>
+    <p:sldId id="307" r:id="rId11"/>
+    <p:sldId id="289" r:id="rId12"/>
+    <p:sldId id="290" r:id="rId13"/>
+    <p:sldId id="269" r:id="rId14"/>
+    <p:sldId id="258" r:id="rId15"/>
+    <p:sldId id="266" r:id="rId16"/>
+    <p:sldId id="267" r:id="rId17"/>
+    <p:sldId id="268" r:id="rId18"/>
+    <p:sldId id="291" r:id="rId19"/>
+    <p:sldId id="292" r:id="rId20"/>
+    <p:sldId id="293" r:id="rId21"/>
+    <p:sldId id="296" r:id="rId22"/>
+    <p:sldId id="294" r:id="rId23"/>
+    <p:sldId id="295" r:id="rId24"/>
+    <p:sldId id="297" r:id="rId25"/>
+    <p:sldId id="271" r:id="rId26"/>
+    <p:sldId id="270" r:id="rId27"/>
+    <p:sldId id="272" r:id="rId28"/>
+    <p:sldId id="273" r:id="rId29"/>
+    <p:sldId id="274" r:id="rId30"/>
+    <p:sldId id="276" r:id="rId31"/>
+    <p:sldId id="275" r:id="rId32"/>
+    <p:sldId id="277" r:id="rId33"/>
+    <p:sldId id="282" r:id="rId34"/>
+    <p:sldId id="283" r:id="rId35"/>
+    <p:sldId id="284" r:id="rId36"/>
+    <p:sldId id="285" r:id="rId37"/>
+    <p:sldId id="286" r:id="rId38"/>
+    <p:sldId id="287" r:id="rId39"/>
   </p:sldIdLst>
   <p:sldSz cx="12192000" cy="6858000"/>
   <p:notesSz cx="6858000" cy="9144000"/>
@@ -5852,11 +5855,7 @@
           <a:p>
             <a:r>
               <a:rPr kumimoji="1" lang="zh-CN" altLang="en-US" sz="7200" dirty="0" smtClean="0"/>
-              <a:t>近三周工</a:t>
-            </a:r>
-            <a:r>
-              <a:rPr kumimoji="1" lang="zh-CN" altLang="en-US" sz="7200" dirty="0" smtClean="0"/>
-              <a:t>作</a:t>
+              <a:t>近三周工作</a:t>
             </a:r>
             <a:r>
               <a:rPr kumimoji="1" lang="zh-CN" altLang="en-US" sz="7200" dirty="0"/>
@@ -5936,6 +5935,430 @@
           <a:p>
             <a:r>
               <a:rPr kumimoji="1" lang="zh-CN" altLang="en-US" dirty="0" smtClean="0"/>
+              <a:t>关于我</a:t>
+            </a:r>
+            <a:endParaRPr kumimoji="1" lang="zh-CN" altLang="en-US" dirty="0"/>
+          </a:p>
+        </p:txBody>
+      </p:sp>
+      <p:sp>
+        <p:nvSpPr>
+          <p:cNvPr id="3" name="内容占位符 2"/>
+          <p:cNvSpPr>
+            <a:spLocks noGrp="1"/>
+          </p:cNvSpPr>
+          <p:nvPr>
+            <p:ph idx="1"/>
+          </p:nvPr>
+        </p:nvSpPr>
+        <p:spPr/>
+        <p:txBody>
+          <a:bodyPr/>
+          <a:lstStyle/>
+          <a:p>
+            <a:r>
+              <a:rPr kumimoji="1" lang="zh-CN" altLang="en-US" dirty="0" smtClean="0"/>
+              <a:t>整理</a:t>
+            </a:r>
+            <a:r>
+              <a:rPr kumimoji="1" lang="zh-CN" altLang="en-US" dirty="0"/>
+              <a:t>资料、</a:t>
+            </a:r>
+            <a:r>
+              <a:rPr kumimoji="1" lang="zh-CN" altLang="en-US" dirty="0" smtClean="0"/>
+              <a:t>材料。</a:t>
+            </a:r>
+            <a:endParaRPr kumimoji="1" lang="en-US" altLang="zh-CN" dirty="0"/>
+          </a:p>
+          <a:p>
+            <a:r>
+              <a:rPr kumimoji="1" lang="zh-CN" altLang="en-US" dirty="0" smtClean="0"/>
+              <a:t>文档内容的编辑，撰写。</a:t>
+            </a:r>
+            <a:endParaRPr kumimoji="1" lang="en-US" altLang="zh-CN" dirty="0" smtClean="0"/>
+          </a:p>
+          <a:p>
+            <a:r>
+              <a:rPr kumimoji="1" lang="zh-CN" altLang="en-US" dirty="0" smtClean="0"/>
+              <a:t>文档格式整理。</a:t>
+            </a:r>
+            <a:endParaRPr kumimoji="1" lang="en-US" altLang="zh-CN" dirty="0" smtClean="0"/>
+          </a:p>
+          <a:p>
+            <a:r>
+              <a:rPr kumimoji="1" lang="zh-CN" altLang="en-US" dirty="0" smtClean="0"/>
+              <a:t>参与程序的测试，了解</a:t>
+            </a:r>
+            <a:r>
+              <a:rPr kumimoji="1" lang="zh-CN" altLang="en-US" smtClean="0"/>
+              <a:t>程序的处理流程。</a:t>
+            </a:r>
+            <a:endParaRPr kumimoji="1" lang="en-US" altLang="zh-CN" dirty="0" smtClean="0"/>
+          </a:p>
+        </p:txBody>
+      </p:sp>
+    </p:spTree>
+    <p:extLst>
+      <p:ext uri="{BB962C8B-B14F-4D97-AF65-F5344CB8AC3E}">
+        <p14:creationId xmlns:p14="http://schemas.microsoft.com/office/powerpoint/2010/main" val="1266983049"/>
+      </p:ext>
+    </p:extLst>
+  </p:cSld>
+  <p:clrMapOvr>
+    <a:masterClrMapping/>
+  </p:clrMapOvr>
+  <p:timing>
+    <p:tnLst>
+      <p:par>
+        <p:cTn id="1" dur="indefinite" restart="never" nodeType="tmRoot"/>
+      </p:par>
+    </p:tnLst>
+  </p:timing>
+</p:sld>
+</file>
+
+<file path=ppt/slides/slide11.xml><?xml version="1.0" encoding="utf-8"?>
+<p:sld xmlns:a="http://schemas.openxmlformats.org/drawingml/2006/main" xmlns:r="http://schemas.openxmlformats.org/officeDocument/2006/relationships" xmlns:p="http://schemas.openxmlformats.org/presentationml/2006/main">
+  <p:cSld>
+    <p:spTree>
+      <p:nvGrpSpPr>
+        <p:cNvPr id="1" name=""/>
+        <p:cNvGrpSpPr/>
+        <p:nvPr/>
+      </p:nvGrpSpPr>
+      <p:grpSpPr>
+        <a:xfrm>
+          <a:off x="0" y="0"/>
+          <a:ext cx="0" cy="0"/>
+          <a:chOff x="0" y="0"/>
+          <a:chExt cx="0" cy="0"/>
+        </a:xfrm>
+      </p:grpSpPr>
+      <p:sp>
+        <p:nvSpPr>
+          <p:cNvPr id="2" name="标题 1"/>
+          <p:cNvSpPr>
+            <a:spLocks noGrp="1"/>
+          </p:cNvSpPr>
+          <p:nvPr>
+            <p:ph type="title"/>
+          </p:nvPr>
+        </p:nvSpPr>
+        <p:spPr/>
+        <p:txBody>
+          <a:bodyPr/>
+          <a:lstStyle/>
+          <a:p>
+            <a:r>
+              <a:rPr lang="zh-CN" altLang="en-US" dirty="0" smtClean="0"/>
+              <a:t>具体进度</a:t>
+            </a:r>
+            <a:endParaRPr lang="zh-CN" altLang="en-US" dirty="0"/>
+          </a:p>
+        </p:txBody>
+      </p:sp>
+      <p:sp>
+        <p:nvSpPr>
+          <p:cNvPr id="3" name="内容占位符 2"/>
+          <p:cNvSpPr>
+            <a:spLocks noGrp="1"/>
+          </p:cNvSpPr>
+          <p:nvPr>
+            <p:ph idx="1"/>
+          </p:nvPr>
+        </p:nvSpPr>
+        <p:spPr/>
+        <p:txBody>
+          <a:bodyPr/>
+          <a:lstStyle/>
+          <a:p>
+            <a:r>
+              <a:rPr lang="zh-CN" altLang="en-US"/>
+              <a:t>对于我们的主要开发方向（</a:t>
+            </a:r>
+            <a:r>
+              <a:rPr lang="en-US" altLang="zh-CN"/>
+              <a:t>“</a:t>
+            </a:r>
+            <a:r>
+              <a:rPr lang="zh-CN" altLang="en-US"/>
+              <a:t>野指针</a:t>
+            </a:r>
+            <a:r>
+              <a:rPr lang="en-US" altLang="zh-CN"/>
+              <a:t>”</a:t>
+            </a:r>
+            <a:r>
+              <a:rPr lang="zh-CN" altLang="en-US"/>
+              <a:t>的检测与报错）进行了面向数据的分析</a:t>
+            </a:r>
+          </a:p>
+          <a:p>
+            <a:r>
+              <a:rPr lang="zh-CN" altLang="en-US"/>
+              <a:t>跟踪数据走向，分析</a:t>
+            </a:r>
+            <a:r>
+              <a:rPr lang="en-US" altLang="en-US"/>
+              <a:t>Token</a:t>
+            </a:r>
+            <a:r>
+              <a:rPr lang="zh-CN" altLang="en-US"/>
+              <a:t>与</a:t>
+            </a:r>
+            <a:r>
+              <a:rPr lang="en-US" altLang="en-US"/>
+              <a:t>Symbol</a:t>
+            </a:r>
+            <a:r>
+              <a:rPr lang="zh-CN" altLang="en-US"/>
+              <a:t>类与对象之间的关系</a:t>
+            </a:r>
+          </a:p>
+          <a:p>
+            <a:r>
+              <a:rPr lang="en-US" altLang="en-US"/>
+              <a:t>Ast(</a:t>
+            </a:r>
+            <a:r>
+              <a:rPr lang="zh-CN" altLang="en-US"/>
+              <a:t>抽象语法树</a:t>
+            </a:r>
+            <a:r>
+              <a:rPr lang="en-US" altLang="en-US"/>
+              <a:t>)</a:t>
+            </a:r>
+            <a:r>
+              <a:rPr lang="zh-CN" altLang="en-US"/>
+              <a:t>分析，与</a:t>
+            </a:r>
+            <a:r>
+              <a:rPr lang="en-US" altLang="zh-CN"/>
+              <a:t>Token</a:t>
+            </a:r>
+            <a:r>
+              <a:rPr lang="zh-CN" altLang="en-US"/>
+              <a:t>挂钩</a:t>
+            </a:r>
+          </a:p>
+        </p:txBody>
+      </p:sp>
+    </p:spTree>
+  </p:cSld>
+  <p:clrMapOvr>
+    <a:masterClrMapping/>
+  </p:clrMapOvr>
+  <p:transition/>
+  <p:timing>
+    <p:tnLst>
+      <p:par>
+        <p:cTn id="1" dur="indefinite" restart="never" nodeType="tmRoot"/>
+      </p:par>
+    </p:tnLst>
+  </p:timing>
+</p:sld>
+</file>
+
+<file path=ppt/slides/slide12.xml><?xml version="1.0" encoding="utf-8"?>
+<p:sld xmlns:a="http://schemas.openxmlformats.org/drawingml/2006/main" xmlns:r="http://schemas.openxmlformats.org/officeDocument/2006/relationships" xmlns:p="http://schemas.openxmlformats.org/presentationml/2006/main">
+  <p:cSld>
+    <p:spTree>
+      <p:nvGrpSpPr>
+        <p:cNvPr id="1" name=""/>
+        <p:cNvGrpSpPr/>
+        <p:nvPr/>
+      </p:nvGrpSpPr>
+      <p:grpSpPr>
+        <a:xfrm>
+          <a:off x="0" y="0"/>
+          <a:ext cx="0" cy="0"/>
+          <a:chOff x="0" y="0"/>
+          <a:chExt cx="0" cy="0"/>
+        </a:xfrm>
+      </p:grpSpPr>
+      <p:sp>
+        <p:nvSpPr>
+          <p:cNvPr id="2" name="标题 1"/>
+          <p:cNvSpPr>
+            <a:spLocks noGrp="1"/>
+          </p:cNvSpPr>
+          <p:nvPr>
+            <p:ph type="title"/>
+          </p:nvPr>
+        </p:nvSpPr>
+        <p:spPr/>
+        <p:txBody>
+          <a:bodyPr/>
+          <a:lstStyle/>
+          <a:p>
+            <a:r>
+              <a:rPr lang="zh-CN" altLang="en-US" dirty="0" smtClean="0"/>
+              <a:t>具体进度</a:t>
+            </a:r>
+            <a:endParaRPr lang="zh-CN" altLang="en-US" dirty="0"/>
+          </a:p>
+        </p:txBody>
+      </p:sp>
+      <p:sp>
+        <p:nvSpPr>
+          <p:cNvPr id="3" name="内容占位符 2"/>
+          <p:cNvSpPr>
+            <a:spLocks noGrp="1"/>
+          </p:cNvSpPr>
+          <p:nvPr>
+            <p:ph idx="1"/>
+          </p:nvPr>
+        </p:nvSpPr>
+        <p:spPr/>
+        <p:txBody>
+          <a:bodyPr/>
+          <a:lstStyle/>
+          <a:p>
+            <a:r>
+              <a:rPr lang="zh-CN" altLang="en-US"/>
+              <a:t>对于我们的主要开发方向（</a:t>
+            </a:r>
+            <a:r>
+              <a:rPr lang="en-US" altLang="zh-CN"/>
+              <a:t>“</a:t>
+            </a:r>
+            <a:r>
+              <a:rPr lang="zh-CN" altLang="en-US"/>
+              <a:t>野指针</a:t>
+            </a:r>
+            <a:r>
+              <a:rPr lang="en-US" altLang="zh-CN"/>
+              <a:t>”</a:t>
+            </a:r>
+            <a:r>
+              <a:rPr lang="zh-CN" altLang="en-US"/>
+              <a:t>的检测与报错）进行了面向数据的分析</a:t>
+            </a:r>
+          </a:p>
+          <a:p>
+            <a:r>
+              <a:rPr lang="zh-CN" altLang="en-US"/>
+              <a:t>跟踪数据走向，分析</a:t>
+            </a:r>
+            <a:r>
+              <a:rPr lang="en-US" altLang="en-US"/>
+              <a:t>Token</a:t>
+            </a:r>
+            <a:r>
+              <a:rPr lang="zh-CN" altLang="en-US"/>
+              <a:t>与</a:t>
+            </a:r>
+            <a:r>
+              <a:rPr lang="en-US" altLang="en-US"/>
+              <a:t>Symbol</a:t>
+            </a:r>
+            <a:r>
+              <a:rPr lang="zh-CN" altLang="en-US"/>
+              <a:t>类与对象之间的关系</a:t>
+            </a:r>
+          </a:p>
+          <a:p>
+            <a:r>
+              <a:rPr lang="en-US" altLang="en-US"/>
+              <a:t>Ast(</a:t>
+            </a:r>
+            <a:r>
+              <a:rPr lang="zh-CN" altLang="en-US"/>
+              <a:t>抽象语法树</a:t>
+            </a:r>
+            <a:r>
+              <a:rPr lang="en-US" altLang="en-US"/>
+              <a:t>)</a:t>
+            </a:r>
+            <a:r>
+              <a:rPr lang="zh-CN" altLang="en-US"/>
+              <a:t>分析，与</a:t>
+            </a:r>
+            <a:r>
+              <a:rPr lang="en-US" altLang="zh-CN"/>
+              <a:t>Token</a:t>
+            </a:r>
+            <a:r>
+              <a:rPr lang="zh-CN" altLang="en-US"/>
+              <a:t>挂钩</a:t>
+            </a:r>
+          </a:p>
+        </p:txBody>
+      </p:sp>
+      <p:pic>
+        <p:nvPicPr>
+          <p:cNvPr id="5" name="图片 4" descr="QQ图片20160401090900"/>
+          <p:cNvPicPr>
+            <a:picLocks noChangeAspect="1"/>
+          </p:cNvPicPr>
+          <p:nvPr/>
+        </p:nvPicPr>
+        <p:blipFill>
+          <a:blip r:embed="rId2"/>
+          <a:stretch>
+            <a:fillRect/>
+          </a:stretch>
+        </p:blipFill>
+        <p:spPr>
+          <a:xfrm>
+            <a:off x="1783715" y="1389380"/>
+            <a:ext cx="8170545" cy="4812030"/>
+          </a:xfrm>
+          <a:prstGeom prst="rect">
+            <a:avLst/>
+          </a:prstGeom>
+        </p:spPr>
+      </p:pic>
+    </p:spTree>
+  </p:cSld>
+  <p:clrMapOvr>
+    <a:masterClrMapping/>
+  </p:clrMapOvr>
+  <p:transition/>
+  <p:timing>
+    <p:tnLst>
+      <p:par>
+        <p:cTn id="1" dur="indefinite" restart="never" nodeType="tmRoot"/>
+      </p:par>
+    </p:tnLst>
+  </p:timing>
+</p:sld>
+</file>
+
+<file path=ppt/slides/slide13.xml><?xml version="1.0" encoding="utf-8"?>
+<p:sld xmlns:a="http://schemas.openxmlformats.org/drawingml/2006/main" xmlns:r="http://schemas.openxmlformats.org/officeDocument/2006/relationships" xmlns:p="http://schemas.openxmlformats.org/presentationml/2006/main">
+  <p:cSld>
+    <p:spTree>
+      <p:nvGrpSpPr>
+        <p:cNvPr id="1" name=""/>
+        <p:cNvGrpSpPr/>
+        <p:nvPr/>
+      </p:nvGrpSpPr>
+      <p:grpSpPr>
+        <a:xfrm>
+          <a:off x="0" y="0"/>
+          <a:ext cx="0" cy="0"/>
+          <a:chOff x="0" y="0"/>
+          <a:chExt cx="0" cy="0"/>
+        </a:xfrm>
+      </p:grpSpPr>
+      <p:sp>
+        <p:nvSpPr>
+          <p:cNvPr id="2" name="标题 1"/>
+          <p:cNvSpPr>
+            <a:spLocks noGrp="1"/>
+          </p:cNvSpPr>
+          <p:nvPr>
+            <p:ph type="title"/>
+          </p:nvPr>
+        </p:nvSpPr>
+        <p:spPr/>
+        <p:txBody>
+          <a:bodyPr/>
+          <a:lstStyle/>
+          <a:p>
+            <a:r>
+              <a:rPr kumimoji="1" lang="zh-CN" altLang="en-US" dirty="0" smtClean="0"/>
               <a:t>样例二测试</a:t>
             </a:r>
           </a:p>
@@ -6048,7 +6471,7 @@
 </p:sld>
 </file>
 
-<file path=ppt/slides/slide11.xml><?xml version="1.0" encoding="utf-8"?>
+<file path=ppt/slides/slide14.xml><?xml version="1.0" encoding="utf-8"?>
 <p:sld xmlns:a="http://schemas.openxmlformats.org/drawingml/2006/main" xmlns:r="http://schemas.openxmlformats.org/officeDocument/2006/relationships" xmlns:p="http://schemas.openxmlformats.org/presentationml/2006/main">
   <p:cSld>
     <p:spTree>
@@ -6586,482 +7009,6 @@
 </p:sld>
 </file>
 
-<file path=ppt/slides/slide12.xml><?xml version="1.0" encoding="utf-8"?>
-<p:sld xmlns:a="http://schemas.openxmlformats.org/drawingml/2006/main" xmlns:r="http://schemas.openxmlformats.org/officeDocument/2006/relationships" xmlns:p="http://schemas.openxmlformats.org/presentationml/2006/main">
-  <p:cSld>
-    <p:spTree>
-      <p:nvGrpSpPr>
-        <p:cNvPr id="1" name=""/>
-        <p:cNvGrpSpPr/>
-        <p:nvPr/>
-      </p:nvGrpSpPr>
-      <p:grpSpPr>
-        <a:xfrm>
-          <a:off x="0" y="0"/>
-          <a:ext cx="0" cy="0"/>
-          <a:chOff x="0" y="0"/>
-          <a:chExt cx="0" cy="0"/>
-        </a:xfrm>
-      </p:grpSpPr>
-      <p:sp>
-        <p:nvSpPr>
-          <p:cNvPr id="2" name="标题 1"/>
-          <p:cNvSpPr>
-            <a:spLocks noGrp="1"/>
-          </p:cNvSpPr>
-          <p:nvPr>
-            <p:ph type="title"/>
-          </p:nvPr>
-        </p:nvSpPr>
-        <p:spPr/>
-        <p:txBody>
-          <a:bodyPr/>
-          <a:lstStyle/>
-          <a:p>
-            <a:r>
-              <a:rPr kumimoji="1" lang="zh-CN" altLang="en-US" dirty="0" smtClean="0">
-                <a:sym typeface="+mn-ea"/>
-              </a:rPr>
-              <a:t>样例二测试</a:t>
-            </a:r>
-            <a:endParaRPr lang="zh-CN" altLang="en-US"/>
-          </a:p>
-        </p:txBody>
-      </p:sp>
-      <p:sp>
-        <p:nvSpPr>
-          <p:cNvPr id="3" name="内容占位符 2"/>
-          <p:cNvSpPr>
-            <a:spLocks noGrp="1"/>
-          </p:cNvSpPr>
-          <p:nvPr>
-            <p:ph idx="1"/>
-          </p:nvPr>
-        </p:nvSpPr>
-        <p:spPr/>
-        <p:txBody>
-          <a:bodyPr/>
-          <a:lstStyle/>
-          <a:p>
-            <a:r>
-              <a:rPr lang="zh-CN" altLang="en-US"/>
-              <a:t>测试输出：</a:t>
-            </a:r>
-          </a:p>
-          <a:p>
-            <a:pPr lvl="1"/>
-            <a:r>
-              <a:rPr lang="en-US" altLang="zh-CN"/>
-              <a:t>1) </a:t>
-            </a:r>
-            <a:r>
-              <a:rPr lang="zh-CN" altLang="en-US"/>
-              <a:t>第六行“demo *p2 = p1;”，p1未初始化。</a:t>
-            </a:r>
-          </a:p>
-          <a:p>
-            <a:pPr lvl="1"/>
-            <a:r>
-              <a:rPr lang="en-US" altLang="zh-CN"/>
-              <a:t>2) </a:t>
-            </a:r>
-            <a:r>
-              <a:rPr lang="zh-CN" altLang="en-US"/>
-              <a:t>第五行“int *p2 = p1;”，p1未初始化。</a:t>
-            </a:r>
-          </a:p>
-          <a:p>
-            <a:pPr lvl="0"/>
-            <a:r>
-              <a:rPr lang="zh-CN" altLang="en-US"/>
-              <a:t>黑盒测试结论：</a:t>
-            </a:r>
-          </a:p>
-          <a:p>
-            <a:pPr lvl="1"/>
-            <a:r>
-              <a:rPr lang="zh-CN" altLang="en-US"/>
-              <a:t>无定义体的</a:t>
-            </a:r>
-            <a:r>
-              <a:rPr lang="en-US" altLang="zh-CN"/>
-              <a:t>demo</a:t>
-            </a:r>
-            <a:r>
-              <a:rPr lang="zh-CN" altLang="en-US"/>
-              <a:t>类型还是</a:t>
-            </a:r>
-            <a:r>
-              <a:rPr lang="en-US" altLang="zh-CN"/>
-              <a:t>int</a:t>
-            </a:r>
-            <a:r>
-              <a:rPr lang="zh-CN" altLang="en-US"/>
-              <a:t>基础类型对于指针的分析结果没有影响</a:t>
-            </a:r>
-          </a:p>
-          <a:p>
-            <a:pPr lvl="1"/>
-            <a:r>
-              <a:rPr lang="zh-CN" altLang="en-US"/>
-              <a:t>关于</a:t>
-            </a:r>
-            <a:r>
-              <a:rPr lang="en-US" altLang="zh-CN"/>
-              <a:t>p2</a:t>
-            </a:r>
-            <a:r>
-              <a:rPr lang="zh-CN" altLang="en-US"/>
-              <a:t>没有任何的信息输出</a:t>
-            </a:r>
-          </a:p>
-          <a:p>
-            <a:pPr lvl="1"/>
-            <a:r>
-              <a:rPr lang="en-US" altLang="zh-CN"/>
-              <a:t>delete</a:t>
-            </a:r>
-            <a:r>
-              <a:rPr lang="zh-CN" altLang="en-US"/>
-              <a:t>语句对</a:t>
-            </a:r>
-            <a:r>
-              <a:rPr lang="en-US" altLang="zh-CN"/>
-              <a:t>p1</a:t>
-            </a:r>
-            <a:r>
-              <a:rPr lang="zh-CN" altLang="en-US"/>
-              <a:t>的值产生影响，同时因为错误未能判断初始化的可能性较低；</a:t>
-            </a:r>
-            <a:r>
-              <a:rPr lang="en-US" altLang="zh-CN"/>
-              <a:t>delete</a:t>
-            </a:r>
-            <a:r>
-              <a:rPr lang="zh-CN" altLang="en-US"/>
-              <a:t>后造成的悬垂指针可能被视为未初始化。</a:t>
-            </a:r>
-          </a:p>
-          <a:p>
-            <a:pPr lvl="1"/>
-            <a:r>
-              <a:rPr lang="zh-CN" altLang="en-US"/>
-              <a:t>访问</a:t>
-            </a:r>
-            <a:r>
-              <a:rPr lang="en-US" altLang="zh-CN"/>
-              <a:t>p1</a:t>
-            </a:r>
-            <a:r>
-              <a:rPr lang="zh-CN" altLang="en-US"/>
-              <a:t>、</a:t>
-            </a:r>
-            <a:r>
-              <a:rPr lang="en-US" altLang="zh-CN"/>
-              <a:t>p2</a:t>
-            </a:r>
-            <a:r>
-              <a:rPr lang="zh-CN" altLang="en-US"/>
-              <a:t>指向的对象均未报错。成员函数未定义可能导致不能识别，但</a:t>
-            </a:r>
-            <a:r>
-              <a:rPr lang="en-US" altLang="zh-CN"/>
-              <a:t>int</a:t>
-            </a:r>
-            <a:r>
-              <a:rPr lang="zh-CN" altLang="en-US"/>
-              <a:t>型指针仍未提示异常访问。</a:t>
-            </a:r>
-          </a:p>
-          <a:p>
-            <a:pPr lvl="1"/>
-            <a:endParaRPr lang="zh-CN" altLang="en-US"/>
-          </a:p>
-        </p:txBody>
-      </p:sp>
-    </p:spTree>
-  </p:cSld>
-  <p:clrMapOvr>
-    <a:masterClrMapping/>
-  </p:clrMapOvr>
-  <p:timing>
-    <p:tnLst>
-      <p:par>
-        <p:cTn id="1" dur="indefinite" restart="never" nodeType="tmRoot"/>
-      </p:par>
-    </p:tnLst>
-  </p:timing>
-</p:sld>
-</file>
-
-<file path=ppt/slides/slide13.xml><?xml version="1.0" encoding="utf-8"?>
-<p:sld xmlns:a="http://schemas.openxmlformats.org/drawingml/2006/main" xmlns:r="http://schemas.openxmlformats.org/officeDocument/2006/relationships" xmlns:p="http://schemas.openxmlformats.org/presentationml/2006/main">
-  <p:cSld>
-    <p:spTree>
-      <p:nvGrpSpPr>
-        <p:cNvPr id="1" name=""/>
-        <p:cNvGrpSpPr/>
-        <p:nvPr/>
-      </p:nvGrpSpPr>
-      <p:grpSpPr>
-        <a:xfrm>
-          <a:off x="0" y="0"/>
-          <a:ext cx="0" cy="0"/>
-          <a:chOff x="0" y="0"/>
-          <a:chExt cx="0" cy="0"/>
-        </a:xfrm>
-      </p:grpSpPr>
-      <p:sp>
-        <p:nvSpPr>
-          <p:cNvPr id="2" name="标题 1"/>
-          <p:cNvSpPr>
-            <a:spLocks noGrp="1"/>
-          </p:cNvSpPr>
-          <p:nvPr>
-            <p:ph type="title"/>
-          </p:nvPr>
-        </p:nvSpPr>
-        <p:spPr/>
-        <p:txBody>
-          <a:bodyPr/>
-          <a:lstStyle/>
-          <a:p>
-            <a:r>
-              <a:rPr kumimoji="1" lang="zh-CN" altLang="en-US" dirty="0" smtClean="0">
-                <a:sym typeface="+mn-ea"/>
-              </a:rPr>
-              <a:t>样例二</a:t>
-            </a:r>
-            <a:r>
-              <a:rPr kumimoji="1" lang="en-US" altLang="zh-CN" dirty="0" smtClean="0">
-                <a:sym typeface="+mn-ea"/>
-              </a:rPr>
-              <a:t>(1)</a:t>
-            </a:r>
-            <a:r>
-              <a:rPr kumimoji="1" lang="zh-CN" altLang="en-US" dirty="0" smtClean="0">
-                <a:sym typeface="+mn-ea"/>
-              </a:rPr>
-              <a:t>测试</a:t>
-            </a:r>
-            <a:endParaRPr lang="zh-CN" altLang="en-US"/>
-          </a:p>
-        </p:txBody>
-      </p:sp>
-      <p:sp>
-        <p:nvSpPr>
-          <p:cNvPr id="3" name="内容占位符 2"/>
-          <p:cNvSpPr>
-            <a:spLocks noGrp="1"/>
-          </p:cNvSpPr>
-          <p:nvPr>
-            <p:ph idx="1"/>
-          </p:nvPr>
-        </p:nvSpPr>
-        <p:spPr/>
-        <p:txBody>
-          <a:bodyPr/>
-          <a:lstStyle/>
-          <a:p>
-            <a:r>
-              <a:rPr lang="zh-CN" altLang="en-US"/>
-              <a:t>测试方法</a:t>
-            </a:r>
-          </a:p>
-          <a:p>
-            <a:pPr lvl="1"/>
-            <a:r>
-              <a:rPr lang="zh-CN" altLang="en-US"/>
-              <a:t>白盒测试</a:t>
-            </a:r>
-          </a:p>
-          <a:p>
-            <a:r>
-              <a:rPr lang="zh-CN" altLang="en-US"/>
-              <a:t>侧重点</a:t>
-            </a:r>
-          </a:p>
-          <a:p>
-            <a:pPr lvl="1"/>
-            <a:r>
-              <a:rPr lang="zh-CN" altLang="en-US"/>
-              <a:t>跟踪程序</a:t>
-            </a:r>
-            <a:r>
-              <a:rPr lang="zh-CN" altLang="en-US" u="sng"/>
-              <a:t>流程</a:t>
-            </a:r>
-          </a:p>
-          <a:p>
-            <a:pPr lvl="1"/>
-            <a:r>
-              <a:rPr lang="zh-CN" altLang="en-US"/>
-              <a:t>分析各模块组成和作用方式</a:t>
-            </a:r>
-          </a:p>
-          <a:p>
-            <a:pPr lvl="1"/>
-            <a:r>
-              <a:rPr lang="zh-CN" altLang="en-US"/>
-              <a:t>了解数据被处理的顺序</a:t>
-            </a:r>
-          </a:p>
-        </p:txBody>
-      </p:sp>
-    </p:spTree>
-  </p:cSld>
-  <p:clrMapOvr>
-    <a:masterClrMapping/>
-  </p:clrMapOvr>
-  <p:timing>
-    <p:tnLst>
-      <p:par>
-        <p:cTn id="1" dur="indefinite" restart="never" nodeType="tmRoot"/>
-      </p:par>
-    </p:tnLst>
-  </p:timing>
-</p:sld>
-</file>
-
-<file path=ppt/slides/slide14.xml><?xml version="1.0" encoding="utf-8"?>
-<p:sld xmlns:a="http://schemas.openxmlformats.org/drawingml/2006/main" xmlns:r="http://schemas.openxmlformats.org/officeDocument/2006/relationships" xmlns:p="http://schemas.openxmlformats.org/presentationml/2006/main">
-  <p:cSld>
-    <p:spTree>
-      <p:nvGrpSpPr>
-        <p:cNvPr id="1" name=""/>
-        <p:cNvGrpSpPr/>
-        <p:nvPr/>
-      </p:nvGrpSpPr>
-      <p:grpSpPr>
-        <a:xfrm>
-          <a:off x="0" y="0"/>
-          <a:ext cx="0" cy="0"/>
-          <a:chOff x="0" y="0"/>
-          <a:chExt cx="0" cy="0"/>
-        </a:xfrm>
-      </p:grpSpPr>
-      <p:sp>
-        <p:nvSpPr>
-          <p:cNvPr id="2" name="标题 1"/>
-          <p:cNvSpPr>
-            <a:spLocks noGrp="1"/>
-          </p:cNvSpPr>
-          <p:nvPr>
-            <p:ph type="title"/>
-          </p:nvPr>
-        </p:nvSpPr>
-        <p:spPr/>
-        <p:txBody>
-          <a:bodyPr/>
-          <a:lstStyle/>
-          <a:p>
-            <a:r>
-              <a:rPr kumimoji="1" lang="zh-CN" altLang="en-US" dirty="0" smtClean="0">
-                <a:sym typeface="+mn-ea"/>
-              </a:rPr>
-              <a:t>样例二</a:t>
-            </a:r>
-            <a:r>
-              <a:rPr kumimoji="1" lang="en-US" altLang="zh-CN" dirty="0" smtClean="0">
-                <a:sym typeface="+mn-ea"/>
-              </a:rPr>
-              <a:t>(1)</a:t>
-            </a:r>
-            <a:r>
-              <a:rPr kumimoji="1" lang="zh-CN" altLang="en-US" dirty="0" smtClean="0">
-                <a:sym typeface="+mn-ea"/>
-              </a:rPr>
-              <a:t>测试</a:t>
-            </a:r>
-            <a:endParaRPr lang="zh-CN" altLang="en-US"/>
-          </a:p>
-        </p:txBody>
-      </p:sp>
-      <p:sp>
-        <p:nvSpPr>
-          <p:cNvPr id="3" name="内容占位符 2"/>
-          <p:cNvSpPr>
-            <a:spLocks noGrp="1"/>
-          </p:cNvSpPr>
-          <p:nvPr>
-            <p:ph idx="1"/>
-          </p:nvPr>
-        </p:nvSpPr>
-        <p:spPr/>
-        <p:txBody>
-          <a:bodyPr/>
-          <a:lstStyle/>
-          <a:p>
-            <a:r>
-              <a:rPr lang="zh-CN" altLang="en-US"/>
-              <a:t>白盒测试分析</a:t>
-            </a:r>
-          </a:p>
-          <a:p>
-            <a:pPr lvl="1"/>
-            <a:r>
-              <a:rPr lang="zh-CN" altLang="en-US"/>
-              <a:t>ValueFlow::setValues过程了解的不明确；就结果而言p1和p2的token均没有由</a:t>
-            </a:r>
-            <a:r>
-              <a:rPr lang="zh-CN" altLang="en-US">
-                <a:sym typeface="+mn-ea"/>
-              </a:rPr>
-              <a:t>ValueFlow</a:t>
-            </a:r>
-            <a:r>
-              <a:rPr lang="zh-CN" altLang="en-US"/>
-              <a:t>设置合适的值，导致</a:t>
-            </a:r>
-            <a:r>
-              <a:rPr lang="en-US" altLang="zh-CN"/>
-              <a:t>Check</a:t>
-            </a:r>
-            <a:r>
-              <a:rPr lang="zh-CN" altLang="en-US"/>
-              <a:t>类没有检测出p2异常使用（func函数未定义也可能是原因之一）。</a:t>
-            </a:r>
-          </a:p>
-          <a:p>
-            <a:pPr lvl="1"/>
-            <a:r>
-              <a:rPr lang="zh-CN" altLang="en-US"/>
-              <a:t>可以注意到，p1在delete后提示了未初始化的变量，但因为</a:t>
-            </a:r>
-            <a:r>
-              <a:rPr lang="zh-CN" altLang="en-US">
-                <a:sym typeface="+mn-ea"/>
-              </a:rPr>
-              <a:t>ValueFlow</a:t>
-            </a:r>
-            <a:r>
-              <a:rPr lang="zh-CN" altLang="en-US"/>
-              <a:t>功能异常，p1的值不确定是在delete后确定“未初始化”还是保持了value的初始值“未初始化”。</a:t>
-            </a:r>
-          </a:p>
-          <a:p>
-            <a:pPr marL="0" lvl="0" indent="0">
-              <a:buNone/>
-            </a:pPr>
-            <a:endParaRPr lang="zh-CN" altLang="en-US"/>
-          </a:p>
-        </p:txBody>
-      </p:sp>
-    </p:spTree>
-  </p:cSld>
-  <p:clrMapOvr>
-    <a:masterClrMapping/>
-  </p:clrMapOvr>
-  <p:timing>
-    <p:tnLst>
-      <p:par>
-        <p:cTn id="1" dur="indefinite" restart="never" nodeType="tmRoot"/>
-      </p:par>
-    </p:tnLst>
-  </p:timing>
-</p:sld>
-</file>
-
 <file path=ppt/slides/slide15.xml><?xml version="1.0" encoding="utf-8"?>
 <p:sld xmlns:a="http://schemas.openxmlformats.org/drawingml/2006/main" xmlns:r="http://schemas.openxmlformats.org/officeDocument/2006/relationships" xmlns:p="http://schemas.openxmlformats.org/presentationml/2006/main">
   <p:cSld>
@@ -7089,20 +7036,18 @@
             <p:ph type="title"/>
           </p:nvPr>
         </p:nvSpPr>
-        <p:spPr>
-          <a:xfrm>
-            <a:off x="838200" y="232410"/>
-            <a:ext cx="10515600" cy="1325563"/>
-          </a:xfrm>
-        </p:spPr>
+        <p:spPr/>
         <p:txBody>
           <a:bodyPr/>
           <a:lstStyle/>
           <a:p>
             <a:r>
-              <a:rPr kumimoji="1" lang="zh-CN" altLang="en-US"/>
-              <a:t>主要流程分析</a:t>
-            </a:r>
+              <a:rPr kumimoji="1" lang="zh-CN" altLang="en-US" dirty="0" smtClean="0">
+                <a:sym typeface="+mn-ea"/>
+              </a:rPr>
+              <a:t>样例二测试</a:t>
+            </a:r>
+            <a:endParaRPr lang="zh-CN" altLang="en-US"/>
           </a:p>
         </p:txBody>
       </p:sp>
@@ -7116,602 +7061,144 @@
             <p:ph idx="1"/>
           </p:nvPr>
         </p:nvSpPr>
-        <p:spPr>
-          <a:xfrm>
-            <a:off x="157480" y="1431290"/>
-            <a:ext cx="11891645" cy="5335905"/>
-          </a:xfrm>
-        </p:spPr>
-        <p:txBody>
-          <a:bodyPr>
-            <a:noAutofit/>
-          </a:bodyPr>
+        <p:spPr/>
+        <p:txBody>
+          <a:bodyPr/>
           <a:lstStyle/>
           <a:p>
-            <a:pPr>
-              <a:lnSpc>
-                <a:spcPct val="70000"/>
-              </a:lnSpc>
-            </a:pPr>
-            <a:r>
-              <a:rPr kumimoji="1" lang="en-US" altLang="en-US" sz="2000" dirty="0" err="1">
-                <a:sym typeface="+mn-ea"/>
-              </a:rPr>
-              <a:t>CppCheck</a:t>
-            </a:r>
-            <a:r>
-              <a:rPr kumimoji="1" lang="zh-CN" altLang="en-US" sz="2000" dirty="0">
-                <a:sym typeface="+mn-ea"/>
-              </a:rPr>
-              <a:t>类，处理单个文件</a:t>
-            </a:r>
-          </a:p>
-          <a:p>
-            <a:pPr marL="0" indent="0">
-              <a:lnSpc>
-                <a:spcPct val="70000"/>
-              </a:lnSpc>
-              <a:buNone/>
-            </a:pPr>
-            <a:r>
-              <a:rPr kumimoji="1" lang="en-US" altLang="zh-CN" sz="2000" dirty="0">
-                <a:sym typeface="+mn-ea"/>
-              </a:rPr>
-              <a:t>	</a:t>
-            </a:r>
-            <a:r>
-              <a:rPr kumimoji="1" lang="zh-CN" altLang="en-US" sz="2000" dirty="0">
-                <a:sym typeface="+mn-ea"/>
-              </a:rPr>
-              <a:t>加入预定义宏</a:t>
-            </a:r>
-          </a:p>
-          <a:p>
-            <a:pPr marL="0" indent="0">
-              <a:lnSpc>
-                <a:spcPct val="70000"/>
-              </a:lnSpc>
-              <a:buNone/>
-            </a:pPr>
-            <a:r>
-              <a:rPr kumimoji="1" lang="en-US" altLang="zh-CN" sz="2000" dirty="0">
-                <a:sym typeface="+mn-ea"/>
-              </a:rPr>
-              <a:t>	</a:t>
-            </a:r>
-            <a:r>
-              <a:rPr kumimoji="1" lang="zh-CN" altLang="en-US" sz="2000" dirty="0">
-                <a:sym typeface="+mn-ea"/>
-              </a:rPr>
-              <a:t>使用</a:t>
-            </a:r>
-            <a:r>
-              <a:rPr kumimoji="1" lang="en-US" altLang="en-US" sz="2000" dirty="0">
-                <a:sym typeface="+mn-ea"/>
-              </a:rPr>
-              <a:t>Preprocessor</a:t>
-            </a:r>
-            <a:r>
-              <a:rPr kumimoji="1" lang="zh-CN" altLang="en-US" sz="2000" dirty="0">
-                <a:sym typeface="+mn-ea"/>
-              </a:rPr>
-              <a:t>预处理源文件</a:t>
-            </a:r>
-          </a:p>
-          <a:p>
-            <a:pPr marL="0" indent="0">
-              <a:lnSpc>
-                <a:spcPct val="70000"/>
-              </a:lnSpc>
-              <a:buNone/>
-            </a:pPr>
-            <a:r>
-              <a:rPr kumimoji="1" lang="en-US" altLang="zh-CN" sz="2000" dirty="0">
-                <a:sym typeface="+mn-ea"/>
-              </a:rPr>
-              <a:t>	</a:t>
-            </a:r>
-            <a:r>
-              <a:rPr kumimoji="1" lang="zh-CN" altLang="en-US" sz="2000" dirty="0">
-                <a:sym typeface="+mn-ea"/>
-              </a:rPr>
-              <a:t>在文件内容前添加文件自身信息，一同进行</a:t>
-            </a:r>
-            <a:r>
-              <a:rPr kumimoji="1" lang="en-US" altLang="en-US" sz="2000" dirty="0">
-                <a:sym typeface="+mn-ea"/>
-              </a:rPr>
-              <a:t>tokenize</a:t>
-            </a:r>
-          </a:p>
-          <a:p>
-            <a:pPr marL="0" indent="0">
-              <a:lnSpc>
-                <a:spcPct val="70000"/>
-              </a:lnSpc>
-              <a:buNone/>
-            </a:pPr>
-            <a:r>
-              <a:rPr kumimoji="1" lang="en-US" altLang="zh-CN" sz="2000" dirty="0">
-                <a:sym typeface="+mn-ea"/>
-              </a:rPr>
-              <a:t>	</a:t>
-            </a:r>
-            <a:r>
-              <a:rPr kumimoji="1" lang="zh-CN" altLang="en-US" sz="2000" dirty="0">
-                <a:sym typeface="+mn-ea"/>
-              </a:rPr>
-              <a:t>进入</a:t>
-            </a:r>
-            <a:r>
-              <a:rPr kumimoji="1" lang="en-US" altLang="en-US" sz="2000" dirty="0" err="1">
-                <a:sym typeface="+mn-ea"/>
-              </a:rPr>
-              <a:t>CppCheck</a:t>
-            </a:r>
-            <a:r>
-              <a:rPr kumimoji="1" lang="en-US" altLang="en-US" sz="2000" dirty="0">
-                <a:sym typeface="+mn-ea"/>
-              </a:rPr>
-              <a:t>::</a:t>
-            </a:r>
-            <a:r>
-              <a:rPr kumimoji="1" lang="en-US" altLang="en-US" sz="2000" dirty="0" err="1">
-                <a:sym typeface="+mn-ea"/>
-              </a:rPr>
-              <a:t>checkFile</a:t>
-            </a:r>
-            <a:r>
-              <a:rPr kumimoji="1" lang="zh-CN" altLang="en-US" sz="2000" dirty="0">
-                <a:sym typeface="+mn-ea"/>
-              </a:rPr>
-              <a:t>函数进行主要处理工作</a:t>
-            </a:r>
-          </a:p>
-          <a:p>
-            <a:pPr marL="0" indent="0">
-              <a:lnSpc>
-                <a:spcPct val="70000"/>
-              </a:lnSpc>
-              <a:buNone/>
-            </a:pPr>
-            <a:r>
-              <a:rPr kumimoji="1" lang="en-US" altLang="zh-CN" sz="2000" dirty="0">
-                <a:sym typeface="+mn-ea"/>
-              </a:rPr>
-              <a:t>		</a:t>
-            </a:r>
-            <a:r>
-              <a:rPr kumimoji="1" lang="en-US" altLang="zh-CN" sz="2000" dirty="0" err="1">
-                <a:sym typeface="+mn-ea"/>
-              </a:rPr>
-              <a:t>Tokenizer</a:t>
-            </a:r>
-            <a:r>
-              <a:rPr kumimoji="1" lang="en-US" altLang="zh-CN" sz="2000" dirty="0">
-                <a:sym typeface="+mn-ea"/>
-              </a:rPr>
-              <a:t>::</a:t>
-            </a:r>
-            <a:r>
-              <a:rPr kumimoji="1" lang="en-US" altLang="zh-CN" sz="2000" dirty="0" err="1">
-                <a:sym typeface="+mn-ea"/>
-              </a:rPr>
-              <a:t>tokenizer</a:t>
-            </a:r>
-            <a:endParaRPr kumimoji="1" lang="en-US" altLang="zh-CN" sz="2000" dirty="0">
-              <a:sym typeface="+mn-ea"/>
-            </a:endParaRPr>
-          </a:p>
-          <a:p>
-            <a:pPr marL="0" indent="0">
-              <a:lnSpc>
-                <a:spcPct val="70000"/>
-              </a:lnSpc>
-              <a:buNone/>
-            </a:pPr>
-            <a:r>
-              <a:rPr kumimoji="1" lang="en-US" altLang="zh-CN" sz="2000" dirty="0">
-                <a:sym typeface="+mn-ea"/>
-              </a:rPr>
-              <a:t>			</a:t>
-            </a:r>
-            <a:r>
-              <a:rPr kumimoji="1" lang="en-US" altLang="zh-CN" sz="2000" dirty="0" err="1">
-                <a:sym typeface="+mn-ea"/>
-              </a:rPr>
-              <a:t>TokenList</a:t>
-            </a:r>
-            <a:r>
-              <a:rPr kumimoji="1" lang="en-US" altLang="zh-CN" sz="2000" dirty="0">
-                <a:sym typeface="+mn-ea"/>
-              </a:rPr>
-              <a:t>::</a:t>
-            </a:r>
-            <a:r>
-              <a:rPr kumimoji="1" lang="en-US" altLang="zh-CN" sz="2000" dirty="0" err="1">
-                <a:sym typeface="+mn-ea"/>
-              </a:rPr>
-              <a:t>createTokens</a:t>
-            </a:r>
-            <a:endParaRPr kumimoji="1" lang="en-US" altLang="zh-CN" sz="2000" dirty="0">
-              <a:sym typeface="+mn-ea"/>
-            </a:endParaRPr>
-          </a:p>
-          <a:p>
-            <a:pPr marL="0" indent="0">
-              <a:lnSpc>
-                <a:spcPct val="70000"/>
-              </a:lnSpc>
-              <a:buNone/>
-            </a:pPr>
-            <a:r>
-              <a:rPr kumimoji="1" lang="en-US" altLang="zh-CN" sz="2000" dirty="0">
-                <a:sym typeface="+mn-ea"/>
-              </a:rPr>
-              <a:t>			</a:t>
-            </a:r>
-            <a:r>
-              <a:rPr kumimoji="1" lang="en-US" altLang="zh-CN" sz="2000" dirty="0" err="1">
-                <a:sym typeface="+mn-ea"/>
-              </a:rPr>
-              <a:t>Tokenizer</a:t>
-            </a:r>
-            <a:r>
-              <a:rPr kumimoji="1" lang="en-US" altLang="zh-CN" sz="2000" dirty="0">
-                <a:sym typeface="+mn-ea"/>
-              </a:rPr>
-              <a:t>::simplifyTokenList1</a:t>
-            </a:r>
-          </a:p>
-          <a:p>
-            <a:pPr marL="0" indent="0">
-              <a:lnSpc>
-                <a:spcPct val="70000"/>
-              </a:lnSpc>
-              <a:buNone/>
-            </a:pPr>
-            <a:r>
-              <a:rPr kumimoji="1" lang="en-US" altLang="zh-CN" sz="2000" dirty="0">
-                <a:sym typeface="+mn-ea"/>
-              </a:rPr>
-              <a:t>				</a:t>
-            </a:r>
-            <a:r>
-              <a:rPr kumimoji="1" lang="zh-CN" altLang="en-US" sz="2000" dirty="0">
-                <a:sym typeface="+mn-ea"/>
-              </a:rPr>
-              <a:t>建立</a:t>
-            </a:r>
-            <a:r>
-              <a:rPr kumimoji="1" lang="en-US" altLang="en-US" sz="2000" dirty="0" err="1">
-                <a:sym typeface="+mn-ea"/>
-              </a:rPr>
-              <a:t>SymbolDatabase</a:t>
-            </a:r>
-            <a:r>
-              <a:rPr kumimoji="1" lang="zh-CN" altLang="en-US" sz="2000" dirty="0">
-                <a:sym typeface="+mn-ea"/>
-              </a:rPr>
-              <a:t>符号库</a:t>
-            </a:r>
-          </a:p>
-          <a:p>
-            <a:pPr marL="0" indent="0">
-              <a:lnSpc>
-                <a:spcPct val="70000"/>
-              </a:lnSpc>
-              <a:buNone/>
-            </a:pPr>
-            <a:r>
-              <a:rPr kumimoji="1" lang="en-US" altLang="zh-CN" sz="2000" dirty="0">
-                <a:sym typeface="+mn-ea"/>
-              </a:rPr>
-              <a:t>	</a:t>
-            </a:r>
-            <a:r>
-              <a:rPr kumimoji="1" lang="zh-CN" altLang="en-US" sz="2000" dirty="0">
-                <a:sym typeface="+mn-ea"/>
-              </a:rPr>
-              <a:t>建立运算符关系，将运算符操作数与运算符</a:t>
-            </a:r>
-            <a:r>
-              <a:rPr kumimoji="1" lang="en-US" altLang="zh-CN" sz="2000" dirty="0">
-                <a:sym typeface="+mn-ea"/>
-              </a:rPr>
-              <a:t>token</a:t>
-            </a:r>
-            <a:r>
-              <a:rPr kumimoji="1" lang="zh-CN" altLang="en-US" sz="2000" dirty="0">
-                <a:sym typeface="+mn-ea"/>
-              </a:rPr>
-              <a:t>链接</a:t>
-            </a:r>
-          </a:p>
-          <a:p>
-            <a:pPr marL="0" indent="0">
-              <a:lnSpc>
-                <a:spcPct val="70000"/>
-              </a:lnSpc>
-              <a:buNone/>
-            </a:pPr>
-            <a:r>
-              <a:rPr kumimoji="1" lang="en-US" altLang="zh-CN" sz="2000" dirty="0">
-                <a:sym typeface="+mn-ea"/>
-              </a:rPr>
-              <a:t>	</a:t>
-            </a:r>
-            <a:r>
-              <a:rPr kumimoji="1" lang="zh-CN" altLang="zh-CN" sz="2000" dirty="0">
-                <a:sym typeface="+mn-ea"/>
-              </a:rPr>
-              <a:t>使用所有</a:t>
-            </a:r>
-            <a:r>
-              <a:rPr kumimoji="1" lang="en-US" altLang="zh-CN" sz="2000" dirty="0">
-                <a:sym typeface="+mn-ea"/>
-              </a:rPr>
-              <a:t>Check</a:t>
-            </a:r>
-            <a:r>
-              <a:rPr kumimoji="1" lang="zh-CN" altLang="zh-CN" sz="2000" dirty="0">
-                <a:sym typeface="+mn-ea"/>
-              </a:rPr>
-              <a:t>规则对现有的</a:t>
-            </a:r>
-            <a:r>
-              <a:rPr kumimoji="1" lang="en-US" altLang="zh-CN" sz="2000" dirty="0">
-                <a:sym typeface="+mn-ea"/>
-              </a:rPr>
-              <a:t>token</a:t>
-            </a:r>
-            <a:r>
-              <a:rPr kumimoji="1" lang="zh-CN" altLang="en-US" sz="2000" dirty="0">
-                <a:sym typeface="+mn-ea"/>
-              </a:rPr>
-              <a:t>进行测试并输出</a:t>
-            </a:r>
-          </a:p>
-          <a:p>
-            <a:pPr marL="0" indent="0">
-              <a:lnSpc>
-                <a:spcPct val="70000"/>
-              </a:lnSpc>
-              <a:buNone/>
-            </a:pPr>
-            <a:r>
-              <a:rPr kumimoji="1" lang="en-US" altLang="zh-CN" sz="2000" dirty="0">
-                <a:sym typeface="+mn-ea"/>
-              </a:rPr>
-              <a:t>	</a:t>
-            </a:r>
-            <a:r>
-              <a:rPr kumimoji="1" lang="en-US" altLang="zh-CN" sz="2000" dirty="0" err="1">
-                <a:sym typeface="+mn-ea"/>
-              </a:rPr>
-              <a:t>CppCheck</a:t>
-            </a:r>
-            <a:r>
-              <a:rPr kumimoji="1" lang="en-US" altLang="zh-CN" sz="2000" dirty="0">
-                <a:sym typeface="+mn-ea"/>
-              </a:rPr>
-              <a:t>::</a:t>
-            </a:r>
-            <a:r>
-              <a:rPr kumimoji="1" lang="en-US" altLang="zh-CN" sz="2000" dirty="0" err="1">
-                <a:sym typeface="+mn-ea"/>
-              </a:rPr>
-              <a:t>executeRules</a:t>
-            </a:r>
-            <a:r>
-              <a:rPr kumimoji="1" lang="zh-CN" altLang="zh-CN" sz="2000" dirty="0">
-                <a:sym typeface="+mn-ea"/>
-              </a:rPr>
-              <a:t>执行</a:t>
-            </a:r>
-            <a:r>
-              <a:rPr kumimoji="1" lang="en-US" altLang="zh-CN" sz="2000" dirty="0">
-                <a:sym typeface="+mn-ea"/>
-              </a:rPr>
-              <a:t>normal</a:t>
-            </a:r>
-            <a:r>
-              <a:rPr kumimoji="1" lang="zh-CN" altLang="en-US" sz="2000" dirty="0">
-                <a:sym typeface="+mn-ea"/>
-              </a:rPr>
-              <a:t>规则</a:t>
-            </a:r>
-          </a:p>
-          <a:p>
-            <a:pPr marL="0" indent="0">
-              <a:lnSpc>
-                <a:spcPct val="70000"/>
-              </a:lnSpc>
-              <a:buNone/>
-            </a:pPr>
-            <a:r>
-              <a:rPr kumimoji="1" lang="en-US" altLang="zh-CN" sz="2000" dirty="0">
-                <a:sym typeface="+mn-ea"/>
-              </a:rPr>
-              <a:t>	</a:t>
-            </a:r>
-            <a:r>
-              <a:rPr kumimoji="1" lang="en-US" altLang="zh-CN" sz="2000" dirty="0" err="1">
-                <a:sym typeface="+mn-ea"/>
-              </a:rPr>
-              <a:t>Tokenizer</a:t>
-            </a:r>
-            <a:r>
-              <a:rPr kumimoji="1" lang="en-US" altLang="zh-CN" sz="2000" dirty="0">
-                <a:sym typeface="+mn-ea"/>
-              </a:rPr>
-              <a:t>::simplifyTokenList2 </a:t>
-            </a:r>
-            <a:r>
-              <a:rPr kumimoji="1" lang="zh-CN" altLang="zh-CN" sz="2000" dirty="0">
-                <a:sym typeface="+mn-ea"/>
-              </a:rPr>
-              <a:t>重新建立</a:t>
-            </a:r>
-            <a:r>
-              <a:rPr kumimoji="1" lang="en-US" altLang="zh-CN" sz="2000" dirty="0" err="1">
-                <a:sym typeface="+mn-ea"/>
-              </a:rPr>
-              <a:t>SymbolDatabase</a:t>
-            </a:r>
-            <a:r>
-              <a:rPr kumimoji="1" lang="zh-CN" altLang="zh-CN" sz="2000" dirty="0">
-                <a:sym typeface="+mn-ea"/>
-              </a:rPr>
-              <a:t>符号库 </a:t>
-            </a:r>
-            <a:r>
-              <a:rPr kumimoji="1" lang="en-US" altLang="zh-CN" sz="2000" dirty="0" err="1">
-                <a:sym typeface="+mn-ea"/>
-              </a:rPr>
-              <a:t>ValueFlow</a:t>
-            </a:r>
-            <a:r>
-              <a:rPr kumimoji="1" lang="en-US" altLang="zh-CN" sz="2000" dirty="0">
-                <a:sym typeface="+mn-ea"/>
-              </a:rPr>
-              <a:t>::</a:t>
-            </a:r>
-            <a:r>
-              <a:rPr kumimoji="1" lang="en-US" altLang="zh-CN" sz="2000" dirty="0" err="1">
-                <a:sym typeface="+mn-ea"/>
-              </a:rPr>
-              <a:t>setValues</a:t>
-            </a:r>
-            <a:r>
-              <a:rPr kumimoji="1" lang="zh-CN" altLang="zh-CN" sz="2000" dirty="0">
-                <a:sym typeface="+mn-ea"/>
-              </a:rPr>
-              <a:t>设置</a:t>
-            </a:r>
-            <a:r>
-              <a:rPr kumimoji="1" lang="en-US" altLang="zh-CN" sz="2000" dirty="0">
-                <a:sym typeface="+mn-ea"/>
-              </a:rPr>
-              <a:t>token</a:t>
-            </a:r>
-            <a:r>
-              <a:rPr kumimoji="1" lang="zh-CN" altLang="en-US" sz="2000" dirty="0">
-                <a:sym typeface="+mn-ea"/>
-              </a:rPr>
-              <a:t>的值</a:t>
-            </a:r>
-          </a:p>
-          <a:p>
-            <a:pPr marL="0" indent="0">
-              <a:lnSpc>
-                <a:spcPct val="70000"/>
-              </a:lnSpc>
-              <a:buNone/>
-            </a:pPr>
-            <a:r>
-              <a:rPr kumimoji="1" lang="en-US" altLang="zh-CN" sz="2000" dirty="0">
-                <a:sym typeface="+mn-ea"/>
-              </a:rPr>
-              <a:t>	</a:t>
-            </a:r>
-            <a:r>
-              <a:rPr kumimoji="1" lang="zh-CN" altLang="zh-CN" sz="2000" dirty="0">
-                <a:sym typeface="+mn-ea"/>
-              </a:rPr>
-              <a:t>使用所有</a:t>
-            </a:r>
-            <a:r>
-              <a:rPr kumimoji="1" lang="en-US" altLang="zh-CN" sz="2000" dirty="0">
-                <a:sym typeface="+mn-ea"/>
-              </a:rPr>
-              <a:t>Check</a:t>
-            </a:r>
-            <a:r>
-              <a:rPr kumimoji="1" lang="zh-CN" altLang="en-US" sz="2000" dirty="0">
-                <a:sym typeface="+mn-ea"/>
-              </a:rPr>
-              <a:t>规则对现有</a:t>
-            </a:r>
-            <a:r>
-              <a:rPr kumimoji="1" lang="en-US" altLang="zh-CN" sz="2000" dirty="0">
-                <a:sym typeface="+mn-ea"/>
-              </a:rPr>
-              <a:t>token</a:t>
-            </a:r>
-            <a:r>
-              <a:rPr kumimoji="1" lang="zh-CN" altLang="en-US" sz="2000" dirty="0">
-                <a:sym typeface="+mn-ea"/>
-              </a:rPr>
-              <a:t>进行简单测试并输出</a:t>
-            </a:r>
-          </a:p>
-          <a:p>
-            <a:pPr marL="0" indent="0">
-              <a:lnSpc>
-                <a:spcPct val="70000"/>
-              </a:lnSpc>
-              <a:buNone/>
-            </a:pPr>
-            <a:r>
-              <a:rPr kumimoji="1" lang="en-US" altLang="zh-CN" sz="2000" dirty="0">
-                <a:sym typeface="+mn-ea"/>
-              </a:rPr>
-              <a:t>	</a:t>
-            </a:r>
-            <a:r>
-              <a:rPr kumimoji="1" lang="en-US" altLang="zh-CN" sz="2000" dirty="0" err="1">
-                <a:sym typeface="+mn-ea"/>
-              </a:rPr>
-              <a:t>CppCheck</a:t>
-            </a:r>
-            <a:r>
-              <a:rPr kumimoji="1" lang="en-US" altLang="zh-CN" sz="2000" dirty="0">
-                <a:sym typeface="+mn-ea"/>
-              </a:rPr>
-              <a:t>::</a:t>
-            </a:r>
-            <a:r>
-              <a:rPr kumimoji="1" lang="en-US" altLang="zh-CN" sz="2000" dirty="0" err="1">
-                <a:sym typeface="+mn-ea"/>
-              </a:rPr>
-              <a:t>executeRules</a:t>
-            </a:r>
-            <a:r>
-              <a:rPr kumimoji="1" lang="zh-CN" altLang="zh-CN" sz="2000" dirty="0">
-                <a:sym typeface="+mn-ea"/>
-              </a:rPr>
-              <a:t>执行 </a:t>
-            </a:r>
-            <a:r>
-              <a:rPr kumimoji="1" lang="en-US" altLang="zh-CN" sz="2000" dirty="0">
-                <a:sym typeface="+mn-ea"/>
-              </a:rPr>
-              <a:t>simple</a:t>
-            </a:r>
-            <a:r>
-              <a:rPr kumimoji="1" lang="zh-CN" altLang="zh-CN" sz="2000" dirty="0">
-                <a:sym typeface="+mn-ea"/>
-              </a:rPr>
-              <a:t>规则</a:t>
-            </a:r>
-            <a:r>
-              <a:rPr kumimoji="1" lang="en-US" altLang="zh-CN" sz="2000" dirty="0">
-                <a:sym typeface="+mn-ea"/>
-              </a:rPr>
-              <a:t>			</a:t>
-            </a:r>
-          </a:p>
-          <a:p>
-            <a:pPr marL="0" indent="0">
-              <a:lnSpc>
-                <a:spcPct val="70000"/>
-              </a:lnSpc>
-              <a:buNone/>
-            </a:pPr>
-            <a:endParaRPr kumimoji="1" lang="en-US" altLang="zh-CN" sz="2000" dirty="0">
-              <a:sym typeface="+mn-ea"/>
-            </a:endParaRPr>
+            <a:r>
+              <a:rPr lang="zh-CN" altLang="en-US"/>
+              <a:t>测试输出：</a:t>
+            </a:r>
+          </a:p>
+          <a:p>
+            <a:pPr lvl="1"/>
+            <a:r>
+              <a:rPr lang="en-US" altLang="zh-CN"/>
+              <a:t>1) </a:t>
+            </a:r>
+            <a:r>
+              <a:rPr lang="zh-CN" altLang="en-US"/>
+              <a:t>第六行“demo *p2 = p1;”，p1未初始化。</a:t>
+            </a:r>
+          </a:p>
+          <a:p>
+            <a:pPr lvl="1"/>
+            <a:r>
+              <a:rPr lang="en-US" altLang="zh-CN"/>
+              <a:t>2) </a:t>
+            </a:r>
+            <a:r>
+              <a:rPr lang="zh-CN" altLang="en-US"/>
+              <a:t>第五行“int *p2 = p1;”，p1未初始化。</a:t>
+            </a:r>
+          </a:p>
+          <a:p>
+            <a:pPr lvl="0"/>
+            <a:r>
+              <a:rPr lang="zh-CN" altLang="en-US"/>
+              <a:t>黑盒测试结论：</a:t>
+            </a:r>
+          </a:p>
+          <a:p>
+            <a:pPr lvl="1"/>
+            <a:r>
+              <a:rPr lang="zh-CN" altLang="en-US"/>
+              <a:t>无定义体的</a:t>
+            </a:r>
+            <a:r>
+              <a:rPr lang="en-US" altLang="zh-CN"/>
+              <a:t>demo</a:t>
+            </a:r>
+            <a:r>
+              <a:rPr lang="zh-CN" altLang="en-US"/>
+              <a:t>类型还是</a:t>
+            </a:r>
+            <a:r>
+              <a:rPr lang="en-US" altLang="zh-CN"/>
+              <a:t>int</a:t>
+            </a:r>
+            <a:r>
+              <a:rPr lang="zh-CN" altLang="en-US"/>
+              <a:t>基础类型对于指针的分析结果没有影响</a:t>
+            </a:r>
+          </a:p>
+          <a:p>
+            <a:pPr lvl="1"/>
+            <a:r>
+              <a:rPr lang="zh-CN" altLang="en-US"/>
+              <a:t>关于</a:t>
+            </a:r>
+            <a:r>
+              <a:rPr lang="en-US" altLang="zh-CN"/>
+              <a:t>p2</a:t>
+            </a:r>
+            <a:r>
+              <a:rPr lang="zh-CN" altLang="en-US"/>
+              <a:t>没有任何的信息输出</a:t>
+            </a:r>
+          </a:p>
+          <a:p>
+            <a:pPr lvl="1"/>
+            <a:r>
+              <a:rPr lang="en-US" altLang="zh-CN"/>
+              <a:t>delete</a:t>
+            </a:r>
+            <a:r>
+              <a:rPr lang="zh-CN" altLang="en-US"/>
+              <a:t>语句对</a:t>
+            </a:r>
+            <a:r>
+              <a:rPr lang="en-US" altLang="zh-CN"/>
+              <a:t>p1</a:t>
+            </a:r>
+            <a:r>
+              <a:rPr lang="zh-CN" altLang="en-US"/>
+              <a:t>的值产生影响，同时因为错误未能判断初始化的可能性较低；</a:t>
+            </a:r>
+            <a:r>
+              <a:rPr lang="en-US" altLang="zh-CN"/>
+              <a:t>delete</a:t>
+            </a:r>
+            <a:r>
+              <a:rPr lang="zh-CN" altLang="en-US"/>
+              <a:t>后造成的悬垂指针可能被视为未初始化。</a:t>
+            </a:r>
+          </a:p>
+          <a:p>
+            <a:pPr lvl="1"/>
+            <a:r>
+              <a:rPr lang="zh-CN" altLang="en-US"/>
+              <a:t>访问</a:t>
+            </a:r>
+            <a:r>
+              <a:rPr lang="en-US" altLang="zh-CN"/>
+              <a:t>p1</a:t>
+            </a:r>
+            <a:r>
+              <a:rPr lang="zh-CN" altLang="en-US"/>
+              <a:t>、</a:t>
+            </a:r>
+            <a:r>
+              <a:rPr lang="en-US" altLang="zh-CN"/>
+              <a:t>p2</a:t>
+            </a:r>
+            <a:r>
+              <a:rPr lang="zh-CN" altLang="en-US"/>
+              <a:t>指向的对象均未报错。成员函数未定义可能导致不能识别，但</a:t>
+            </a:r>
+            <a:r>
+              <a:rPr lang="en-US" altLang="zh-CN"/>
+              <a:t>int</a:t>
+            </a:r>
+            <a:r>
+              <a:rPr lang="zh-CN" altLang="en-US"/>
+              <a:t>型指针仍未提示异常访问。</a:t>
+            </a:r>
+          </a:p>
+          <a:p>
+            <a:pPr lvl="1"/>
+            <a:endParaRPr lang="zh-CN" altLang="en-US"/>
           </a:p>
         </p:txBody>
       </p:sp>
@@ -7731,6 +7218,942 @@
 </file>
 
 <file path=ppt/slides/slide16.xml><?xml version="1.0" encoding="utf-8"?>
+<p:sld xmlns:a="http://schemas.openxmlformats.org/drawingml/2006/main" xmlns:r="http://schemas.openxmlformats.org/officeDocument/2006/relationships" xmlns:p="http://schemas.openxmlformats.org/presentationml/2006/main">
+  <p:cSld>
+    <p:spTree>
+      <p:nvGrpSpPr>
+        <p:cNvPr id="1" name=""/>
+        <p:cNvGrpSpPr/>
+        <p:nvPr/>
+      </p:nvGrpSpPr>
+      <p:grpSpPr>
+        <a:xfrm>
+          <a:off x="0" y="0"/>
+          <a:ext cx="0" cy="0"/>
+          <a:chOff x="0" y="0"/>
+          <a:chExt cx="0" cy="0"/>
+        </a:xfrm>
+      </p:grpSpPr>
+      <p:sp>
+        <p:nvSpPr>
+          <p:cNvPr id="2" name="标题 1"/>
+          <p:cNvSpPr>
+            <a:spLocks noGrp="1"/>
+          </p:cNvSpPr>
+          <p:nvPr>
+            <p:ph type="title"/>
+          </p:nvPr>
+        </p:nvSpPr>
+        <p:spPr/>
+        <p:txBody>
+          <a:bodyPr/>
+          <a:lstStyle/>
+          <a:p>
+            <a:r>
+              <a:rPr kumimoji="1" lang="zh-CN" altLang="en-US" dirty="0" smtClean="0">
+                <a:sym typeface="+mn-ea"/>
+              </a:rPr>
+              <a:t>样例二</a:t>
+            </a:r>
+            <a:r>
+              <a:rPr kumimoji="1" lang="en-US" altLang="zh-CN" dirty="0" smtClean="0">
+                <a:sym typeface="+mn-ea"/>
+              </a:rPr>
+              <a:t>(1)</a:t>
+            </a:r>
+            <a:r>
+              <a:rPr kumimoji="1" lang="zh-CN" altLang="en-US" dirty="0" smtClean="0">
+                <a:sym typeface="+mn-ea"/>
+              </a:rPr>
+              <a:t>测试</a:t>
+            </a:r>
+            <a:endParaRPr lang="zh-CN" altLang="en-US"/>
+          </a:p>
+        </p:txBody>
+      </p:sp>
+      <p:sp>
+        <p:nvSpPr>
+          <p:cNvPr id="3" name="内容占位符 2"/>
+          <p:cNvSpPr>
+            <a:spLocks noGrp="1"/>
+          </p:cNvSpPr>
+          <p:nvPr>
+            <p:ph idx="1"/>
+          </p:nvPr>
+        </p:nvSpPr>
+        <p:spPr/>
+        <p:txBody>
+          <a:bodyPr/>
+          <a:lstStyle/>
+          <a:p>
+            <a:r>
+              <a:rPr lang="zh-CN" altLang="en-US"/>
+              <a:t>测试方法</a:t>
+            </a:r>
+          </a:p>
+          <a:p>
+            <a:pPr lvl="1"/>
+            <a:r>
+              <a:rPr lang="zh-CN" altLang="en-US"/>
+              <a:t>白盒测试</a:t>
+            </a:r>
+          </a:p>
+          <a:p>
+            <a:r>
+              <a:rPr lang="zh-CN" altLang="en-US"/>
+              <a:t>侧重点</a:t>
+            </a:r>
+          </a:p>
+          <a:p>
+            <a:pPr lvl="1"/>
+            <a:r>
+              <a:rPr lang="zh-CN" altLang="en-US"/>
+              <a:t>跟踪程序</a:t>
+            </a:r>
+            <a:r>
+              <a:rPr lang="zh-CN" altLang="en-US" u="sng"/>
+              <a:t>流程</a:t>
+            </a:r>
+          </a:p>
+          <a:p>
+            <a:pPr lvl="1"/>
+            <a:r>
+              <a:rPr lang="zh-CN" altLang="en-US"/>
+              <a:t>分析各模块组成和作用方式</a:t>
+            </a:r>
+          </a:p>
+          <a:p>
+            <a:pPr lvl="1"/>
+            <a:r>
+              <a:rPr lang="zh-CN" altLang="en-US"/>
+              <a:t>了解数据被处理的顺序</a:t>
+            </a:r>
+          </a:p>
+        </p:txBody>
+      </p:sp>
+    </p:spTree>
+  </p:cSld>
+  <p:clrMapOvr>
+    <a:masterClrMapping/>
+  </p:clrMapOvr>
+  <p:timing>
+    <p:tnLst>
+      <p:par>
+        <p:cTn id="1" dur="indefinite" restart="never" nodeType="tmRoot"/>
+      </p:par>
+    </p:tnLst>
+  </p:timing>
+</p:sld>
+</file>
+
+<file path=ppt/slides/slide17.xml><?xml version="1.0" encoding="utf-8"?>
+<p:sld xmlns:a="http://schemas.openxmlformats.org/drawingml/2006/main" xmlns:r="http://schemas.openxmlformats.org/officeDocument/2006/relationships" xmlns:p="http://schemas.openxmlformats.org/presentationml/2006/main">
+  <p:cSld>
+    <p:spTree>
+      <p:nvGrpSpPr>
+        <p:cNvPr id="1" name=""/>
+        <p:cNvGrpSpPr/>
+        <p:nvPr/>
+      </p:nvGrpSpPr>
+      <p:grpSpPr>
+        <a:xfrm>
+          <a:off x="0" y="0"/>
+          <a:ext cx="0" cy="0"/>
+          <a:chOff x="0" y="0"/>
+          <a:chExt cx="0" cy="0"/>
+        </a:xfrm>
+      </p:grpSpPr>
+      <p:sp>
+        <p:nvSpPr>
+          <p:cNvPr id="2" name="标题 1"/>
+          <p:cNvSpPr>
+            <a:spLocks noGrp="1"/>
+          </p:cNvSpPr>
+          <p:nvPr>
+            <p:ph type="title"/>
+          </p:nvPr>
+        </p:nvSpPr>
+        <p:spPr/>
+        <p:txBody>
+          <a:bodyPr/>
+          <a:lstStyle/>
+          <a:p>
+            <a:r>
+              <a:rPr kumimoji="1" lang="zh-CN" altLang="en-US" dirty="0" smtClean="0">
+                <a:sym typeface="+mn-ea"/>
+              </a:rPr>
+              <a:t>样例二</a:t>
+            </a:r>
+            <a:r>
+              <a:rPr kumimoji="1" lang="en-US" altLang="zh-CN" dirty="0" smtClean="0">
+                <a:sym typeface="+mn-ea"/>
+              </a:rPr>
+              <a:t>(1)</a:t>
+            </a:r>
+            <a:r>
+              <a:rPr kumimoji="1" lang="zh-CN" altLang="en-US" dirty="0" smtClean="0">
+                <a:sym typeface="+mn-ea"/>
+              </a:rPr>
+              <a:t>测试</a:t>
+            </a:r>
+            <a:endParaRPr lang="zh-CN" altLang="en-US"/>
+          </a:p>
+        </p:txBody>
+      </p:sp>
+      <p:sp>
+        <p:nvSpPr>
+          <p:cNvPr id="3" name="内容占位符 2"/>
+          <p:cNvSpPr>
+            <a:spLocks noGrp="1"/>
+          </p:cNvSpPr>
+          <p:nvPr>
+            <p:ph idx="1"/>
+          </p:nvPr>
+        </p:nvSpPr>
+        <p:spPr/>
+        <p:txBody>
+          <a:bodyPr/>
+          <a:lstStyle/>
+          <a:p>
+            <a:r>
+              <a:rPr lang="zh-CN" altLang="en-US"/>
+              <a:t>白盒测试分析</a:t>
+            </a:r>
+          </a:p>
+          <a:p>
+            <a:pPr lvl="1"/>
+            <a:r>
+              <a:rPr lang="zh-CN" altLang="en-US"/>
+              <a:t>ValueFlow::setValues过程了解的不明确；就结果而言p1和p2的token均没有由</a:t>
+            </a:r>
+            <a:r>
+              <a:rPr lang="zh-CN" altLang="en-US">
+                <a:sym typeface="+mn-ea"/>
+              </a:rPr>
+              <a:t>ValueFlow</a:t>
+            </a:r>
+            <a:r>
+              <a:rPr lang="zh-CN" altLang="en-US"/>
+              <a:t>设置合适的值，导致</a:t>
+            </a:r>
+            <a:r>
+              <a:rPr lang="en-US" altLang="zh-CN"/>
+              <a:t>Check</a:t>
+            </a:r>
+            <a:r>
+              <a:rPr lang="zh-CN" altLang="en-US"/>
+              <a:t>类没有检测出p2异常使用（func函数未定义也可能是原因之一）。</a:t>
+            </a:r>
+          </a:p>
+          <a:p>
+            <a:pPr lvl="1"/>
+            <a:r>
+              <a:rPr lang="zh-CN" altLang="en-US"/>
+              <a:t>可以注意到，p1在delete后提示了未初始化的变量，但因为</a:t>
+            </a:r>
+            <a:r>
+              <a:rPr lang="zh-CN" altLang="en-US">
+                <a:sym typeface="+mn-ea"/>
+              </a:rPr>
+              <a:t>ValueFlow</a:t>
+            </a:r>
+            <a:r>
+              <a:rPr lang="zh-CN" altLang="en-US"/>
+              <a:t>功能异常，p1的值不确定是在delete后确定“未初始化”还是保持了value的初始值“未初始化”。</a:t>
+            </a:r>
+          </a:p>
+          <a:p>
+            <a:pPr marL="0" lvl="0" indent="0">
+              <a:buNone/>
+            </a:pPr>
+            <a:endParaRPr lang="zh-CN" altLang="en-US"/>
+          </a:p>
+        </p:txBody>
+      </p:sp>
+    </p:spTree>
+  </p:cSld>
+  <p:clrMapOvr>
+    <a:masterClrMapping/>
+  </p:clrMapOvr>
+  <p:timing>
+    <p:tnLst>
+      <p:par>
+        <p:cTn id="1" dur="indefinite" restart="never" nodeType="tmRoot"/>
+      </p:par>
+    </p:tnLst>
+  </p:timing>
+</p:sld>
+</file>
+
+<file path=ppt/slides/slide18.xml><?xml version="1.0" encoding="utf-8"?>
+<p:sld xmlns:a="http://schemas.openxmlformats.org/drawingml/2006/main" xmlns:r="http://schemas.openxmlformats.org/officeDocument/2006/relationships" xmlns:p="http://schemas.openxmlformats.org/presentationml/2006/main">
+  <p:cSld>
+    <p:spTree>
+      <p:nvGrpSpPr>
+        <p:cNvPr id="1" name=""/>
+        <p:cNvGrpSpPr/>
+        <p:nvPr/>
+      </p:nvGrpSpPr>
+      <p:grpSpPr>
+        <a:xfrm>
+          <a:off x="0" y="0"/>
+          <a:ext cx="0" cy="0"/>
+          <a:chOff x="0" y="0"/>
+          <a:chExt cx="0" cy="0"/>
+        </a:xfrm>
+      </p:grpSpPr>
+      <p:sp>
+        <p:nvSpPr>
+          <p:cNvPr id="2" name="标题 1"/>
+          <p:cNvSpPr>
+            <a:spLocks noGrp="1"/>
+          </p:cNvSpPr>
+          <p:nvPr>
+            <p:ph type="title"/>
+          </p:nvPr>
+        </p:nvSpPr>
+        <p:spPr>
+          <a:xfrm>
+            <a:off x="838200" y="232410"/>
+            <a:ext cx="10515600" cy="1325563"/>
+          </a:xfrm>
+        </p:spPr>
+        <p:txBody>
+          <a:bodyPr/>
+          <a:lstStyle/>
+          <a:p>
+            <a:r>
+              <a:rPr kumimoji="1" lang="zh-CN" altLang="en-US"/>
+              <a:t>主要流程分析</a:t>
+            </a:r>
+          </a:p>
+        </p:txBody>
+      </p:sp>
+      <p:sp>
+        <p:nvSpPr>
+          <p:cNvPr id="3" name="内容占位符 2"/>
+          <p:cNvSpPr>
+            <a:spLocks noGrp="1"/>
+          </p:cNvSpPr>
+          <p:nvPr>
+            <p:ph idx="1"/>
+          </p:nvPr>
+        </p:nvSpPr>
+        <p:spPr>
+          <a:xfrm>
+            <a:off x="157480" y="1431290"/>
+            <a:ext cx="11891645" cy="5335905"/>
+          </a:xfrm>
+        </p:spPr>
+        <p:txBody>
+          <a:bodyPr>
+            <a:noAutofit/>
+          </a:bodyPr>
+          <a:lstStyle/>
+          <a:p>
+            <a:pPr>
+              <a:lnSpc>
+                <a:spcPct val="70000"/>
+              </a:lnSpc>
+            </a:pPr>
+            <a:r>
+              <a:rPr kumimoji="1" lang="en-US" altLang="en-US" sz="2000" dirty="0" err="1">
+                <a:sym typeface="+mn-ea"/>
+              </a:rPr>
+              <a:t>CppCheck</a:t>
+            </a:r>
+            <a:r>
+              <a:rPr kumimoji="1" lang="zh-CN" altLang="en-US" sz="2000" dirty="0">
+                <a:sym typeface="+mn-ea"/>
+              </a:rPr>
+              <a:t>类，处理单个文件</a:t>
+            </a:r>
+          </a:p>
+          <a:p>
+            <a:pPr marL="0" indent="0">
+              <a:lnSpc>
+                <a:spcPct val="70000"/>
+              </a:lnSpc>
+              <a:buNone/>
+            </a:pPr>
+            <a:r>
+              <a:rPr kumimoji="1" lang="en-US" altLang="zh-CN" sz="2000" dirty="0">
+                <a:sym typeface="+mn-ea"/>
+              </a:rPr>
+              <a:t>	</a:t>
+            </a:r>
+            <a:r>
+              <a:rPr kumimoji="1" lang="zh-CN" altLang="en-US" sz="2000" dirty="0">
+                <a:sym typeface="+mn-ea"/>
+              </a:rPr>
+              <a:t>加入预定义宏</a:t>
+            </a:r>
+          </a:p>
+          <a:p>
+            <a:pPr marL="0" indent="0">
+              <a:lnSpc>
+                <a:spcPct val="70000"/>
+              </a:lnSpc>
+              <a:buNone/>
+            </a:pPr>
+            <a:r>
+              <a:rPr kumimoji="1" lang="en-US" altLang="zh-CN" sz="2000" dirty="0">
+                <a:sym typeface="+mn-ea"/>
+              </a:rPr>
+              <a:t>	</a:t>
+            </a:r>
+            <a:r>
+              <a:rPr kumimoji="1" lang="zh-CN" altLang="en-US" sz="2000" dirty="0">
+                <a:sym typeface="+mn-ea"/>
+              </a:rPr>
+              <a:t>使用</a:t>
+            </a:r>
+            <a:r>
+              <a:rPr kumimoji="1" lang="en-US" altLang="en-US" sz="2000" dirty="0">
+                <a:sym typeface="+mn-ea"/>
+              </a:rPr>
+              <a:t>Preprocessor</a:t>
+            </a:r>
+            <a:r>
+              <a:rPr kumimoji="1" lang="zh-CN" altLang="en-US" sz="2000" dirty="0">
+                <a:sym typeface="+mn-ea"/>
+              </a:rPr>
+              <a:t>预处理源文件</a:t>
+            </a:r>
+          </a:p>
+          <a:p>
+            <a:pPr marL="0" indent="0">
+              <a:lnSpc>
+                <a:spcPct val="70000"/>
+              </a:lnSpc>
+              <a:buNone/>
+            </a:pPr>
+            <a:r>
+              <a:rPr kumimoji="1" lang="en-US" altLang="zh-CN" sz="2000" dirty="0">
+                <a:sym typeface="+mn-ea"/>
+              </a:rPr>
+              <a:t>	</a:t>
+            </a:r>
+            <a:r>
+              <a:rPr kumimoji="1" lang="zh-CN" altLang="en-US" sz="2000" dirty="0">
+                <a:sym typeface="+mn-ea"/>
+              </a:rPr>
+              <a:t>在文件内容前添加文件自身信息，一同进行</a:t>
+            </a:r>
+            <a:r>
+              <a:rPr kumimoji="1" lang="en-US" altLang="en-US" sz="2000" dirty="0">
+                <a:sym typeface="+mn-ea"/>
+              </a:rPr>
+              <a:t>tokenize</a:t>
+            </a:r>
+          </a:p>
+          <a:p>
+            <a:pPr marL="0" indent="0">
+              <a:lnSpc>
+                <a:spcPct val="70000"/>
+              </a:lnSpc>
+              <a:buNone/>
+            </a:pPr>
+            <a:r>
+              <a:rPr kumimoji="1" lang="en-US" altLang="zh-CN" sz="2000" dirty="0">
+                <a:sym typeface="+mn-ea"/>
+              </a:rPr>
+              <a:t>	</a:t>
+            </a:r>
+            <a:r>
+              <a:rPr kumimoji="1" lang="zh-CN" altLang="en-US" sz="2000" dirty="0">
+                <a:sym typeface="+mn-ea"/>
+              </a:rPr>
+              <a:t>进入</a:t>
+            </a:r>
+            <a:r>
+              <a:rPr kumimoji="1" lang="en-US" altLang="en-US" sz="2000" dirty="0" err="1">
+                <a:sym typeface="+mn-ea"/>
+              </a:rPr>
+              <a:t>CppCheck</a:t>
+            </a:r>
+            <a:r>
+              <a:rPr kumimoji="1" lang="en-US" altLang="en-US" sz="2000" dirty="0">
+                <a:sym typeface="+mn-ea"/>
+              </a:rPr>
+              <a:t>::</a:t>
+            </a:r>
+            <a:r>
+              <a:rPr kumimoji="1" lang="en-US" altLang="en-US" sz="2000" dirty="0" err="1">
+                <a:sym typeface="+mn-ea"/>
+              </a:rPr>
+              <a:t>checkFile</a:t>
+            </a:r>
+            <a:r>
+              <a:rPr kumimoji="1" lang="zh-CN" altLang="en-US" sz="2000" dirty="0">
+                <a:sym typeface="+mn-ea"/>
+              </a:rPr>
+              <a:t>函数进行主要处理工作</a:t>
+            </a:r>
+          </a:p>
+          <a:p>
+            <a:pPr marL="0" indent="0">
+              <a:lnSpc>
+                <a:spcPct val="70000"/>
+              </a:lnSpc>
+              <a:buNone/>
+            </a:pPr>
+            <a:r>
+              <a:rPr kumimoji="1" lang="en-US" altLang="zh-CN" sz="2000" dirty="0">
+                <a:sym typeface="+mn-ea"/>
+              </a:rPr>
+              <a:t>		</a:t>
+            </a:r>
+            <a:r>
+              <a:rPr kumimoji="1" lang="en-US" altLang="zh-CN" sz="2000" dirty="0" err="1">
+                <a:sym typeface="+mn-ea"/>
+              </a:rPr>
+              <a:t>Tokenizer</a:t>
+            </a:r>
+            <a:r>
+              <a:rPr kumimoji="1" lang="en-US" altLang="zh-CN" sz="2000" dirty="0">
+                <a:sym typeface="+mn-ea"/>
+              </a:rPr>
+              <a:t>::</a:t>
+            </a:r>
+            <a:r>
+              <a:rPr kumimoji="1" lang="en-US" altLang="zh-CN" sz="2000" dirty="0" err="1">
+                <a:sym typeface="+mn-ea"/>
+              </a:rPr>
+              <a:t>tokenizer</a:t>
+            </a:r>
+            <a:endParaRPr kumimoji="1" lang="en-US" altLang="zh-CN" sz="2000" dirty="0">
+              <a:sym typeface="+mn-ea"/>
+            </a:endParaRPr>
+          </a:p>
+          <a:p>
+            <a:pPr marL="0" indent="0">
+              <a:lnSpc>
+                <a:spcPct val="70000"/>
+              </a:lnSpc>
+              <a:buNone/>
+            </a:pPr>
+            <a:r>
+              <a:rPr kumimoji="1" lang="en-US" altLang="zh-CN" sz="2000" dirty="0">
+                <a:sym typeface="+mn-ea"/>
+              </a:rPr>
+              <a:t>			</a:t>
+            </a:r>
+            <a:r>
+              <a:rPr kumimoji="1" lang="en-US" altLang="zh-CN" sz="2000" dirty="0" err="1">
+                <a:sym typeface="+mn-ea"/>
+              </a:rPr>
+              <a:t>TokenList</a:t>
+            </a:r>
+            <a:r>
+              <a:rPr kumimoji="1" lang="en-US" altLang="zh-CN" sz="2000" dirty="0">
+                <a:sym typeface="+mn-ea"/>
+              </a:rPr>
+              <a:t>::</a:t>
+            </a:r>
+            <a:r>
+              <a:rPr kumimoji="1" lang="en-US" altLang="zh-CN" sz="2000" dirty="0" err="1">
+                <a:sym typeface="+mn-ea"/>
+              </a:rPr>
+              <a:t>createTokens</a:t>
+            </a:r>
+            <a:endParaRPr kumimoji="1" lang="en-US" altLang="zh-CN" sz="2000" dirty="0">
+              <a:sym typeface="+mn-ea"/>
+            </a:endParaRPr>
+          </a:p>
+          <a:p>
+            <a:pPr marL="0" indent="0">
+              <a:lnSpc>
+                <a:spcPct val="70000"/>
+              </a:lnSpc>
+              <a:buNone/>
+            </a:pPr>
+            <a:r>
+              <a:rPr kumimoji="1" lang="en-US" altLang="zh-CN" sz="2000" dirty="0">
+                <a:sym typeface="+mn-ea"/>
+              </a:rPr>
+              <a:t>			</a:t>
+            </a:r>
+            <a:r>
+              <a:rPr kumimoji="1" lang="en-US" altLang="zh-CN" sz="2000" dirty="0" err="1">
+                <a:sym typeface="+mn-ea"/>
+              </a:rPr>
+              <a:t>Tokenizer</a:t>
+            </a:r>
+            <a:r>
+              <a:rPr kumimoji="1" lang="en-US" altLang="zh-CN" sz="2000" dirty="0">
+                <a:sym typeface="+mn-ea"/>
+              </a:rPr>
+              <a:t>::simplifyTokenList1</a:t>
+            </a:r>
+          </a:p>
+          <a:p>
+            <a:pPr marL="0" indent="0">
+              <a:lnSpc>
+                <a:spcPct val="70000"/>
+              </a:lnSpc>
+              <a:buNone/>
+            </a:pPr>
+            <a:r>
+              <a:rPr kumimoji="1" lang="en-US" altLang="zh-CN" sz="2000" dirty="0">
+                <a:sym typeface="+mn-ea"/>
+              </a:rPr>
+              <a:t>				</a:t>
+            </a:r>
+            <a:r>
+              <a:rPr kumimoji="1" lang="zh-CN" altLang="en-US" sz="2000" dirty="0">
+                <a:sym typeface="+mn-ea"/>
+              </a:rPr>
+              <a:t>建立</a:t>
+            </a:r>
+            <a:r>
+              <a:rPr kumimoji="1" lang="en-US" altLang="en-US" sz="2000" dirty="0" err="1">
+                <a:sym typeface="+mn-ea"/>
+              </a:rPr>
+              <a:t>SymbolDatabase</a:t>
+            </a:r>
+            <a:r>
+              <a:rPr kumimoji="1" lang="zh-CN" altLang="en-US" sz="2000" dirty="0">
+                <a:sym typeface="+mn-ea"/>
+              </a:rPr>
+              <a:t>符号库</a:t>
+            </a:r>
+          </a:p>
+          <a:p>
+            <a:pPr marL="0" indent="0">
+              <a:lnSpc>
+                <a:spcPct val="70000"/>
+              </a:lnSpc>
+              <a:buNone/>
+            </a:pPr>
+            <a:r>
+              <a:rPr kumimoji="1" lang="en-US" altLang="zh-CN" sz="2000" dirty="0">
+                <a:sym typeface="+mn-ea"/>
+              </a:rPr>
+              <a:t>	</a:t>
+            </a:r>
+            <a:r>
+              <a:rPr kumimoji="1" lang="zh-CN" altLang="en-US" sz="2000" dirty="0">
+                <a:sym typeface="+mn-ea"/>
+              </a:rPr>
+              <a:t>建立运算符关系，将运算符操作数与运算符</a:t>
+            </a:r>
+            <a:r>
+              <a:rPr kumimoji="1" lang="en-US" altLang="zh-CN" sz="2000" dirty="0">
+                <a:sym typeface="+mn-ea"/>
+              </a:rPr>
+              <a:t>token</a:t>
+            </a:r>
+            <a:r>
+              <a:rPr kumimoji="1" lang="zh-CN" altLang="en-US" sz="2000" dirty="0">
+                <a:sym typeface="+mn-ea"/>
+              </a:rPr>
+              <a:t>链接</a:t>
+            </a:r>
+          </a:p>
+          <a:p>
+            <a:pPr marL="0" indent="0">
+              <a:lnSpc>
+                <a:spcPct val="70000"/>
+              </a:lnSpc>
+              <a:buNone/>
+            </a:pPr>
+            <a:r>
+              <a:rPr kumimoji="1" lang="en-US" altLang="zh-CN" sz="2000" dirty="0">
+                <a:sym typeface="+mn-ea"/>
+              </a:rPr>
+              <a:t>	</a:t>
+            </a:r>
+            <a:r>
+              <a:rPr kumimoji="1" lang="zh-CN" altLang="zh-CN" sz="2000" dirty="0">
+                <a:sym typeface="+mn-ea"/>
+              </a:rPr>
+              <a:t>使用所有</a:t>
+            </a:r>
+            <a:r>
+              <a:rPr kumimoji="1" lang="en-US" altLang="zh-CN" sz="2000" dirty="0">
+                <a:sym typeface="+mn-ea"/>
+              </a:rPr>
+              <a:t>Check</a:t>
+            </a:r>
+            <a:r>
+              <a:rPr kumimoji="1" lang="zh-CN" altLang="zh-CN" sz="2000" dirty="0">
+                <a:sym typeface="+mn-ea"/>
+              </a:rPr>
+              <a:t>规则对现有的</a:t>
+            </a:r>
+            <a:r>
+              <a:rPr kumimoji="1" lang="en-US" altLang="zh-CN" sz="2000" dirty="0">
+                <a:sym typeface="+mn-ea"/>
+              </a:rPr>
+              <a:t>token</a:t>
+            </a:r>
+            <a:r>
+              <a:rPr kumimoji="1" lang="zh-CN" altLang="en-US" sz="2000" dirty="0">
+                <a:sym typeface="+mn-ea"/>
+              </a:rPr>
+              <a:t>进行测试并输出</a:t>
+            </a:r>
+          </a:p>
+          <a:p>
+            <a:pPr marL="0" indent="0">
+              <a:lnSpc>
+                <a:spcPct val="70000"/>
+              </a:lnSpc>
+              <a:buNone/>
+            </a:pPr>
+            <a:r>
+              <a:rPr kumimoji="1" lang="en-US" altLang="zh-CN" sz="2000" dirty="0">
+                <a:sym typeface="+mn-ea"/>
+              </a:rPr>
+              <a:t>	</a:t>
+            </a:r>
+            <a:r>
+              <a:rPr kumimoji="1" lang="en-US" altLang="zh-CN" sz="2000" dirty="0" err="1">
+                <a:sym typeface="+mn-ea"/>
+              </a:rPr>
+              <a:t>CppCheck</a:t>
+            </a:r>
+            <a:r>
+              <a:rPr kumimoji="1" lang="en-US" altLang="zh-CN" sz="2000" dirty="0">
+                <a:sym typeface="+mn-ea"/>
+              </a:rPr>
+              <a:t>::</a:t>
+            </a:r>
+            <a:r>
+              <a:rPr kumimoji="1" lang="en-US" altLang="zh-CN" sz="2000" dirty="0" err="1">
+                <a:sym typeface="+mn-ea"/>
+              </a:rPr>
+              <a:t>executeRules</a:t>
+            </a:r>
+            <a:r>
+              <a:rPr kumimoji="1" lang="zh-CN" altLang="zh-CN" sz="2000" dirty="0">
+                <a:sym typeface="+mn-ea"/>
+              </a:rPr>
+              <a:t>执行</a:t>
+            </a:r>
+            <a:r>
+              <a:rPr kumimoji="1" lang="en-US" altLang="zh-CN" sz="2000" dirty="0">
+                <a:sym typeface="+mn-ea"/>
+              </a:rPr>
+              <a:t>normal</a:t>
+            </a:r>
+            <a:r>
+              <a:rPr kumimoji="1" lang="zh-CN" altLang="en-US" sz="2000" dirty="0">
+                <a:sym typeface="+mn-ea"/>
+              </a:rPr>
+              <a:t>规则</a:t>
+            </a:r>
+          </a:p>
+          <a:p>
+            <a:pPr marL="0" indent="0">
+              <a:lnSpc>
+                <a:spcPct val="70000"/>
+              </a:lnSpc>
+              <a:buNone/>
+            </a:pPr>
+            <a:r>
+              <a:rPr kumimoji="1" lang="en-US" altLang="zh-CN" sz="2000" dirty="0">
+                <a:sym typeface="+mn-ea"/>
+              </a:rPr>
+              <a:t>	</a:t>
+            </a:r>
+            <a:r>
+              <a:rPr kumimoji="1" lang="en-US" altLang="zh-CN" sz="2000" dirty="0" err="1">
+                <a:sym typeface="+mn-ea"/>
+              </a:rPr>
+              <a:t>Tokenizer</a:t>
+            </a:r>
+            <a:r>
+              <a:rPr kumimoji="1" lang="en-US" altLang="zh-CN" sz="2000" dirty="0">
+                <a:sym typeface="+mn-ea"/>
+              </a:rPr>
+              <a:t>::simplifyTokenList2 </a:t>
+            </a:r>
+            <a:r>
+              <a:rPr kumimoji="1" lang="zh-CN" altLang="zh-CN" sz="2000" dirty="0">
+                <a:sym typeface="+mn-ea"/>
+              </a:rPr>
+              <a:t>重新建立</a:t>
+            </a:r>
+            <a:r>
+              <a:rPr kumimoji="1" lang="en-US" altLang="zh-CN" sz="2000" dirty="0" err="1">
+                <a:sym typeface="+mn-ea"/>
+              </a:rPr>
+              <a:t>SymbolDatabase</a:t>
+            </a:r>
+            <a:r>
+              <a:rPr kumimoji="1" lang="zh-CN" altLang="zh-CN" sz="2000" dirty="0">
+                <a:sym typeface="+mn-ea"/>
+              </a:rPr>
+              <a:t>符号库 </a:t>
+            </a:r>
+            <a:r>
+              <a:rPr kumimoji="1" lang="en-US" altLang="zh-CN" sz="2000" dirty="0" err="1">
+                <a:sym typeface="+mn-ea"/>
+              </a:rPr>
+              <a:t>ValueFlow</a:t>
+            </a:r>
+            <a:r>
+              <a:rPr kumimoji="1" lang="en-US" altLang="zh-CN" sz="2000" dirty="0">
+                <a:sym typeface="+mn-ea"/>
+              </a:rPr>
+              <a:t>::</a:t>
+            </a:r>
+            <a:r>
+              <a:rPr kumimoji="1" lang="en-US" altLang="zh-CN" sz="2000" dirty="0" err="1">
+                <a:sym typeface="+mn-ea"/>
+              </a:rPr>
+              <a:t>setValues</a:t>
+            </a:r>
+            <a:r>
+              <a:rPr kumimoji="1" lang="zh-CN" altLang="zh-CN" sz="2000" dirty="0">
+                <a:sym typeface="+mn-ea"/>
+              </a:rPr>
+              <a:t>设置</a:t>
+            </a:r>
+            <a:r>
+              <a:rPr kumimoji="1" lang="en-US" altLang="zh-CN" sz="2000" dirty="0">
+                <a:sym typeface="+mn-ea"/>
+              </a:rPr>
+              <a:t>token</a:t>
+            </a:r>
+            <a:r>
+              <a:rPr kumimoji="1" lang="zh-CN" altLang="en-US" sz="2000" dirty="0">
+                <a:sym typeface="+mn-ea"/>
+              </a:rPr>
+              <a:t>的值</a:t>
+            </a:r>
+          </a:p>
+          <a:p>
+            <a:pPr marL="0" indent="0">
+              <a:lnSpc>
+                <a:spcPct val="70000"/>
+              </a:lnSpc>
+              <a:buNone/>
+            </a:pPr>
+            <a:r>
+              <a:rPr kumimoji="1" lang="en-US" altLang="zh-CN" sz="2000" dirty="0">
+                <a:sym typeface="+mn-ea"/>
+              </a:rPr>
+              <a:t>	</a:t>
+            </a:r>
+            <a:r>
+              <a:rPr kumimoji="1" lang="zh-CN" altLang="zh-CN" sz="2000" dirty="0">
+                <a:sym typeface="+mn-ea"/>
+              </a:rPr>
+              <a:t>使用所有</a:t>
+            </a:r>
+            <a:r>
+              <a:rPr kumimoji="1" lang="en-US" altLang="zh-CN" sz="2000" dirty="0">
+                <a:sym typeface="+mn-ea"/>
+              </a:rPr>
+              <a:t>Check</a:t>
+            </a:r>
+            <a:r>
+              <a:rPr kumimoji="1" lang="zh-CN" altLang="en-US" sz="2000" dirty="0">
+                <a:sym typeface="+mn-ea"/>
+              </a:rPr>
+              <a:t>规则对现有</a:t>
+            </a:r>
+            <a:r>
+              <a:rPr kumimoji="1" lang="en-US" altLang="zh-CN" sz="2000" dirty="0">
+                <a:sym typeface="+mn-ea"/>
+              </a:rPr>
+              <a:t>token</a:t>
+            </a:r>
+            <a:r>
+              <a:rPr kumimoji="1" lang="zh-CN" altLang="en-US" sz="2000" dirty="0">
+                <a:sym typeface="+mn-ea"/>
+              </a:rPr>
+              <a:t>进行简单测试并输出</a:t>
+            </a:r>
+          </a:p>
+          <a:p>
+            <a:pPr marL="0" indent="0">
+              <a:lnSpc>
+                <a:spcPct val="70000"/>
+              </a:lnSpc>
+              <a:buNone/>
+            </a:pPr>
+            <a:r>
+              <a:rPr kumimoji="1" lang="en-US" altLang="zh-CN" sz="2000" dirty="0">
+                <a:sym typeface="+mn-ea"/>
+              </a:rPr>
+              <a:t>	</a:t>
+            </a:r>
+            <a:r>
+              <a:rPr kumimoji="1" lang="en-US" altLang="zh-CN" sz="2000" dirty="0" err="1">
+                <a:sym typeface="+mn-ea"/>
+              </a:rPr>
+              <a:t>CppCheck</a:t>
+            </a:r>
+            <a:r>
+              <a:rPr kumimoji="1" lang="en-US" altLang="zh-CN" sz="2000" dirty="0">
+                <a:sym typeface="+mn-ea"/>
+              </a:rPr>
+              <a:t>::</a:t>
+            </a:r>
+            <a:r>
+              <a:rPr kumimoji="1" lang="en-US" altLang="zh-CN" sz="2000" dirty="0" err="1">
+                <a:sym typeface="+mn-ea"/>
+              </a:rPr>
+              <a:t>executeRules</a:t>
+            </a:r>
+            <a:r>
+              <a:rPr kumimoji="1" lang="zh-CN" altLang="zh-CN" sz="2000" dirty="0">
+                <a:sym typeface="+mn-ea"/>
+              </a:rPr>
+              <a:t>执行 </a:t>
+            </a:r>
+            <a:r>
+              <a:rPr kumimoji="1" lang="en-US" altLang="zh-CN" sz="2000" dirty="0">
+                <a:sym typeface="+mn-ea"/>
+              </a:rPr>
+              <a:t>simple</a:t>
+            </a:r>
+            <a:r>
+              <a:rPr kumimoji="1" lang="zh-CN" altLang="zh-CN" sz="2000" dirty="0">
+                <a:sym typeface="+mn-ea"/>
+              </a:rPr>
+              <a:t>规则</a:t>
+            </a:r>
+            <a:r>
+              <a:rPr kumimoji="1" lang="en-US" altLang="zh-CN" sz="2000" dirty="0">
+                <a:sym typeface="+mn-ea"/>
+              </a:rPr>
+              <a:t>			</a:t>
+            </a:r>
+          </a:p>
+          <a:p>
+            <a:pPr marL="0" indent="0">
+              <a:lnSpc>
+                <a:spcPct val="70000"/>
+              </a:lnSpc>
+              <a:buNone/>
+            </a:pPr>
+            <a:endParaRPr kumimoji="1" lang="en-US" altLang="zh-CN" sz="2000" dirty="0">
+              <a:sym typeface="+mn-ea"/>
+            </a:endParaRPr>
+          </a:p>
+        </p:txBody>
+      </p:sp>
+    </p:spTree>
+  </p:cSld>
+  <p:clrMapOvr>
+    <a:masterClrMapping/>
+  </p:clrMapOvr>
+  <p:timing>
+    <p:tnLst>
+      <p:par>
+        <p:cTn id="1" dur="indefinite" restart="never" nodeType="tmRoot"/>
+      </p:par>
+    </p:tnLst>
+  </p:timing>
+</p:sld>
+</file>
+
+<file path=ppt/slides/slide19.xml><?xml version="1.0" encoding="utf-8"?>
 <p:sld xmlns:a="http://schemas.openxmlformats.org/drawingml/2006/main" xmlns:r="http://schemas.openxmlformats.org/officeDocument/2006/relationships" xmlns:p="http://schemas.openxmlformats.org/presentationml/2006/main">
   <p:cSld>
     <p:spTree>
@@ -8307,7 +8730,7 @@
 </p:sld>
 </file>
 
-<file path=ppt/slides/slide17.xml><?xml version="1.0" encoding="utf-8"?>
+<file path=ppt/slides/slide2.xml><?xml version="1.0" encoding="utf-8"?>
 <p:sld xmlns:a="http://schemas.openxmlformats.org/drawingml/2006/main" xmlns:r="http://schemas.openxmlformats.org/officeDocument/2006/relationships" xmlns:p="http://schemas.openxmlformats.org/presentationml/2006/main">
   <p:cSld>
     <p:spTree>
@@ -8340,12 +8763,10 @@
           <a:lstStyle/>
           <a:p>
             <a:r>
-              <a:rPr lang="zh-CN" altLang="zh-CN">
-                <a:sym typeface="+mn-ea"/>
-              </a:rPr>
-              <a:t>过程详细流程</a:t>
-            </a:r>
-            <a:endParaRPr lang="zh-CN" altLang="en-US"/>
+              <a:rPr kumimoji="1" lang="zh-CN" altLang="en-US" dirty="0" smtClean="0"/>
+              <a:t>说在前面</a:t>
+            </a:r>
+            <a:endParaRPr kumimoji="1" lang="zh-CN" altLang="en-US" dirty="0"/>
           </a:p>
         </p:txBody>
       </p:sp>
@@ -8359,136 +8780,55 @@
             <p:ph idx="1"/>
           </p:nvPr>
         </p:nvSpPr>
+        <p:spPr/>
+        <p:txBody>
+          <a:bodyPr/>
+          <a:lstStyle/>
+          <a:p>
+            <a:r>
+              <a:rPr kumimoji="1" lang="zh-CN" altLang="en-US" dirty="0" smtClean="0"/>
+              <a:t>在第四周：</a:t>
+            </a:r>
+            <a:endParaRPr kumimoji="1" lang="zh-CN" altLang="en-US" dirty="0"/>
+          </a:p>
+        </p:txBody>
+      </p:sp>
+      <p:pic>
+        <p:nvPicPr>
+          <p:cNvPr id="4" name="图片 3"/>
+          <p:cNvPicPr>
+            <a:picLocks noChangeAspect="1"/>
+          </p:cNvPicPr>
+          <p:nvPr/>
+        </p:nvPicPr>
+        <p:blipFill>
+          <a:blip r:embed="rId2">
+            <a:extLst>
+              <a:ext uri="{28A0092B-C50C-407E-A947-70E740481C1C}">
+                <a14:useLocalDpi xmlns:a14="http://schemas.microsoft.com/office/drawing/2010/main" val="0"/>
+              </a:ext>
+            </a:extLst>
+          </a:blip>
+          <a:stretch>
+            <a:fillRect/>
+          </a:stretch>
+        </p:blipFill>
         <p:spPr>
           <a:xfrm>
-            <a:off x="838200" y="1691005"/>
-            <a:ext cx="10267315" cy="4351655"/>
+            <a:off x="2876550" y="1690688"/>
+            <a:ext cx="6438900" cy="4381500"/>
           </a:xfrm>
+          <a:prstGeom prst="rect">
+            <a:avLst/>
+          </a:prstGeom>
         </p:spPr>
-        <p:txBody>
-          <a:bodyPr>
-            <a:normAutofit/>
-          </a:bodyPr>
-          <a:lstStyle/>
-          <a:p>
-            <a:r>
-              <a:rPr lang="en-US" altLang="zh-CN"/>
-              <a:t>Tokenizer::simplifyTokenList1</a:t>
-            </a:r>
-            <a:r>
-              <a:rPr lang="zh-CN" altLang="zh-CN"/>
-              <a:t>流程</a:t>
-            </a:r>
-            <a:r>
-              <a:rPr lang="en-US" altLang="zh-CN"/>
-              <a:t>(</a:t>
-            </a:r>
-            <a:r>
-              <a:rPr lang="zh-CN" altLang="zh-CN"/>
-              <a:t>简</a:t>
-            </a:r>
-            <a:r>
-              <a:rPr lang="en-US" altLang="zh-CN"/>
-              <a:t>)</a:t>
-            </a:r>
-          </a:p>
-          <a:p>
-            <a:pPr marL="0" indent="0">
-              <a:buNone/>
-            </a:pPr>
-            <a:r>
-              <a:rPr lang="en-US" altLang="zh-CN"/>
-              <a:t>	Tokenizer::createLinks</a:t>
-            </a:r>
-            <a:r>
-              <a:rPr lang="zh-CN" altLang="zh-CN"/>
-              <a:t>链接前后括号</a:t>
-            </a:r>
-          </a:p>
-          <a:p>
-            <a:pPr marL="0" indent="0">
-              <a:buNone/>
-            </a:pPr>
-            <a:r>
-              <a:rPr lang="en-US" altLang="zh-CN"/>
-              <a:t>	Tokenizer::combineOperators</a:t>
-            </a:r>
-            <a:r>
-              <a:rPr lang="zh-CN" altLang="en-US"/>
-              <a:t>连接多字符操作符</a:t>
-            </a:r>
-          </a:p>
-          <a:p>
-            <a:pPr marL="0" indent="0">
-              <a:buNone/>
-            </a:pPr>
-            <a:r>
-              <a:rPr lang="en-US" altLang="zh-CN"/>
-              <a:t>		</a:t>
-            </a:r>
-            <a:r>
-              <a:rPr lang="zh-CN" altLang="en-US"/>
-              <a:t>连接</a:t>
-            </a:r>
-            <a:r>
-              <a:rPr lang="en-US" altLang="zh-CN"/>
-              <a:t>“-&gt;”</a:t>
-            </a:r>
-          </a:p>
-          <a:p>
-            <a:pPr marL="0" indent="0">
-              <a:buNone/>
-            </a:pPr>
-            <a:r>
-              <a:rPr lang="en-US" altLang="zh-CN"/>
-              <a:t>	Tokenizer::simplifyVarDecl</a:t>
-            </a:r>
-            <a:r>
-              <a:rPr lang="zh-CN" altLang="en-US"/>
-              <a:t>简化并分离变量定义赋值过程</a:t>
-            </a:r>
-          </a:p>
-          <a:p>
-            <a:pPr marL="0" indent="0">
-              <a:buNone/>
-            </a:pPr>
-            <a:r>
-              <a:rPr lang="en-US" altLang="zh-CN"/>
-              <a:t>	demo * p1 = new demo ( ) ;变为demo * p1 ; p1 = new demo();</a:t>
-            </a:r>
-          </a:p>
-          <a:p>
-            <a:pPr marL="0" indent="0">
-              <a:buNone/>
-            </a:pPr>
-            <a:r>
-              <a:rPr lang="en-US" altLang="zh-CN"/>
-              <a:t>	demo * p2 = p1 ;变为demo * p2 ; p2 = p1 ;</a:t>
-            </a:r>
-          </a:p>
-          <a:p>
-            <a:pPr marL="0" indent="0">
-              <a:buNone/>
-            </a:pPr>
-            <a:r>
-              <a:rPr lang="en-US" altLang="zh-CN"/>
-              <a:t>	Tokenizer::validate</a:t>
-            </a:r>
-            <a:r>
-              <a:rPr lang="zh-CN" altLang="zh-CN"/>
-              <a:t>检查简化规则生效后括号是否匹配</a:t>
-            </a:r>
-            <a:endParaRPr lang="zh-CN" altLang="en-US"/>
-          </a:p>
-          <a:p>
-            <a:endParaRPr lang="en-US" altLang="zh-CN"/>
-          </a:p>
-          <a:p>
-            <a:endParaRPr lang="en-US" altLang="zh-CN"/>
-          </a:p>
-        </p:txBody>
-      </p:sp>
+      </p:pic>
     </p:spTree>
+    <p:extLst>
+      <p:ext uri="{BB962C8B-B14F-4D97-AF65-F5344CB8AC3E}">
+        <p14:creationId xmlns:p14="http://schemas.microsoft.com/office/powerpoint/2010/main" val="1350599053"/>
+      </p:ext>
+    </p:extLst>
   </p:cSld>
   <p:clrMapOvr>
     <a:masterClrMapping/>
@@ -8496,14 +8836,82 @@
   <p:timing>
     <p:tnLst>
       <p:par>
-        <p:cTn id="1" dur="indefinite" restart="never" nodeType="tmRoot"/>
+        <p:cTn id="1" dur="indefinite" restart="never" nodeType="tmRoot">
+          <p:childTnLst>
+            <p:seq concurrent="1" nextAc="seek">
+              <p:cTn id="2" dur="indefinite" nodeType="mainSeq">
+                <p:childTnLst>
+                  <p:par>
+                    <p:cTn id="3" fill="hold">
+                      <p:stCondLst>
+                        <p:cond delay="indefinite"/>
+                      </p:stCondLst>
+                      <p:childTnLst>
+                        <p:par>
+                          <p:cTn id="4" fill="hold">
+                            <p:stCondLst>
+                              <p:cond delay="0"/>
+                            </p:stCondLst>
+                            <p:childTnLst>
+                              <p:par>
+                                <p:cTn id="5" presetID="1" presetClass="entr" presetSubtype="0" fill="hold" nodeType="clickEffect">
+                                  <p:stCondLst>
+                                    <p:cond delay="0"/>
+                                  </p:stCondLst>
+                                  <p:childTnLst>
+                                    <p:set>
+                                      <p:cBhvr>
+                                        <p:cTn id="6" dur="1" fill="hold">
+                                          <p:stCondLst>
+                                            <p:cond delay="0"/>
+                                          </p:stCondLst>
+                                        </p:cTn>
+                                        <p:tgtEl>
+                                          <p:spTgt spid="4"/>
+                                        </p:tgtEl>
+                                        <p:attrNameLst>
+                                          <p:attrName>style.visibility</p:attrName>
+                                        </p:attrNameLst>
+                                      </p:cBhvr>
+                                      <p:to>
+                                        <p:strVal val="visible"/>
+                                      </p:to>
+                                    </p:set>
+                                  </p:childTnLst>
+                                </p:cTn>
+                              </p:par>
+                            </p:childTnLst>
+                          </p:cTn>
+                        </p:par>
+                      </p:childTnLst>
+                    </p:cTn>
+                  </p:par>
+                </p:childTnLst>
+              </p:cTn>
+              <p:prevCondLst>
+                <p:cond evt="onPrev" delay="0">
+                  <p:tgtEl>
+                    <p:sldTgt/>
+                  </p:tgtEl>
+                </p:cond>
+              </p:prevCondLst>
+              <p:nextCondLst>
+                <p:cond evt="onNext" delay="0">
+                  <p:tgtEl>
+                    <p:sldTgt/>
+                  </p:tgtEl>
+                </p:cond>
+              </p:nextCondLst>
+            </p:seq>
+          </p:childTnLst>
+        </p:cTn>
       </p:par>
     </p:tnLst>
   </p:timing>
 </p:sld>
 </file>
 
-<file path=ppt/slides/slide18.xml><?xml version="1.0" encoding="utf-8"?>
+<file path=ppt/slides/slide20.xml><?xml version="1.0" encoding="utf-8"?>
 <p:sld xmlns:a="http://schemas.openxmlformats.org/drawingml/2006/main" xmlns:r="http://schemas.openxmlformats.org/officeDocument/2006/relationships" xmlns:p="http://schemas.openxmlformats.org/presentationml/2006/main">
   <p:cSld>
     <p:spTree>
@@ -8547,6 +8955,202 @@
       </p:sp>
       <p:sp>
         <p:nvSpPr>
+          <p:cNvPr id="3" name="内容占位符 2"/>
+          <p:cNvSpPr>
+            <a:spLocks noGrp="1"/>
+          </p:cNvSpPr>
+          <p:nvPr>
+            <p:ph idx="1"/>
+          </p:nvPr>
+        </p:nvSpPr>
+        <p:spPr>
+          <a:xfrm>
+            <a:off x="838200" y="1691005"/>
+            <a:ext cx="10267315" cy="4351655"/>
+          </a:xfrm>
+        </p:spPr>
+        <p:txBody>
+          <a:bodyPr>
+            <a:normAutofit/>
+          </a:bodyPr>
+          <a:lstStyle/>
+          <a:p>
+            <a:r>
+              <a:rPr lang="en-US" altLang="zh-CN"/>
+              <a:t>Tokenizer::simplifyTokenList1</a:t>
+            </a:r>
+            <a:r>
+              <a:rPr lang="zh-CN" altLang="zh-CN"/>
+              <a:t>流程</a:t>
+            </a:r>
+            <a:r>
+              <a:rPr lang="en-US" altLang="zh-CN"/>
+              <a:t>(</a:t>
+            </a:r>
+            <a:r>
+              <a:rPr lang="zh-CN" altLang="zh-CN"/>
+              <a:t>简</a:t>
+            </a:r>
+            <a:r>
+              <a:rPr lang="en-US" altLang="zh-CN"/>
+              <a:t>)</a:t>
+            </a:r>
+          </a:p>
+          <a:p>
+            <a:pPr marL="0" indent="0">
+              <a:buNone/>
+            </a:pPr>
+            <a:r>
+              <a:rPr lang="en-US" altLang="zh-CN"/>
+              <a:t>	Tokenizer::createLinks</a:t>
+            </a:r>
+            <a:r>
+              <a:rPr lang="zh-CN" altLang="zh-CN"/>
+              <a:t>链接前后括号</a:t>
+            </a:r>
+          </a:p>
+          <a:p>
+            <a:pPr marL="0" indent="0">
+              <a:buNone/>
+            </a:pPr>
+            <a:r>
+              <a:rPr lang="en-US" altLang="zh-CN"/>
+              <a:t>	Tokenizer::combineOperators</a:t>
+            </a:r>
+            <a:r>
+              <a:rPr lang="zh-CN" altLang="en-US"/>
+              <a:t>连接多字符操作符</a:t>
+            </a:r>
+          </a:p>
+          <a:p>
+            <a:pPr marL="0" indent="0">
+              <a:buNone/>
+            </a:pPr>
+            <a:r>
+              <a:rPr lang="en-US" altLang="zh-CN"/>
+              <a:t>		</a:t>
+            </a:r>
+            <a:r>
+              <a:rPr lang="zh-CN" altLang="en-US"/>
+              <a:t>连接</a:t>
+            </a:r>
+            <a:r>
+              <a:rPr lang="en-US" altLang="zh-CN"/>
+              <a:t>“-&gt;”</a:t>
+            </a:r>
+          </a:p>
+          <a:p>
+            <a:pPr marL="0" indent="0">
+              <a:buNone/>
+            </a:pPr>
+            <a:r>
+              <a:rPr lang="en-US" altLang="zh-CN"/>
+              <a:t>	Tokenizer::simplifyVarDecl</a:t>
+            </a:r>
+            <a:r>
+              <a:rPr lang="zh-CN" altLang="en-US"/>
+              <a:t>简化并分离变量定义赋值过程</a:t>
+            </a:r>
+          </a:p>
+          <a:p>
+            <a:pPr marL="0" indent="0">
+              <a:buNone/>
+            </a:pPr>
+            <a:r>
+              <a:rPr lang="en-US" altLang="zh-CN"/>
+              <a:t>	demo * p1 = new demo ( ) ;变为demo * p1 ; p1 = new demo();</a:t>
+            </a:r>
+          </a:p>
+          <a:p>
+            <a:pPr marL="0" indent="0">
+              <a:buNone/>
+            </a:pPr>
+            <a:r>
+              <a:rPr lang="en-US" altLang="zh-CN"/>
+              <a:t>	demo * p2 = p1 ;变为demo * p2 ; p2 = p1 ;</a:t>
+            </a:r>
+          </a:p>
+          <a:p>
+            <a:pPr marL="0" indent="0">
+              <a:buNone/>
+            </a:pPr>
+            <a:r>
+              <a:rPr lang="en-US" altLang="zh-CN"/>
+              <a:t>	Tokenizer::validate</a:t>
+            </a:r>
+            <a:r>
+              <a:rPr lang="zh-CN" altLang="zh-CN"/>
+              <a:t>检查简化规则生效后括号是否匹配</a:t>
+            </a:r>
+            <a:endParaRPr lang="zh-CN" altLang="en-US"/>
+          </a:p>
+          <a:p>
+            <a:endParaRPr lang="en-US" altLang="zh-CN"/>
+          </a:p>
+          <a:p>
+            <a:endParaRPr lang="en-US" altLang="zh-CN"/>
+          </a:p>
+        </p:txBody>
+      </p:sp>
+    </p:spTree>
+  </p:cSld>
+  <p:clrMapOvr>
+    <a:masterClrMapping/>
+  </p:clrMapOvr>
+  <p:timing>
+    <p:tnLst>
+      <p:par>
+        <p:cTn id="1" dur="indefinite" restart="never" nodeType="tmRoot"/>
+      </p:par>
+    </p:tnLst>
+  </p:timing>
+</p:sld>
+</file>
+
+<file path=ppt/slides/slide21.xml><?xml version="1.0" encoding="utf-8"?>
+<p:sld xmlns:a="http://schemas.openxmlformats.org/drawingml/2006/main" xmlns:r="http://schemas.openxmlformats.org/officeDocument/2006/relationships" xmlns:p="http://schemas.openxmlformats.org/presentationml/2006/main">
+  <p:cSld>
+    <p:spTree>
+      <p:nvGrpSpPr>
+        <p:cNvPr id="1" name=""/>
+        <p:cNvGrpSpPr/>
+        <p:nvPr/>
+      </p:nvGrpSpPr>
+      <p:grpSpPr>
+        <a:xfrm>
+          <a:off x="0" y="0"/>
+          <a:ext cx="0" cy="0"/>
+          <a:chOff x="0" y="0"/>
+          <a:chExt cx="0" cy="0"/>
+        </a:xfrm>
+      </p:grpSpPr>
+      <p:sp>
+        <p:nvSpPr>
+          <p:cNvPr id="2" name="标题 1"/>
+          <p:cNvSpPr>
+            <a:spLocks noGrp="1"/>
+          </p:cNvSpPr>
+          <p:nvPr>
+            <p:ph type="title"/>
+          </p:nvPr>
+        </p:nvSpPr>
+        <p:spPr/>
+        <p:txBody>
+          <a:bodyPr/>
+          <a:lstStyle/>
+          <a:p>
+            <a:r>
+              <a:rPr lang="zh-CN" altLang="zh-CN">
+                <a:sym typeface="+mn-ea"/>
+              </a:rPr>
+              <a:t>过程详细流程</a:t>
+            </a:r>
+            <a:endParaRPr lang="zh-CN" altLang="en-US"/>
+          </a:p>
+        </p:txBody>
+      </p:sp>
+      <p:sp>
+        <p:nvSpPr>
           <p:cNvPr id="4" name="内容占位符 2"/>
           <p:cNvSpPr>
             <a:spLocks noGrp="1"/>
@@ -8564,7 +9168,7 @@
         </p:spPr>
         <p:txBody>
           <a:bodyPr vert="horz" lIns="91440" tIns="45720" rIns="91440" bIns="45720" rtlCol="0">
-            <a:normAutofit fontScale="77500" lnSpcReduction="10000"/>
+            <a:normAutofit fontScale="85000" lnSpcReduction="20000"/>
           </a:bodyPr>
           <a:lstStyle>
             <a:lvl1pPr marL="228600" indent="-228600" algn="l" defTabSz="914400" rtl="0" eaLnBrk="1" latinLnBrk="0" hangingPunct="1">
@@ -9002,7 +9606,7 @@
 </p:sld>
 </file>
 
-<file path=ppt/slides/slide19.xml><?xml version="1.0" encoding="utf-8"?>
+<file path=ppt/slides/slide22.xml><?xml version="1.0" encoding="utf-8"?>
 <p:sld xmlns:a="http://schemas.openxmlformats.org/drawingml/2006/main" xmlns:r="http://schemas.openxmlformats.org/officeDocument/2006/relationships" xmlns:p="http://schemas.openxmlformats.org/presentationml/2006/main">
   <p:cSld>
     <p:spTree>
@@ -9597,188 +10201,7 @@
 </p:sld>
 </file>
 
-<file path=ppt/slides/slide2.xml><?xml version="1.0" encoding="utf-8"?>
-<p:sld xmlns:a="http://schemas.openxmlformats.org/drawingml/2006/main" xmlns:r="http://schemas.openxmlformats.org/officeDocument/2006/relationships" xmlns:p="http://schemas.openxmlformats.org/presentationml/2006/main">
-  <p:cSld>
-    <p:spTree>
-      <p:nvGrpSpPr>
-        <p:cNvPr id="1" name=""/>
-        <p:cNvGrpSpPr/>
-        <p:nvPr/>
-      </p:nvGrpSpPr>
-      <p:grpSpPr>
-        <a:xfrm>
-          <a:off x="0" y="0"/>
-          <a:ext cx="0" cy="0"/>
-          <a:chOff x="0" y="0"/>
-          <a:chExt cx="0" cy="0"/>
-        </a:xfrm>
-      </p:grpSpPr>
-      <p:sp>
-        <p:nvSpPr>
-          <p:cNvPr id="2" name="标题 1"/>
-          <p:cNvSpPr>
-            <a:spLocks noGrp="1"/>
-          </p:cNvSpPr>
-          <p:nvPr>
-            <p:ph type="title"/>
-          </p:nvPr>
-        </p:nvSpPr>
-        <p:spPr/>
-        <p:txBody>
-          <a:bodyPr/>
-          <a:lstStyle/>
-          <a:p>
-            <a:r>
-              <a:rPr kumimoji="1" lang="zh-CN" altLang="en-US" dirty="0" smtClean="0"/>
-              <a:t>说在前面</a:t>
-            </a:r>
-            <a:endParaRPr kumimoji="1" lang="zh-CN" altLang="en-US" dirty="0"/>
-          </a:p>
-        </p:txBody>
-      </p:sp>
-      <p:sp>
-        <p:nvSpPr>
-          <p:cNvPr id="3" name="内容占位符 2"/>
-          <p:cNvSpPr>
-            <a:spLocks noGrp="1"/>
-          </p:cNvSpPr>
-          <p:nvPr>
-            <p:ph idx="1"/>
-          </p:nvPr>
-        </p:nvSpPr>
-        <p:spPr/>
-        <p:txBody>
-          <a:bodyPr/>
-          <a:lstStyle/>
-          <a:p>
-            <a:r>
-              <a:rPr kumimoji="1" lang="zh-CN" altLang="en-US" dirty="0" smtClean="0"/>
-              <a:t>在第四周：</a:t>
-            </a:r>
-            <a:endParaRPr kumimoji="1" lang="zh-CN" altLang="en-US" dirty="0"/>
-          </a:p>
-        </p:txBody>
-      </p:sp>
-      <p:pic>
-        <p:nvPicPr>
-          <p:cNvPr id="4" name="图片 3"/>
-          <p:cNvPicPr>
-            <a:picLocks noChangeAspect="1"/>
-          </p:cNvPicPr>
-          <p:nvPr/>
-        </p:nvPicPr>
-        <p:blipFill>
-          <a:blip r:embed="rId2">
-            <a:extLst>
-              <a:ext uri="{28A0092B-C50C-407E-A947-70E740481C1C}">
-                <a14:useLocalDpi xmlns:a14="http://schemas.microsoft.com/office/drawing/2010/main" val="0"/>
-              </a:ext>
-            </a:extLst>
-          </a:blip>
-          <a:stretch>
-            <a:fillRect/>
-          </a:stretch>
-        </p:blipFill>
-        <p:spPr>
-          <a:xfrm>
-            <a:off x="2876550" y="1690688"/>
-            <a:ext cx="6438900" cy="4381500"/>
-          </a:xfrm>
-          <a:prstGeom prst="rect">
-            <a:avLst/>
-          </a:prstGeom>
-        </p:spPr>
-      </p:pic>
-    </p:spTree>
-    <p:extLst>
-      <p:ext uri="{BB962C8B-B14F-4D97-AF65-F5344CB8AC3E}">
-        <p14:creationId xmlns:p14="http://schemas.microsoft.com/office/powerpoint/2010/main" val="1350599053"/>
-      </p:ext>
-    </p:extLst>
-  </p:cSld>
-  <p:clrMapOvr>
-    <a:masterClrMapping/>
-  </p:clrMapOvr>
-  <p:timing>
-    <p:tnLst>
-      <p:par>
-        <p:cTn id="1" dur="indefinite" restart="never" nodeType="tmRoot">
-          <p:childTnLst>
-            <p:seq concurrent="1" nextAc="seek">
-              <p:cTn id="2" dur="indefinite" nodeType="mainSeq">
-                <p:childTnLst>
-                  <p:par>
-                    <p:cTn id="3" fill="hold">
-                      <p:stCondLst>
-                        <p:cond delay="indefinite"/>
-                      </p:stCondLst>
-                      <p:childTnLst>
-                        <p:par>
-                          <p:cTn id="4" fill="hold">
-                            <p:stCondLst>
-                              <p:cond delay="0"/>
-                            </p:stCondLst>
-                            <p:childTnLst>
-                              <p:par>
-                                <p:cTn id="5" presetID="1" presetClass="entr" presetSubtype="0" fill="hold" nodeType="clickEffect">
-                                  <p:stCondLst>
-                                    <p:cond delay="0"/>
-                                  </p:stCondLst>
-                                  <p:childTnLst>
-                                    <p:set>
-                                      <p:cBhvr>
-                                        <p:cTn id="6" dur="1" fill="hold">
-                                          <p:stCondLst>
-                                            <p:cond delay="0"/>
-                                          </p:stCondLst>
-                                        </p:cTn>
-                                        <p:tgtEl>
-                                          <p:spTgt spid="4"/>
-                                        </p:tgtEl>
-                                        <p:attrNameLst>
-                                          <p:attrName>style.visibility</p:attrName>
-                                        </p:attrNameLst>
-                                      </p:cBhvr>
-                                      <p:to>
-                                        <p:strVal val="visible"/>
-                                      </p:to>
-                                    </p:set>
-                                  </p:childTnLst>
-                                </p:cTn>
-                              </p:par>
-                            </p:childTnLst>
-                          </p:cTn>
-                        </p:par>
-                      </p:childTnLst>
-                    </p:cTn>
-                  </p:par>
-                </p:childTnLst>
-              </p:cTn>
-              <p:prevCondLst>
-                <p:cond evt="onPrev" delay="0">
-                  <p:tgtEl>
-                    <p:sldTgt/>
-                  </p:tgtEl>
-                </p:cond>
-              </p:prevCondLst>
-              <p:nextCondLst>
-                <p:cond evt="onNext" delay="0">
-                  <p:tgtEl>
-                    <p:sldTgt/>
-                  </p:tgtEl>
-                </p:cond>
-              </p:nextCondLst>
-            </p:seq>
-          </p:childTnLst>
-        </p:cTn>
-      </p:par>
-    </p:tnLst>
-  </p:timing>
-</p:sld>
-</file>
-
-<file path=ppt/slides/slide20.xml><?xml version="1.0" encoding="utf-8"?>
+<file path=ppt/slides/slide23.xml><?xml version="1.0" encoding="utf-8"?>
 <p:sld xmlns:a="http://schemas.openxmlformats.org/drawingml/2006/main" xmlns:r="http://schemas.openxmlformats.org/officeDocument/2006/relationships" xmlns:p="http://schemas.openxmlformats.org/presentationml/2006/main">
   <p:cSld>
     <p:spTree>
@@ -10413,7 +10836,7 @@
 </p:sld>
 </file>
 
-<file path=ppt/slides/slide21.xml><?xml version="1.0" encoding="utf-8"?>
+<file path=ppt/slides/slide24.xml><?xml version="1.0" encoding="utf-8"?>
 <p:sld xmlns:a="http://schemas.openxmlformats.org/drawingml/2006/main" xmlns:r="http://schemas.openxmlformats.org/officeDocument/2006/relationships" xmlns:p="http://schemas.openxmlformats.org/presentationml/2006/main">
   <p:cSld>
     <p:spTree>
@@ -10821,7 +11244,7 @@
 </p:sld>
 </file>
 
-<file path=ppt/slides/slide22.xml><?xml version="1.0" encoding="utf-8"?>
+<file path=ppt/slides/slide25.xml><?xml version="1.0" encoding="utf-8"?>
 <p:sld xmlns:a="http://schemas.openxmlformats.org/drawingml/2006/main" xmlns:r="http://schemas.openxmlformats.org/officeDocument/2006/relationships" xmlns:p="http://schemas.openxmlformats.org/presentationml/2006/main">
   <p:cSld>
     <p:spTree>
@@ -10951,7 +11374,7 @@
 </p:sld>
 </file>
 
-<file path=ppt/slides/slide23.xml><?xml version="1.0" encoding="utf-8"?>
+<file path=ppt/slides/slide26.xml><?xml version="1.0" encoding="utf-8"?>
 <p:sld xmlns:a="http://schemas.openxmlformats.org/drawingml/2006/main" xmlns:r="http://schemas.openxmlformats.org/officeDocument/2006/relationships" xmlns:p="http://schemas.openxmlformats.org/presentationml/2006/main">
   <p:cSld>
     <p:spTree>
@@ -11128,7 +11551,7 @@
 </p:sld>
 </file>
 
-<file path=ppt/slides/slide24.xml><?xml version="1.0" encoding="utf-8"?>
+<file path=ppt/slides/slide27.xml><?xml version="1.0" encoding="utf-8"?>
 <p:sld xmlns:a="http://schemas.openxmlformats.org/drawingml/2006/main" xmlns:r="http://schemas.openxmlformats.org/officeDocument/2006/relationships" xmlns:p="http://schemas.openxmlformats.org/presentationml/2006/main">
   <p:cSld>
     <p:spTree>
@@ -12220,7 +12643,7 @@
 </p:sld>
 </file>
 
-<file path=ppt/slides/slide25.xml><?xml version="1.0" encoding="utf-8"?>
+<file path=ppt/slides/slide28.xml><?xml version="1.0" encoding="utf-8"?>
 <p:sld xmlns:a="http://schemas.openxmlformats.org/drawingml/2006/main" xmlns:r="http://schemas.openxmlformats.org/officeDocument/2006/relationships" xmlns:p="http://schemas.openxmlformats.org/presentationml/2006/main">
   <p:cSld>
     <p:spTree>
@@ -12402,7 +12825,7 @@
 </p:sld>
 </file>
 
-<file path=ppt/slides/slide26.xml><?xml version="1.0" encoding="utf-8"?>
+<file path=ppt/slides/slide29.xml><?xml version="1.0" encoding="utf-8"?>
 <p:sld xmlns:a="http://schemas.openxmlformats.org/drawingml/2006/main" xmlns:r="http://schemas.openxmlformats.org/officeDocument/2006/relationships" xmlns:p="http://schemas.openxmlformats.org/presentationml/2006/main">
   <p:cSld>
     <p:spTree>
@@ -12533,7 +12956,214 @@
 </p:sld>
 </file>
 
-<file path=ppt/slides/slide27.xml><?xml version="1.0" encoding="utf-8"?>
+<file path=ppt/slides/slide3.xml><?xml version="1.0" encoding="utf-8"?>
+<p:sld xmlns:a="http://schemas.openxmlformats.org/drawingml/2006/main" xmlns:r="http://schemas.openxmlformats.org/officeDocument/2006/relationships" xmlns:p="http://schemas.openxmlformats.org/presentationml/2006/main">
+  <p:cSld>
+    <p:spTree>
+      <p:nvGrpSpPr>
+        <p:cNvPr id="1" name=""/>
+        <p:cNvGrpSpPr/>
+        <p:nvPr/>
+      </p:nvGrpSpPr>
+      <p:grpSpPr>
+        <a:xfrm>
+          <a:off x="0" y="0"/>
+          <a:ext cx="0" cy="0"/>
+          <a:chOff x="0" y="0"/>
+          <a:chExt cx="0" cy="0"/>
+        </a:xfrm>
+      </p:grpSpPr>
+      <p:sp>
+        <p:nvSpPr>
+          <p:cNvPr id="2" name="标题 1"/>
+          <p:cNvSpPr>
+            <a:spLocks noGrp="1"/>
+          </p:cNvSpPr>
+          <p:nvPr>
+            <p:ph type="title"/>
+          </p:nvPr>
+        </p:nvSpPr>
+        <p:spPr/>
+        <p:txBody>
+          <a:bodyPr/>
+          <a:lstStyle/>
+          <a:p>
+            <a:r>
+              <a:rPr kumimoji="1" lang="zh-CN" altLang="en-US" dirty="0" smtClean="0"/>
+              <a:t>我们的开发方向</a:t>
+            </a:r>
+            <a:endParaRPr kumimoji="1" lang="zh-CN" altLang="en-US" dirty="0"/>
+          </a:p>
+        </p:txBody>
+      </p:sp>
+      <p:sp>
+        <p:nvSpPr>
+          <p:cNvPr id="3" name="内容占位符 2"/>
+          <p:cNvSpPr>
+            <a:spLocks noGrp="1"/>
+          </p:cNvSpPr>
+          <p:nvPr>
+            <p:ph idx="1"/>
+          </p:nvPr>
+        </p:nvSpPr>
+        <p:spPr/>
+        <p:txBody>
+          <a:bodyPr/>
+          <a:lstStyle/>
+          <a:p>
+            <a:r>
+              <a:rPr kumimoji="1" lang="en-US" altLang="zh-CN" dirty="0" smtClean="0"/>
+              <a:t>1</a:t>
+            </a:r>
+            <a:r>
+              <a:rPr kumimoji="1" lang="zh-CN" altLang="en-US" dirty="0" smtClean="0"/>
+              <a:t> 空、野指针的间接访问</a:t>
+            </a:r>
+            <a:endParaRPr kumimoji="1" lang="en-US" altLang="zh-CN" dirty="0" smtClean="0"/>
+          </a:p>
+          <a:p>
+            <a:r>
+              <a:rPr kumimoji="1" lang="en-US" altLang="zh-CN" dirty="0" smtClean="0"/>
+              <a:t>2</a:t>
+            </a:r>
+            <a:r>
+              <a:rPr kumimoji="1" lang="zh-CN" altLang="en-US" dirty="0" smtClean="0"/>
+              <a:t> 野指针的赋值、访问</a:t>
+            </a:r>
+            <a:endParaRPr kumimoji="1" lang="en-US" altLang="zh-CN" dirty="0" smtClean="0"/>
+          </a:p>
+          <a:p>
+            <a:r>
+              <a:rPr kumimoji="1" lang="en-US" altLang="zh-CN" dirty="0" smtClean="0"/>
+              <a:t>3</a:t>
+            </a:r>
+            <a:r>
+              <a:rPr kumimoji="1" lang="zh-CN" altLang="en-US" dirty="0" smtClean="0"/>
+              <a:t> 指针未初始化</a:t>
+            </a:r>
+            <a:endParaRPr kumimoji="1" lang="zh-CN" altLang="en-US" dirty="0"/>
+          </a:p>
+        </p:txBody>
+      </p:sp>
+      <p:pic>
+        <p:nvPicPr>
+          <p:cNvPr id="4" name="图片 3"/>
+          <p:cNvPicPr>
+            <a:picLocks noChangeAspect="1"/>
+          </p:cNvPicPr>
+          <p:nvPr/>
+        </p:nvPicPr>
+        <p:blipFill>
+          <a:blip r:embed="rId2">
+            <a:extLst>
+              <a:ext uri="{28A0092B-C50C-407E-A947-70E740481C1C}">
+                <a14:useLocalDpi xmlns:a14="http://schemas.microsoft.com/office/drawing/2010/main" val="0"/>
+              </a:ext>
+            </a:extLst>
+          </a:blip>
+          <a:stretch>
+            <a:fillRect/>
+          </a:stretch>
+        </p:blipFill>
+        <p:spPr>
+          <a:xfrm>
+            <a:off x="2527300" y="365125"/>
+            <a:ext cx="7137400" cy="5829300"/>
+          </a:xfrm>
+          <a:prstGeom prst="rect">
+            <a:avLst/>
+          </a:prstGeom>
+        </p:spPr>
+      </p:pic>
+    </p:spTree>
+    <p:extLst>
+      <p:ext uri="{BB962C8B-B14F-4D97-AF65-F5344CB8AC3E}">
+        <p14:creationId xmlns:p14="http://schemas.microsoft.com/office/powerpoint/2010/main" val="1112605275"/>
+      </p:ext>
+    </p:extLst>
+  </p:cSld>
+  <p:clrMapOvr>
+    <a:masterClrMapping/>
+  </p:clrMapOvr>
+  <p:timing>
+    <p:tnLst>
+      <p:par>
+        <p:cTn id="1" dur="indefinite" restart="never" nodeType="tmRoot">
+          <p:childTnLst>
+            <p:seq concurrent="1" nextAc="seek">
+              <p:cTn id="2" dur="indefinite" nodeType="mainSeq">
+                <p:childTnLst>
+                  <p:par>
+                    <p:cTn id="3" fill="hold">
+                      <p:stCondLst>
+                        <p:cond delay="indefinite"/>
+                      </p:stCondLst>
+                      <p:childTnLst>
+                        <p:par>
+                          <p:cTn id="4" fill="hold">
+                            <p:stCondLst>
+                              <p:cond delay="0"/>
+                            </p:stCondLst>
+                            <p:childTnLst>
+                              <p:par>
+                                <p:cTn id="5" presetID="1" presetClass="entr" presetSubtype="0" fill="hold" nodeType="clickEffect">
+                                  <p:stCondLst>
+                                    <p:cond delay="0"/>
+                                  </p:stCondLst>
+                                  <p:childTnLst>
+                                    <p:set>
+                                      <p:cBhvr>
+                                        <p:cTn id="6" dur="1" fill="hold">
+                                          <p:stCondLst>
+                                            <p:cond delay="0"/>
+                                          </p:stCondLst>
+                                        </p:cTn>
+                                        <p:tgtEl>
+                                          <p:spTgt spid="4"/>
+                                        </p:tgtEl>
+                                        <p:attrNameLst>
+                                          <p:attrName>style.visibility</p:attrName>
+                                        </p:attrNameLst>
+                                      </p:cBhvr>
+                                      <p:to>
+                                        <p:strVal val="visible"/>
+                                      </p:to>
+                                    </p:set>
+                                  </p:childTnLst>
+                                </p:cTn>
+                              </p:par>
+                            </p:childTnLst>
+                          </p:cTn>
+                        </p:par>
+                      </p:childTnLst>
+                    </p:cTn>
+                  </p:par>
+                </p:childTnLst>
+              </p:cTn>
+              <p:prevCondLst>
+                <p:cond evt="onPrev" delay="0">
+                  <p:tgtEl>
+                    <p:sldTgt/>
+                  </p:tgtEl>
+                </p:cond>
+              </p:prevCondLst>
+              <p:nextCondLst>
+                <p:cond evt="onNext" delay="0">
+                  <p:tgtEl>
+                    <p:sldTgt/>
+                  </p:tgtEl>
+                </p:cond>
+              </p:nextCondLst>
+            </p:seq>
+          </p:childTnLst>
+        </p:cTn>
+      </p:par>
+    </p:tnLst>
+  </p:timing>
+</p:sld>
+</file>
+
+<file path=ppt/slides/slide30.xml><?xml version="1.0" encoding="utf-8"?>
 <p:sld xmlns:a="http://schemas.openxmlformats.org/drawingml/2006/main" xmlns:r="http://schemas.openxmlformats.org/officeDocument/2006/relationships" xmlns:p="http://schemas.openxmlformats.org/presentationml/2006/main">
   <p:cSld>
     <p:spTree>
@@ -14098,7 +14728,7 @@
 </p:sld>
 </file>
 
-<file path=ppt/slides/slide28.xml><?xml version="1.0" encoding="utf-8"?>
+<file path=ppt/slides/slide31.xml><?xml version="1.0" encoding="utf-8"?>
 <p:sld xmlns:a="http://schemas.openxmlformats.org/drawingml/2006/main" xmlns:r="http://schemas.openxmlformats.org/officeDocument/2006/relationships" xmlns:p="http://schemas.openxmlformats.org/presentationml/2006/main">
   <p:cSld>
     <p:spTree>
@@ -14304,7 +14934,7 @@
 </p:sld>
 </file>
 
-<file path=ppt/slides/slide29.xml><?xml version="1.0" encoding="utf-8"?>
+<file path=ppt/slides/slide32.xml><?xml version="1.0" encoding="utf-8"?>
 <p:sld xmlns:a="http://schemas.openxmlformats.org/drawingml/2006/main" xmlns:r="http://schemas.openxmlformats.org/officeDocument/2006/relationships" xmlns:p="http://schemas.openxmlformats.org/presentationml/2006/main">
   <p:cSld>
     <p:spTree>
@@ -15255,214 +15885,7 @@
 </p:sld>
 </file>
 
-<file path=ppt/slides/slide3.xml><?xml version="1.0" encoding="utf-8"?>
-<p:sld xmlns:a="http://schemas.openxmlformats.org/drawingml/2006/main" xmlns:r="http://schemas.openxmlformats.org/officeDocument/2006/relationships" xmlns:p="http://schemas.openxmlformats.org/presentationml/2006/main">
-  <p:cSld>
-    <p:spTree>
-      <p:nvGrpSpPr>
-        <p:cNvPr id="1" name=""/>
-        <p:cNvGrpSpPr/>
-        <p:nvPr/>
-      </p:nvGrpSpPr>
-      <p:grpSpPr>
-        <a:xfrm>
-          <a:off x="0" y="0"/>
-          <a:ext cx="0" cy="0"/>
-          <a:chOff x="0" y="0"/>
-          <a:chExt cx="0" cy="0"/>
-        </a:xfrm>
-      </p:grpSpPr>
-      <p:sp>
-        <p:nvSpPr>
-          <p:cNvPr id="2" name="标题 1"/>
-          <p:cNvSpPr>
-            <a:spLocks noGrp="1"/>
-          </p:cNvSpPr>
-          <p:nvPr>
-            <p:ph type="title"/>
-          </p:nvPr>
-        </p:nvSpPr>
-        <p:spPr/>
-        <p:txBody>
-          <a:bodyPr/>
-          <a:lstStyle/>
-          <a:p>
-            <a:r>
-              <a:rPr kumimoji="1" lang="zh-CN" altLang="en-US" dirty="0" smtClean="0"/>
-              <a:t>我们的开发方向</a:t>
-            </a:r>
-            <a:endParaRPr kumimoji="1" lang="zh-CN" altLang="en-US" dirty="0"/>
-          </a:p>
-        </p:txBody>
-      </p:sp>
-      <p:sp>
-        <p:nvSpPr>
-          <p:cNvPr id="3" name="内容占位符 2"/>
-          <p:cNvSpPr>
-            <a:spLocks noGrp="1"/>
-          </p:cNvSpPr>
-          <p:nvPr>
-            <p:ph idx="1"/>
-          </p:nvPr>
-        </p:nvSpPr>
-        <p:spPr/>
-        <p:txBody>
-          <a:bodyPr/>
-          <a:lstStyle/>
-          <a:p>
-            <a:r>
-              <a:rPr kumimoji="1" lang="en-US" altLang="zh-CN" dirty="0" smtClean="0"/>
-              <a:t>1</a:t>
-            </a:r>
-            <a:r>
-              <a:rPr kumimoji="1" lang="zh-CN" altLang="en-US" dirty="0" smtClean="0"/>
-              <a:t> 空、野指针的间接访问</a:t>
-            </a:r>
-            <a:endParaRPr kumimoji="1" lang="en-US" altLang="zh-CN" dirty="0" smtClean="0"/>
-          </a:p>
-          <a:p>
-            <a:r>
-              <a:rPr kumimoji="1" lang="en-US" altLang="zh-CN" dirty="0" smtClean="0"/>
-              <a:t>2</a:t>
-            </a:r>
-            <a:r>
-              <a:rPr kumimoji="1" lang="zh-CN" altLang="en-US" dirty="0" smtClean="0"/>
-              <a:t> 野指针的赋值、访问</a:t>
-            </a:r>
-            <a:endParaRPr kumimoji="1" lang="en-US" altLang="zh-CN" dirty="0" smtClean="0"/>
-          </a:p>
-          <a:p>
-            <a:r>
-              <a:rPr kumimoji="1" lang="en-US" altLang="zh-CN" dirty="0" smtClean="0"/>
-              <a:t>3</a:t>
-            </a:r>
-            <a:r>
-              <a:rPr kumimoji="1" lang="zh-CN" altLang="en-US" dirty="0" smtClean="0"/>
-              <a:t> 指针未初始化</a:t>
-            </a:r>
-            <a:endParaRPr kumimoji="1" lang="zh-CN" altLang="en-US" dirty="0"/>
-          </a:p>
-        </p:txBody>
-      </p:sp>
-      <p:pic>
-        <p:nvPicPr>
-          <p:cNvPr id="4" name="图片 3"/>
-          <p:cNvPicPr>
-            <a:picLocks noChangeAspect="1"/>
-          </p:cNvPicPr>
-          <p:nvPr/>
-        </p:nvPicPr>
-        <p:blipFill>
-          <a:blip r:embed="rId2">
-            <a:extLst>
-              <a:ext uri="{28A0092B-C50C-407E-A947-70E740481C1C}">
-                <a14:useLocalDpi xmlns:a14="http://schemas.microsoft.com/office/drawing/2010/main" val="0"/>
-              </a:ext>
-            </a:extLst>
-          </a:blip>
-          <a:stretch>
-            <a:fillRect/>
-          </a:stretch>
-        </p:blipFill>
-        <p:spPr>
-          <a:xfrm>
-            <a:off x="2527300" y="365125"/>
-            <a:ext cx="7137400" cy="5829300"/>
-          </a:xfrm>
-          <a:prstGeom prst="rect">
-            <a:avLst/>
-          </a:prstGeom>
-        </p:spPr>
-      </p:pic>
-    </p:spTree>
-    <p:extLst>
-      <p:ext uri="{BB962C8B-B14F-4D97-AF65-F5344CB8AC3E}">
-        <p14:creationId xmlns:p14="http://schemas.microsoft.com/office/powerpoint/2010/main" val="1112605275"/>
-      </p:ext>
-    </p:extLst>
-  </p:cSld>
-  <p:clrMapOvr>
-    <a:masterClrMapping/>
-  </p:clrMapOvr>
-  <p:timing>
-    <p:tnLst>
-      <p:par>
-        <p:cTn id="1" dur="indefinite" restart="never" nodeType="tmRoot">
-          <p:childTnLst>
-            <p:seq concurrent="1" nextAc="seek">
-              <p:cTn id="2" dur="indefinite" nodeType="mainSeq">
-                <p:childTnLst>
-                  <p:par>
-                    <p:cTn id="3" fill="hold">
-                      <p:stCondLst>
-                        <p:cond delay="indefinite"/>
-                      </p:stCondLst>
-                      <p:childTnLst>
-                        <p:par>
-                          <p:cTn id="4" fill="hold">
-                            <p:stCondLst>
-                              <p:cond delay="0"/>
-                            </p:stCondLst>
-                            <p:childTnLst>
-                              <p:par>
-                                <p:cTn id="5" presetID="1" presetClass="entr" presetSubtype="0" fill="hold" nodeType="clickEffect">
-                                  <p:stCondLst>
-                                    <p:cond delay="0"/>
-                                  </p:stCondLst>
-                                  <p:childTnLst>
-                                    <p:set>
-                                      <p:cBhvr>
-                                        <p:cTn id="6" dur="1" fill="hold">
-                                          <p:stCondLst>
-                                            <p:cond delay="0"/>
-                                          </p:stCondLst>
-                                        </p:cTn>
-                                        <p:tgtEl>
-                                          <p:spTgt spid="4"/>
-                                        </p:tgtEl>
-                                        <p:attrNameLst>
-                                          <p:attrName>style.visibility</p:attrName>
-                                        </p:attrNameLst>
-                                      </p:cBhvr>
-                                      <p:to>
-                                        <p:strVal val="visible"/>
-                                      </p:to>
-                                    </p:set>
-                                  </p:childTnLst>
-                                </p:cTn>
-                              </p:par>
-                            </p:childTnLst>
-                          </p:cTn>
-                        </p:par>
-                      </p:childTnLst>
-                    </p:cTn>
-                  </p:par>
-                </p:childTnLst>
-              </p:cTn>
-              <p:prevCondLst>
-                <p:cond evt="onPrev" delay="0">
-                  <p:tgtEl>
-                    <p:sldTgt/>
-                  </p:tgtEl>
-                </p:cond>
-              </p:prevCondLst>
-              <p:nextCondLst>
-                <p:cond evt="onNext" delay="0">
-                  <p:tgtEl>
-                    <p:sldTgt/>
-                  </p:tgtEl>
-                </p:cond>
-              </p:nextCondLst>
-            </p:seq>
-          </p:childTnLst>
-        </p:cTn>
-      </p:par>
-    </p:tnLst>
-  </p:timing>
-</p:sld>
-</file>
-
-<file path=ppt/slides/slide30.xml><?xml version="1.0" encoding="utf-8"?>
+<file path=ppt/slides/slide33.xml><?xml version="1.0" encoding="utf-8"?>
 <p:sld xmlns:a="http://schemas.openxmlformats.org/drawingml/2006/main" xmlns:r="http://schemas.openxmlformats.org/officeDocument/2006/relationships" xmlns:p="http://schemas.openxmlformats.org/presentationml/2006/main">
   <p:cSld>
     <p:spTree>
@@ -16410,7 +16833,7 @@
 </p:sld>
 </file>
 
-<file path=ppt/slides/slide31.xml><?xml version="1.0" encoding="utf-8"?>
+<file path=ppt/slides/slide34.xml><?xml version="1.0" encoding="utf-8"?>
 <p:sld xmlns:a="http://schemas.openxmlformats.org/drawingml/2006/main" xmlns:r="http://schemas.openxmlformats.org/officeDocument/2006/relationships" xmlns:p="http://schemas.openxmlformats.org/presentationml/2006/main">
   <p:cSld>
     <p:spTree>
@@ -16645,7 +17068,7 @@
 </p:sld>
 </file>
 
-<file path=ppt/slides/slide32.xml><?xml version="1.0" encoding="utf-8"?>
+<file path=ppt/slides/slide35.xml><?xml version="1.0" encoding="utf-8"?>
 <p:sld xmlns:a="http://schemas.openxmlformats.org/drawingml/2006/main" xmlns:r="http://schemas.openxmlformats.org/officeDocument/2006/relationships" xmlns:p="http://schemas.openxmlformats.org/presentationml/2006/main">
   <p:cSld>
     <p:spTree>
@@ -17649,7 +18072,7 @@
 </p:sld>
 </file>
 
-<file path=ppt/slides/slide33.xml><?xml version="1.0" encoding="utf-8"?>
+<file path=ppt/slides/slide36.xml><?xml version="1.0" encoding="utf-8"?>
 <p:sld xmlns:a="http://schemas.openxmlformats.org/drawingml/2006/main" xmlns:r="http://schemas.openxmlformats.org/officeDocument/2006/relationships" xmlns:p="http://schemas.openxmlformats.org/presentationml/2006/main">
   <p:cSld>
     <p:spTree>
@@ -18332,7 +18755,7 @@
 </p:sld>
 </file>
 
-<file path=ppt/slides/slide34.xml><?xml version="1.0" encoding="utf-8"?>
+<file path=ppt/slides/slide37.xml><?xml version="1.0" encoding="utf-8"?>
 <p:sld xmlns:a="http://schemas.openxmlformats.org/drawingml/2006/main" xmlns:r="http://schemas.openxmlformats.org/officeDocument/2006/relationships" xmlns:p="http://schemas.openxmlformats.org/presentationml/2006/main">
   <p:cSld>
     <p:spTree>
@@ -18468,7 +18891,7 @@
 </p:sld>
 </file>
 
-<file path=ppt/slides/slide35.xml><?xml version="1.0" encoding="utf-8"?>
+<file path=ppt/slides/slide38.xml><?xml version="1.0" encoding="utf-8"?>
 <p:sld xmlns:a="http://schemas.openxmlformats.org/drawingml/2006/main" xmlns:r="http://schemas.openxmlformats.org/officeDocument/2006/relationships" xmlns:p="http://schemas.openxmlformats.org/presentationml/2006/main">
   <p:cSld>
     <p:spTree>
@@ -18765,21 +19188,22 @@
           <a:p>
             <a:r>
               <a:rPr kumimoji="1" lang="zh-CN" altLang="en-US" dirty="0" smtClean="0"/>
-              <a:t>版本控制系统。</a:t>
+              <a:t>版本控制系统</a:t>
+            </a:r>
+            <a:r>
+              <a:rPr kumimoji="1" lang="zh-CN" altLang="en-US" dirty="0" smtClean="0"/>
+              <a:t>。</a:t>
             </a:r>
             <a:endParaRPr kumimoji="1" lang="en-US" altLang="zh-CN" dirty="0" smtClean="0"/>
           </a:p>
           <a:p>
             <a:r>
               <a:rPr kumimoji="1" lang="zh-CN" altLang="en-US" dirty="0" smtClean="0"/>
-              <a:t>整理资料、材料，如文档、会议记录等。</a:t>
-            </a:r>
-            <a:endParaRPr kumimoji="1" lang="en-US" altLang="zh-CN" dirty="0" smtClean="0"/>
-          </a:p>
-          <a:p>
+              <a:t>参与</a:t>
+            </a:r>
             <a:r>
               <a:rPr kumimoji="1" lang="zh-CN" altLang="en-US" dirty="0" smtClean="0"/>
-              <a:t>参与部分样例的测试，调试，确定开发方向。</a:t>
+              <a:t>部分样例的测试，调试，确定开发方向。</a:t>
             </a:r>
             <a:endParaRPr kumimoji="1" lang="en-US" altLang="zh-CN" dirty="0" smtClean="0"/>
           </a:p>
@@ -18839,7 +19263,7 @@
           <a:p>
             <a:r>
               <a:rPr kumimoji="1" lang="zh-CN" altLang="en-US" dirty="0" smtClean="0"/>
-              <a:t>关于文档</a:t>
+              <a:t>文档</a:t>
             </a:r>
             <a:endParaRPr kumimoji="1" lang="zh-CN" altLang="en-US" dirty="0"/>
           </a:p>
@@ -18987,7 +19411,7 @@
           <a:p>
             <a:r>
               <a:rPr kumimoji="1" lang="zh-CN" altLang="en-US" dirty="0" smtClean="0"/>
-              <a:t>关于文档</a:t>
+              <a:t>文档</a:t>
             </a:r>
             <a:endParaRPr kumimoji="1" lang="zh-CN" altLang="en-US" dirty="0"/>
           </a:p>
@@ -19008,17 +19432,110 @@
           <a:bodyPr/>
           <a:lstStyle/>
           <a:p>
-            <a:endParaRPr kumimoji="1" lang="en-US" altLang="zh-CN" dirty="0" smtClean="0"/>
-          </a:p>
-          <a:p>
-            <a:endParaRPr kumimoji="1" lang="zh-CN" altLang="en-US" dirty="0"/>
-          </a:p>
-        </p:txBody>
-      </p:sp>
+            <a:r>
+              <a:rPr kumimoji="1" lang="en-US" altLang="zh-CN" dirty="0"/>
+              <a:t>《</a:t>
+            </a:r>
+            <a:r>
+              <a:rPr kumimoji="1" lang="en-US" altLang="zh-CN" dirty="0" err="1"/>
+              <a:t>Cppcheck</a:t>
+            </a:r>
+            <a:r>
+              <a:rPr kumimoji="1" lang="zh-CN" altLang="en-US" dirty="0"/>
+              <a:t>分析报告</a:t>
+            </a:r>
+            <a:r>
+              <a:rPr kumimoji="1" lang="en-US" altLang="zh-CN" dirty="0"/>
+              <a:t>》</a:t>
+            </a:r>
+            <a:r>
+              <a:rPr kumimoji="1" lang="zh-CN" altLang="en-US" dirty="0"/>
+              <a:t>：</a:t>
+            </a:r>
+            <a:endParaRPr kumimoji="1" lang="en-US" altLang="zh-CN" dirty="0"/>
+          </a:p>
+          <a:p>
+            <a:pPr lvl="1"/>
+            <a:r>
+              <a:rPr kumimoji="1" lang="zh-CN" altLang="en-US" dirty="0"/>
+              <a:t>程序主要过程</a:t>
+            </a:r>
+            <a:endParaRPr kumimoji="1" lang="en-US" altLang="zh-CN" dirty="0"/>
+          </a:p>
+          <a:p>
+            <a:pPr lvl="1"/>
+            <a:r>
+              <a:rPr kumimoji="1" lang="zh-CN" altLang="en-US" dirty="0"/>
+              <a:t>主要类与模块</a:t>
+            </a:r>
+            <a:endParaRPr kumimoji="1" lang="en-US" altLang="zh-CN" dirty="0"/>
+          </a:p>
+        </p:txBody>
+      </p:sp>
+      <p:pic>
+        <p:nvPicPr>
+          <p:cNvPr id="4" name="图片 3"/>
+          <p:cNvPicPr>
+            <a:picLocks noChangeAspect="1"/>
+          </p:cNvPicPr>
+          <p:nvPr/>
+        </p:nvPicPr>
+        <p:blipFill>
+          <a:blip r:embed="rId2">
+            <a:extLst>
+              <a:ext uri="{28A0092B-C50C-407E-A947-70E740481C1C}">
+                <a14:useLocalDpi xmlns:a14="http://schemas.microsoft.com/office/drawing/2010/main" val="0"/>
+              </a:ext>
+            </a:extLst>
+          </a:blip>
+          <a:stretch>
+            <a:fillRect/>
+          </a:stretch>
+        </p:blipFill>
+        <p:spPr>
+          <a:xfrm>
+            <a:off x="3617008" y="0"/>
+            <a:ext cx="4957983" cy="6858000"/>
+          </a:xfrm>
+          <a:prstGeom prst="rect">
+            <a:avLst/>
+          </a:prstGeom>
+        </p:spPr>
+      </p:pic>
+      <p:pic>
+        <p:nvPicPr>
+          <p:cNvPr id="5" name="图片 4"/>
+          <p:cNvPicPr>
+            <a:picLocks noChangeAspect="1"/>
+          </p:cNvPicPr>
+          <p:nvPr/>
+        </p:nvPicPr>
+        <p:blipFill>
+          <a:blip r:embed="rId3">
+            <a:extLst>
+              <a:ext uri="{28A0092B-C50C-407E-A947-70E740481C1C}">
+                <a14:useLocalDpi xmlns:a14="http://schemas.microsoft.com/office/drawing/2010/main" val="0"/>
+              </a:ext>
+            </a:extLst>
+          </a:blip>
+          <a:stretch>
+            <a:fillRect/>
+          </a:stretch>
+        </p:blipFill>
+        <p:spPr>
+          <a:xfrm>
+            <a:off x="3657600" y="0"/>
+            <a:ext cx="4873214" cy="6858000"/>
+          </a:xfrm>
+          <a:prstGeom prst="rect">
+            <a:avLst/>
+          </a:prstGeom>
+        </p:spPr>
+      </p:pic>
     </p:spTree>
     <p:extLst>
       <p:ext uri="{BB962C8B-B14F-4D97-AF65-F5344CB8AC3E}">
-        <p14:creationId xmlns:p14="http://schemas.microsoft.com/office/powerpoint/2010/main" val="514301305"/>
+        <p14:creationId xmlns:p14="http://schemas.microsoft.com/office/powerpoint/2010/main" val="857592102"/>
       </p:ext>
     </p:extLst>
   </p:cSld>
@@ -19028,7 +19545,300 @@
   <p:timing>
     <p:tnLst>
       <p:par>
-        <p:cTn id="1" dur="indefinite" restart="never" nodeType="tmRoot"/>
+        <p:cTn id="1" dur="indefinite" restart="never" nodeType="tmRoot">
+          <p:childTnLst>
+            <p:seq concurrent="1" nextAc="seek">
+              <p:cTn id="2" dur="indefinite" nodeType="mainSeq">
+                <p:childTnLst>
+                  <p:par>
+                    <p:cTn id="3" fill="hold">
+                      <p:stCondLst>
+                        <p:cond delay="indefinite"/>
+                      </p:stCondLst>
+                      <p:childTnLst>
+                        <p:par>
+                          <p:cTn id="4" fill="hold">
+                            <p:stCondLst>
+                              <p:cond delay="0"/>
+                            </p:stCondLst>
+                            <p:childTnLst>
+                              <p:par>
+                                <p:cTn id="5" presetID="55" presetClass="entr" presetSubtype="0" fill="hold" nodeType="clickEffect">
+                                  <p:stCondLst>
+                                    <p:cond delay="0"/>
+                                  </p:stCondLst>
+                                  <p:childTnLst>
+                                    <p:set>
+                                      <p:cBhvr>
+                                        <p:cTn id="6" dur="1" fill="hold">
+                                          <p:stCondLst>
+                                            <p:cond delay="0"/>
+                                          </p:stCondLst>
+                                        </p:cTn>
+                                        <p:tgtEl>
+                                          <p:spTgt spid="4"/>
+                                        </p:tgtEl>
+                                        <p:attrNameLst>
+                                          <p:attrName>style.visibility</p:attrName>
+                                        </p:attrNameLst>
+                                      </p:cBhvr>
+                                      <p:to>
+                                        <p:strVal val="visible"/>
+                                      </p:to>
+                                    </p:set>
+                                    <p:anim calcmode="lin" valueType="num">
+                                      <p:cBhvr>
+                                        <p:cTn id="7" dur="1000" fill="hold"/>
+                                        <p:tgtEl>
+                                          <p:spTgt spid="4"/>
+                                        </p:tgtEl>
+                                        <p:attrNameLst>
+                                          <p:attrName>ppt_w</p:attrName>
+                                        </p:attrNameLst>
+                                      </p:cBhvr>
+                                      <p:tavLst>
+                                        <p:tav tm="0">
+                                          <p:val>
+                                            <p:strVal val="#ppt_w*0.70"/>
+                                          </p:val>
+                                        </p:tav>
+                                        <p:tav tm="100000">
+                                          <p:val>
+                                            <p:strVal val="#ppt_w"/>
+                                          </p:val>
+                                        </p:tav>
+                                      </p:tavLst>
+                                    </p:anim>
+                                    <p:anim calcmode="lin" valueType="num">
+                                      <p:cBhvr>
+                                        <p:cTn id="8" dur="1000" fill="hold"/>
+                                        <p:tgtEl>
+                                          <p:spTgt spid="4"/>
+                                        </p:tgtEl>
+                                        <p:attrNameLst>
+                                          <p:attrName>ppt_h</p:attrName>
+                                        </p:attrNameLst>
+                                      </p:cBhvr>
+                                      <p:tavLst>
+                                        <p:tav tm="0">
+                                          <p:val>
+                                            <p:strVal val="#ppt_h"/>
+                                          </p:val>
+                                        </p:tav>
+                                        <p:tav tm="100000">
+                                          <p:val>
+                                            <p:strVal val="#ppt_h"/>
+                                          </p:val>
+                                        </p:tav>
+                                      </p:tavLst>
+                                    </p:anim>
+                                    <p:animEffect transition="in" filter="fade">
+                                      <p:cBhvr>
+                                        <p:cTn id="9" dur="1000"/>
+                                        <p:tgtEl>
+                                          <p:spTgt spid="4"/>
+                                        </p:tgtEl>
+                                      </p:cBhvr>
+                                    </p:animEffect>
+                                  </p:childTnLst>
+                                </p:cTn>
+                              </p:par>
+                            </p:childTnLst>
+                          </p:cTn>
+                        </p:par>
+                        <p:par>
+                          <p:cTn id="10" fill="hold">
+                            <p:stCondLst>
+                              <p:cond delay="1000"/>
+                            </p:stCondLst>
+                            <p:childTnLst>
+                              <p:par>
+                                <p:cTn id="11" presetID="55" presetClass="exit" presetSubtype="0" fill="hold" nodeType="afterEffect">
+                                  <p:stCondLst>
+                                    <p:cond delay="2000"/>
+                                  </p:stCondLst>
+                                  <p:childTnLst>
+                                    <p:anim calcmode="lin" valueType="num">
+                                      <p:cBhvr>
+                                        <p:cTn id="12" dur="1000"/>
+                                        <p:tgtEl>
+                                          <p:spTgt spid="4"/>
+                                        </p:tgtEl>
+                                        <p:attrNameLst>
+                                          <p:attrName>ppt_w</p:attrName>
+                                        </p:attrNameLst>
+                                      </p:cBhvr>
+                                      <p:tavLst>
+                                        <p:tav tm="0">
+                                          <p:val>
+                                            <p:strVal val="ppt_w"/>
+                                          </p:val>
+                                        </p:tav>
+                                        <p:tav tm="100000">
+                                          <p:val>
+                                            <p:strVal val="ppt_w*0.70"/>
+                                          </p:val>
+                                        </p:tav>
+                                      </p:tavLst>
+                                    </p:anim>
+                                    <p:anim calcmode="lin" valueType="num">
+                                      <p:cBhvr>
+                                        <p:cTn id="13" dur="1000"/>
+                                        <p:tgtEl>
+                                          <p:spTgt spid="4"/>
+                                        </p:tgtEl>
+                                        <p:attrNameLst>
+                                          <p:attrName>ppt_h</p:attrName>
+                                        </p:attrNameLst>
+                                      </p:cBhvr>
+                                      <p:tavLst>
+                                        <p:tav tm="0">
+                                          <p:val>
+                                            <p:strVal val="ppt_h"/>
+                                          </p:val>
+                                        </p:tav>
+                                        <p:tav tm="100000">
+                                          <p:val>
+                                            <p:strVal val="ppt_h"/>
+                                          </p:val>
+                                        </p:tav>
+                                      </p:tavLst>
+                                    </p:anim>
+                                    <p:animEffect transition="out" filter="fade">
+                                      <p:cBhvr>
+                                        <p:cTn id="14" dur="1000"/>
+                                        <p:tgtEl>
+                                          <p:spTgt spid="4"/>
+                                        </p:tgtEl>
+                                      </p:cBhvr>
+                                    </p:animEffect>
+                                    <p:set>
+                                      <p:cBhvr>
+                                        <p:cTn id="15" dur="1" fill="hold">
+                                          <p:stCondLst>
+                                            <p:cond delay="999"/>
+                                          </p:stCondLst>
+                                        </p:cTn>
+                                        <p:tgtEl>
+                                          <p:spTgt spid="4"/>
+                                        </p:tgtEl>
+                                        <p:attrNameLst>
+                                          <p:attrName>style.visibility</p:attrName>
+                                        </p:attrNameLst>
+                                      </p:cBhvr>
+                                      <p:to>
+                                        <p:strVal val="hidden"/>
+                                      </p:to>
+                                    </p:set>
+                                  </p:childTnLst>
+                                </p:cTn>
+                              </p:par>
+                              <p:par>
+                                <p:cTn id="16" presetID="55" presetClass="entr" presetSubtype="0" fill="hold" nodeType="withEffect">
+                                  <p:stCondLst>
+                                    <p:cond delay="2000"/>
+                                  </p:stCondLst>
+                                  <p:childTnLst>
+                                    <p:set>
+                                      <p:cBhvr>
+                                        <p:cTn id="17" dur="1" fill="hold">
+                                          <p:stCondLst>
+                                            <p:cond delay="0"/>
+                                          </p:stCondLst>
+                                        </p:cTn>
+                                        <p:tgtEl>
+                                          <p:spTgt spid="5"/>
+                                        </p:tgtEl>
+                                        <p:attrNameLst>
+                                          <p:attrName>style.visibility</p:attrName>
+                                        </p:attrNameLst>
+                                      </p:cBhvr>
+                                      <p:to>
+                                        <p:strVal val="visible"/>
+                                      </p:to>
+                                    </p:set>
+                                    <p:anim calcmode="lin" valueType="num">
+                                      <p:cBhvr>
+                                        <p:cTn id="18" dur="1000" fill="hold"/>
+                                        <p:tgtEl>
+                                          <p:spTgt spid="5"/>
+                                        </p:tgtEl>
+                                        <p:attrNameLst>
+                                          <p:attrName>ppt_w</p:attrName>
+                                        </p:attrNameLst>
+                                      </p:cBhvr>
+                                      <p:tavLst>
+                                        <p:tav tm="0">
+                                          <p:val>
+                                            <p:strVal val="#ppt_w*0.70"/>
+                                          </p:val>
+                                        </p:tav>
+                                        <p:tav tm="100000">
+                                          <p:val>
+                                            <p:strVal val="#ppt_w"/>
+                                          </p:val>
+                                        </p:tav>
+                                      </p:tavLst>
+                                    </p:anim>
+                                    <p:anim calcmode="lin" valueType="num">
+                                      <p:cBhvr>
+                                        <p:cTn id="19" dur="1000" fill="hold"/>
+                                        <p:tgtEl>
+                                          <p:spTgt spid="5"/>
+                                        </p:tgtEl>
+                                        <p:attrNameLst>
+                                          <p:attrName>ppt_h</p:attrName>
+                                        </p:attrNameLst>
+                                      </p:cBhvr>
+                                      <p:tavLst>
+                                        <p:tav tm="0">
+                                          <p:val>
+                                            <p:strVal val="#ppt_h"/>
+                                          </p:val>
+                                        </p:tav>
+                                        <p:tav tm="100000">
+                                          <p:val>
+                                            <p:strVal val="#ppt_h"/>
+                                          </p:val>
+                                        </p:tav>
+                                      </p:tavLst>
+                                    </p:anim>
+                                    <p:animEffect transition="in" filter="fade">
+                                      <p:cBhvr>
+                                        <p:cTn id="20" dur="1000"/>
+                                        <p:tgtEl>
+                                          <p:spTgt spid="5"/>
+                                        </p:tgtEl>
+                                      </p:cBhvr>
+                                    </p:animEffect>
+                                  </p:childTnLst>
+                                </p:cTn>
+                              </p:par>
+                            </p:childTnLst>
+                          </p:cTn>
+                        </p:par>
+                      </p:childTnLst>
+                    </p:cTn>
+                  </p:par>
+                </p:childTnLst>
+              </p:cTn>
+              <p:prevCondLst>
+                <p:cond evt="onPrev" delay="0">
+                  <p:tgtEl>
+                    <p:sldTgt/>
+                  </p:tgtEl>
+                </p:cond>
+              </p:prevCondLst>
+              <p:nextCondLst>
+                <p:cond evt="onNext" delay="0">
+                  <p:tgtEl>
+                    <p:sldTgt/>
+                  </p:tgtEl>
+                </p:cond>
+              </p:nextCondLst>
+            </p:seq>
+          </p:childTnLst>
+        </p:cTn>
       </p:par>
     </p:tnLst>
   </p:timing>
@@ -19068,10 +19878,10 @@
           <a:lstStyle/>
           <a:p>
             <a:r>
-              <a:rPr lang="zh-CN" altLang="en-US" dirty="0" smtClean="0"/>
-              <a:t>具体进度</a:t>
-            </a:r>
-            <a:endParaRPr lang="zh-CN" altLang="en-US" dirty="0"/>
+              <a:rPr kumimoji="1" lang="zh-CN" altLang="en-US" dirty="0" smtClean="0"/>
+              <a:t>文档</a:t>
+            </a:r>
+            <a:endParaRPr kumimoji="1" lang="zh-CN" altLang="en-US" dirty="0"/>
           </a:p>
         </p:txBody>
       </p:sp>
@@ -19091,86 +19901,649 @@
           <a:lstStyle/>
           <a:p>
             <a:r>
-              <a:rPr lang="zh-CN" altLang="en-US"/>
-              <a:t>对于我们的主要开发方向（</a:t>
-            </a:r>
-            <a:r>
-              <a:rPr lang="en-US" altLang="zh-CN"/>
-              <a:t>“</a:t>
-            </a:r>
-            <a:r>
-              <a:rPr lang="zh-CN" altLang="en-US"/>
-              <a:t>野指针</a:t>
-            </a:r>
-            <a:r>
-              <a:rPr lang="en-US" altLang="zh-CN"/>
-              <a:t>”</a:t>
-            </a:r>
-            <a:r>
-              <a:rPr lang="zh-CN" altLang="en-US"/>
-              <a:t>的检测与报错）进行了面向数据的分析</a:t>
-            </a:r>
-          </a:p>
-          <a:p>
-            <a:r>
-              <a:rPr lang="zh-CN" altLang="en-US"/>
-              <a:t>跟踪数据走向，分析</a:t>
-            </a:r>
-            <a:r>
-              <a:rPr lang="en-US" altLang="en-US"/>
-              <a:t>Token</a:t>
-            </a:r>
-            <a:r>
-              <a:rPr lang="zh-CN" altLang="en-US"/>
-              <a:t>与</a:t>
-            </a:r>
-            <a:r>
-              <a:rPr lang="en-US" altLang="en-US"/>
-              <a:t>Symbol</a:t>
-            </a:r>
-            <a:r>
-              <a:rPr lang="zh-CN" altLang="en-US"/>
-              <a:t>类与对象之间的关系</a:t>
-            </a:r>
-          </a:p>
-          <a:p>
-            <a:r>
-              <a:rPr lang="en-US" altLang="en-US"/>
-              <a:t>Ast(</a:t>
-            </a:r>
-            <a:r>
-              <a:rPr lang="zh-CN" altLang="en-US"/>
-              <a:t>抽象语法树</a:t>
-            </a:r>
-            <a:r>
-              <a:rPr lang="en-US" altLang="en-US"/>
-              <a:t>)</a:t>
-            </a:r>
-            <a:r>
-              <a:rPr lang="zh-CN" altLang="en-US"/>
-              <a:t>分析，与</a:t>
-            </a:r>
-            <a:r>
-              <a:rPr lang="en-US" altLang="zh-CN"/>
-              <a:t>Token</a:t>
-            </a:r>
-            <a:r>
-              <a:rPr lang="zh-CN" altLang="en-US"/>
-              <a:t>挂钩</a:t>
-            </a:r>
-          </a:p>
-        </p:txBody>
-      </p:sp>
+              <a:rPr kumimoji="1" lang="en-US" altLang="zh-CN" dirty="0"/>
+              <a:t>《</a:t>
+            </a:r>
+            <a:r>
+              <a:rPr kumimoji="1" lang="zh-CN" altLang="en-US" dirty="0"/>
+              <a:t>二次开发详细设计报告</a:t>
+            </a:r>
+            <a:r>
+              <a:rPr kumimoji="1" lang="en-US" altLang="zh-CN" dirty="0"/>
+              <a:t>》</a:t>
+            </a:r>
+            <a:r>
+              <a:rPr kumimoji="1" lang="zh-CN" altLang="en-US" dirty="0"/>
+              <a:t>：</a:t>
+            </a:r>
+            <a:endParaRPr kumimoji="1" lang="en-US" altLang="zh-CN" dirty="0"/>
+          </a:p>
+          <a:p>
+            <a:r>
+              <a:rPr kumimoji="1" lang="zh-CN" altLang="en-US" dirty="0"/>
+              <a:t>分为三个模块：</a:t>
+            </a:r>
+            <a:endParaRPr kumimoji="1" lang="en-US" altLang="zh-CN" dirty="0"/>
+          </a:p>
+          <a:p>
+            <a:pPr lvl="1"/>
+            <a:r>
+              <a:rPr kumimoji="1" lang="en-US" altLang="zh-CN" dirty="0" err="1"/>
+              <a:t>Cppcheck</a:t>
+            </a:r>
+            <a:r>
+              <a:rPr kumimoji="1" lang="zh-CN" altLang="en-US" dirty="0"/>
+              <a:t>简介</a:t>
+            </a:r>
+            <a:r>
+              <a:rPr lang="zh-CN" altLang="en-US" dirty="0"/>
+              <a:t>√</a:t>
+            </a:r>
+            <a:endParaRPr kumimoji="1" lang="en-US" altLang="zh-CN" dirty="0"/>
+          </a:p>
+          <a:p>
+            <a:pPr lvl="1"/>
+            <a:r>
+              <a:rPr kumimoji="1" lang="en-US" altLang="zh-CN" dirty="0" err="1"/>
+              <a:t>Cppcheck</a:t>
+            </a:r>
+            <a:r>
+              <a:rPr kumimoji="1" lang="zh-CN" altLang="en-US" dirty="0"/>
+              <a:t>二次开发</a:t>
+            </a:r>
+            <a:endParaRPr kumimoji="1" lang="en-US" altLang="zh-CN" dirty="0"/>
+          </a:p>
+          <a:p>
+            <a:pPr lvl="1"/>
+            <a:r>
+              <a:rPr kumimoji="1" lang="en-US" altLang="zh-CN" dirty="0" err="1"/>
+              <a:t>Cppcheck</a:t>
+            </a:r>
+            <a:r>
+              <a:rPr kumimoji="1" lang="zh-CN" altLang="en-US" dirty="0"/>
+              <a:t>二次开发结果测试</a:t>
+            </a:r>
+            <a:endParaRPr kumimoji="1" lang="en-US" altLang="zh-CN" dirty="0"/>
+          </a:p>
+        </p:txBody>
+      </p:sp>
+      <p:pic>
+        <p:nvPicPr>
+          <p:cNvPr id="6" name="图片 5"/>
+          <p:cNvPicPr>
+            <a:picLocks noChangeAspect="1"/>
+          </p:cNvPicPr>
+          <p:nvPr/>
+        </p:nvPicPr>
+        <p:blipFill>
+          <a:blip r:embed="rId2">
+            <a:extLst>
+              <a:ext uri="{28A0092B-C50C-407E-A947-70E740481C1C}">
+                <a14:useLocalDpi xmlns:a14="http://schemas.microsoft.com/office/drawing/2010/main" val="0"/>
+              </a:ext>
+            </a:extLst>
+          </a:blip>
+          <a:stretch>
+            <a:fillRect/>
+          </a:stretch>
+        </p:blipFill>
+        <p:spPr>
+          <a:xfrm>
+            <a:off x="3657600" y="0"/>
+            <a:ext cx="4866968" cy="6858000"/>
+          </a:xfrm>
+          <a:prstGeom prst="rect">
+            <a:avLst/>
+          </a:prstGeom>
+        </p:spPr>
+      </p:pic>
+      <p:pic>
+        <p:nvPicPr>
+          <p:cNvPr id="7" name="图片 6"/>
+          <p:cNvPicPr>
+            <a:picLocks noChangeAspect="1"/>
+          </p:cNvPicPr>
+          <p:nvPr/>
+        </p:nvPicPr>
+        <p:blipFill>
+          <a:blip r:embed="rId3">
+            <a:extLst>
+              <a:ext uri="{28A0092B-C50C-407E-A947-70E740481C1C}">
+                <a14:useLocalDpi xmlns:a14="http://schemas.microsoft.com/office/drawing/2010/main" val="0"/>
+              </a:ext>
+            </a:extLst>
+          </a:blip>
+          <a:stretch>
+            <a:fillRect/>
+          </a:stretch>
+        </p:blipFill>
+        <p:spPr>
+          <a:xfrm>
+            <a:off x="3695700" y="0"/>
+            <a:ext cx="4789589" cy="6858000"/>
+          </a:xfrm>
+          <a:prstGeom prst="rect">
+            <a:avLst/>
+          </a:prstGeom>
+        </p:spPr>
+      </p:pic>
+      <p:pic>
+        <p:nvPicPr>
+          <p:cNvPr id="8" name="图片 7"/>
+          <p:cNvPicPr>
+            <a:picLocks noChangeAspect="1"/>
+          </p:cNvPicPr>
+          <p:nvPr/>
+        </p:nvPicPr>
+        <p:blipFill>
+          <a:blip r:embed="rId4">
+            <a:extLst>
+              <a:ext uri="{28A0092B-C50C-407E-A947-70E740481C1C}">
+                <a14:useLocalDpi xmlns:a14="http://schemas.microsoft.com/office/drawing/2010/main" val="0"/>
+              </a:ext>
+            </a:extLst>
+          </a:blip>
+          <a:stretch>
+            <a:fillRect/>
+          </a:stretch>
+        </p:blipFill>
+        <p:spPr>
+          <a:xfrm>
+            <a:off x="2197100" y="508000"/>
+            <a:ext cx="7797800" cy="5842000"/>
+          </a:xfrm>
+          <a:prstGeom prst="rect">
+            <a:avLst/>
+          </a:prstGeom>
+        </p:spPr>
+      </p:pic>
     </p:spTree>
+    <p:extLst>
+      <p:ext uri="{BB962C8B-B14F-4D97-AF65-F5344CB8AC3E}">
+        <p14:creationId xmlns:p14="http://schemas.microsoft.com/office/powerpoint/2010/main" val="1740953629"/>
+      </p:ext>
+    </p:extLst>
   </p:cSld>
   <p:clrMapOvr>
     <a:masterClrMapping/>
   </p:clrMapOvr>
-  <p:transition/>
   <p:timing>
     <p:tnLst>
       <p:par>
-        <p:cTn id="1" dur="indefinite" restart="never" nodeType="tmRoot"/>
+        <p:cTn id="1" dur="indefinite" restart="never" nodeType="tmRoot">
+          <p:childTnLst>
+            <p:seq concurrent="1" nextAc="seek">
+              <p:cTn id="2" dur="indefinite" nodeType="mainSeq">
+                <p:childTnLst>
+                  <p:par>
+                    <p:cTn id="3" fill="hold">
+                      <p:stCondLst>
+                        <p:cond delay="indefinite"/>
+                      </p:stCondLst>
+                      <p:childTnLst>
+                        <p:par>
+                          <p:cTn id="4" fill="hold">
+                            <p:stCondLst>
+                              <p:cond delay="0"/>
+                            </p:stCondLst>
+                            <p:childTnLst>
+                              <p:par>
+                                <p:cTn id="5" presetID="53" presetClass="entr" presetSubtype="16" fill="hold" nodeType="clickEffect">
+                                  <p:stCondLst>
+                                    <p:cond delay="0"/>
+                                  </p:stCondLst>
+                                  <p:childTnLst>
+                                    <p:set>
+                                      <p:cBhvr>
+                                        <p:cTn id="6" dur="1" fill="hold">
+                                          <p:stCondLst>
+                                            <p:cond delay="0"/>
+                                          </p:stCondLst>
+                                        </p:cTn>
+                                        <p:tgtEl>
+                                          <p:spTgt spid="6"/>
+                                        </p:tgtEl>
+                                        <p:attrNameLst>
+                                          <p:attrName>style.visibility</p:attrName>
+                                        </p:attrNameLst>
+                                      </p:cBhvr>
+                                      <p:to>
+                                        <p:strVal val="visible"/>
+                                      </p:to>
+                                    </p:set>
+                                    <p:anim calcmode="lin" valueType="num">
+                                      <p:cBhvr>
+                                        <p:cTn id="7" dur="500" fill="hold"/>
+                                        <p:tgtEl>
+                                          <p:spTgt spid="6"/>
+                                        </p:tgtEl>
+                                        <p:attrNameLst>
+                                          <p:attrName>ppt_w</p:attrName>
+                                        </p:attrNameLst>
+                                      </p:cBhvr>
+                                      <p:tavLst>
+                                        <p:tav tm="0">
+                                          <p:val>
+                                            <p:fltVal val="0"/>
+                                          </p:val>
+                                        </p:tav>
+                                        <p:tav tm="100000">
+                                          <p:val>
+                                            <p:strVal val="#ppt_w"/>
+                                          </p:val>
+                                        </p:tav>
+                                      </p:tavLst>
+                                    </p:anim>
+                                    <p:anim calcmode="lin" valueType="num">
+                                      <p:cBhvr>
+                                        <p:cTn id="8" dur="500" fill="hold"/>
+                                        <p:tgtEl>
+                                          <p:spTgt spid="6"/>
+                                        </p:tgtEl>
+                                        <p:attrNameLst>
+                                          <p:attrName>ppt_h</p:attrName>
+                                        </p:attrNameLst>
+                                      </p:cBhvr>
+                                      <p:tavLst>
+                                        <p:tav tm="0">
+                                          <p:val>
+                                            <p:fltVal val="0"/>
+                                          </p:val>
+                                        </p:tav>
+                                        <p:tav tm="100000">
+                                          <p:val>
+                                            <p:strVal val="#ppt_h"/>
+                                          </p:val>
+                                        </p:tav>
+                                      </p:tavLst>
+                                    </p:anim>
+                                    <p:animEffect transition="in" filter="fade">
+                                      <p:cBhvr>
+                                        <p:cTn id="9" dur="500"/>
+                                        <p:tgtEl>
+                                          <p:spTgt spid="6"/>
+                                        </p:tgtEl>
+                                      </p:cBhvr>
+                                    </p:animEffect>
+                                  </p:childTnLst>
+                                </p:cTn>
+                              </p:par>
+                            </p:childTnLst>
+                          </p:cTn>
+                        </p:par>
+                        <p:par>
+                          <p:cTn id="10" fill="hold">
+                            <p:stCondLst>
+                              <p:cond delay="500"/>
+                            </p:stCondLst>
+                            <p:childTnLst>
+                              <p:par>
+                                <p:cTn id="11" presetID="53" presetClass="exit" presetSubtype="32" fill="hold" nodeType="afterEffect">
+                                  <p:stCondLst>
+                                    <p:cond delay="2000"/>
+                                  </p:stCondLst>
+                                  <p:childTnLst>
+                                    <p:anim calcmode="lin" valueType="num">
+                                      <p:cBhvr>
+                                        <p:cTn id="12" dur="500"/>
+                                        <p:tgtEl>
+                                          <p:spTgt spid="6"/>
+                                        </p:tgtEl>
+                                        <p:attrNameLst>
+                                          <p:attrName>ppt_w</p:attrName>
+                                        </p:attrNameLst>
+                                      </p:cBhvr>
+                                      <p:tavLst>
+                                        <p:tav tm="0">
+                                          <p:val>
+                                            <p:strVal val="ppt_w"/>
+                                          </p:val>
+                                        </p:tav>
+                                        <p:tav tm="100000">
+                                          <p:val>
+                                            <p:fltVal val="0"/>
+                                          </p:val>
+                                        </p:tav>
+                                      </p:tavLst>
+                                    </p:anim>
+                                    <p:anim calcmode="lin" valueType="num">
+                                      <p:cBhvr>
+                                        <p:cTn id="13" dur="500"/>
+                                        <p:tgtEl>
+                                          <p:spTgt spid="6"/>
+                                        </p:tgtEl>
+                                        <p:attrNameLst>
+                                          <p:attrName>ppt_h</p:attrName>
+                                        </p:attrNameLst>
+                                      </p:cBhvr>
+                                      <p:tavLst>
+                                        <p:tav tm="0">
+                                          <p:val>
+                                            <p:strVal val="ppt_h"/>
+                                          </p:val>
+                                        </p:tav>
+                                        <p:tav tm="100000">
+                                          <p:val>
+                                            <p:fltVal val="0"/>
+                                          </p:val>
+                                        </p:tav>
+                                      </p:tavLst>
+                                    </p:anim>
+                                    <p:animEffect transition="out" filter="fade">
+                                      <p:cBhvr>
+                                        <p:cTn id="14" dur="500"/>
+                                        <p:tgtEl>
+                                          <p:spTgt spid="6"/>
+                                        </p:tgtEl>
+                                      </p:cBhvr>
+                                    </p:animEffect>
+                                    <p:set>
+                                      <p:cBhvr>
+                                        <p:cTn id="15" dur="1" fill="hold">
+                                          <p:stCondLst>
+                                            <p:cond delay="499"/>
+                                          </p:stCondLst>
+                                        </p:cTn>
+                                        <p:tgtEl>
+                                          <p:spTgt spid="6"/>
+                                        </p:tgtEl>
+                                        <p:attrNameLst>
+                                          <p:attrName>style.visibility</p:attrName>
+                                        </p:attrNameLst>
+                                      </p:cBhvr>
+                                      <p:to>
+                                        <p:strVal val="hidden"/>
+                                      </p:to>
+                                    </p:set>
+                                  </p:childTnLst>
+                                </p:cTn>
+                              </p:par>
+                              <p:par>
+                                <p:cTn id="16" presetID="53" presetClass="entr" presetSubtype="16" repeatCount="0" fill="hold" nodeType="withEffect">
+                                  <p:stCondLst>
+                                    <p:cond delay="2000"/>
+                                  </p:stCondLst>
+                                  <p:childTnLst>
+                                    <p:set>
+                                      <p:cBhvr>
+                                        <p:cTn id="17" dur="1" fill="hold">
+                                          <p:stCondLst>
+                                            <p:cond delay="0"/>
+                                          </p:stCondLst>
+                                        </p:cTn>
+                                        <p:tgtEl>
+                                          <p:spTgt spid="7"/>
+                                        </p:tgtEl>
+                                        <p:attrNameLst>
+                                          <p:attrName>style.visibility</p:attrName>
+                                        </p:attrNameLst>
+                                      </p:cBhvr>
+                                      <p:to>
+                                        <p:strVal val="visible"/>
+                                      </p:to>
+                                    </p:set>
+                                    <p:anim calcmode="lin" valueType="num">
+                                      <p:cBhvr>
+                                        <p:cTn id="18" dur="500" fill="hold"/>
+                                        <p:tgtEl>
+                                          <p:spTgt spid="7"/>
+                                        </p:tgtEl>
+                                        <p:attrNameLst>
+                                          <p:attrName>ppt_w</p:attrName>
+                                        </p:attrNameLst>
+                                      </p:cBhvr>
+                                      <p:tavLst>
+                                        <p:tav tm="0">
+                                          <p:val>
+                                            <p:fltVal val="0"/>
+                                          </p:val>
+                                        </p:tav>
+                                        <p:tav tm="100000">
+                                          <p:val>
+                                            <p:strVal val="#ppt_w"/>
+                                          </p:val>
+                                        </p:tav>
+                                      </p:tavLst>
+                                    </p:anim>
+                                    <p:anim calcmode="lin" valueType="num">
+                                      <p:cBhvr>
+                                        <p:cTn id="19" dur="500" fill="hold"/>
+                                        <p:tgtEl>
+                                          <p:spTgt spid="7"/>
+                                        </p:tgtEl>
+                                        <p:attrNameLst>
+                                          <p:attrName>ppt_h</p:attrName>
+                                        </p:attrNameLst>
+                                      </p:cBhvr>
+                                      <p:tavLst>
+                                        <p:tav tm="0">
+                                          <p:val>
+                                            <p:fltVal val="0"/>
+                                          </p:val>
+                                        </p:tav>
+                                        <p:tav tm="100000">
+                                          <p:val>
+                                            <p:strVal val="#ppt_h"/>
+                                          </p:val>
+                                        </p:tav>
+                                      </p:tavLst>
+                                    </p:anim>
+                                    <p:animEffect transition="in" filter="fade">
+                                      <p:cBhvr>
+                                        <p:cTn id="20" dur="500"/>
+                                        <p:tgtEl>
+                                          <p:spTgt spid="7"/>
+                                        </p:tgtEl>
+                                      </p:cBhvr>
+                                    </p:animEffect>
+                                  </p:childTnLst>
+                                </p:cTn>
+                              </p:par>
+                            </p:childTnLst>
+                          </p:cTn>
+                        </p:par>
+                      </p:childTnLst>
+                    </p:cTn>
+                  </p:par>
+                  <p:par>
+                    <p:cTn id="21" fill="hold">
+                      <p:stCondLst>
+                        <p:cond delay="indefinite"/>
+                      </p:stCondLst>
+                      <p:childTnLst>
+                        <p:par>
+                          <p:cTn id="22" fill="hold">
+                            <p:stCondLst>
+                              <p:cond delay="0"/>
+                            </p:stCondLst>
+                            <p:childTnLst>
+                              <p:par>
+                                <p:cTn id="23" presetID="53" presetClass="exit" presetSubtype="32" fill="hold" nodeType="clickEffect">
+                                  <p:stCondLst>
+                                    <p:cond delay="0"/>
+                                  </p:stCondLst>
+                                  <p:childTnLst>
+                                    <p:anim calcmode="lin" valueType="num">
+                                      <p:cBhvr>
+                                        <p:cTn id="24" dur="500"/>
+                                        <p:tgtEl>
+                                          <p:spTgt spid="7"/>
+                                        </p:tgtEl>
+                                        <p:attrNameLst>
+                                          <p:attrName>ppt_w</p:attrName>
+                                        </p:attrNameLst>
+                                      </p:cBhvr>
+                                      <p:tavLst>
+                                        <p:tav tm="0">
+                                          <p:val>
+                                            <p:strVal val="ppt_w"/>
+                                          </p:val>
+                                        </p:tav>
+                                        <p:tav tm="100000">
+                                          <p:val>
+                                            <p:fltVal val="0"/>
+                                          </p:val>
+                                        </p:tav>
+                                      </p:tavLst>
+                                    </p:anim>
+                                    <p:anim calcmode="lin" valueType="num">
+                                      <p:cBhvr>
+                                        <p:cTn id="25" dur="500"/>
+                                        <p:tgtEl>
+                                          <p:spTgt spid="7"/>
+                                        </p:tgtEl>
+                                        <p:attrNameLst>
+                                          <p:attrName>ppt_h</p:attrName>
+                                        </p:attrNameLst>
+                                      </p:cBhvr>
+                                      <p:tavLst>
+                                        <p:tav tm="0">
+                                          <p:val>
+                                            <p:strVal val="ppt_h"/>
+                                          </p:val>
+                                        </p:tav>
+                                        <p:tav tm="100000">
+                                          <p:val>
+                                            <p:fltVal val="0"/>
+                                          </p:val>
+                                        </p:tav>
+                                      </p:tavLst>
+                                    </p:anim>
+                                    <p:animEffect transition="out" filter="fade">
+                                      <p:cBhvr>
+                                        <p:cTn id="26" dur="500"/>
+                                        <p:tgtEl>
+                                          <p:spTgt spid="7"/>
+                                        </p:tgtEl>
+                                      </p:cBhvr>
+                                    </p:animEffect>
+                                    <p:set>
+                                      <p:cBhvr>
+                                        <p:cTn id="27" dur="1" fill="hold">
+                                          <p:stCondLst>
+                                            <p:cond delay="499"/>
+                                          </p:stCondLst>
+                                        </p:cTn>
+                                        <p:tgtEl>
+                                          <p:spTgt spid="7"/>
+                                        </p:tgtEl>
+                                        <p:attrNameLst>
+                                          <p:attrName>style.visibility</p:attrName>
+                                        </p:attrNameLst>
+                                      </p:cBhvr>
+                                      <p:to>
+                                        <p:strVal val="hidden"/>
+                                      </p:to>
+                                    </p:set>
+                                  </p:childTnLst>
+                                </p:cTn>
+                              </p:par>
+                              <p:par>
+                                <p:cTn id="28" presetID="53" presetClass="entr" presetSubtype="16" fill="hold" nodeType="withEffect">
+                                  <p:stCondLst>
+                                    <p:cond delay="0"/>
+                                  </p:stCondLst>
+                                  <p:childTnLst>
+                                    <p:set>
+                                      <p:cBhvr>
+                                        <p:cTn id="29" dur="1" fill="hold">
+                                          <p:stCondLst>
+                                            <p:cond delay="0"/>
+                                          </p:stCondLst>
+                                        </p:cTn>
+                                        <p:tgtEl>
+                                          <p:spTgt spid="8"/>
+                                        </p:tgtEl>
+                                        <p:attrNameLst>
+                                          <p:attrName>style.visibility</p:attrName>
+                                        </p:attrNameLst>
+                                      </p:cBhvr>
+                                      <p:to>
+                                        <p:strVal val="visible"/>
+                                      </p:to>
+                                    </p:set>
+                                    <p:anim calcmode="lin" valueType="num">
+                                      <p:cBhvr>
+                                        <p:cTn id="30" dur="500" fill="hold"/>
+                                        <p:tgtEl>
+                                          <p:spTgt spid="8"/>
+                                        </p:tgtEl>
+                                        <p:attrNameLst>
+                                          <p:attrName>ppt_w</p:attrName>
+                                        </p:attrNameLst>
+                                      </p:cBhvr>
+                                      <p:tavLst>
+                                        <p:tav tm="0">
+                                          <p:val>
+                                            <p:fltVal val="0"/>
+                                          </p:val>
+                                        </p:tav>
+                                        <p:tav tm="100000">
+                                          <p:val>
+                                            <p:strVal val="#ppt_w"/>
+                                          </p:val>
+                                        </p:tav>
+                                      </p:tavLst>
+                                    </p:anim>
+                                    <p:anim calcmode="lin" valueType="num">
+                                      <p:cBhvr>
+                                        <p:cTn id="31" dur="500" fill="hold"/>
+                                        <p:tgtEl>
+                                          <p:spTgt spid="8"/>
+                                        </p:tgtEl>
+                                        <p:attrNameLst>
+                                          <p:attrName>ppt_h</p:attrName>
+                                        </p:attrNameLst>
+                                      </p:cBhvr>
+                                      <p:tavLst>
+                                        <p:tav tm="0">
+                                          <p:val>
+                                            <p:fltVal val="0"/>
+                                          </p:val>
+                                        </p:tav>
+                                        <p:tav tm="100000">
+                                          <p:val>
+                                            <p:strVal val="#ppt_h"/>
+                                          </p:val>
+                                        </p:tav>
+                                      </p:tavLst>
+                                    </p:anim>
+                                    <p:animEffect transition="in" filter="fade">
+                                      <p:cBhvr>
+                                        <p:cTn id="32" dur="500"/>
+                                        <p:tgtEl>
+                                          <p:spTgt spid="8"/>
+                                        </p:tgtEl>
+                                      </p:cBhvr>
+                                    </p:animEffect>
+                                  </p:childTnLst>
+                                </p:cTn>
+                              </p:par>
+                            </p:childTnLst>
+                          </p:cTn>
+                        </p:par>
+                      </p:childTnLst>
+                    </p:cTn>
+                  </p:par>
+                </p:childTnLst>
+              </p:cTn>
+              <p:prevCondLst>
+                <p:cond evt="onPrev" delay="0">
+                  <p:tgtEl>
+                    <p:sldTgt/>
+                  </p:tgtEl>
+                </p:cond>
+              </p:prevCondLst>
+              <p:nextCondLst>
+                <p:cond evt="onNext" delay="0">
+                  <p:tgtEl>
+                    <p:sldTgt/>
+                  </p:tgtEl>
+                </p:cond>
+              </p:nextCondLst>
+            </p:seq>
+          </p:childTnLst>
+        </p:cTn>
       </p:par>
     </p:tnLst>
   </p:timing>
@@ -19210,10 +20583,10 @@
           <a:lstStyle/>
           <a:p>
             <a:r>
-              <a:rPr lang="zh-CN" altLang="en-US" dirty="0" smtClean="0"/>
-              <a:t>具体进度</a:t>
-            </a:r>
-            <a:endParaRPr lang="zh-CN" altLang="en-US" dirty="0"/>
+              <a:rPr kumimoji="1" lang="zh-CN" altLang="en-US" dirty="0" smtClean="0"/>
+              <a:t>文档</a:t>
+            </a:r>
+            <a:endParaRPr kumimoji="1" lang="zh-CN" altLang="en-US" dirty="0"/>
           </a:p>
         </p:txBody>
       </p:sp>
@@ -19233,106 +20606,97 @@
           <a:lstStyle/>
           <a:p>
             <a:r>
-              <a:rPr lang="zh-CN" altLang="en-US"/>
-              <a:t>对于我们的主要开发方向（</a:t>
-            </a:r>
-            <a:r>
-              <a:rPr lang="en-US" altLang="zh-CN"/>
-              <a:t>“</a:t>
-            </a:r>
-            <a:r>
-              <a:rPr lang="zh-CN" altLang="en-US"/>
-              <a:t>野指针</a:t>
-            </a:r>
-            <a:r>
-              <a:rPr lang="en-US" altLang="zh-CN"/>
-              <a:t>”</a:t>
-            </a:r>
-            <a:r>
-              <a:rPr lang="zh-CN" altLang="en-US"/>
-              <a:t>的检测与报错）进行了面向数据的分析</a:t>
-            </a:r>
-          </a:p>
-          <a:p>
-            <a:r>
-              <a:rPr lang="zh-CN" altLang="en-US"/>
-              <a:t>跟踪数据走向，分析</a:t>
-            </a:r>
-            <a:r>
-              <a:rPr lang="en-US" altLang="en-US"/>
-              <a:t>Token</a:t>
-            </a:r>
-            <a:r>
-              <a:rPr lang="zh-CN" altLang="en-US"/>
-              <a:t>与</a:t>
-            </a:r>
-            <a:r>
-              <a:rPr lang="en-US" altLang="en-US"/>
-              <a:t>Symbol</a:t>
-            </a:r>
-            <a:r>
-              <a:rPr lang="zh-CN" altLang="en-US"/>
-              <a:t>类与对象之间的关系</a:t>
-            </a:r>
-          </a:p>
-          <a:p>
-            <a:r>
-              <a:rPr lang="en-US" altLang="en-US"/>
-              <a:t>Ast(</a:t>
-            </a:r>
-            <a:r>
-              <a:rPr lang="zh-CN" altLang="en-US"/>
-              <a:t>抽象语法树</a:t>
-            </a:r>
-            <a:r>
-              <a:rPr lang="en-US" altLang="en-US"/>
-              <a:t>)</a:t>
-            </a:r>
-            <a:r>
-              <a:rPr lang="zh-CN" altLang="en-US"/>
-              <a:t>分析，与</a:t>
-            </a:r>
-            <a:r>
-              <a:rPr lang="en-US" altLang="zh-CN"/>
-              <a:t>Token</a:t>
-            </a:r>
-            <a:r>
-              <a:rPr lang="zh-CN" altLang="en-US"/>
-              <a:t>挂钩</a:t>
-            </a:r>
-          </a:p>
-        </p:txBody>
-      </p:sp>
-      <p:pic>
-        <p:nvPicPr>
-          <p:cNvPr id="5" name="图片 4" descr="QQ图片20160401090900"/>
-          <p:cNvPicPr>
-            <a:picLocks noChangeAspect="1"/>
-          </p:cNvPicPr>
-          <p:nvPr/>
-        </p:nvPicPr>
-        <p:blipFill>
-          <a:blip r:embed="rId2"/>
-          <a:stretch>
-            <a:fillRect/>
-          </a:stretch>
-        </p:blipFill>
-        <p:spPr>
-          <a:xfrm>
-            <a:off x="1783715" y="1389380"/>
-            <a:ext cx="8170545" cy="4812030"/>
-          </a:xfrm>
-          <a:prstGeom prst="rect">
-            <a:avLst/>
-          </a:prstGeom>
-        </p:spPr>
-      </p:pic>
+              <a:rPr kumimoji="1" lang="zh-CN" altLang="en-US" dirty="0" smtClean="0"/>
+              <a:t>在开发计划中，我们列出了如下需要完成的文档：</a:t>
+            </a:r>
+            <a:endParaRPr kumimoji="1" lang="en-US" altLang="zh-CN" dirty="0" smtClean="0"/>
+          </a:p>
+          <a:p>
+            <a:pPr lvl="1"/>
+            <a:r>
+              <a:rPr kumimoji="1" lang="en-US" altLang="zh-CN" dirty="0"/>
+              <a:t>《</a:t>
+            </a:r>
+            <a:r>
+              <a:rPr kumimoji="1" lang="en-US" altLang="zh-CN" dirty="0" err="1"/>
+              <a:t>Cppcheck</a:t>
+            </a:r>
+            <a:r>
+              <a:rPr kumimoji="1" lang="zh-CN" altLang="en-US" dirty="0"/>
+              <a:t>分析报告</a:t>
+            </a:r>
+            <a:r>
+              <a:rPr kumimoji="1" lang="en-US" altLang="zh-CN" dirty="0" smtClean="0"/>
+              <a:t>》</a:t>
+            </a:r>
+            <a:r>
+              <a:rPr lang="zh-CN" altLang="en-US" dirty="0" smtClean="0"/>
+              <a:t>√</a:t>
+            </a:r>
+            <a:endParaRPr kumimoji="1" lang="zh-CN" altLang="en-US" dirty="0"/>
+          </a:p>
+          <a:p>
+            <a:pPr lvl="1"/>
+            <a:r>
+              <a:rPr kumimoji="1" lang="en-US" altLang="zh-CN" dirty="0" smtClean="0"/>
+              <a:t>《</a:t>
+            </a:r>
+            <a:r>
+              <a:rPr kumimoji="1" lang="zh-CN" altLang="en-US" dirty="0"/>
+              <a:t>二次开发详细设计报告</a:t>
+            </a:r>
+            <a:r>
+              <a:rPr kumimoji="1" lang="en-US" altLang="zh-CN" dirty="0" smtClean="0"/>
+              <a:t>》</a:t>
+            </a:r>
+            <a:r>
+              <a:rPr lang="zh-CN" altLang="en-US" dirty="0" smtClean="0"/>
+              <a:t>√</a:t>
+            </a:r>
+            <a:endParaRPr kumimoji="1" lang="en-US" altLang="zh-CN" dirty="0" smtClean="0"/>
+          </a:p>
+          <a:p>
+            <a:pPr lvl="1"/>
+            <a:r>
+              <a:rPr kumimoji="1" lang="en-US" altLang="zh-CN" dirty="0" smtClean="0"/>
+              <a:t>《</a:t>
+            </a:r>
+            <a:r>
+              <a:rPr kumimoji="1" lang="zh-CN" altLang="en-US" dirty="0"/>
+              <a:t>关键算法设计报告</a:t>
+            </a:r>
+            <a:r>
+              <a:rPr kumimoji="1" lang="en-US" altLang="zh-CN" dirty="0" smtClean="0"/>
+              <a:t>》</a:t>
+            </a:r>
+          </a:p>
+          <a:p>
+            <a:pPr lvl="1"/>
+            <a:r>
+              <a:rPr kumimoji="1" lang="en-US" altLang="zh-CN" dirty="0" smtClean="0"/>
+              <a:t>《</a:t>
+            </a:r>
+            <a:r>
+              <a:rPr kumimoji="1" lang="zh-CN" altLang="en-US" dirty="0"/>
+              <a:t>用户手册</a:t>
+            </a:r>
+            <a:r>
+              <a:rPr kumimoji="1" lang="en-US" altLang="zh-CN" dirty="0" smtClean="0"/>
+              <a:t>》</a:t>
+            </a:r>
+          </a:p>
+        </p:txBody>
+      </p:sp>
     </p:spTree>
+    <p:extLst>
+      <p:ext uri="{BB962C8B-B14F-4D97-AF65-F5344CB8AC3E}">
+        <p14:creationId xmlns:p14="http://schemas.microsoft.com/office/powerpoint/2010/main" val="108322329"/>
+      </p:ext>
+    </p:extLst>
   </p:cSld>
   <p:clrMapOvr>
     <a:masterClrMapping/>
   </p:clrMapOvr>
-  <p:transition/>
   <p:timing>
     <p:tnLst>
       <p:par>

--- a/汇报/第六周课堂汇报.pptx
+++ b/汇报/第六周课堂汇报.pptx
@@ -5,44 +5,45 @@
     <p:sldMasterId id="2147483648" r:id="rId1"/>
   </p:sldMasterIdLst>
   <p:sldIdLst>
-    <p:sldId id="288" r:id="rId2"/>
-    <p:sldId id="298" r:id="rId3"/>
-    <p:sldId id="300" r:id="rId4"/>
-    <p:sldId id="299" r:id="rId5"/>
-    <p:sldId id="301" r:id="rId6"/>
-    <p:sldId id="302" r:id="rId7"/>
-    <p:sldId id="304" r:id="rId8"/>
-    <p:sldId id="305" r:id="rId9"/>
-    <p:sldId id="306" r:id="rId10"/>
-    <p:sldId id="307" r:id="rId11"/>
-    <p:sldId id="289" r:id="rId12"/>
-    <p:sldId id="290" r:id="rId13"/>
-    <p:sldId id="269" r:id="rId14"/>
-    <p:sldId id="258" r:id="rId15"/>
-    <p:sldId id="266" r:id="rId16"/>
-    <p:sldId id="267" r:id="rId17"/>
-    <p:sldId id="268" r:id="rId18"/>
-    <p:sldId id="291" r:id="rId19"/>
-    <p:sldId id="292" r:id="rId20"/>
-    <p:sldId id="293" r:id="rId21"/>
-    <p:sldId id="296" r:id="rId22"/>
-    <p:sldId id="294" r:id="rId23"/>
-    <p:sldId id="295" r:id="rId24"/>
-    <p:sldId id="297" r:id="rId25"/>
-    <p:sldId id="271" r:id="rId26"/>
-    <p:sldId id="270" r:id="rId27"/>
-    <p:sldId id="272" r:id="rId28"/>
-    <p:sldId id="273" r:id="rId29"/>
-    <p:sldId id="274" r:id="rId30"/>
-    <p:sldId id="276" r:id="rId31"/>
-    <p:sldId id="275" r:id="rId32"/>
-    <p:sldId id="277" r:id="rId33"/>
-    <p:sldId id="282" r:id="rId34"/>
-    <p:sldId id="283" r:id="rId35"/>
-    <p:sldId id="284" r:id="rId36"/>
-    <p:sldId id="285" r:id="rId37"/>
-    <p:sldId id="286" r:id="rId38"/>
-    <p:sldId id="287" r:id="rId39"/>
+    <p:sldId id="288" r:id="rId3"/>
+    <p:sldId id="298" r:id="rId4"/>
+    <p:sldId id="300" r:id="rId5"/>
+    <p:sldId id="299" r:id="rId6"/>
+    <p:sldId id="301" r:id="rId7"/>
+    <p:sldId id="302" r:id="rId8"/>
+    <p:sldId id="304" r:id="rId9"/>
+    <p:sldId id="305" r:id="rId10"/>
+    <p:sldId id="306" r:id="rId11"/>
+    <p:sldId id="307" r:id="rId12"/>
+    <p:sldId id="289" r:id="rId13"/>
+    <p:sldId id="290" r:id="rId14"/>
+    <p:sldId id="269" r:id="rId15"/>
+    <p:sldId id="258" r:id="rId16"/>
+    <p:sldId id="266" r:id="rId17"/>
+    <p:sldId id="267" r:id="rId18"/>
+    <p:sldId id="268" r:id="rId19"/>
+    <p:sldId id="291" r:id="rId20"/>
+    <p:sldId id="292" r:id="rId21"/>
+    <p:sldId id="293" r:id="rId22"/>
+    <p:sldId id="296" r:id="rId23"/>
+    <p:sldId id="294" r:id="rId24"/>
+    <p:sldId id="295" r:id="rId25"/>
+    <p:sldId id="297" r:id="rId26"/>
+    <p:sldId id="336" r:id="rId27"/>
+    <p:sldId id="271" r:id="rId28"/>
+    <p:sldId id="270" r:id="rId29"/>
+    <p:sldId id="272" r:id="rId30"/>
+    <p:sldId id="273" r:id="rId31"/>
+    <p:sldId id="274" r:id="rId32"/>
+    <p:sldId id="276" r:id="rId33"/>
+    <p:sldId id="275" r:id="rId34"/>
+    <p:sldId id="277" r:id="rId35"/>
+    <p:sldId id="282" r:id="rId36"/>
+    <p:sldId id="283" r:id="rId37"/>
+    <p:sldId id="284" r:id="rId38"/>
+    <p:sldId id="285" r:id="rId39"/>
+    <p:sldId id="286" r:id="rId40"/>
+    <p:sldId id="287" r:id="rId41"/>
   </p:sldIdLst>
   <p:sldSz cx="12192000" cy="6858000"/>
   <p:notesSz cx="6858000" cy="9144000"/>
@@ -141,11 +142,6 @@
       </a:defRPr>
     </a:lvl9pPr>
   </p:defaultTextStyle>
-  <p:extLst>
-    <p:ext uri="{EFAFB233-063F-42B5-8137-9DF3F51BA10A}">
-      <p15:sldGuideLst xmlns:p15="http://schemas.microsoft.com/office/powerpoint/2012/main"/>
-    </p:ext>
-  </p:extLst>
 </p:presentation>
 </file>
 
@@ -345,7 +341,6 @@
           <a:p>
             <a:fld id="{ECD19FB2-3AAB-4D03-B13A-2960828C78E3}" type="datetimeFigureOut">
               <a:rPr lang="en-US" dirty="0"/>
-              <a:t>4/7/16</a:t>
             </a:fld>
             <a:endParaRPr lang="en-US" dirty="0"/>
           </a:p>
@@ -371,6 +366,7 @@
               <a:t>
               </a:t>
             </a:r>
+            <a:endParaRPr lang="en-US" dirty="0"/>
           </a:p>
         </p:txBody>
       </p:sp>
@@ -391,7 +387,6 @@
           <a:p>
             <a:fld id="{6D22F896-40B5-4ADD-8801-0D06FADFA095}" type="slidenum">
               <a:rPr lang="en-US" dirty="0"/>
-              <a:t>‹#›</a:t>
             </a:fld>
             <a:endParaRPr lang="en-US" dirty="0"/>
           </a:p>
@@ -605,6 +600,7 @@
               <a:rPr lang="zh-CN" altLang="en-US" smtClean="0"/>
               <a:t>单击此处编辑母版文本样式</a:t>
             </a:r>
+            <a:endParaRPr lang="zh-CN" altLang="en-US" smtClean="0"/>
           </a:p>
         </p:txBody>
       </p:sp>
@@ -625,7 +621,6 @@
           <a:p>
             <a:fld id="{1B80C674-7DFC-42FE-B9CD-82963CDB1557}" type="datetimeFigureOut">
               <a:rPr lang="en-US" dirty="0"/>
-              <a:t>4/7/16</a:t>
             </a:fld>
             <a:endParaRPr lang="en-US" dirty="0"/>
           </a:p>
@@ -651,6 +646,7 @@
               <a:t>
               </a:t>
             </a:r>
+            <a:endParaRPr lang="en-US" dirty="0"/>
           </a:p>
         </p:txBody>
       </p:sp>
@@ -671,7 +667,6 @@
           <a:p>
             <a:fld id="{6D22F896-40B5-4ADD-8801-0D06FADFA095}" type="slidenum">
               <a:rPr lang="en-US" dirty="0"/>
-              <a:t>‹#›</a:t>
             </a:fld>
             <a:endParaRPr lang="en-US" dirty="0"/>
           </a:p>
@@ -796,6 +791,7 @@
               <a:rPr lang="zh-CN" altLang="en-US" smtClean="0"/>
               <a:t>单击此处编辑母版文本样式</a:t>
             </a:r>
+            <a:endParaRPr lang="zh-CN" altLang="en-US" smtClean="0"/>
           </a:p>
         </p:txBody>
       </p:sp>
@@ -816,7 +812,6 @@
           <a:p>
             <a:fld id="{2076456F-F47D-4F25-8053-2A695DA0CA7D}" type="datetimeFigureOut">
               <a:rPr lang="en-US" dirty="0"/>
-              <a:t>4/7/16</a:t>
             </a:fld>
             <a:endParaRPr lang="en-US" dirty="0"/>
           </a:p>
@@ -842,6 +837,7 @@
               <a:t>
               </a:t>
             </a:r>
+            <a:endParaRPr lang="en-US" dirty="0"/>
           </a:p>
         </p:txBody>
       </p:sp>
@@ -862,7 +858,6 @@
           <a:p>
             <a:fld id="{6D22F896-40B5-4ADD-8801-0D06FADFA095}" type="slidenum">
               <a:rPr lang="en-US" dirty="0"/>
-              <a:t>‹#›</a:t>
             </a:fld>
             <a:endParaRPr lang="en-US" dirty="0"/>
           </a:p>
@@ -989,6 +984,7 @@
               <a:rPr lang="zh-CN" altLang="en-US" smtClean="0"/>
               <a:t>单击此处编辑母版文本样式</a:t>
             </a:r>
+            <a:endParaRPr lang="zh-CN" altLang="en-US" smtClean="0"/>
           </a:p>
         </p:txBody>
       </p:sp>
@@ -1056,6 +1052,7 @@
               <a:rPr lang="zh-CN" altLang="en-US" smtClean="0"/>
               <a:t>单击此处编辑母版文本样式</a:t>
             </a:r>
+            <a:endParaRPr lang="zh-CN" altLang="en-US" smtClean="0"/>
           </a:p>
         </p:txBody>
       </p:sp>
@@ -1076,7 +1073,6 @@
           <a:p>
             <a:fld id="{5D6C7379-69CC-4837-9905-BEBA22830C8A}" type="datetimeFigureOut">
               <a:rPr lang="en-US" dirty="0"/>
-              <a:t>4/7/16</a:t>
             </a:fld>
             <a:endParaRPr lang="en-US" dirty="0"/>
           </a:p>
@@ -1102,6 +1098,7 @@
               <a:t>
               </a:t>
             </a:r>
+            <a:endParaRPr lang="en-US" dirty="0"/>
           </a:p>
         </p:txBody>
       </p:sp>
@@ -1122,7 +1119,6 @@
           <a:p>
             <a:fld id="{6D22F896-40B5-4ADD-8801-0D06FADFA095}" type="slidenum">
               <a:rPr lang="en-US" dirty="0"/>
-              <a:t>‹#›</a:t>
             </a:fld>
             <a:endParaRPr lang="en-US" dirty="0"/>
           </a:p>
@@ -1241,6 +1237,12 @@
               </a:rPr>
               <a:t>“</a:t>
             </a:r>
+            <a:endParaRPr lang="en-US" sz="8000" dirty="0">
+              <a:solidFill>
+                <a:schemeClr val="tx1"/>
+              </a:solidFill>
+              <a:effectLst/>
+            </a:endParaRPr>
           </a:p>
         </p:txBody>
       </p:sp>
@@ -1357,6 +1359,12 @@
               </a:rPr>
               <a:t>”</a:t>
             </a:r>
+            <a:endParaRPr lang="en-US" sz="8000" dirty="0">
+              <a:solidFill>
+                <a:schemeClr val="tx1"/>
+              </a:solidFill>
+              <a:effectLst/>
+            </a:endParaRPr>
           </a:p>
         </p:txBody>
       </p:sp>
@@ -1481,6 +1489,7 @@
               <a:rPr lang="zh-CN" altLang="en-US" smtClean="0"/>
               <a:t>单击此处编辑母版文本样式</a:t>
             </a:r>
+            <a:endParaRPr lang="zh-CN" altLang="en-US" smtClean="0"/>
           </a:p>
         </p:txBody>
       </p:sp>
@@ -1501,7 +1510,6 @@
           <a:p>
             <a:fld id="{49EB8B7E-8AEE-4F10-BFEE-C999AD004D36}" type="datetimeFigureOut">
               <a:rPr lang="en-US" dirty="0"/>
-              <a:t>4/7/16</a:t>
             </a:fld>
             <a:endParaRPr lang="en-US" dirty="0"/>
           </a:p>
@@ -1527,6 +1535,7 @@
               <a:t>
               </a:t>
             </a:r>
+            <a:endParaRPr lang="en-US" dirty="0"/>
           </a:p>
         </p:txBody>
       </p:sp>
@@ -1547,7 +1556,6 @@
           <a:p>
             <a:fld id="{6D22F896-40B5-4ADD-8801-0D06FADFA095}" type="slidenum">
               <a:rPr lang="en-US" dirty="0"/>
-              <a:t>‹#›</a:t>
             </a:fld>
             <a:endParaRPr lang="en-US" dirty="0"/>
           </a:p>
@@ -1697,6 +1705,7 @@
               <a:rPr lang="zh-CN" altLang="en-US" smtClean="0"/>
               <a:t>单击此处编辑母版文本样式</a:t>
             </a:r>
+            <a:endParaRPr lang="zh-CN" altLang="en-US" smtClean="0"/>
           </a:p>
         </p:txBody>
       </p:sp>
@@ -1764,6 +1773,7 @@
               <a:rPr lang="zh-CN" altLang="en-US" smtClean="0"/>
               <a:t>单击此处编辑母版文本样式</a:t>
             </a:r>
+            <a:endParaRPr lang="zh-CN" altLang="en-US" smtClean="0"/>
           </a:p>
         </p:txBody>
       </p:sp>
@@ -1828,6 +1838,7 @@
               <a:rPr lang="zh-CN" altLang="en-US" smtClean="0"/>
               <a:t>单击此处编辑母版文本样式</a:t>
             </a:r>
+            <a:endParaRPr lang="zh-CN" altLang="en-US" smtClean="0"/>
           </a:p>
         </p:txBody>
       </p:sp>
@@ -1895,6 +1906,7 @@
               <a:rPr lang="zh-CN" altLang="en-US" smtClean="0"/>
               <a:t>单击此处编辑母版文本样式</a:t>
             </a:r>
+            <a:endParaRPr lang="zh-CN" altLang="en-US" smtClean="0"/>
           </a:p>
         </p:txBody>
       </p:sp>
@@ -1959,6 +1971,7 @@
               <a:rPr lang="zh-CN" altLang="en-US" smtClean="0"/>
               <a:t>单击此处编辑母版文本样式</a:t>
             </a:r>
+            <a:endParaRPr lang="zh-CN" altLang="en-US" smtClean="0"/>
           </a:p>
         </p:txBody>
       </p:sp>
@@ -2026,6 +2039,7 @@
               <a:rPr lang="zh-CN" altLang="en-US" smtClean="0"/>
               <a:t>单击此处编辑母版文本样式</a:t>
             </a:r>
+            <a:endParaRPr lang="zh-CN" altLang="en-US" smtClean="0"/>
           </a:p>
         </p:txBody>
       </p:sp>
@@ -2046,7 +2060,6 @@
           <a:p>
             <a:fld id="{8668F3F9-58BC-440B-B37B-805B9055EF92}" type="datetimeFigureOut">
               <a:rPr lang="en-US" dirty="0"/>
-              <a:t>4/7/16</a:t>
             </a:fld>
             <a:endParaRPr lang="en-US" dirty="0"/>
           </a:p>
@@ -2072,6 +2085,7 @@
               <a:t>
               </a:t>
             </a:r>
+            <a:endParaRPr lang="en-US" dirty="0"/>
           </a:p>
         </p:txBody>
       </p:sp>
@@ -2092,7 +2106,6 @@
           <a:p>
             <a:fld id="{6D22F896-40B5-4ADD-8801-0D06FADFA095}" type="slidenum">
               <a:rPr lang="en-US" dirty="0"/>
-              <a:t>‹#›</a:t>
             </a:fld>
             <a:endParaRPr lang="en-US" dirty="0"/>
           </a:p>
@@ -2238,6 +2251,7 @@
               <a:rPr lang="zh-CN" altLang="en-US" smtClean="0"/>
               <a:t>单击此处编辑母版文本样式</a:t>
             </a:r>
+            <a:endParaRPr lang="zh-CN" altLang="en-US" smtClean="0"/>
           </a:p>
         </p:txBody>
       </p:sp>
@@ -2384,6 +2398,7 @@
               <a:rPr lang="zh-CN" altLang="en-US" smtClean="0"/>
               <a:t>单击此处编辑母版文本样式</a:t>
             </a:r>
+            <a:endParaRPr lang="zh-CN" altLang="en-US" smtClean="0"/>
           </a:p>
         </p:txBody>
       </p:sp>
@@ -2474,6 +2489,7 @@
               <a:rPr lang="zh-CN" altLang="en-US" smtClean="0"/>
               <a:t>单击此处编辑母版文本样式</a:t>
             </a:r>
+            <a:endParaRPr lang="zh-CN" altLang="en-US" smtClean="0"/>
           </a:p>
         </p:txBody>
       </p:sp>
@@ -2620,6 +2636,7 @@
               <a:rPr lang="zh-CN" altLang="en-US" smtClean="0"/>
               <a:t>单击此处编辑母版文本样式</a:t>
             </a:r>
+            <a:endParaRPr lang="zh-CN" altLang="en-US" smtClean="0"/>
           </a:p>
         </p:txBody>
       </p:sp>
@@ -2710,6 +2727,7 @@
               <a:rPr lang="zh-CN" altLang="en-US" smtClean="0"/>
               <a:t>单击此处编辑母版文本样式</a:t>
             </a:r>
+            <a:endParaRPr lang="zh-CN" altLang="en-US" smtClean="0"/>
           </a:p>
         </p:txBody>
       </p:sp>
@@ -2856,6 +2874,7 @@
               <a:rPr lang="zh-CN" altLang="en-US" smtClean="0"/>
               <a:t>单击此处编辑母版文本样式</a:t>
             </a:r>
+            <a:endParaRPr lang="zh-CN" altLang="en-US" smtClean="0"/>
           </a:p>
         </p:txBody>
       </p:sp>
@@ -2876,7 +2895,6 @@
           <a:p>
             <a:fld id="{0D5A53AF-48EA-489D-8260-9DCAB666386A}" type="datetimeFigureOut">
               <a:rPr lang="en-US" dirty="0"/>
-              <a:t>4/7/16</a:t>
             </a:fld>
             <a:endParaRPr lang="en-US" dirty="0"/>
           </a:p>
@@ -2902,6 +2920,7 @@
               <a:t>
               </a:t>
             </a:r>
+            <a:endParaRPr lang="en-US" dirty="0"/>
           </a:p>
         </p:txBody>
       </p:sp>
@@ -2922,7 +2941,6 @@
           <a:p>
             <a:fld id="{6D22F896-40B5-4ADD-8801-0D06FADFA095}" type="slidenum">
               <a:rPr lang="en-US" dirty="0"/>
-              <a:t>‹#›</a:t>
             </a:fld>
             <a:endParaRPr lang="en-US" dirty="0"/>
           </a:p>
@@ -2996,6 +3014,7 @@
               <a:rPr lang="zh-CN" altLang="en-US" smtClean="0"/>
               <a:t>单击此处编辑母版文本样式</a:t>
             </a:r>
+            <a:endParaRPr lang="zh-CN" altLang="en-US" smtClean="0"/>
           </a:p>
           <a:p>
             <a:pPr lvl="1"/>
@@ -3003,6 +3022,7 @@
               <a:rPr lang="zh-CN" altLang="en-US" smtClean="0"/>
               <a:t>二级</a:t>
             </a:r>
+            <a:endParaRPr lang="zh-CN" altLang="en-US" smtClean="0"/>
           </a:p>
           <a:p>
             <a:pPr lvl="2"/>
@@ -3010,6 +3030,7 @@
               <a:rPr lang="zh-CN" altLang="en-US" smtClean="0"/>
               <a:t>三级</a:t>
             </a:r>
+            <a:endParaRPr lang="zh-CN" altLang="en-US" smtClean="0"/>
           </a:p>
           <a:p>
             <a:pPr lvl="3"/>
@@ -3017,6 +3038,7 @@
               <a:rPr lang="zh-CN" altLang="en-US" smtClean="0"/>
               <a:t>四级</a:t>
             </a:r>
+            <a:endParaRPr lang="zh-CN" altLang="en-US" smtClean="0"/>
           </a:p>
           <a:p>
             <a:pPr lvl="4"/>
@@ -3045,7 +3067,6 @@
           <a:p>
             <a:fld id="{0DED02AE-B9A4-47BD-AF8E-97E16144138B}" type="datetimeFigureOut">
               <a:rPr lang="en-US" dirty="0"/>
-              <a:t>4/7/16</a:t>
             </a:fld>
             <a:endParaRPr lang="en-US" dirty="0"/>
           </a:p>
@@ -3071,6 +3092,7 @@
               <a:t>
               </a:t>
             </a:r>
+            <a:endParaRPr lang="en-US" dirty="0"/>
           </a:p>
         </p:txBody>
       </p:sp>
@@ -3091,7 +3113,6 @@
           <a:p>
             <a:fld id="{6D22F896-40B5-4ADD-8801-0D06FADFA095}" type="slidenum">
               <a:rPr lang="en-US" dirty="0"/>
-              <a:t>‹#›</a:t>
             </a:fld>
             <a:endParaRPr lang="en-US" dirty="0"/>
           </a:p>
@@ -3175,6 +3196,7 @@
               <a:rPr lang="zh-CN" altLang="en-US" smtClean="0"/>
               <a:t>单击此处编辑母版文本样式</a:t>
             </a:r>
+            <a:endParaRPr lang="zh-CN" altLang="en-US" smtClean="0"/>
           </a:p>
           <a:p>
             <a:pPr lvl="1"/>
@@ -3182,6 +3204,7 @@
               <a:rPr lang="zh-CN" altLang="en-US" smtClean="0"/>
               <a:t>二级</a:t>
             </a:r>
+            <a:endParaRPr lang="zh-CN" altLang="en-US" smtClean="0"/>
           </a:p>
           <a:p>
             <a:pPr lvl="2"/>
@@ -3189,6 +3212,7 @@
               <a:rPr lang="zh-CN" altLang="en-US" smtClean="0"/>
               <a:t>三级</a:t>
             </a:r>
+            <a:endParaRPr lang="zh-CN" altLang="en-US" smtClean="0"/>
           </a:p>
           <a:p>
             <a:pPr lvl="3"/>
@@ -3196,6 +3220,7 @@
               <a:rPr lang="zh-CN" altLang="en-US" smtClean="0"/>
               <a:t>四级</a:t>
             </a:r>
+            <a:endParaRPr lang="zh-CN" altLang="en-US" smtClean="0"/>
           </a:p>
           <a:p>
             <a:pPr lvl="4"/>
@@ -3224,7 +3249,6 @@
           <a:p>
             <a:fld id="{CF0FD78B-DB02-4362-BCDC-98A55456977C}" type="datetimeFigureOut">
               <a:rPr lang="en-US" dirty="0"/>
-              <a:t>4/7/16</a:t>
             </a:fld>
             <a:endParaRPr lang="en-US" dirty="0"/>
           </a:p>
@@ -3250,6 +3274,7 @@
               <a:t>
               </a:t>
             </a:r>
+            <a:endParaRPr lang="en-US" dirty="0"/>
           </a:p>
         </p:txBody>
       </p:sp>
@@ -3270,7 +3295,6 @@
           <a:p>
             <a:fld id="{6D22F896-40B5-4ADD-8801-0D06FADFA095}" type="slidenum">
               <a:rPr lang="en-US" dirty="0"/>
-              <a:t>‹#›</a:t>
             </a:fld>
             <a:endParaRPr lang="en-US" dirty="0"/>
           </a:p>
@@ -3344,6 +3368,7 @@
               <a:rPr lang="zh-CN" altLang="en-US" smtClean="0"/>
               <a:t>单击此处编辑母版文本样式</a:t>
             </a:r>
+            <a:endParaRPr lang="zh-CN" altLang="en-US" smtClean="0"/>
           </a:p>
           <a:p>
             <a:pPr lvl="1"/>
@@ -3351,6 +3376,7 @@
               <a:rPr lang="zh-CN" altLang="en-US" smtClean="0"/>
               <a:t>二级</a:t>
             </a:r>
+            <a:endParaRPr lang="zh-CN" altLang="en-US" smtClean="0"/>
           </a:p>
           <a:p>
             <a:pPr lvl="2"/>
@@ -3358,6 +3384,7 @@
               <a:rPr lang="zh-CN" altLang="en-US" smtClean="0"/>
               <a:t>三级</a:t>
             </a:r>
+            <a:endParaRPr lang="zh-CN" altLang="en-US" smtClean="0"/>
           </a:p>
           <a:p>
             <a:pPr lvl="3"/>
@@ -3365,6 +3392,7 @@
               <a:rPr lang="zh-CN" altLang="en-US" smtClean="0"/>
               <a:t>四级</a:t>
             </a:r>
+            <a:endParaRPr lang="zh-CN" altLang="en-US" smtClean="0"/>
           </a:p>
           <a:p>
             <a:pPr lvl="4"/>
@@ -3393,7 +3421,6 @@
           <a:p>
             <a:fld id="{99916976-5D93-46E4-A98A-FAD63E4D0EA8}" type="datetimeFigureOut">
               <a:rPr lang="en-US" dirty="0"/>
-              <a:t>4/7/16</a:t>
             </a:fld>
             <a:endParaRPr lang="en-US" dirty="0"/>
           </a:p>
@@ -3419,6 +3446,7 @@
               <a:t>
               </a:t>
             </a:r>
+            <a:endParaRPr lang="en-US" dirty="0"/>
           </a:p>
         </p:txBody>
       </p:sp>
@@ -3439,7 +3467,6 @@
           <a:p>
             <a:fld id="{6D22F896-40B5-4ADD-8801-0D06FADFA095}" type="slidenum">
               <a:rPr lang="en-US" dirty="0"/>
-              <a:t>‹#›</a:t>
             </a:fld>
             <a:endParaRPr lang="en-US" dirty="0"/>
           </a:p>
@@ -3649,7 +3676,6 @@
           <a:p>
             <a:fld id="{0F39F4F5-F4D2-4D2A-AB60-88D37ADCB869}" type="datetimeFigureOut">
               <a:rPr lang="en-US" dirty="0"/>
-              <a:t>4/7/16</a:t>
             </a:fld>
             <a:endParaRPr lang="en-US" dirty="0"/>
           </a:p>
@@ -3675,6 +3701,7 @@
               <a:t>
               </a:t>
             </a:r>
+            <a:endParaRPr lang="en-US" dirty="0"/>
           </a:p>
         </p:txBody>
       </p:sp>
@@ -3695,7 +3722,6 @@
           <a:p>
             <a:fld id="{6D22F896-40B5-4ADD-8801-0D06FADFA095}" type="slidenum">
               <a:rPr lang="en-US" dirty="0"/>
-              <a:t>‹#›</a:t>
             </a:fld>
             <a:endParaRPr lang="en-US" dirty="0"/>
           </a:p>
@@ -3774,6 +3800,7 @@
               <a:rPr lang="zh-CN" altLang="en-US" smtClean="0"/>
               <a:t>单击此处编辑母版文本样式</a:t>
             </a:r>
+            <a:endParaRPr lang="zh-CN" altLang="en-US" smtClean="0"/>
           </a:p>
           <a:p>
             <a:pPr lvl="1"/>
@@ -3781,6 +3808,7 @@
               <a:rPr lang="zh-CN" altLang="en-US" smtClean="0"/>
               <a:t>二级</a:t>
             </a:r>
+            <a:endParaRPr lang="zh-CN" altLang="en-US" smtClean="0"/>
           </a:p>
           <a:p>
             <a:pPr lvl="2"/>
@@ -3788,6 +3816,7 @@
               <a:rPr lang="zh-CN" altLang="en-US" smtClean="0"/>
               <a:t>三级</a:t>
             </a:r>
+            <a:endParaRPr lang="zh-CN" altLang="en-US" smtClean="0"/>
           </a:p>
           <a:p>
             <a:pPr lvl="3"/>
@@ -3795,6 +3824,7 @@
               <a:rPr lang="zh-CN" altLang="en-US" smtClean="0"/>
               <a:t>四级</a:t>
             </a:r>
+            <a:endParaRPr lang="zh-CN" altLang="en-US" smtClean="0"/>
           </a:p>
           <a:p>
             <a:pPr lvl="4"/>
@@ -3831,6 +3861,7 @@
               <a:rPr lang="zh-CN" altLang="en-US" smtClean="0"/>
               <a:t>单击此处编辑母版文本样式</a:t>
             </a:r>
+            <a:endParaRPr lang="zh-CN" altLang="en-US" smtClean="0"/>
           </a:p>
           <a:p>
             <a:pPr lvl="1"/>
@@ -3838,6 +3869,7 @@
               <a:rPr lang="zh-CN" altLang="en-US" smtClean="0"/>
               <a:t>二级</a:t>
             </a:r>
+            <a:endParaRPr lang="zh-CN" altLang="en-US" smtClean="0"/>
           </a:p>
           <a:p>
             <a:pPr lvl="2"/>
@@ -3845,6 +3877,7 @@
               <a:rPr lang="zh-CN" altLang="en-US" smtClean="0"/>
               <a:t>三级</a:t>
             </a:r>
+            <a:endParaRPr lang="zh-CN" altLang="en-US" smtClean="0"/>
           </a:p>
           <a:p>
             <a:pPr lvl="3"/>
@@ -3852,6 +3885,7 @@
               <a:rPr lang="zh-CN" altLang="en-US" smtClean="0"/>
               <a:t>四级</a:t>
             </a:r>
+            <a:endParaRPr lang="zh-CN" altLang="en-US" smtClean="0"/>
           </a:p>
           <a:p>
             <a:pPr lvl="4"/>
@@ -3880,7 +3914,6 @@
           <a:p>
             <a:fld id="{D23BC6CE-6D1E-47E5-8859-F31AC5380EB2}" type="datetimeFigureOut">
               <a:rPr lang="en-US" dirty="0"/>
-              <a:t>4/7/16</a:t>
             </a:fld>
             <a:endParaRPr lang="en-US" dirty="0"/>
           </a:p>
@@ -3906,6 +3939,7 @@
               <a:t>
               </a:t>
             </a:r>
+            <a:endParaRPr lang="en-US" dirty="0"/>
           </a:p>
         </p:txBody>
       </p:sp>
@@ -3926,7 +3960,6 @@
           <a:p>
             <a:fld id="{6D22F896-40B5-4ADD-8801-0D06FADFA095}" type="slidenum">
               <a:rPr lang="en-US" dirty="0"/>
-              <a:t>‹#›</a:t>
             </a:fld>
             <a:endParaRPr lang="en-US" dirty="0"/>
           </a:p>
@@ -4074,6 +4107,7 @@
               <a:rPr lang="zh-CN" altLang="en-US" smtClean="0"/>
               <a:t>单击此处编辑母版文本样式</a:t>
             </a:r>
+            <a:endParaRPr lang="zh-CN" altLang="en-US" smtClean="0"/>
           </a:p>
         </p:txBody>
       </p:sp>
@@ -4102,6 +4136,7 @@
               <a:rPr lang="zh-CN" altLang="en-US" smtClean="0"/>
               <a:t>单击此处编辑母版文本样式</a:t>
             </a:r>
+            <a:endParaRPr lang="zh-CN" altLang="en-US" smtClean="0"/>
           </a:p>
           <a:p>
             <a:pPr lvl="1"/>
@@ -4109,6 +4144,7 @@
               <a:rPr lang="zh-CN" altLang="en-US" smtClean="0"/>
               <a:t>二级</a:t>
             </a:r>
+            <a:endParaRPr lang="zh-CN" altLang="en-US" smtClean="0"/>
           </a:p>
           <a:p>
             <a:pPr lvl="2"/>
@@ -4116,6 +4152,7 @@
               <a:rPr lang="zh-CN" altLang="en-US" smtClean="0"/>
               <a:t>三级</a:t>
             </a:r>
+            <a:endParaRPr lang="zh-CN" altLang="en-US" smtClean="0"/>
           </a:p>
           <a:p>
             <a:pPr lvl="3"/>
@@ -4123,6 +4160,7 @@
               <a:rPr lang="zh-CN" altLang="en-US" smtClean="0"/>
               <a:t>四级</a:t>
             </a:r>
+            <a:endParaRPr lang="zh-CN" altLang="en-US" smtClean="0"/>
           </a:p>
           <a:p>
             <a:pPr lvl="4"/>
@@ -4195,6 +4233,7 @@
               <a:rPr lang="zh-CN" altLang="en-US" smtClean="0"/>
               <a:t>单击此处编辑母版文本样式</a:t>
             </a:r>
+            <a:endParaRPr lang="zh-CN" altLang="en-US" smtClean="0"/>
           </a:p>
         </p:txBody>
       </p:sp>
@@ -4223,6 +4262,7 @@
               <a:rPr lang="zh-CN" altLang="en-US" smtClean="0"/>
               <a:t>单击此处编辑母版文本样式</a:t>
             </a:r>
+            <a:endParaRPr lang="zh-CN" altLang="en-US" smtClean="0"/>
           </a:p>
           <a:p>
             <a:pPr lvl="1"/>
@@ -4230,6 +4270,7 @@
               <a:rPr lang="zh-CN" altLang="en-US" smtClean="0"/>
               <a:t>二级</a:t>
             </a:r>
+            <a:endParaRPr lang="zh-CN" altLang="en-US" smtClean="0"/>
           </a:p>
           <a:p>
             <a:pPr lvl="2"/>
@@ -4237,6 +4278,7 @@
               <a:rPr lang="zh-CN" altLang="en-US" smtClean="0"/>
               <a:t>三级</a:t>
             </a:r>
+            <a:endParaRPr lang="zh-CN" altLang="en-US" smtClean="0"/>
           </a:p>
           <a:p>
             <a:pPr lvl="3"/>
@@ -4244,6 +4286,7 @@
               <a:rPr lang="zh-CN" altLang="en-US" smtClean="0"/>
               <a:t>四级</a:t>
             </a:r>
+            <a:endParaRPr lang="zh-CN" altLang="en-US" smtClean="0"/>
           </a:p>
           <a:p>
             <a:pPr lvl="4"/>
@@ -4272,7 +4315,6 @@
           <a:p>
             <a:fld id="{B1B4E7C4-4DA4-404D-9965-B13F2DD7D8BF}" type="datetimeFigureOut">
               <a:rPr lang="en-US" dirty="0"/>
-              <a:t>4/7/16</a:t>
             </a:fld>
             <a:endParaRPr lang="en-US" dirty="0"/>
           </a:p>
@@ -4298,6 +4340,7 @@
               <a:t>
               </a:t>
             </a:r>
+            <a:endParaRPr lang="en-US" dirty="0"/>
           </a:p>
         </p:txBody>
       </p:sp>
@@ -4318,7 +4361,6 @@
           <a:p>
             <a:fld id="{6D22F896-40B5-4ADD-8801-0D06FADFA095}" type="slidenum">
               <a:rPr lang="en-US" dirty="0"/>
-              <a:t>‹#›</a:t>
             </a:fld>
             <a:endParaRPr lang="en-US" dirty="0"/>
           </a:p>
@@ -4389,7 +4431,6 @@
           <a:p>
             <a:fld id="{476FB7AA-4A53-424F-AD41-70827B6504BA}" type="datetimeFigureOut">
               <a:rPr lang="en-US" dirty="0"/>
-              <a:t>4/7/16</a:t>
             </a:fld>
             <a:endParaRPr lang="en-US" dirty="0"/>
           </a:p>
@@ -4415,6 +4456,7 @@
               <a:t>
               </a:t>
             </a:r>
+            <a:endParaRPr lang="en-US" dirty="0"/>
           </a:p>
         </p:txBody>
       </p:sp>
@@ -4435,7 +4477,6 @@
           <a:p>
             <a:fld id="{6D22F896-40B5-4ADD-8801-0D06FADFA095}" type="slidenum">
               <a:rPr lang="en-US" dirty="0"/>
-              <a:t>‹#›</a:t>
             </a:fld>
             <a:endParaRPr lang="en-US" dirty="0"/>
           </a:p>
@@ -4483,7 +4524,6 @@
           <a:p>
             <a:fld id="{E7884882-FB12-4BC8-9960-9AD8104D7FAE}" type="datetimeFigureOut">
               <a:rPr lang="en-US" dirty="0"/>
-              <a:t>4/7/16</a:t>
             </a:fld>
             <a:endParaRPr lang="en-US" dirty="0"/>
           </a:p>
@@ -4509,6 +4549,7 @@
               <a:t>
               </a:t>
             </a:r>
+            <a:endParaRPr lang="en-US" dirty="0"/>
           </a:p>
         </p:txBody>
       </p:sp>
@@ -4529,7 +4570,6 @@
           <a:p>
             <a:fld id="{6D22F896-40B5-4ADD-8801-0D06FADFA095}" type="slidenum">
               <a:rPr lang="en-US" dirty="0"/>
-              <a:t>‹#›</a:t>
             </a:fld>
             <a:endParaRPr lang="en-US" dirty="0"/>
           </a:p>
@@ -4617,6 +4657,7 @@
               <a:rPr lang="zh-CN" altLang="en-US" smtClean="0"/>
               <a:t>单击此处编辑母版文本样式</a:t>
             </a:r>
+            <a:endParaRPr lang="zh-CN" altLang="en-US" smtClean="0"/>
           </a:p>
           <a:p>
             <a:pPr lvl="1"/>
@@ -4624,6 +4665,7 @@
               <a:rPr lang="zh-CN" altLang="en-US" smtClean="0"/>
               <a:t>二级</a:t>
             </a:r>
+            <a:endParaRPr lang="zh-CN" altLang="en-US" smtClean="0"/>
           </a:p>
           <a:p>
             <a:pPr lvl="2"/>
@@ -4631,6 +4673,7 @@
               <a:rPr lang="zh-CN" altLang="en-US" smtClean="0"/>
               <a:t>三级</a:t>
             </a:r>
+            <a:endParaRPr lang="zh-CN" altLang="en-US" smtClean="0"/>
           </a:p>
           <a:p>
             <a:pPr lvl="3"/>
@@ -4638,6 +4681,7 @@
               <a:rPr lang="zh-CN" altLang="en-US" smtClean="0"/>
               <a:t>四级</a:t>
             </a:r>
+            <a:endParaRPr lang="zh-CN" altLang="en-US" smtClean="0"/>
           </a:p>
           <a:p>
             <a:pPr lvl="4"/>
@@ -4735,6 +4779,7 @@
               <a:rPr lang="zh-CN" altLang="en-US" smtClean="0"/>
               <a:t>单击此处编辑母版文本样式</a:t>
             </a:r>
+            <a:endParaRPr lang="zh-CN" altLang="en-US" smtClean="0"/>
           </a:p>
         </p:txBody>
       </p:sp>
@@ -4755,7 +4800,6 @@
           <a:p>
             <a:fld id="{F7D1BD23-6E54-4D9D-AD88-A2813C73CC25}" type="datetimeFigureOut">
               <a:rPr lang="en-US" dirty="0"/>
-              <a:t>4/7/16</a:t>
             </a:fld>
             <a:endParaRPr lang="en-US" dirty="0"/>
           </a:p>
@@ -4781,6 +4825,7 @@
               <a:t>
               </a:t>
             </a:r>
+            <a:endParaRPr lang="en-US" dirty="0"/>
           </a:p>
         </p:txBody>
       </p:sp>
@@ -4801,7 +4846,6 @@
           <a:p>
             <a:fld id="{6D22F896-40B5-4ADD-8801-0D06FADFA095}" type="slidenum">
               <a:rPr lang="en-US" dirty="0"/>
-              <a:t>‹#›</a:t>
             </a:fld>
             <a:endParaRPr lang="en-US" dirty="0"/>
           </a:p>
@@ -5015,6 +5059,7 @@
               <a:rPr lang="zh-CN" altLang="en-US" smtClean="0"/>
               <a:t>单击此处编辑母版文本样式</a:t>
             </a:r>
+            <a:endParaRPr lang="zh-CN" altLang="en-US" smtClean="0"/>
           </a:p>
         </p:txBody>
       </p:sp>
@@ -5035,7 +5080,6 @@
           <a:p>
             <a:fld id="{1471A834-4F3C-4AF9-9C74-05EC35A0F292}" type="datetimeFigureOut">
               <a:rPr lang="en-US" dirty="0"/>
-              <a:t>4/7/16</a:t>
             </a:fld>
             <a:endParaRPr lang="en-US" dirty="0"/>
           </a:p>
@@ -5061,6 +5105,7 @@
               <a:t>
               </a:t>
             </a:r>
+            <a:endParaRPr lang="en-US" dirty="0"/>
           </a:p>
         </p:txBody>
       </p:sp>
@@ -5081,7 +5126,6 @@
           <a:p>
             <a:fld id="{6D22F896-40B5-4ADD-8801-0D06FADFA095}" type="slidenum">
               <a:rPr lang="en-US" dirty="0"/>
-              <a:t>‹#›</a:t>
             </a:fld>
             <a:endParaRPr lang="en-US" dirty="0"/>
           </a:p>
@@ -5101,7 +5145,7 @@
     <p:bg>
       <p:bgPr>
         <a:blipFill dpi="0" rotWithShape="1">
-          <a:blip r:embed="rId19">
+          <a:blip r:embed="rId18">
             <a:lum/>
           </a:blip>
           <a:srcRect/>
@@ -5189,6 +5233,7 @@
               <a:rPr lang="zh-CN" altLang="en-US" smtClean="0"/>
               <a:t>单击此处编辑母版文本样式</a:t>
             </a:r>
+            <a:endParaRPr lang="zh-CN" altLang="en-US" smtClean="0"/>
           </a:p>
           <a:p>
             <a:pPr lvl="1"/>
@@ -5196,6 +5241,7 @@
               <a:rPr lang="zh-CN" altLang="en-US" smtClean="0"/>
               <a:t>二级</a:t>
             </a:r>
+            <a:endParaRPr lang="zh-CN" altLang="en-US" smtClean="0"/>
           </a:p>
           <a:p>
             <a:pPr lvl="2"/>
@@ -5203,6 +5249,7 @@
               <a:rPr lang="zh-CN" altLang="en-US" smtClean="0"/>
               <a:t>三级</a:t>
             </a:r>
+            <a:endParaRPr lang="zh-CN" altLang="en-US" smtClean="0"/>
           </a:p>
           <a:p>
             <a:pPr lvl="3"/>
@@ -5210,6 +5257,7 @@
               <a:rPr lang="zh-CN" altLang="en-US" smtClean="0"/>
               <a:t>四级</a:t>
             </a:r>
+            <a:endParaRPr lang="zh-CN" altLang="en-US" smtClean="0"/>
           </a:p>
           <a:p>
             <a:pPr lvl="4"/>
@@ -5274,7 +5322,6 @@
           <a:p>
             <a:fld id="{51CF1133-3259-4C45-BABA-5B62D9C6F78D}" type="datetimeFigureOut">
               <a:rPr lang="en-US" dirty="0"/>
-              <a:t>4/7/16</a:t>
             </a:fld>
             <a:endParaRPr lang="en-US" dirty="0"/>
           </a:p>
@@ -5336,6 +5383,7 @@
               <a:t>
               </a:t>
             </a:r>
+            <a:endParaRPr lang="en-US" dirty="0"/>
           </a:p>
         </p:txBody>
       </p:sp>
@@ -5392,7 +5440,6 @@
           <a:p>
             <a:fld id="{6D22F896-40B5-4ADD-8801-0D06FADFA095}" type="slidenum">
               <a:rPr lang="en-US" dirty="0"/>
-              <a:t>‹#›</a:t>
             </a:fld>
             <a:endParaRPr lang="en-US" dirty="0"/>
           </a:p>
@@ -5861,6 +5908,7 @@
               <a:rPr kumimoji="1" lang="zh-CN" altLang="en-US" sz="7200" dirty="0"/>
               <a:t>汇报</a:t>
             </a:r>
+            <a:endParaRPr kumimoji="1" lang="zh-CN" altLang="en-US" sz="7200" dirty="0"/>
           </a:p>
         </p:txBody>
       </p:sp>
@@ -5883,6 +5931,7 @@
               <a:rPr kumimoji="1" lang="en-US" altLang="en-US"/>
               <a:t>HearthStone Team</a:t>
             </a:r>
+            <a:endParaRPr kumimoji="1" lang="en-US" altLang="en-US"/>
           </a:p>
         </p:txBody>
       </p:sp>
@@ -5998,11 +6047,6 @@
         </p:txBody>
       </p:sp>
     </p:spTree>
-    <p:extLst>
-      <p:ext uri="{BB962C8B-B14F-4D97-AF65-F5344CB8AC3E}">
-        <p14:creationId xmlns:p14="http://schemas.microsoft.com/office/powerpoint/2010/main" val="1266983049"/>
-      </p:ext>
-    </p:extLst>
   </p:cSld>
   <p:clrMapOvr>
     <a:masterClrMapping/>
@@ -6092,6 +6136,7 @@
               <a:rPr lang="zh-CN" altLang="en-US"/>
               <a:t>的检测与报错）进行了面向数据的分析</a:t>
             </a:r>
+            <a:endParaRPr lang="zh-CN" altLang="en-US"/>
           </a:p>
           <a:p>
             <a:r>
@@ -6114,6 +6159,7 @@
               <a:rPr lang="zh-CN" altLang="en-US"/>
               <a:t>类与对象之间的关系</a:t>
             </a:r>
+            <a:endParaRPr lang="zh-CN" altLang="en-US"/>
           </a:p>
           <a:p>
             <a:r>
@@ -6140,6 +6186,7 @@
               <a:rPr lang="zh-CN" altLang="en-US"/>
               <a:t>挂钩</a:t>
             </a:r>
+            <a:endParaRPr lang="zh-CN" altLang="en-US"/>
           </a:p>
         </p:txBody>
       </p:sp>
@@ -6234,6 +6281,7 @@
               <a:rPr lang="zh-CN" altLang="en-US"/>
               <a:t>的检测与报错）进行了面向数据的分析</a:t>
             </a:r>
+            <a:endParaRPr lang="zh-CN" altLang="en-US"/>
           </a:p>
           <a:p>
             <a:r>
@@ -6256,6 +6304,7 @@
               <a:rPr lang="zh-CN" altLang="en-US"/>
               <a:t>类与对象之间的关系</a:t>
             </a:r>
+            <a:endParaRPr lang="zh-CN" altLang="en-US"/>
           </a:p>
           <a:p>
             <a:r>
@@ -6282,6 +6331,7 @@
               <a:rPr lang="zh-CN" altLang="en-US"/>
               <a:t>挂钩</a:t>
             </a:r>
+            <a:endParaRPr lang="zh-CN" altLang="en-US"/>
           </a:p>
         </p:txBody>
       </p:sp>
@@ -6294,7 +6344,7 @@
           <p:nvPr/>
         </p:nvPicPr>
         <p:blipFill>
-          <a:blip r:embed="rId2"/>
+          <a:blip r:embed="rId1"/>
           <a:stretch>
             <a:fillRect/>
           </a:stretch>
@@ -6361,6 +6411,7 @@
               <a:rPr kumimoji="1" lang="zh-CN" altLang="en-US" dirty="0" smtClean="0"/>
               <a:t>样例二测试</a:t>
             </a:r>
+            <a:endParaRPr kumimoji="1" lang="zh-CN" altLang="en-US" dirty="0" smtClean="0"/>
           </a:p>
         </p:txBody>
       </p:sp>
@@ -6388,6 +6439,7 @@
               <a:rPr kumimoji="1" lang="zh-CN" altLang="en-US" dirty="0"/>
               <a:t>样例侧重点</a:t>
             </a:r>
+            <a:endParaRPr kumimoji="1" lang="zh-CN" altLang="en-US" dirty="0"/>
           </a:p>
           <a:p>
             <a:pPr lvl="1"/>
@@ -6395,6 +6447,7 @@
               <a:rPr kumimoji="1" lang="zh-CN" altLang="en-US" dirty="0"/>
               <a:t>悬垂指针用于指针初始化（赋值），导致指针状态异常。</a:t>
             </a:r>
+            <a:endParaRPr kumimoji="1" lang="zh-CN" altLang="en-US" dirty="0"/>
           </a:p>
           <a:p>
             <a:pPr lvl="0"/>
@@ -6402,6 +6455,7 @@
               <a:rPr kumimoji="1" lang="zh-CN" altLang="en-US" sz="2800" dirty="0"/>
               <a:t>对比性样例</a:t>
             </a:r>
+            <a:endParaRPr kumimoji="1" lang="zh-CN" altLang="en-US" sz="2800" dirty="0"/>
           </a:p>
           <a:p>
             <a:pPr lvl="1"/>
@@ -6411,6 +6465,9 @@
               </a:rPr>
               <a:t>指针由另一指针初始化后，后者被释放导致前者成为悬垂指针</a:t>
             </a:r>
+            <a:endParaRPr kumimoji="1" lang="zh-CN" altLang="en-US" dirty="0">
+              <a:sym typeface="+mn-ea"/>
+            </a:endParaRPr>
           </a:p>
           <a:p>
             <a:pPr lvl="1"/>
@@ -6418,6 +6475,7 @@
               <a:rPr kumimoji="1" lang="zh-CN" altLang="en-US" sz="2400" dirty="0"/>
               <a:t>指针由未初始化的指针初始化</a:t>
             </a:r>
+            <a:endParaRPr kumimoji="1" lang="zh-CN" altLang="en-US" sz="2400" dirty="0"/>
           </a:p>
           <a:p>
             <a:pPr lvl="0"/>
@@ -6425,6 +6483,7 @@
               <a:rPr kumimoji="1" lang="zh-CN" altLang="en-US" dirty="0"/>
               <a:t>名词解释</a:t>
             </a:r>
+            <a:endParaRPr kumimoji="1" lang="zh-CN" altLang="en-US" dirty="0"/>
           </a:p>
           <a:p>
             <a:pPr lvl="1"/>
@@ -6432,6 +6491,7 @@
               <a:rPr kumimoji="1" lang="zh-CN" altLang="en-US" dirty="0"/>
               <a:t>悬垂指针</a:t>
             </a:r>
+            <a:endParaRPr kumimoji="1" lang="zh-CN" altLang="en-US" dirty="0"/>
           </a:p>
           <a:p>
             <a:pPr lvl="2"/>
@@ -6439,6 +6499,7 @@
               <a:rPr kumimoji="1" lang="zh-CN" altLang="en-US" dirty="0"/>
               <a:t>指针所指向内容被释放后，指针指向无效内存，此时指针被称为悬垂指针。</a:t>
             </a:r>
+            <a:endParaRPr kumimoji="1" lang="zh-CN" altLang="en-US" dirty="0"/>
           </a:p>
           <a:p>
             <a:pPr lvl="2"/>
@@ -6446,6 +6507,7 @@
               <a:rPr kumimoji="1" lang="zh-CN" altLang="en-US" dirty="0"/>
               <a:t>通常出现在对象释放后指针未重设，或者对象的不当多重引用。</a:t>
             </a:r>
+            <a:endParaRPr kumimoji="1" lang="zh-CN" altLang="en-US" dirty="0"/>
           </a:p>
           <a:p>
             <a:pPr lvl="2"/>
@@ -6453,6 +6515,7 @@
               <a:rPr kumimoji="1" lang="zh-CN" altLang="en-US" dirty="0"/>
               <a:t>及时重设指针，或者合理控制指针的作用域，有助于避免悬垂指针的出现。</a:t>
             </a:r>
+            <a:endParaRPr kumimoji="1" lang="zh-CN" altLang="en-US" dirty="0"/>
           </a:p>
         </p:txBody>
       </p:sp>
@@ -6507,6 +6570,7 @@
               <a:rPr kumimoji="1" lang="zh-CN" altLang="en-US" dirty="0" smtClean="0"/>
               <a:t>样例二测试</a:t>
             </a:r>
+            <a:endParaRPr kumimoji="1" lang="zh-CN" altLang="en-US" dirty="0" smtClean="0"/>
           </a:p>
         </p:txBody>
       </p:sp>
@@ -6542,6 +6606,7 @@
               <a:rPr kumimoji="1" lang="zh-CN" altLang="en-US" dirty="0"/>
               <a:t>：</a:t>
             </a:r>
+            <a:endParaRPr kumimoji="1" lang="zh-CN" altLang="en-US" dirty="0"/>
           </a:p>
           <a:p>
             <a:pPr marL="457200" lvl="1" indent="0">
@@ -6551,6 +6616,7 @@
               <a:rPr kumimoji="1" lang="zh-CN" altLang="en-US" dirty="0"/>
               <a:t>class demo;</a:t>
             </a:r>
+            <a:endParaRPr kumimoji="1" lang="zh-CN" altLang="en-US" dirty="0"/>
           </a:p>
           <a:p>
             <a:pPr marL="457200" lvl="1" indent="0">
@@ -6560,6 +6626,7 @@
               <a:rPr kumimoji="1" lang="zh-CN" altLang="en-US" dirty="0"/>
               <a:t>int main()</a:t>
             </a:r>
+            <a:endParaRPr kumimoji="1" lang="zh-CN" altLang="en-US" dirty="0"/>
           </a:p>
           <a:p>
             <a:pPr marL="457200" lvl="1" indent="0">
@@ -6569,6 +6636,7 @@
               <a:rPr kumimoji="1" lang="zh-CN" altLang="en-US" dirty="0"/>
               <a:t>{</a:t>
             </a:r>
+            <a:endParaRPr kumimoji="1" lang="zh-CN" altLang="en-US" dirty="0"/>
           </a:p>
           <a:p>
             <a:pPr marL="457200" lvl="1" indent="0">
@@ -6576,8 +6644,9 @@
             </a:pPr>
             <a:r>
               <a:rPr kumimoji="1" lang="zh-CN" altLang="en-US" dirty="0"/>
-              <a:t>	demo *p1 = new demo();</a:t>
-            </a:r>
+              <a:t>    demo *p1 = new demo();</a:t>
+            </a:r>
+            <a:endParaRPr kumimoji="1" lang="zh-CN" altLang="en-US" dirty="0"/>
           </a:p>
           <a:p>
             <a:pPr marL="457200" lvl="1" indent="0">
@@ -6587,6 +6656,7 @@
               <a:rPr kumimoji="1" lang="zh-CN" altLang="en-US" dirty="0"/>
               <a:t>    delete p1;</a:t>
             </a:r>
+            <a:endParaRPr kumimoji="1" lang="zh-CN" altLang="en-US" dirty="0"/>
           </a:p>
           <a:p>
             <a:pPr marL="457200" lvl="1" indent="0">
@@ -6596,6 +6666,7 @@
               <a:rPr kumimoji="1" lang="zh-CN" altLang="en-US" dirty="0"/>
               <a:t>    demo *p2 = p1;</a:t>
             </a:r>
+            <a:endParaRPr kumimoji="1" lang="zh-CN" altLang="en-US" dirty="0"/>
           </a:p>
           <a:p>
             <a:pPr marL="457200" lvl="1" indent="0">
@@ -6605,6 +6676,7 @@
               <a:rPr kumimoji="1" lang="zh-CN" altLang="en-US" dirty="0"/>
               <a:t>    p1-&gt;func();</a:t>
             </a:r>
+            <a:endParaRPr kumimoji="1" lang="zh-CN" altLang="en-US" dirty="0"/>
           </a:p>
           <a:p>
             <a:pPr marL="457200" lvl="1" indent="0">
@@ -6614,6 +6686,7 @@
               <a:rPr kumimoji="1" lang="zh-CN" altLang="en-US" dirty="0"/>
               <a:t>    p2-&gt;func();</a:t>
             </a:r>
+            <a:endParaRPr kumimoji="1" lang="zh-CN" altLang="en-US" dirty="0"/>
           </a:p>
           <a:p>
             <a:pPr marL="457200" lvl="1" indent="0">
@@ -6623,6 +6696,7 @@
               <a:rPr kumimoji="1" lang="zh-CN" altLang="en-US" dirty="0"/>
               <a:t>}</a:t>
             </a:r>
+            <a:endParaRPr kumimoji="1" lang="zh-CN" altLang="en-US" dirty="0"/>
           </a:p>
         </p:txBody>
       </p:sp>
@@ -6919,6 +6993,7 @@
               <a:rPr kumimoji="1" lang="zh-CN" altLang="en-US" dirty="0"/>
               <a:t>：</a:t>
             </a:r>
+            <a:endParaRPr kumimoji="1" lang="zh-CN" altLang="en-US" dirty="0"/>
           </a:p>
           <a:p>
             <a:pPr marL="457200" lvl="1" indent="0">
@@ -6928,6 +7003,7 @@
               <a:rPr kumimoji="1" lang="zh-CN" altLang="en-US" dirty="0"/>
               <a:t>int main()</a:t>
             </a:r>
+            <a:endParaRPr kumimoji="1" lang="zh-CN" altLang="en-US" dirty="0"/>
           </a:p>
           <a:p>
             <a:pPr marL="457200" lvl="1" indent="0">
@@ -6937,6 +7013,7 @@
               <a:rPr kumimoji="1" lang="zh-CN" altLang="en-US" dirty="0"/>
               <a:t>{</a:t>
             </a:r>
+            <a:endParaRPr kumimoji="1" lang="zh-CN" altLang="en-US" dirty="0"/>
           </a:p>
           <a:p>
             <a:pPr marL="457200" lvl="1" indent="0">
@@ -6946,6 +7023,7 @@
               <a:rPr kumimoji="1" lang="zh-CN" altLang="en-US" dirty="0"/>
               <a:t>    int *p1 = new int(0);</a:t>
             </a:r>
+            <a:endParaRPr kumimoji="1" lang="zh-CN" altLang="en-US" dirty="0"/>
           </a:p>
           <a:p>
             <a:pPr marL="457200" lvl="1" indent="0">
@@ -6955,6 +7033,7 @@
               <a:rPr kumimoji="1" lang="zh-CN" altLang="en-US" dirty="0"/>
               <a:t>    delete p1;</a:t>
             </a:r>
+            <a:endParaRPr kumimoji="1" lang="zh-CN" altLang="en-US" dirty="0"/>
           </a:p>
           <a:p>
             <a:pPr marL="457200" lvl="1" indent="0">
@@ -6964,6 +7043,7 @@
               <a:rPr kumimoji="1" lang="zh-CN" altLang="en-US" dirty="0"/>
               <a:t>    int *p2 = p1;</a:t>
             </a:r>
+            <a:endParaRPr kumimoji="1" lang="zh-CN" altLang="en-US" dirty="0"/>
           </a:p>
           <a:p>
             <a:pPr marL="457200" lvl="1" indent="0">
@@ -6973,6 +7053,7 @@
               <a:rPr kumimoji="1" lang="zh-CN" altLang="en-US" dirty="0"/>
               <a:t>    *p1=0;</a:t>
             </a:r>
+            <a:endParaRPr kumimoji="1" lang="zh-CN" altLang="en-US" dirty="0"/>
           </a:p>
           <a:p>
             <a:pPr marL="457200" lvl="1" indent="0">
@@ -6982,6 +7063,7 @@
               <a:rPr kumimoji="1" lang="zh-CN" altLang="en-US" dirty="0"/>
               <a:t>    *p2=0;</a:t>
             </a:r>
+            <a:endParaRPr kumimoji="1" lang="zh-CN" altLang="en-US" dirty="0"/>
           </a:p>
           <a:p>
             <a:pPr marL="457200" lvl="1" indent="0">
@@ -6991,6 +7073,7 @@
               <a:rPr kumimoji="1" lang="zh-CN" altLang="en-US" dirty="0"/>
               <a:t>}</a:t>
             </a:r>
+            <a:endParaRPr kumimoji="1" lang="zh-CN" altLang="en-US" dirty="0"/>
           </a:p>
         </p:txBody>
       </p:sp>
@@ -7070,6 +7153,7 @@
               <a:rPr lang="zh-CN" altLang="en-US"/>
               <a:t>测试输出：</a:t>
             </a:r>
+            <a:endParaRPr lang="zh-CN" altLang="en-US"/>
           </a:p>
           <a:p>
             <a:pPr lvl="1"/>
@@ -7081,6 +7165,7 @@
               <a:rPr lang="zh-CN" altLang="en-US"/>
               <a:t>第六行“demo *p2 = p1;”，p1未初始化。</a:t>
             </a:r>
+            <a:endParaRPr lang="zh-CN" altLang="en-US"/>
           </a:p>
           <a:p>
             <a:pPr lvl="1"/>
@@ -7092,6 +7177,7 @@
               <a:rPr lang="zh-CN" altLang="en-US"/>
               <a:t>第五行“int *p2 = p1;”，p1未初始化。</a:t>
             </a:r>
+            <a:endParaRPr lang="zh-CN" altLang="en-US"/>
           </a:p>
           <a:p>
             <a:pPr lvl="0"/>
@@ -7099,6 +7185,7 @@
               <a:rPr lang="zh-CN" altLang="en-US"/>
               <a:t>黑盒测试结论：</a:t>
             </a:r>
+            <a:endParaRPr lang="zh-CN" altLang="en-US"/>
           </a:p>
           <a:p>
             <a:pPr lvl="1"/>
@@ -7122,6 +7209,7 @@
               <a:rPr lang="zh-CN" altLang="en-US"/>
               <a:t>基础类型对于指针的分析结果没有影响</a:t>
             </a:r>
+            <a:endParaRPr lang="zh-CN" altLang="en-US"/>
           </a:p>
           <a:p>
             <a:pPr lvl="1"/>
@@ -7137,6 +7225,7 @@
               <a:rPr lang="zh-CN" altLang="en-US"/>
               <a:t>没有任何的信息输出</a:t>
             </a:r>
+            <a:endParaRPr lang="zh-CN" altLang="en-US"/>
           </a:p>
           <a:p>
             <a:pPr lvl="1"/>
@@ -7164,6 +7253,7 @@
               <a:rPr lang="zh-CN" altLang="en-US"/>
               <a:t>后造成的悬垂指针可能被视为未初始化。</a:t>
             </a:r>
+            <a:endParaRPr lang="zh-CN" altLang="en-US"/>
           </a:p>
           <a:p>
             <a:pPr lvl="1"/>
@@ -7195,6 +7285,7 @@
               <a:rPr lang="zh-CN" altLang="en-US"/>
               <a:t>型指针仍未提示异常访问。</a:t>
             </a:r>
+            <a:endParaRPr lang="zh-CN" altLang="en-US"/>
           </a:p>
           <a:p>
             <a:pPr lvl="1"/>
@@ -7290,6 +7381,7 @@
               <a:rPr lang="zh-CN" altLang="en-US"/>
               <a:t>测试方法</a:t>
             </a:r>
+            <a:endParaRPr lang="zh-CN" altLang="en-US"/>
           </a:p>
           <a:p>
             <a:pPr lvl="1"/>
@@ -7297,12 +7389,14 @@
               <a:rPr lang="zh-CN" altLang="en-US"/>
               <a:t>白盒测试</a:t>
             </a:r>
+            <a:endParaRPr lang="zh-CN" altLang="en-US"/>
           </a:p>
           <a:p>
             <a:r>
               <a:rPr lang="zh-CN" altLang="en-US"/>
               <a:t>侧重点</a:t>
             </a:r>
+            <a:endParaRPr lang="zh-CN" altLang="en-US"/>
           </a:p>
           <a:p>
             <a:pPr lvl="1"/>
@@ -7314,6 +7408,7 @@
               <a:rPr lang="zh-CN" altLang="en-US" u="sng"/>
               <a:t>流程</a:t>
             </a:r>
+            <a:endParaRPr lang="zh-CN" altLang="en-US" u="sng"/>
           </a:p>
           <a:p>
             <a:pPr lvl="1"/>
@@ -7321,6 +7416,7 @@
               <a:rPr lang="zh-CN" altLang="en-US"/>
               <a:t>分析各模块组成和作用方式</a:t>
             </a:r>
+            <a:endParaRPr lang="zh-CN" altLang="en-US"/>
           </a:p>
           <a:p>
             <a:pPr lvl="1"/>
@@ -7328,6 +7424,7 @@
               <a:rPr lang="zh-CN" altLang="en-US"/>
               <a:t>了解数据被处理的顺序</a:t>
             </a:r>
+            <a:endParaRPr lang="zh-CN" altLang="en-US"/>
           </a:p>
         </p:txBody>
       </p:sp>
@@ -7419,6 +7516,7 @@
               <a:rPr lang="zh-CN" altLang="en-US"/>
               <a:t>白盒测试分析</a:t>
             </a:r>
+            <a:endParaRPr lang="zh-CN" altLang="en-US"/>
           </a:p>
           <a:p>
             <a:pPr lvl="1"/>
@@ -7444,6 +7542,7 @@
               <a:rPr lang="zh-CN" altLang="en-US"/>
               <a:t>类没有检测出p2异常使用（func函数未定义也可能是原因之一）。</a:t>
             </a:r>
+            <a:endParaRPr lang="zh-CN" altLang="en-US"/>
           </a:p>
           <a:p>
             <a:pPr lvl="1"/>
@@ -7461,6 +7560,7 @@
               <a:rPr lang="zh-CN" altLang="en-US"/>
               <a:t>功能异常，p1的值不确定是在delete后确定“未初始化”还是保持了value的初始值“未初始化”。</a:t>
             </a:r>
+            <a:endParaRPr lang="zh-CN" altLang="en-US"/>
           </a:p>
           <a:p>
             <a:pPr marL="0" lvl="0" indent="0">
@@ -7526,6 +7626,7 @@
               <a:rPr kumimoji="1" lang="zh-CN" altLang="en-US"/>
               <a:t>主要流程分析</a:t>
             </a:r>
+            <a:endParaRPr kumimoji="1" lang="zh-CN" altLang="en-US"/>
           </a:p>
         </p:txBody>
       </p:sp>
@@ -7568,6 +7669,9 @@
               </a:rPr>
               <a:t>类，处理单个文件</a:t>
             </a:r>
+            <a:endParaRPr kumimoji="1" lang="zh-CN" altLang="en-US" sz="2000" dirty="0">
+              <a:sym typeface="+mn-ea"/>
+            </a:endParaRPr>
           </a:p>
           <a:p>
             <a:pPr marL="0" indent="0">
@@ -7588,6 +7692,9 @@
               </a:rPr>
               <a:t>加入预定义宏</a:t>
             </a:r>
+            <a:endParaRPr kumimoji="1" lang="zh-CN" altLang="en-US" sz="2000" dirty="0">
+              <a:sym typeface="+mn-ea"/>
+            </a:endParaRPr>
           </a:p>
           <a:p>
             <a:pPr marL="0" indent="0">
@@ -7620,6 +7727,9 @@
               </a:rPr>
               <a:t>预处理源文件</a:t>
             </a:r>
+            <a:endParaRPr kumimoji="1" lang="zh-CN" altLang="en-US" sz="2000" dirty="0">
+              <a:sym typeface="+mn-ea"/>
+            </a:endParaRPr>
           </a:p>
           <a:p>
             <a:pPr marL="0" indent="0">
@@ -7646,6 +7756,9 @@
               </a:rPr>
               <a:t>tokenize</a:t>
             </a:r>
+            <a:endParaRPr kumimoji="1" lang="en-US" altLang="en-US" sz="2000" dirty="0">
+              <a:sym typeface="+mn-ea"/>
+            </a:endParaRPr>
           </a:p>
           <a:p>
             <a:pPr marL="0" indent="0">
@@ -7690,6 +7803,9 @@
               </a:rPr>
               <a:t>函数进行主要处理工作</a:t>
             </a:r>
+            <a:endParaRPr kumimoji="1" lang="zh-CN" altLang="en-US" sz="2000" dirty="0">
+              <a:sym typeface="+mn-ea"/>
+            </a:endParaRPr>
           </a:p>
           <a:p>
             <a:pPr marL="0" indent="0">
@@ -7786,6 +7902,9 @@
               </a:rPr>
               <a:t>::simplifyTokenList1</a:t>
             </a:r>
+            <a:endParaRPr kumimoji="1" lang="en-US" altLang="zh-CN" sz="2000" dirty="0">
+              <a:sym typeface="+mn-ea"/>
+            </a:endParaRPr>
           </a:p>
           <a:p>
             <a:pPr marL="0" indent="0">
@@ -7818,6 +7937,9 @@
               </a:rPr>
               <a:t>符号库</a:t>
             </a:r>
+            <a:endParaRPr kumimoji="1" lang="zh-CN" altLang="en-US" sz="2000" dirty="0">
+              <a:sym typeface="+mn-ea"/>
+            </a:endParaRPr>
           </a:p>
           <a:p>
             <a:pPr marL="0" indent="0">
@@ -7850,6 +7972,9 @@
               </a:rPr>
               <a:t>链接</a:t>
             </a:r>
+            <a:endParaRPr kumimoji="1" lang="zh-CN" altLang="en-US" sz="2000" dirty="0">
+              <a:sym typeface="+mn-ea"/>
+            </a:endParaRPr>
           </a:p>
           <a:p>
             <a:pPr marL="0" indent="0">
@@ -7894,6 +8019,9 @@
               </a:rPr>
               <a:t>进行测试并输出</a:t>
             </a:r>
+            <a:endParaRPr kumimoji="1" lang="zh-CN" altLang="en-US" sz="2000" dirty="0">
+              <a:sym typeface="+mn-ea"/>
+            </a:endParaRPr>
           </a:p>
           <a:p>
             <a:pPr marL="0" indent="0">
@@ -7944,6 +8072,9 @@
               </a:rPr>
               <a:t>规则</a:t>
             </a:r>
+            <a:endParaRPr kumimoji="1" lang="zh-CN" altLang="en-US" sz="2000" dirty="0">
+              <a:sym typeface="+mn-ea"/>
+            </a:endParaRPr>
           </a:p>
           <a:p>
             <a:pPr marL="0" indent="0">
@@ -8024,6 +8155,9 @@
               </a:rPr>
               <a:t>的值</a:t>
             </a:r>
+            <a:endParaRPr kumimoji="1" lang="zh-CN" altLang="en-US" sz="2000" dirty="0">
+              <a:sym typeface="+mn-ea"/>
+            </a:endParaRPr>
           </a:p>
           <a:p>
             <a:pPr marL="0" indent="0">
@@ -8068,6 +8202,9 @@
               </a:rPr>
               <a:t>进行简单测试并输出</a:t>
             </a:r>
+            <a:endParaRPr kumimoji="1" lang="zh-CN" altLang="en-US" sz="2000" dirty="0">
+              <a:sym typeface="+mn-ea"/>
+            </a:endParaRPr>
           </a:p>
           <a:p>
             <a:pPr marL="0" indent="0">
@@ -8124,6 +8261,9 @@
               </a:rPr>
               <a:t>			</a:t>
             </a:r>
+            <a:endParaRPr kumimoji="1" lang="en-US" altLang="zh-CN" sz="2000" dirty="0">
+              <a:sym typeface="+mn-ea"/>
+            </a:endParaRPr>
           </a:p>
           <a:p>
             <a:pPr marL="0" indent="0">
@@ -8189,6 +8329,7 @@
               <a:rPr lang="zh-CN" altLang="zh-CN"/>
               <a:t>过程详细流程</a:t>
             </a:r>
+            <a:endParaRPr lang="zh-CN" altLang="zh-CN"/>
           </a:p>
         </p:txBody>
       </p:sp>
@@ -8227,6 +8368,7 @@
               <a:rPr lang="zh-CN" altLang="en-US"/>
               <a:t>流程</a:t>
             </a:r>
+            <a:endParaRPr lang="zh-CN" altLang="en-US"/>
           </a:p>
           <a:p>
             <a:pPr marL="0" indent="0">
@@ -8243,6 +8385,7 @@
               <a:rPr lang="zh-CN" altLang="zh-CN"/>
               <a:t>跳过先前程序添加的若干行</a:t>
             </a:r>
+            <a:endParaRPr lang="zh-CN" altLang="zh-CN"/>
           </a:p>
           <a:p>
             <a:pPr marL="0" indent="0">
@@ -8271,6 +8414,7 @@
               <a:rPr lang="en-US" altLang="zh-CN"/>
               <a:t>					#file,#line,#endfile</a:t>
             </a:r>
+            <a:endParaRPr lang="en-US" altLang="zh-CN"/>
           </a:p>
           <a:p>
             <a:pPr marL="0" indent="0">
@@ -8631,6 +8775,7 @@
               <a:rPr lang="zh-CN" altLang="en-US" sz="3200"/>
               <a:t>处理结果：</a:t>
             </a:r>
+            <a:endParaRPr lang="zh-CN" altLang="en-US" sz="3200"/>
           </a:p>
           <a:p>
             <a:pPr marL="0" indent="0">
@@ -8640,6 +8785,7 @@
               <a:rPr lang="en-US" altLang="en-US" sz="2000"/>
               <a:t>class  demo  ;</a:t>
             </a:r>
+            <a:endParaRPr lang="en-US" altLang="en-US" sz="2000"/>
           </a:p>
           <a:p>
             <a:pPr marL="0" indent="0">
@@ -8649,6 +8795,7 @@
               <a:rPr lang="en-US" altLang="en-US" sz="2000"/>
               <a:t>int  main  (  )</a:t>
             </a:r>
+            <a:endParaRPr lang="en-US" altLang="en-US" sz="2000"/>
           </a:p>
           <a:p>
             <a:pPr marL="0" indent="0">
@@ -8658,6 +8805,7 @@
               <a:rPr lang="en-US" altLang="en-US" sz="2000"/>
               <a:t>{</a:t>
             </a:r>
+            <a:endParaRPr lang="en-US" altLang="en-US" sz="2000"/>
           </a:p>
           <a:p>
             <a:pPr marL="0" indent="0">
@@ -8667,6 +8815,7 @@
               <a:rPr lang="en-US" altLang="en-US" sz="2000"/>
               <a:t>demo  *  p1  =  new  demo  (  )  ;</a:t>
             </a:r>
+            <a:endParaRPr lang="en-US" altLang="en-US" sz="2000"/>
           </a:p>
           <a:p>
             <a:pPr marL="0" indent="0">
@@ -8676,6 +8825,7 @@
               <a:rPr lang="en-US" altLang="en-US" sz="2000"/>
               <a:t>delete  p1  ;</a:t>
             </a:r>
+            <a:endParaRPr lang="en-US" altLang="en-US" sz="2000"/>
           </a:p>
           <a:p>
             <a:pPr marL="0" indent="0">
@@ -8685,6 +8835,7 @@
               <a:rPr lang="en-US" altLang="en-US" sz="2000"/>
               <a:t>demo  *  p2  =  p1  ;</a:t>
             </a:r>
+            <a:endParaRPr lang="en-US" altLang="en-US" sz="2000"/>
           </a:p>
           <a:p>
             <a:pPr marL="0" indent="0">
@@ -8694,6 +8845,7 @@
               <a:rPr lang="en-US" altLang="en-US" sz="2000"/>
               <a:t>p1  -  &gt;  func  (  )  ;</a:t>
             </a:r>
+            <a:endParaRPr lang="en-US" altLang="en-US" sz="2000"/>
           </a:p>
           <a:p>
             <a:pPr marL="0" indent="0">
@@ -8703,6 +8855,7 @@
               <a:rPr lang="en-US" altLang="en-US" sz="2000"/>
               <a:t>p2  -  &gt;  func  (  )  ;</a:t>
             </a:r>
+            <a:endParaRPr lang="en-US" altLang="en-US" sz="2000"/>
           </a:p>
           <a:p>
             <a:pPr marL="0" indent="0">
@@ -8712,6 +8865,7 @@
               <a:rPr lang="en-US" altLang="en-US" sz="2000"/>
               <a:t>}</a:t>
             </a:r>
+            <a:endParaRPr lang="en-US" altLang="en-US" sz="2000"/>
           </a:p>
         </p:txBody>
       </p:sp>
@@ -8802,7 +8956,7 @@
           <p:nvPr/>
         </p:nvPicPr>
         <p:blipFill>
-          <a:blip r:embed="rId2">
+          <a:blip r:embed="rId1">
             <a:extLst>
               <a:ext uri="{28A0092B-C50C-407E-A947-70E740481C1C}">
                 <a14:useLocalDpi xmlns:a14="http://schemas.microsoft.com/office/drawing/2010/main" val="0"/>
@@ -8824,11 +8978,6 @@
         </p:spPr>
       </p:pic>
     </p:spTree>
-    <p:extLst>
-      <p:ext uri="{BB962C8B-B14F-4D97-AF65-F5344CB8AC3E}">
-        <p14:creationId xmlns:p14="http://schemas.microsoft.com/office/powerpoint/2010/main" val="1350599053"/>
-      </p:ext>
-    </p:extLst>
   </p:cSld>
   <p:clrMapOvr>
     <a:masterClrMapping/>
@@ -8995,6 +9144,7 @@
               <a:rPr lang="en-US" altLang="zh-CN"/>
               <a:t>)</a:t>
             </a:r>
+            <a:endParaRPr lang="en-US" altLang="zh-CN"/>
           </a:p>
           <a:p>
             <a:pPr marL="0" indent="0">
@@ -9008,6 +9158,7 @@
               <a:rPr lang="zh-CN" altLang="zh-CN"/>
               <a:t>链接前后括号</a:t>
             </a:r>
+            <a:endParaRPr lang="zh-CN" altLang="zh-CN"/>
           </a:p>
           <a:p>
             <a:pPr marL="0" indent="0">
@@ -9021,6 +9172,7 @@
               <a:rPr lang="zh-CN" altLang="en-US"/>
               <a:t>连接多字符操作符</a:t>
             </a:r>
+            <a:endParaRPr lang="zh-CN" altLang="en-US"/>
           </a:p>
           <a:p>
             <a:pPr marL="0" indent="0">
@@ -9038,6 +9190,7 @@
               <a:rPr lang="en-US" altLang="zh-CN"/>
               <a:t>“-&gt;”</a:t>
             </a:r>
+            <a:endParaRPr lang="en-US" altLang="zh-CN"/>
           </a:p>
           <a:p>
             <a:pPr marL="0" indent="0">
@@ -9051,6 +9204,7 @@
               <a:rPr lang="zh-CN" altLang="en-US"/>
               <a:t>简化并分离变量定义赋值过程</a:t>
             </a:r>
+            <a:endParaRPr lang="zh-CN" altLang="en-US"/>
           </a:p>
           <a:p>
             <a:pPr marL="0" indent="0">
@@ -9060,6 +9214,7 @@
               <a:rPr lang="en-US" altLang="zh-CN"/>
               <a:t>	demo * p1 = new demo ( ) ;变为demo * p1 ; p1 = new demo();</a:t>
             </a:r>
+            <a:endParaRPr lang="en-US" altLang="zh-CN"/>
           </a:p>
           <a:p>
             <a:pPr marL="0" indent="0">
@@ -9069,6 +9224,7 @@
               <a:rPr lang="en-US" altLang="zh-CN"/>
               <a:t>	demo * p2 = p1 ;变为demo * p2 ; p2 = p1 ;</a:t>
             </a:r>
+            <a:endParaRPr lang="en-US" altLang="zh-CN"/>
           </a:p>
           <a:p>
             <a:pPr marL="0" indent="0">
@@ -9438,6 +9594,7 @@
               <a:rPr lang="zh-CN" altLang="zh-CN" sz="4000"/>
               <a:t>建立过程</a:t>
             </a:r>
+            <a:endParaRPr lang="zh-CN" altLang="zh-CN" sz="4000"/>
           </a:p>
           <a:p>
             <a:pPr marL="0" indent="0">
@@ -9451,6 +9608,7 @@
               <a:rPr lang="en-US" altLang="zh-CN"/>
               <a:t>scope</a:t>
             </a:r>
+            <a:endParaRPr lang="en-US" altLang="zh-CN"/>
           </a:p>
           <a:p>
             <a:pPr marL="0" indent="0">
@@ -9464,6 +9622,7 @@
               <a:rPr lang="zh-CN" altLang="en-US"/>
               <a:t>寻找类的定义范围（样例中不存在）</a:t>
             </a:r>
+            <a:endParaRPr lang="zh-CN" altLang="en-US"/>
           </a:p>
           <a:p>
             <a:pPr marL="0" indent="0">
@@ -9481,6 +9640,7 @@
               <a:rPr lang="en-US" altLang="en-US"/>
               <a:t>(class demo;)</a:t>
             </a:r>
+            <a:endParaRPr lang="en-US" altLang="en-US"/>
           </a:p>
           <a:p>
             <a:pPr marL="0" indent="0">
@@ -9494,6 +9654,7 @@
               <a:rPr lang="zh-CN" altLang="zh-CN"/>
               <a:t>名空间（不存在）</a:t>
             </a:r>
+            <a:endParaRPr lang="zh-CN" altLang="zh-CN"/>
           </a:p>
           <a:p>
             <a:pPr marL="0" indent="0">
@@ -9507,6 +9668,7 @@
               <a:rPr lang="zh-CN" altLang="en-US"/>
               <a:t>匿名结构体和联合（不存在）</a:t>
             </a:r>
+            <a:endParaRPr lang="zh-CN" altLang="en-US"/>
           </a:p>
           <a:p>
             <a:pPr marL="0" indent="0">
@@ -9520,6 +9682,7 @@
               <a:rPr lang="zh-CN" altLang="en-US"/>
               <a:t>匿名结构体，联合和名空间</a:t>
             </a:r>
+            <a:endParaRPr lang="zh-CN" altLang="en-US"/>
           </a:p>
           <a:p>
             <a:pPr marL="0" indent="0">
@@ -9533,6 +9696,7 @@
               <a:rPr lang="zh-CN" altLang="en-US"/>
               <a:t>其他一般情况</a:t>
             </a:r>
+            <a:endParaRPr lang="zh-CN" altLang="en-US"/>
           </a:p>
           <a:p>
             <a:pPr marL="0" indent="0">
@@ -9554,6 +9718,7 @@
               <a:rPr lang="zh-CN" altLang="en-US"/>
               <a:t>）</a:t>
             </a:r>
+            <a:endParaRPr lang="zh-CN" altLang="en-US"/>
           </a:p>
           <a:p>
             <a:pPr marL="0" indent="0">
@@ -9567,6 +9732,7 @@
               <a:rPr lang="zh-CN" altLang="en-US"/>
               <a:t>检查类定义域内的可能情况</a:t>
             </a:r>
+            <a:endParaRPr lang="zh-CN" altLang="en-US"/>
           </a:p>
           <a:p>
             <a:pPr marL="0" indent="0">
@@ -9588,6 +9754,7 @@
               <a:rPr lang="zh-CN" altLang="en-US"/>
               <a:t>）</a:t>
             </a:r>
+            <a:endParaRPr lang="zh-CN" altLang="en-US"/>
           </a:p>
         </p:txBody>
       </p:sp>
@@ -9942,6 +10109,7 @@
               <a:rPr lang="zh-CN" altLang="en-US" sz="2000"/>
               <a:t>信息</a:t>
             </a:r>
+            <a:endParaRPr lang="zh-CN" altLang="en-US" sz="2000"/>
           </a:p>
           <a:p>
             <a:pPr marL="0" indent="0">
@@ -9951,6 +10119,7 @@
               <a:rPr lang="zh-CN" altLang="en-US" sz="2000"/>
               <a:t>填写定义信息</a:t>
             </a:r>
+            <a:endParaRPr lang="zh-CN" altLang="en-US" sz="2000"/>
           </a:p>
           <a:p>
             <a:pPr marL="0" indent="0">
@@ -9972,6 +10141,7 @@
               <a:rPr lang="zh-CN" altLang="en-US" sz="2000"/>
               <a:t>前向定义</a:t>
             </a:r>
+            <a:endParaRPr lang="zh-CN" altLang="en-US" sz="2000"/>
           </a:p>
           <a:p>
             <a:pPr marL="0" indent="0">
@@ -9993,6 +10163,7 @@
               <a:rPr lang="zh-CN" altLang="en-US" sz="2000"/>
               <a:t>函数定义</a:t>
             </a:r>
+            <a:endParaRPr lang="zh-CN" altLang="en-US" sz="2000"/>
           </a:p>
           <a:p>
             <a:pPr marL="0" indent="0">
@@ -10034,6 +10205,7 @@
               <a:rPr lang="en-US" altLang="zh-CN" sz="2000"/>
               <a:t>varlist</a:t>
             </a:r>
+            <a:endParaRPr lang="en-US" altLang="zh-CN" sz="2000"/>
           </a:p>
           <a:p>
             <a:pPr marL="0" indent="0">
@@ -10083,6 +10255,7 @@
               <a:rPr lang="en-US" altLang="zh-CN" sz="2000"/>
               <a:t>“=”</a:t>
             </a:r>
+            <a:endParaRPr lang="en-US" altLang="zh-CN" sz="2000"/>
           </a:p>
           <a:p>
             <a:pPr marL="0" indent="0">
@@ -10104,6 +10277,7 @@
               <a:rPr lang="zh-CN" altLang="en-US" sz="2000"/>
               <a:t>相关已有定义</a:t>
             </a:r>
+            <a:endParaRPr lang="zh-CN" altLang="en-US" sz="2000"/>
           </a:p>
           <a:p>
             <a:pPr marL="0" indent="0">
@@ -10129,6 +10303,7 @@
               <a:rPr lang="en-US" altLang="zh-CN" sz="2000"/>
               <a:t>varlist</a:t>
             </a:r>
+            <a:endParaRPr lang="en-US" altLang="zh-CN" sz="2000"/>
           </a:p>
           <a:p>
             <a:pPr marL="0" indent="0">
@@ -10158,6 +10333,9 @@
               </a:rPr>
               <a:t>)</a:t>
             </a:r>
+            <a:endParaRPr lang="en-US" altLang="zh-CN" sz="2000">
+              <a:sym typeface="+mn-ea"/>
+            </a:endParaRPr>
           </a:p>
           <a:p>
             <a:pPr marL="0" indent="0">
@@ -10175,6 +10353,9 @@
               </a:rPr>
               <a:t>寻找非空的小括号</a:t>
             </a:r>
+            <a:endParaRPr lang="zh-CN" altLang="en-US" sz="2000">
+              <a:sym typeface="+mn-ea"/>
+            </a:endParaRPr>
           </a:p>
           <a:p>
             <a:pPr marL="0" indent="0">
@@ -10554,6 +10735,9 @@
               </a:rPr>
               <a:t>{...})</a:t>
             </a:r>
+            <a:endParaRPr lang="en-US" altLang="zh-CN" sz="2000">
+              <a:sym typeface="+mn-ea"/>
+            </a:endParaRPr>
           </a:p>
           <a:p>
             <a:pPr marL="0" indent="0">
@@ -10574,6 +10758,9 @@
               </a:rPr>
               <a:t>Scope</a:t>
             </a:r>
+            <a:endParaRPr lang="en-US" altLang="zh-CN" sz="2000">
+              <a:sym typeface="+mn-ea"/>
+            </a:endParaRPr>
           </a:p>
           <a:p>
             <a:pPr marL="0" indent="0">
@@ -10606,6 +10793,9 @@
               </a:rPr>
               <a:t>int)</a:t>
             </a:r>
+            <a:endParaRPr lang="en-US" altLang="zh-CN" sz="2000">
+              <a:sym typeface="+mn-ea"/>
+            </a:endParaRPr>
           </a:p>
           <a:p>
             <a:pPr marL="0" indent="0">
@@ -10662,6 +10852,9 @@
               </a:rPr>
               <a:t>p1,p2)</a:t>
             </a:r>
+            <a:endParaRPr lang="en-US" altLang="zh-CN" sz="2000">
+              <a:sym typeface="+mn-ea"/>
+            </a:endParaRPr>
           </a:p>
           <a:p>
             <a:pPr marL="0" indent="0">
@@ -10682,6 +10875,7 @@
               <a:rPr lang="zh-CN" altLang="en-US" sz="2000"/>
               <a:t>，函数定义声明，函数调用等符号间匹配信息</a:t>
             </a:r>
+            <a:endParaRPr lang="zh-CN" altLang="en-US" sz="2000"/>
           </a:p>
           <a:p>
             <a:pPr marL="0" indent="0">
@@ -10710,6 +10904,7 @@
               <a:rPr lang="en-US" altLang="zh-CN" sz="2000"/>
               <a:t>token</a:t>
             </a:r>
+            <a:endParaRPr lang="en-US" altLang="zh-CN" sz="2000"/>
           </a:p>
           <a:p>
             <a:pPr marL="0" indent="0">
@@ -10750,6 +10945,7 @@
               <a:rPr lang="zh-CN" altLang="en-US" sz="2000"/>
               <a:t>匹配函数，因没有定义未果</a:t>
             </a:r>
+            <a:endParaRPr lang="zh-CN" altLang="en-US" sz="2000"/>
           </a:p>
           <a:p>
             <a:pPr marL="0" indent="0">
@@ -10790,6 +10986,7 @@
               <a:rPr lang="zh-CN" altLang="en-US" sz="2000"/>
               <a:t>类，多次出现</a:t>
             </a:r>
+            <a:endParaRPr lang="zh-CN" altLang="en-US" sz="2000"/>
           </a:p>
           <a:p>
             <a:pPr marL="0" indent="0">
@@ -10818,6 +11015,7 @@
               <a:rPr lang="en-US" altLang="zh-CN" sz="2000"/>
               <a:t>Variable</a:t>
             </a:r>
+            <a:endParaRPr lang="en-US" altLang="zh-CN" sz="2000"/>
           </a:p>
         </p:txBody>
       </p:sp>
@@ -11163,6 +11361,7 @@
               <a:rPr altLang="zh-CN" sz="3200"/>
               <a:t>ValueFlow::setValues规则</a:t>
             </a:r>
+            <a:endParaRPr altLang="zh-CN" sz="3200"/>
           </a:p>
           <a:p>
             <a:pPr marL="0" indent="0">
@@ -11172,6 +11371,7 @@
               <a:rPr lang="en-US" altLang="zh-CN"/>
               <a:t>Number					String</a:t>
             </a:r>
+            <a:endParaRPr lang="en-US" altLang="zh-CN"/>
           </a:p>
           <a:p>
             <a:pPr marL="0" indent="0">
@@ -11181,6 +11381,7 @@
               <a:rPr lang="en-US" altLang="zh-CN"/>
               <a:t>Array						PointerAlias</a:t>
             </a:r>
+            <a:endParaRPr lang="en-US" altLang="zh-CN"/>
           </a:p>
           <a:p>
             <a:pPr marL="0" indent="0">
@@ -11190,6 +11391,7 @@
               <a:rPr lang="en-US" altLang="zh-CN"/>
               <a:t>FunctionReturn				BitAnd</a:t>
             </a:r>
+            <a:endParaRPr lang="en-US" altLang="zh-CN"/>
           </a:p>
           <a:p>
             <a:pPr marL="0" indent="0">
@@ -11199,6 +11401,7 @@
               <a:rPr lang="en-US" altLang="zh-CN"/>
               <a:t>ForLoop					BeforeCondition</a:t>
             </a:r>
+            <a:endParaRPr lang="en-US" altLang="zh-CN"/>
           </a:p>
           <a:p>
             <a:pPr marL="0" indent="0">
@@ -11208,6 +11411,7 @@
               <a:rPr lang="en-US" altLang="zh-CN"/>
               <a:t>AfterAssign					AfterCondition</a:t>
             </a:r>
+            <a:endParaRPr lang="en-US" altLang="zh-CN"/>
           </a:p>
           <a:p>
             <a:pPr marL="0" indent="0">
@@ -11217,6 +11421,7 @@
               <a:rPr lang="en-US" altLang="zh-CN"/>
               <a:t>SwitchVariable				SubFunction</a:t>
             </a:r>
+            <a:endParaRPr lang="en-US" altLang="zh-CN"/>
           </a:p>
           <a:p>
             <a:pPr marL="0" indent="0">
@@ -11226,6 +11431,7 @@
               <a:rPr lang="en-US" altLang="zh-CN"/>
               <a:t>FunctionDefaultParameter</a:t>
             </a:r>
+            <a:endParaRPr lang="en-US" altLang="zh-CN"/>
           </a:p>
         </p:txBody>
       </p:sp>
@@ -11253,14 +11459,7 @@
         <p:cNvGrpSpPr/>
         <p:nvPr/>
       </p:nvGrpSpPr>
-      <p:grpSpPr>
-        <a:xfrm>
-          <a:off x="0" y="0"/>
-          <a:ext cx="0" cy="0"/>
-          <a:chOff x="0" y="0"/>
-          <a:chExt cx="0" cy="0"/>
-        </a:xfrm>
-      </p:grpSpPr>
+      <p:grpSpPr/>
       <p:sp>
         <p:nvSpPr>
           <p:cNvPr id="2" name="标题 1"/>
@@ -11274,25 +11473,10 @@
         <p:spPr/>
         <p:txBody>
           <a:bodyPr/>
-          <a:lstStyle/>
-          <a:p>
-            <a:r>
-              <a:rPr kumimoji="1" lang="zh-CN" altLang="en-US" dirty="0" smtClean="0">
-                <a:sym typeface="+mn-ea"/>
-              </a:rPr>
-              <a:t>样例二</a:t>
-            </a:r>
-            <a:r>
-              <a:rPr kumimoji="1" lang="en-US" altLang="zh-CN" dirty="0" smtClean="0">
-                <a:sym typeface="+mn-ea"/>
-              </a:rPr>
-              <a:t>(1)</a:t>
-            </a:r>
-            <a:r>
-              <a:rPr kumimoji="1" lang="zh-CN" altLang="en-US" dirty="0" smtClean="0">
-                <a:sym typeface="+mn-ea"/>
-              </a:rPr>
-              <a:t>测试</a:t>
+          <a:p>
+            <a:r>
+              <a:rPr lang="zh-CN" altLang="en-US"/>
+              <a:t>关于我</a:t>
             </a:r>
             <a:endParaRPr lang="zh-CN" altLang="en-US"/>
           </a:p>
@@ -11311,51 +11495,45 @@
         <p:spPr/>
         <p:txBody>
           <a:bodyPr/>
-          <a:lstStyle/>
-          <a:p>
-            <a:pPr>
-              <a:buFont typeface="Arial" charset="0"/>
-              <a:buChar char="•"/>
-            </a:pPr>
+          <a:p>
             <a:r>
               <a:rPr lang="zh-CN" altLang="en-US"/>
-              <a:t>测试改进建议</a:t>
-            </a:r>
-          </a:p>
-          <a:p>
-            <a:pPr lvl="1"/>
+              <a:t>以样例</a:t>
+            </a:r>
+            <a:r>
+              <a:rPr lang="en-US" altLang="zh-CN"/>
+              <a:t>(1)</a:t>
+            </a:r>
             <a:r>
               <a:rPr lang="zh-CN" altLang="en-US"/>
-              <a:t>换为int指针类型进行测试，避免未定义成员函数带来的干扰</a:t>
-            </a:r>
-          </a:p>
-          <a:p>
-            <a:pPr lvl="1"/>
+              <a:t>跟进调试了解详细的处理流程</a:t>
+            </a:r>
+            <a:endParaRPr lang="zh-CN" altLang="en-US"/>
+          </a:p>
+          <a:p>
+            <a:r>
+              <a:rPr lang="zh-CN" altLang="en-US">
+                <a:sym typeface="+mn-ea"/>
+              </a:rPr>
+              <a:t>二次开发为</a:t>
+            </a:r>
+            <a:r>
+              <a:rPr lang="en-US" altLang="zh-CN">
+                <a:sym typeface="+mn-ea"/>
+              </a:rPr>
+              <a:t>动态分配的指针变量定义时如未被分配空间必须初始化为NULL</a:t>
+            </a:r>
+            <a:endParaRPr lang="zh-CN" altLang="en-US"/>
+          </a:p>
+          <a:p>
             <a:r>
               <a:rPr lang="zh-CN" altLang="en-US"/>
-              <a:t>完善class定义进行测试</a:t>
-            </a:r>
-          </a:p>
-          <a:p>
-            <a:pPr lvl="0"/>
-            <a:r>
-              <a:rPr lang="zh-CN" altLang="en-US"/>
-              <a:t>进一步测试方向</a:t>
-            </a:r>
-          </a:p>
-          <a:p>
-            <a:pPr lvl="1"/>
-            <a:r>
-              <a:rPr lang="zh-CN" altLang="en-US"/>
-              <a:t>数据构成</a:t>
-            </a:r>
-          </a:p>
-          <a:p>
-            <a:pPr lvl="1"/>
-            <a:r>
-              <a:rPr lang="zh-CN" altLang="en-US"/>
-              <a:t>数据模块中类的关系</a:t>
-            </a:r>
+              <a:t>参与样例的测试</a:t>
+            </a:r>
+            <a:endParaRPr lang="zh-CN" altLang="en-US"/>
+          </a:p>
+          <a:p>
+            <a:endParaRPr lang="zh-CN" altLang="en-US"/>
           </a:p>
         </p:txBody>
       </p:sp>
@@ -11364,13 +11542,6 @@
   <p:clrMapOvr>
     <a:masterClrMapping/>
   </p:clrMapOvr>
-  <p:timing>
-    <p:tnLst>
-      <p:par>
-        <p:cTn id="1" dur="indefinite" restart="never" nodeType="tmRoot"/>
-      </p:par>
-    </p:tnLst>
-  </p:timing>
 </p:sld>
 </file>
 
@@ -11416,7 +11587,7 @@
               <a:rPr kumimoji="1" lang="en-US" altLang="zh-CN" dirty="0" smtClean="0">
                 <a:sym typeface="+mn-ea"/>
               </a:rPr>
-              <a:t>(2)</a:t>
+              <a:t>(1)</a:t>
             </a:r>
             <a:r>
               <a:rPr kumimoji="1" lang="zh-CN" altLang="en-US" dirty="0" smtClean="0">
@@ -11443,96 +11614,55 @@
           <a:bodyPr/>
           <a:lstStyle/>
           <a:p>
+            <a:pPr>
+              <a:buFont typeface="Arial" charset="0"/>
+              <a:buChar char="•"/>
+            </a:pPr>
             <a:r>
               <a:rPr lang="zh-CN" altLang="en-US"/>
-              <a:t>测试方法</a:t>
-            </a:r>
+              <a:t>测试改进建议</a:t>
+            </a:r>
+            <a:endParaRPr lang="zh-CN" altLang="en-US"/>
           </a:p>
           <a:p>
             <a:pPr lvl="1"/>
             <a:r>
               <a:rPr lang="zh-CN" altLang="en-US"/>
-              <a:t>白盒测试</a:t>
-            </a:r>
-          </a:p>
-          <a:p>
+              <a:t>换为int指针类型进行测试，避免未定义成员函数带来的干扰</a:t>
+            </a:r>
+            <a:endParaRPr lang="zh-CN" altLang="en-US"/>
+          </a:p>
+          <a:p>
+            <a:pPr lvl="1"/>
             <a:r>
               <a:rPr lang="zh-CN" altLang="en-US"/>
-              <a:t>侧重点</a:t>
-            </a:r>
+              <a:t>完善class定义进行测试</a:t>
+            </a:r>
+            <a:endParaRPr lang="zh-CN" altLang="en-US"/>
+          </a:p>
+          <a:p>
+            <a:pPr lvl="0"/>
+            <a:r>
+              <a:rPr lang="zh-CN" altLang="en-US"/>
+              <a:t>进一步测试方向</a:t>
+            </a:r>
+            <a:endParaRPr lang="zh-CN" altLang="en-US"/>
           </a:p>
           <a:p>
             <a:pPr lvl="1"/>
             <a:r>
               <a:rPr lang="zh-CN" altLang="en-US"/>
-              <a:t>跟踪</a:t>
-            </a:r>
-            <a:r>
-              <a:rPr lang="zh-CN" altLang="en-US" u="sng"/>
-              <a:t>数据</a:t>
-            </a:r>
+              <a:t>数据构成</a:t>
+            </a:r>
+            <a:endParaRPr lang="zh-CN" altLang="en-US"/>
+          </a:p>
+          <a:p>
+            <a:pPr lvl="1"/>
             <a:r>
               <a:rPr lang="zh-CN" altLang="en-US"/>
-              <a:t>走向</a:t>
-            </a:r>
-          </a:p>
-          <a:p>
-            <a:pPr lvl="1"/>
-            <a:r>
-              <a:rPr lang="zh-CN" altLang="en-US"/>
-              <a:t>分析</a:t>
-            </a:r>
-            <a:r>
-              <a:rPr lang="en-US" altLang="zh-CN"/>
-              <a:t>Token</a:t>
-            </a:r>
-            <a:r>
-              <a:rPr lang="zh-CN" altLang="en-US"/>
-              <a:t>（</a:t>
-            </a:r>
-            <a:r>
-              <a:rPr lang="en-US" altLang="zh-CN"/>
-              <a:t>Tokenize</a:t>
-            </a:r>
-            <a:r>
-              <a:rPr lang="zh-CN" altLang="en-US"/>
-              <a:t>模块）与</a:t>
-            </a:r>
-            <a:r>
-              <a:rPr lang="en-US" altLang="zh-CN"/>
-              <a:t>Symbol</a:t>
-            </a:r>
-            <a:r>
-              <a:rPr lang="zh-CN" altLang="en-US"/>
-              <a:t>（</a:t>
-            </a:r>
-            <a:r>
-              <a:rPr lang="en-US" altLang="zh-CN"/>
-              <a:t>SymbolDatabase</a:t>
-            </a:r>
-            <a:r>
-              <a:rPr lang="zh-CN" altLang="en-US"/>
-              <a:t>模块）类与对象间关系</a:t>
-            </a:r>
-          </a:p>
-          <a:p>
-            <a:pPr lvl="1"/>
-            <a:r>
-              <a:rPr lang="en-US" altLang="zh-CN"/>
-              <a:t>Ast</a:t>
-            </a:r>
-            <a:r>
-              <a:rPr lang="zh-CN" altLang="en-US"/>
-              <a:t>（抽象语法树）分析，与</a:t>
-            </a:r>
-            <a:r>
-              <a:rPr lang="en-US" altLang="zh-CN"/>
-              <a:t>Token</a:t>
-            </a:r>
-            <a:r>
-              <a:rPr lang="zh-CN" altLang="en-US"/>
-              <a:t>挂钩</a:t>
-            </a:r>
+              <a:t>数据模块中类的关系</a:t>
+            </a:r>
+            <a:endParaRPr lang="zh-CN" altLang="en-US"/>
           </a:p>
         </p:txBody>
       </p:sp>
@@ -11607,6 +11737,189 @@
       </p:sp>
       <p:sp>
         <p:nvSpPr>
+          <p:cNvPr id="3" name="内容占位符 2"/>
+          <p:cNvSpPr>
+            <a:spLocks noGrp="1"/>
+          </p:cNvSpPr>
+          <p:nvPr>
+            <p:ph idx="1"/>
+          </p:nvPr>
+        </p:nvSpPr>
+        <p:spPr/>
+        <p:txBody>
+          <a:bodyPr/>
+          <a:lstStyle/>
+          <a:p>
+            <a:r>
+              <a:rPr lang="zh-CN" altLang="en-US"/>
+              <a:t>测试方法</a:t>
+            </a:r>
+            <a:endParaRPr lang="zh-CN" altLang="en-US"/>
+          </a:p>
+          <a:p>
+            <a:pPr lvl="1"/>
+            <a:r>
+              <a:rPr lang="zh-CN" altLang="en-US"/>
+              <a:t>白盒测试</a:t>
+            </a:r>
+            <a:endParaRPr lang="zh-CN" altLang="en-US"/>
+          </a:p>
+          <a:p>
+            <a:r>
+              <a:rPr lang="zh-CN" altLang="en-US"/>
+              <a:t>侧重点</a:t>
+            </a:r>
+            <a:endParaRPr lang="zh-CN" altLang="en-US"/>
+          </a:p>
+          <a:p>
+            <a:pPr lvl="1"/>
+            <a:r>
+              <a:rPr lang="zh-CN" altLang="en-US"/>
+              <a:t>跟踪</a:t>
+            </a:r>
+            <a:r>
+              <a:rPr lang="zh-CN" altLang="en-US" u="sng"/>
+              <a:t>数据</a:t>
+            </a:r>
+            <a:r>
+              <a:rPr lang="zh-CN" altLang="en-US"/>
+              <a:t>走向</a:t>
+            </a:r>
+            <a:endParaRPr lang="zh-CN" altLang="en-US"/>
+          </a:p>
+          <a:p>
+            <a:pPr lvl="1"/>
+            <a:r>
+              <a:rPr lang="zh-CN" altLang="en-US"/>
+              <a:t>分析</a:t>
+            </a:r>
+            <a:r>
+              <a:rPr lang="en-US" altLang="zh-CN"/>
+              <a:t>Token</a:t>
+            </a:r>
+            <a:r>
+              <a:rPr lang="zh-CN" altLang="en-US"/>
+              <a:t>（</a:t>
+            </a:r>
+            <a:r>
+              <a:rPr lang="en-US" altLang="zh-CN"/>
+              <a:t>Tokenize</a:t>
+            </a:r>
+            <a:r>
+              <a:rPr lang="zh-CN" altLang="en-US"/>
+              <a:t>模块）与</a:t>
+            </a:r>
+            <a:r>
+              <a:rPr lang="en-US" altLang="zh-CN"/>
+              <a:t>Symbol</a:t>
+            </a:r>
+            <a:r>
+              <a:rPr lang="zh-CN" altLang="en-US"/>
+              <a:t>（</a:t>
+            </a:r>
+            <a:r>
+              <a:rPr lang="en-US" altLang="zh-CN"/>
+              <a:t>SymbolDatabase</a:t>
+            </a:r>
+            <a:r>
+              <a:rPr lang="zh-CN" altLang="en-US"/>
+              <a:t>模块）类与对象间关系</a:t>
+            </a:r>
+            <a:endParaRPr lang="zh-CN" altLang="en-US"/>
+          </a:p>
+          <a:p>
+            <a:pPr lvl="1"/>
+            <a:r>
+              <a:rPr lang="en-US" altLang="zh-CN"/>
+              <a:t>Ast</a:t>
+            </a:r>
+            <a:r>
+              <a:rPr lang="zh-CN" altLang="en-US"/>
+              <a:t>（抽象语法树）分析，与</a:t>
+            </a:r>
+            <a:r>
+              <a:rPr lang="en-US" altLang="zh-CN"/>
+              <a:t>Token</a:t>
+            </a:r>
+            <a:r>
+              <a:rPr lang="zh-CN" altLang="en-US"/>
+              <a:t>挂钩</a:t>
+            </a:r>
+            <a:endParaRPr lang="zh-CN" altLang="en-US"/>
+          </a:p>
+        </p:txBody>
+      </p:sp>
+    </p:spTree>
+  </p:cSld>
+  <p:clrMapOvr>
+    <a:masterClrMapping/>
+  </p:clrMapOvr>
+  <p:timing>
+    <p:tnLst>
+      <p:par>
+        <p:cTn id="1" dur="indefinite" restart="never" nodeType="tmRoot"/>
+      </p:par>
+    </p:tnLst>
+  </p:timing>
+</p:sld>
+</file>
+
+<file path=ppt/slides/slide28.xml><?xml version="1.0" encoding="utf-8"?>
+<p:sld xmlns:a="http://schemas.openxmlformats.org/drawingml/2006/main" xmlns:r="http://schemas.openxmlformats.org/officeDocument/2006/relationships" xmlns:p="http://schemas.openxmlformats.org/presentationml/2006/main">
+  <p:cSld>
+    <p:spTree>
+      <p:nvGrpSpPr>
+        <p:cNvPr id="1" name=""/>
+        <p:cNvGrpSpPr/>
+        <p:nvPr/>
+      </p:nvGrpSpPr>
+      <p:grpSpPr>
+        <a:xfrm>
+          <a:off x="0" y="0"/>
+          <a:ext cx="0" cy="0"/>
+          <a:chOff x="0" y="0"/>
+          <a:chExt cx="0" cy="0"/>
+        </a:xfrm>
+      </p:grpSpPr>
+      <p:sp>
+        <p:nvSpPr>
+          <p:cNvPr id="2" name="标题 1"/>
+          <p:cNvSpPr>
+            <a:spLocks noGrp="1"/>
+          </p:cNvSpPr>
+          <p:nvPr>
+            <p:ph type="title"/>
+          </p:nvPr>
+        </p:nvSpPr>
+        <p:spPr/>
+        <p:txBody>
+          <a:bodyPr/>
+          <a:lstStyle/>
+          <a:p>
+            <a:r>
+              <a:rPr kumimoji="1" lang="zh-CN" altLang="en-US" dirty="0" smtClean="0">
+                <a:sym typeface="+mn-ea"/>
+              </a:rPr>
+              <a:t>样例二</a:t>
+            </a:r>
+            <a:r>
+              <a:rPr kumimoji="1" lang="en-US" altLang="zh-CN" dirty="0" smtClean="0">
+                <a:sym typeface="+mn-ea"/>
+              </a:rPr>
+              <a:t>(2)</a:t>
+            </a:r>
+            <a:r>
+              <a:rPr kumimoji="1" lang="zh-CN" altLang="en-US" dirty="0" smtClean="0">
+                <a:sym typeface="+mn-ea"/>
+              </a:rPr>
+              <a:t>测试</a:t>
+            </a:r>
+            <a:endParaRPr lang="zh-CN" altLang="en-US"/>
+          </a:p>
+        </p:txBody>
+      </p:sp>
+      <p:sp>
+        <p:nvSpPr>
           <p:cNvPr id="4" name="文本框 3"/>
           <p:cNvSpPr txBox="1"/>
           <p:nvPr/>
@@ -11635,6 +11948,7 @@
               <a:rPr lang="zh-CN" altLang="en-US" sz="2400"/>
               <a:t>模块</a:t>
             </a:r>
+            <a:endParaRPr lang="zh-CN" altLang="en-US" sz="2400"/>
           </a:p>
         </p:txBody>
       </p:sp>
@@ -11668,6 +11982,7 @@
               <a:rPr lang="zh-CN" altLang="en-US" sz="2400"/>
               <a:t>模块</a:t>
             </a:r>
+            <a:endParaRPr lang="zh-CN" altLang="en-US" sz="2400"/>
           </a:p>
         </p:txBody>
       </p:sp>
@@ -11772,6 +12087,7 @@
                 <a:rPr lang="en-US" altLang="zh-CN"/>
                 <a:t>Scope</a:t>
               </a:r>
+              <a:endParaRPr lang="en-US" altLang="zh-CN"/>
             </a:p>
           </p:txBody>
         </p:sp>
@@ -11815,6 +12131,7 @@
                 <a:rPr lang="en-US" altLang="zh-CN"/>
                 <a:t>Variable</a:t>
               </a:r>
+              <a:endParaRPr lang="en-US" altLang="zh-CN"/>
             </a:p>
           </p:txBody>
         </p:sp>
@@ -11858,6 +12175,7 @@
                 <a:rPr lang="en-US" altLang="zh-CN"/>
                 <a:t>Function</a:t>
               </a:r>
+              <a:endParaRPr lang="en-US" altLang="zh-CN"/>
             </a:p>
           </p:txBody>
         </p:sp>
@@ -11901,6 +12219,7 @@
                 <a:rPr lang="en-US" altLang="zh-CN"/>
                 <a:t>Type</a:t>
               </a:r>
+              <a:endParaRPr lang="en-US" altLang="zh-CN"/>
             </a:p>
           </p:txBody>
         </p:sp>
@@ -12314,6 +12633,7 @@
                 <a:rPr lang="en-US" altLang="zh-CN"/>
                 <a:t>Token</a:t>
               </a:r>
+              <a:endParaRPr lang="en-US" altLang="zh-CN"/>
             </a:p>
           </p:txBody>
         </p:sp>
@@ -12588,6 +12908,7 @@
               <a:rPr lang="zh-CN" altLang="en-US"/>
               <a:t>对多</a:t>
             </a:r>
+            <a:endParaRPr lang="zh-CN" altLang="en-US"/>
           </a:p>
         </p:txBody>
       </p:sp>
@@ -12625,188 +12946,7 @@
               <a:rPr lang="en-US" altLang="zh-CN"/>
               <a:t>1</a:t>
             </a:r>
-          </a:p>
-        </p:txBody>
-      </p:sp>
-    </p:spTree>
-  </p:cSld>
-  <p:clrMapOvr>
-    <a:masterClrMapping/>
-  </p:clrMapOvr>
-  <p:timing>
-    <p:tnLst>
-      <p:par>
-        <p:cTn id="1" dur="indefinite" restart="never" nodeType="tmRoot"/>
-      </p:par>
-    </p:tnLst>
-  </p:timing>
-</p:sld>
-</file>
-
-<file path=ppt/slides/slide28.xml><?xml version="1.0" encoding="utf-8"?>
-<p:sld xmlns:a="http://schemas.openxmlformats.org/drawingml/2006/main" xmlns:r="http://schemas.openxmlformats.org/officeDocument/2006/relationships" xmlns:p="http://schemas.openxmlformats.org/presentationml/2006/main">
-  <p:cSld>
-    <p:spTree>
-      <p:nvGrpSpPr>
-        <p:cNvPr id="1" name=""/>
-        <p:cNvGrpSpPr/>
-        <p:nvPr/>
-      </p:nvGrpSpPr>
-      <p:grpSpPr>
-        <a:xfrm>
-          <a:off x="0" y="0"/>
-          <a:ext cx="0" cy="0"/>
-          <a:chOff x="0" y="0"/>
-          <a:chExt cx="0" cy="0"/>
-        </a:xfrm>
-      </p:grpSpPr>
-      <p:sp>
-        <p:nvSpPr>
-          <p:cNvPr id="2" name="标题 1"/>
-          <p:cNvSpPr>
-            <a:spLocks noGrp="1"/>
-          </p:cNvSpPr>
-          <p:nvPr>
-            <p:ph type="title"/>
-          </p:nvPr>
-        </p:nvSpPr>
-        <p:spPr/>
-        <p:txBody>
-          <a:bodyPr/>
-          <a:lstStyle/>
-          <a:p>
-            <a:r>
-              <a:rPr lang="en-US" altLang="zh-CN">
-                <a:sym typeface="+mn-ea"/>
-              </a:rPr>
-              <a:t>Tokenize</a:t>
-            </a:r>
-            <a:r>
-              <a:rPr lang="zh-CN" altLang="en-US">
-                <a:sym typeface="+mn-ea"/>
-              </a:rPr>
-              <a:t>模块</a:t>
-            </a:r>
-            <a:endParaRPr lang="zh-CN" altLang="en-US"/>
-          </a:p>
-        </p:txBody>
-      </p:sp>
-      <p:sp>
-        <p:nvSpPr>
-          <p:cNvPr id="3" name="内容占位符 2"/>
-          <p:cNvSpPr>
-            <a:spLocks noGrp="1"/>
-          </p:cNvSpPr>
-          <p:nvPr>
-            <p:ph idx="1"/>
-          </p:nvPr>
-        </p:nvSpPr>
-        <p:spPr/>
-        <p:txBody>
-          <a:bodyPr/>
-          <a:lstStyle/>
-          <a:p>
-            <a:r>
-              <a:rPr lang="zh-CN" altLang="en-US"/>
-              <a:t>由</a:t>
-            </a:r>
-            <a:r>
-              <a:rPr lang="en-US" altLang="zh-CN"/>
-              <a:t>Token</a:t>
-            </a:r>
-            <a:r>
-              <a:rPr lang="zh-CN" altLang="en-US"/>
-              <a:t>构成图型数据</a:t>
-            </a:r>
-          </a:p>
-          <a:p>
-            <a:r>
-              <a:rPr lang="en-US" altLang="zh-CN"/>
-              <a:t>Token</a:t>
-            </a:r>
-            <a:r>
-              <a:rPr lang="zh-CN" altLang="en-US"/>
-              <a:t>间关系：</a:t>
-            </a:r>
-          </a:p>
-          <a:p>
-            <a:pPr lvl="1"/>
-            <a:r>
-              <a:rPr lang="zh-CN" altLang="en-US" sz="2400"/>
-              <a:t>前后顺序</a:t>
-            </a:r>
-          </a:p>
-          <a:p>
-            <a:pPr lvl="1"/>
-            <a:r>
-              <a:rPr lang="zh-CN" altLang="en-US" sz="2400"/>
-              <a:t>配对关系 </a:t>
-            </a:r>
-            <a:r>
-              <a:rPr lang="en-US" altLang="zh-CN" sz="2400"/>
-              <a:t>(link)</a:t>
-            </a:r>
-          </a:p>
-          <a:p>
-            <a:pPr lvl="1"/>
-            <a:r>
-              <a:rPr lang="en-US" altLang="zh-CN" sz="2400"/>
-              <a:t>Ast</a:t>
-            </a:r>
-            <a:r>
-              <a:rPr lang="zh-CN" altLang="en-US" sz="2400"/>
-              <a:t>关系：</a:t>
-            </a:r>
-            <a:r>
-              <a:rPr lang="en-US" altLang="zh-CN" sz="2400"/>
-              <a:t>parent</a:t>
-            </a:r>
-            <a:r>
-              <a:rPr lang="zh-CN" altLang="en-US" sz="2400"/>
-              <a:t>，左右操作数</a:t>
-            </a:r>
-          </a:p>
-          <a:p>
-            <a:pPr lvl="0"/>
-            <a:r>
-              <a:rPr lang="en-US" altLang="zh-CN" sz="2800"/>
-              <a:t>Token</a:t>
-            </a:r>
-            <a:r>
-              <a:rPr lang="zh-CN" altLang="en-US" sz="2800"/>
-              <a:t>形成流程：</a:t>
-            </a:r>
-          </a:p>
-          <a:p>
-            <a:pPr lvl="1"/>
-            <a:r>
-              <a:rPr lang="zh-CN" altLang="en-US" sz="2400"/>
-              <a:t>根据单词与单个符号分割</a:t>
-            </a:r>
-          </a:p>
-          <a:p>
-            <a:pPr lvl="1"/>
-            <a:r>
-              <a:rPr lang="zh-CN" altLang="en-US" sz="2400"/>
-              <a:t>连接前后匹配成对符号</a:t>
-            </a:r>
-          </a:p>
-          <a:p>
-            <a:pPr lvl="1"/>
-            <a:r>
-              <a:rPr lang="zh-CN" altLang="en-US" sz="2400"/>
-              <a:t>连接部分单个符号成为完整多字符操作符</a:t>
-            </a:r>
-          </a:p>
-          <a:p>
-            <a:pPr lvl="1"/>
-            <a:r>
-              <a:rPr lang="zh-CN" altLang="en-US" sz="2400"/>
-              <a:t>其他操作如简化单个操作内容，进行增添或删减</a:t>
-            </a:r>
-          </a:p>
-          <a:p>
-            <a:endParaRPr lang="zh-CN" altLang="en-US"/>
+            <a:endParaRPr lang="en-US" altLang="zh-CN"/>
           </a:p>
         </p:txBody>
       </p:sp>
@@ -12890,41 +13030,7 @@
           <a:p>
             <a:r>
               <a:rPr lang="zh-CN" altLang="en-US"/>
-              <a:t>抽象语法树</a:t>
-            </a:r>
-            <a:r>
-              <a:rPr lang="en-US" altLang="zh-CN"/>
-              <a:t>Ast</a:t>
-            </a:r>
-          </a:p>
-          <a:p>
-            <a:pPr lvl="1"/>
-            <a:r>
-              <a:rPr lang="zh-CN" altLang="en-US"/>
-              <a:t>在</a:t>
-            </a:r>
-            <a:r>
-              <a:rPr lang="en-US" altLang="zh-CN"/>
-              <a:t>SymbolDatabase</a:t>
-            </a:r>
-            <a:r>
-              <a:rPr lang="zh-CN" altLang="en-US"/>
-              <a:t>建立后分析，此时所有</a:t>
-            </a:r>
-            <a:r>
-              <a:rPr lang="en-US" altLang="zh-CN"/>
-              <a:t>token</a:t>
-            </a:r>
-            <a:r>
-              <a:rPr lang="zh-CN" altLang="en-US"/>
-              <a:t>都已分析出含义</a:t>
-            </a:r>
-          </a:p>
-          <a:p>
-            <a:pPr lvl="1"/>
-            <a:r>
-              <a:rPr lang="zh-CN" altLang="en-US"/>
-              <a:t>按顺序枚举</a:t>
+              <a:t>由</a:t>
             </a:r>
             <a:r>
               <a:rPr lang="en-US" altLang="zh-CN"/>
@@ -12932,12 +13038,107 @@
             </a:r>
             <a:r>
               <a:rPr lang="zh-CN" altLang="en-US"/>
-              <a:t>，按语法依赖顺序递归编译规则，按规则定义推进编译子语法，或者将已经编译的语法树设为子树</a:t>
-            </a:r>
+              <a:t>构成图型数据</a:t>
+            </a:r>
+            <a:endParaRPr lang="zh-CN" altLang="en-US"/>
+          </a:p>
+          <a:p>
+            <a:r>
+              <a:rPr lang="en-US" altLang="zh-CN"/>
+              <a:t>Token</a:t>
+            </a:r>
+            <a:r>
+              <a:rPr lang="zh-CN" altLang="en-US"/>
+              <a:t>间关系：</a:t>
+            </a:r>
+            <a:endParaRPr lang="zh-CN" altLang="en-US"/>
+          </a:p>
+          <a:p>
+            <a:pPr lvl="1"/>
+            <a:r>
+              <a:rPr lang="zh-CN" altLang="en-US" sz="2400"/>
+              <a:t>前后顺序</a:t>
+            </a:r>
+            <a:endParaRPr lang="zh-CN" altLang="en-US" sz="2400"/>
+          </a:p>
+          <a:p>
+            <a:pPr lvl="1"/>
+            <a:r>
+              <a:rPr lang="zh-CN" altLang="en-US" sz="2400"/>
+              <a:t>配对关系 </a:t>
+            </a:r>
+            <a:r>
+              <a:rPr lang="en-US" altLang="zh-CN" sz="2400"/>
+              <a:t>(link)</a:t>
+            </a:r>
+            <a:endParaRPr lang="en-US" altLang="zh-CN" sz="2400"/>
+          </a:p>
+          <a:p>
+            <a:pPr lvl="1"/>
+            <a:r>
+              <a:rPr lang="en-US" altLang="zh-CN" sz="2400"/>
+              <a:t>Ast</a:t>
+            </a:r>
+            <a:r>
+              <a:rPr lang="zh-CN" altLang="en-US" sz="2400"/>
+              <a:t>关系：</a:t>
+            </a:r>
+            <a:r>
+              <a:rPr lang="en-US" altLang="zh-CN" sz="2400"/>
+              <a:t>parent</a:t>
+            </a:r>
+            <a:r>
+              <a:rPr lang="zh-CN" altLang="en-US" sz="2400"/>
+              <a:t>，左右操作数</a:t>
+            </a:r>
+            <a:endParaRPr lang="zh-CN" altLang="en-US" sz="2400"/>
           </a:p>
           <a:p>
             <a:pPr lvl="0"/>
-            <a:endParaRPr lang="en-US" altLang="zh-CN"/>
+            <a:r>
+              <a:rPr lang="en-US" altLang="zh-CN" sz="2800"/>
+              <a:t>Token</a:t>
+            </a:r>
+            <a:r>
+              <a:rPr lang="zh-CN" altLang="en-US" sz="2800"/>
+              <a:t>形成流程：</a:t>
+            </a:r>
+            <a:endParaRPr lang="zh-CN" altLang="en-US" sz="2800"/>
+          </a:p>
+          <a:p>
+            <a:pPr lvl="1"/>
+            <a:r>
+              <a:rPr lang="zh-CN" altLang="en-US" sz="2400"/>
+              <a:t>根据单词与单个符号分割</a:t>
+            </a:r>
+            <a:endParaRPr lang="zh-CN" altLang="en-US" sz="2400"/>
+          </a:p>
+          <a:p>
+            <a:pPr lvl="1"/>
+            <a:r>
+              <a:rPr lang="zh-CN" altLang="en-US" sz="2400"/>
+              <a:t>连接前后匹配成对符号</a:t>
+            </a:r>
+            <a:endParaRPr lang="zh-CN" altLang="en-US" sz="2400"/>
+          </a:p>
+          <a:p>
+            <a:pPr lvl="1"/>
+            <a:r>
+              <a:rPr lang="zh-CN" altLang="en-US" sz="2400"/>
+              <a:t>连接部分单个符号成为完整多字符操作符</a:t>
+            </a:r>
+            <a:endParaRPr lang="zh-CN" altLang="en-US" sz="2400"/>
+          </a:p>
+          <a:p>
+            <a:pPr lvl="1"/>
+            <a:r>
+              <a:rPr lang="zh-CN" altLang="en-US" sz="2400"/>
+              <a:t>其他操作如简化单个操作内容，进行增添或删减</a:t>
+            </a:r>
+            <a:endParaRPr lang="zh-CN" altLang="en-US" sz="2400"/>
+          </a:p>
+          <a:p>
+            <a:endParaRPr lang="zh-CN" altLang="en-US"/>
           </a:p>
         </p:txBody>
       </p:sp>
@@ -13054,7 +13255,7 @@
           <p:nvPr/>
         </p:nvPicPr>
         <p:blipFill>
-          <a:blip r:embed="rId2">
+          <a:blip r:embed="rId1">
             <a:extLst>
               <a:ext uri="{28A0092B-C50C-407E-A947-70E740481C1C}">
                 <a14:useLocalDpi xmlns:a14="http://schemas.microsoft.com/office/drawing/2010/main" val="0"/>
@@ -13076,11 +13277,6 @@
         </p:spPr>
       </p:pic>
     </p:spTree>
-    <p:extLst>
-      <p:ext uri="{BB962C8B-B14F-4D97-AF65-F5344CB8AC3E}">
-        <p14:creationId xmlns:p14="http://schemas.microsoft.com/office/powerpoint/2010/main" val="1112605275"/>
-      </p:ext>
-    </p:extLst>
   </p:cSld>
   <p:clrMapOvr>
     <a:masterClrMapping/>
@@ -13221,6 +13417,140 @@
             <p:ph idx="1"/>
           </p:nvPr>
         </p:nvSpPr>
+        <p:spPr/>
+        <p:txBody>
+          <a:bodyPr/>
+          <a:lstStyle/>
+          <a:p>
+            <a:r>
+              <a:rPr lang="zh-CN" altLang="en-US"/>
+              <a:t>抽象语法树</a:t>
+            </a:r>
+            <a:r>
+              <a:rPr lang="en-US" altLang="zh-CN"/>
+              <a:t>Ast</a:t>
+            </a:r>
+            <a:endParaRPr lang="en-US" altLang="zh-CN"/>
+          </a:p>
+          <a:p>
+            <a:pPr lvl="1"/>
+            <a:r>
+              <a:rPr lang="zh-CN" altLang="en-US"/>
+              <a:t>在</a:t>
+            </a:r>
+            <a:r>
+              <a:rPr lang="en-US" altLang="zh-CN"/>
+              <a:t>SymbolDatabase</a:t>
+            </a:r>
+            <a:r>
+              <a:rPr lang="zh-CN" altLang="en-US"/>
+              <a:t>建立后分析，此时所有</a:t>
+            </a:r>
+            <a:r>
+              <a:rPr lang="en-US" altLang="zh-CN"/>
+              <a:t>token</a:t>
+            </a:r>
+            <a:r>
+              <a:rPr lang="zh-CN" altLang="en-US"/>
+              <a:t>都已分析出含义</a:t>
+            </a:r>
+            <a:endParaRPr lang="zh-CN" altLang="en-US"/>
+          </a:p>
+          <a:p>
+            <a:pPr lvl="1"/>
+            <a:r>
+              <a:rPr lang="zh-CN" altLang="en-US"/>
+              <a:t>按顺序枚举</a:t>
+            </a:r>
+            <a:r>
+              <a:rPr lang="en-US" altLang="zh-CN"/>
+              <a:t>Token</a:t>
+            </a:r>
+            <a:r>
+              <a:rPr lang="zh-CN" altLang="en-US"/>
+              <a:t>，按语法依赖顺序递归编译规则，按规则定义推进编译子语法，或者将已经编译的语法树设为子树</a:t>
+            </a:r>
+            <a:endParaRPr lang="zh-CN" altLang="en-US"/>
+          </a:p>
+          <a:p>
+            <a:pPr lvl="0"/>
+            <a:endParaRPr lang="en-US" altLang="zh-CN"/>
+          </a:p>
+        </p:txBody>
+      </p:sp>
+    </p:spTree>
+  </p:cSld>
+  <p:clrMapOvr>
+    <a:masterClrMapping/>
+  </p:clrMapOvr>
+  <p:timing>
+    <p:tnLst>
+      <p:par>
+        <p:cTn id="1" dur="indefinite" restart="never" nodeType="tmRoot"/>
+      </p:par>
+    </p:tnLst>
+  </p:timing>
+</p:sld>
+</file>
+
+<file path=ppt/slides/slide31.xml><?xml version="1.0" encoding="utf-8"?>
+<p:sld xmlns:a="http://schemas.openxmlformats.org/drawingml/2006/main" xmlns:r="http://schemas.openxmlformats.org/officeDocument/2006/relationships" xmlns:p="http://schemas.openxmlformats.org/presentationml/2006/main">
+  <p:cSld>
+    <p:spTree>
+      <p:nvGrpSpPr>
+        <p:cNvPr id="1" name=""/>
+        <p:cNvGrpSpPr/>
+        <p:nvPr/>
+      </p:nvGrpSpPr>
+      <p:grpSpPr>
+        <a:xfrm>
+          <a:off x="0" y="0"/>
+          <a:ext cx="0" cy="0"/>
+          <a:chOff x="0" y="0"/>
+          <a:chExt cx="0" cy="0"/>
+        </a:xfrm>
+      </p:grpSpPr>
+      <p:sp>
+        <p:nvSpPr>
+          <p:cNvPr id="2" name="标题 1"/>
+          <p:cNvSpPr>
+            <a:spLocks noGrp="1"/>
+          </p:cNvSpPr>
+          <p:nvPr>
+            <p:ph type="title"/>
+          </p:nvPr>
+        </p:nvSpPr>
+        <p:spPr/>
+        <p:txBody>
+          <a:bodyPr/>
+          <a:lstStyle/>
+          <a:p>
+            <a:r>
+              <a:rPr lang="en-US" altLang="zh-CN">
+                <a:sym typeface="+mn-ea"/>
+              </a:rPr>
+              <a:t>Tokenize</a:t>
+            </a:r>
+            <a:r>
+              <a:rPr lang="zh-CN" altLang="en-US">
+                <a:sym typeface="+mn-ea"/>
+              </a:rPr>
+              <a:t>模块</a:t>
+            </a:r>
+            <a:endParaRPr lang="zh-CN" altLang="en-US"/>
+          </a:p>
+        </p:txBody>
+      </p:sp>
+      <p:sp>
+        <p:nvSpPr>
+          <p:cNvPr id="3" name="内容占位符 2"/>
+          <p:cNvSpPr>
+            <a:spLocks noGrp="1"/>
+          </p:cNvSpPr>
+          <p:nvPr>
+            <p:ph idx="1"/>
+          </p:nvPr>
+        </p:nvSpPr>
         <p:spPr>
           <a:xfrm>
             <a:off x="1120775" y="1825625"/>
@@ -13235,6 +13565,7 @@
               <a:rPr lang="zh-CN"/>
               <a:t>样例数据</a:t>
             </a:r>
+            <a:endParaRPr lang="zh-CN"/>
           </a:p>
           <a:p>
             <a:pPr marL="457200" lvl="1" indent="0">
@@ -13645,6 +13976,7 @@
               <a:rPr lang="zh-CN"/>
               <a:t>处理结果</a:t>
             </a:r>
+            <a:endParaRPr lang="zh-CN"/>
           </a:p>
           <a:p>
             <a:pPr marL="457200" lvl="1" indent="0">
@@ -14525,6 +14857,14 @@
               </a:rPr>
               <a:t>link</a:t>
             </a:r>
+            <a:endParaRPr lang="en-US" altLang="zh-CN">
+              <a:solidFill>
+                <a:schemeClr val="accent1">
+                  <a:lumMod val="60000"/>
+                  <a:lumOff val="40000"/>
+                </a:schemeClr>
+              </a:solidFill>
+            </a:endParaRPr>
           </a:p>
         </p:txBody>
       </p:sp>
@@ -14561,6 +14901,14 @@
               </a:rPr>
               <a:t>link</a:t>
             </a:r>
+            <a:endParaRPr lang="en-US" altLang="zh-CN">
+              <a:solidFill>
+                <a:schemeClr val="accent1">
+                  <a:lumMod val="60000"/>
+                  <a:lumOff val="40000"/>
+                </a:schemeClr>
+              </a:solidFill>
+            </a:endParaRPr>
           </a:p>
         </p:txBody>
       </p:sp>
@@ -14597,6 +14945,14 @@
               </a:rPr>
               <a:t>link</a:t>
             </a:r>
+            <a:endParaRPr lang="en-US" altLang="zh-CN">
+              <a:solidFill>
+                <a:schemeClr val="accent1">
+                  <a:lumMod val="60000"/>
+                  <a:lumOff val="40000"/>
+                </a:schemeClr>
+              </a:solidFill>
+            </a:endParaRPr>
           </a:p>
         </p:txBody>
       </p:sp>
@@ -14633,6 +14989,14 @@
               </a:rPr>
               <a:t>AST Opt</a:t>
             </a:r>
+            <a:endParaRPr lang="en-US" altLang="zh-CN">
+              <a:solidFill>
+                <a:schemeClr val="accent1">
+                  <a:lumMod val="60000"/>
+                  <a:lumOff val="40000"/>
+                </a:schemeClr>
+              </a:solidFill>
+            </a:endParaRPr>
           </a:p>
         </p:txBody>
       </p:sp>
@@ -14710,212 +15074,14 @@
               </a:rPr>
               <a:t>Addition</a:t>
             </a:r>
-          </a:p>
-        </p:txBody>
-      </p:sp>
-    </p:spTree>
-  </p:cSld>
-  <p:clrMapOvr>
-    <a:masterClrMapping/>
-  </p:clrMapOvr>
-  <p:timing>
-    <p:tnLst>
-      <p:par>
-        <p:cTn id="1" dur="indefinite" restart="never" nodeType="tmRoot"/>
-      </p:par>
-    </p:tnLst>
-  </p:timing>
-</p:sld>
-</file>
-
-<file path=ppt/slides/slide31.xml><?xml version="1.0" encoding="utf-8"?>
-<p:sld xmlns:a="http://schemas.openxmlformats.org/drawingml/2006/main" xmlns:r="http://schemas.openxmlformats.org/officeDocument/2006/relationships" xmlns:p="http://schemas.openxmlformats.org/presentationml/2006/main">
-  <p:cSld>
-    <p:spTree>
-      <p:nvGrpSpPr>
-        <p:cNvPr id="1" name=""/>
-        <p:cNvGrpSpPr/>
-        <p:nvPr/>
-      </p:nvGrpSpPr>
-      <p:grpSpPr>
-        <a:xfrm>
-          <a:off x="0" y="0"/>
-          <a:ext cx="0" cy="0"/>
-          <a:chOff x="0" y="0"/>
-          <a:chExt cx="0" cy="0"/>
-        </a:xfrm>
-      </p:grpSpPr>
-      <p:sp>
-        <p:nvSpPr>
-          <p:cNvPr id="2" name="标题 1"/>
-          <p:cNvSpPr>
-            <a:spLocks noGrp="1"/>
-          </p:cNvSpPr>
-          <p:nvPr>
-            <p:ph type="title"/>
-          </p:nvPr>
-        </p:nvSpPr>
-        <p:spPr/>
-        <p:txBody>
-          <a:bodyPr/>
-          <a:lstStyle/>
-          <a:p>
-            <a:r>
-              <a:rPr lang="en-US" altLang="zh-CN">
-                <a:sym typeface="+mn-ea"/>
-              </a:rPr>
-              <a:t>SymbolDB</a:t>
-            </a:r>
-            <a:r>
-              <a:rPr lang="zh-CN" altLang="en-US">
-                <a:sym typeface="+mn-ea"/>
-              </a:rPr>
-              <a:t>模块</a:t>
-            </a:r>
-            <a:endParaRPr lang="zh-CN" altLang="en-US"/>
-          </a:p>
-        </p:txBody>
-      </p:sp>
-      <p:sp>
-        <p:nvSpPr>
-          <p:cNvPr id="3" name="内容占位符 2"/>
-          <p:cNvSpPr>
-            <a:spLocks noGrp="1"/>
-          </p:cNvSpPr>
-          <p:nvPr>
-            <p:ph idx="1"/>
-          </p:nvPr>
-        </p:nvSpPr>
-        <p:spPr>
-          <a:xfrm>
-            <a:off x="1120140" y="1826895"/>
-            <a:ext cx="10233660" cy="4643755"/>
-          </a:xfrm>
-        </p:spPr>
-        <p:txBody>
-          <a:bodyPr>
-            <a:normAutofit/>
-          </a:bodyPr>
-          <a:lstStyle/>
-          <a:p>
-            <a:r>
-              <a:rPr lang="zh-CN" altLang="en-US"/>
-              <a:t>部分符号定义</a:t>
-            </a:r>
-          </a:p>
-          <a:p>
-            <a:pPr lvl="1"/>
-            <a:r>
-              <a:rPr lang="en-US" altLang="zh-CN"/>
-              <a:t>Scope</a:t>
-            </a:r>
-          </a:p>
-          <a:p>
-            <a:pPr lvl="2"/>
-            <a:r>
-              <a:rPr lang="zh-CN" altLang="en-US"/>
-              <a:t>定义域，范围最广概括性最强，可能和其他单个符号挂钩，同时描述所有内部包含的符号</a:t>
-            </a:r>
-          </a:p>
-          <a:p>
-            <a:pPr lvl="2"/>
-            <a:r>
-              <a:rPr lang="en-US" altLang="zh-CN"/>
-              <a:t>Scope</a:t>
-            </a:r>
-            <a:r>
-              <a:rPr lang="zh-CN" altLang="en-US"/>
-              <a:t>间构成嵌套</a:t>
-            </a:r>
-            <a:r>
-              <a:rPr lang="en-US" altLang="zh-CN">
-                <a:sym typeface="+mn-ea"/>
-              </a:rPr>
-              <a:t>(nested)</a:t>
-            </a:r>
-            <a:r>
-              <a:rPr lang="zh-CN" altLang="en-US"/>
-              <a:t>关系</a:t>
-            </a:r>
-            <a:endParaRPr lang="en-US" altLang="zh-CN"/>
-          </a:p>
-          <a:p>
-            <a:pPr lvl="1"/>
-            <a:r>
-              <a:rPr lang="en-US" altLang="zh-CN"/>
-              <a:t>Function</a:t>
-            </a:r>
-          </a:p>
-          <a:p>
-            <a:pPr lvl="2"/>
-            <a:r>
-              <a:rPr lang="zh-CN" altLang="en-US"/>
-              <a:t>几乎完全伴随</a:t>
-            </a:r>
-            <a:r>
-              <a:rPr lang="en-US" altLang="zh-CN"/>
-              <a:t>Scope</a:t>
-            </a:r>
-            <a:r>
-              <a:rPr lang="zh-CN" altLang="en-US"/>
-              <a:t>出现，因为有参数与</a:t>
-            </a:r>
-            <a:r>
-              <a:rPr lang="en-US" altLang="zh-CN"/>
-              <a:t>Variable</a:t>
-            </a:r>
-            <a:r>
-              <a:rPr lang="zh-CN" altLang="en-US"/>
-              <a:t>相关</a:t>
-            </a:r>
-          </a:p>
-          <a:p>
-            <a:pPr lvl="1"/>
-            <a:r>
-              <a:rPr lang="en-US" altLang="zh-CN"/>
-              <a:t>Type</a:t>
-            </a:r>
-          </a:p>
-          <a:p>
-            <a:pPr lvl="2"/>
-            <a:r>
-              <a:rPr lang="zh-CN" altLang="en-US"/>
-              <a:t>描述一个类（不是类型），完全 伴随相应</a:t>
-            </a:r>
-            <a:r>
-              <a:rPr lang="en-US" altLang="zh-CN"/>
-              <a:t>Scope</a:t>
-            </a:r>
-          </a:p>
-          <a:p>
-            <a:pPr lvl="1"/>
-            <a:r>
-              <a:rPr lang="en-US" altLang="zh-CN"/>
-              <a:t>Variable</a:t>
-            </a:r>
-          </a:p>
-          <a:p>
-            <a:pPr lvl="2"/>
-            <a:r>
-              <a:rPr lang="zh-CN" altLang="en-US" sz="2000"/>
-              <a:t>描述一个变量，可能在源码中有多处对应</a:t>
-            </a:r>
-          </a:p>
-          <a:p>
-            <a:pPr lvl="2"/>
-            <a:r>
-              <a:rPr lang="zh-CN" altLang="en-US"/>
-              <a:t>一定属于一种定义域，对应一种类型（</a:t>
-            </a:r>
-            <a:r>
-              <a:rPr lang="en-US" altLang="zh-CN"/>
-              <a:t>Type</a:t>
-            </a:r>
-            <a:r>
-              <a:rPr lang="zh-CN" altLang="en-US"/>
-              <a:t>或枚举表示的基础类型）</a:t>
-            </a:r>
-            <a:endParaRPr lang="en-US" altLang="zh-CN"/>
+            <a:endParaRPr lang="en-US" altLang="zh-CN">
+              <a:solidFill>
+                <a:schemeClr val="accent1">
+                  <a:lumMod val="60000"/>
+                  <a:lumOff val="40000"/>
+                </a:schemeClr>
+              </a:solidFill>
+            </a:endParaRPr>
           </a:p>
         </p:txBody>
       </p:sp>
@@ -14994,6 +15160,221 @@
         </p:nvSpPr>
         <p:spPr>
           <a:xfrm>
+            <a:off x="1120140" y="1826895"/>
+            <a:ext cx="10233660" cy="4643755"/>
+          </a:xfrm>
+        </p:spPr>
+        <p:txBody>
+          <a:bodyPr>
+            <a:normAutofit/>
+          </a:bodyPr>
+          <a:lstStyle/>
+          <a:p>
+            <a:r>
+              <a:rPr lang="zh-CN" altLang="en-US"/>
+              <a:t>部分符号定义</a:t>
+            </a:r>
+            <a:endParaRPr lang="zh-CN" altLang="en-US"/>
+          </a:p>
+          <a:p>
+            <a:pPr lvl="1"/>
+            <a:r>
+              <a:rPr lang="en-US" altLang="zh-CN"/>
+              <a:t>Scope</a:t>
+            </a:r>
+            <a:endParaRPr lang="en-US" altLang="zh-CN"/>
+          </a:p>
+          <a:p>
+            <a:pPr lvl="2"/>
+            <a:r>
+              <a:rPr lang="zh-CN" altLang="en-US"/>
+              <a:t>定义域，范围最广概括性最强，可能和其他单个符号挂钩，同时描述所有内部包含的符号</a:t>
+            </a:r>
+            <a:endParaRPr lang="zh-CN" altLang="en-US"/>
+          </a:p>
+          <a:p>
+            <a:pPr lvl="2"/>
+            <a:r>
+              <a:rPr lang="en-US" altLang="zh-CN"/>
+              <a:t>Scope</a:t>
+            </a:r>
+            <a:r>
+              <a:rPr lang="zh-CN" altLang="en-US"/>
+              <a:t>间构成嵌套</a:t>
+            </a:r>
+            <a:r>
+              <a:rPr lang="en-US" altLang="zh-CN">
+                <a:sym typeface="+mn-ea"/>
+              </a:rPr>
+              <a:t>(nested)</a:t>
+            </a:r>
+            <a:r>
+              <a:rPr lang="zh-CN" altLang="en-US"/>
+              <a:t>关系</a:t>
+            </a:r>
+            <a:endParaRPr lang="en-US" altLang="zh-CN"/>
+          </a:p>
+          <a:p>
+            <a:pPr lvl="1"/>
+            <a:r>
+              <a:rPr lang="en-US" altLang="zh-CN"/>
+              <a:t>Function</a:t>
+            </a:r>
+            <a:endParaRPr lang="en-US" altLang="zh-CN"/>
+          </a:p>
+          <a:p>
+            <a:pPr lvl="2"/>
+            <a:r>
+              <a:rPr lang="zh-CN" altLang="en-US"/>
+              <a:t>几乎完全伴随</a:t>
+            </a:r>
+            <a:r>
+              <a:rPr lang="en-US" altLang="zh-CN"/>
+              <a:t>Scope</a:t>
+            </a:r>
+            <a:r>
+              <a:rPr lang="zh-CN" altLang="en-US"/>
+              <a:t>出现，因为有参数与</a:t>
+            </a:r>
+            <a:r>
+              <a:rPr lang="en-US" altLang="zh-CN"/>
+              <a:t>Variable</a:t>
+            </a:r>
+            <a:r>
+              <a:rPr lang="zh-CN" altLang="en-US"/>
+              <a:t>相关</a:t>
+            </a:r>
+            <a:endParaRPr lang="zh-CN" altLang="en-US"/>
+          </a:p>
+          <a:p>
+            <a:pPr lvl="1"/>
+            <a:r>
+              <a:rPr lang="en-US" altLang="zh-CN"/>
+              <a:t>Type</a:t>
+            </a:r>
+            <a:endParaRPr lang="en-US" altLang="zh-CN"/>
+          </a:p>
+          <a:p>
+            <a:pPr lvl="2"/>
+            <a:r>
+              <a:rPr lang="zh-CN" altLang="en-US"/>
+              <a:t>描述一个类（不是类型），完全 伴随相应</a:t>
+            </a:r>
+            <a:r>
+              <a:rPr lang="en-US" altLang="zh-CN"/>
+              <a:t>Scope</a:t>
+            </a:r>
+            <a:endParaRPr lang="en-US" altLang="zh-CN"/>
+          </a:p>
+          <a:p>
+            <a:pPr lvl="1"/>
+            <a:r>
+              <a:rPr lang="en-US" altLang="zh-CN"/>
+              <a:t>Variable</a:t>
+            </a:r>
+            <a:endParaRPr lang="en-US" altLang="zh-CN"/>
+          </a:p>
+          <a:p>
+            <a:pPr lvl="2"/>
+            <a:r>
+              <a:rPr lang="zh-CN" altLang="en-US" sz="2000"/>
+              <a:t>描述一个变量，可能在源码中有多处对应</a:t>
+            </a:r>
+            <a:endParaRPr lang="zh-CN" altLang="en-US" sz="2000"/>
+          </a:p>
+          <a:p>
+            <a:pPr lvl="2"/>
+            <a:r>
+              <a:rPr lang="zh-CN" altLang="en-US"/>
+              <a:t>一定属于一种定义域，对应一种类型（</a:t>
+            </a:r>
+            <a:r>
+              <a:rPr lang="en-US" altLang="zh-CN"/>
+              <a:t>Type</a:t>
+            </a:r>
+            <a:r>
+              <a:rPr lang="zh-CN" altLang="en-US"/>
+              <a:t>或枚举表示的基础类型）</a:t>
+            </a:r>
+            <a:endParaRPr lang="en-US" altLang="zh-CN"/>
+          </a:p>
+        </p:txBody>
+      </p:sp>
+    </p:spTree>
+  </p:cSld>
+  <p:clrMapOvr>
+    <a:masterClrMapping/>
+  </p:clrMapOvr>
+  <p:timing>
+    <p:tnLst>
+      <p:par>
+        <p:cTn id="1" dur="indefinite" restart="never" nodeType="tmRoot"/>
+      </p:par>
+    </p:tnLst>
+  </p:timing>
+</p:sld>
+</file>
+
+<file path=ppt/slides/slide33.xml><?xml version="1.0" encoding="utf-8"?>
+<p:sld xmlns:a="http://schemas.openxmlformats.org/drawingml/2006/main" xmlns:r="http://schemas.openxmlformats.org/officeDocument/2006/relationships" xmlns:p="http://schemas.openxmlformats.org/presentationml/2006/main">
+  <p:cSld>
+    <p:spTree>
+      <p:nvGrpSpPr>
+        <p:cNvPr id="1" name=""/>
+        <p:cNvGrpSpPr/>
+        <p:nvPr/>
+      </p:nvGrpSpPr>
+      <p:grpSpPr>
+        <a:xfrm>
+          <a:off x="0" y="0"/>
+          <a:ext cx="0" cy="0"/>
+          <a:chOff x="0" y="0"/>
+          <a:chExt cx="0" cy="0"/>
+        </a:xfrm>
+      </p:grpSpPr>
+      <p:sp>
+        <p:nvSpPr>
+          <p:cNvPr id="2" name="标题 1"/>
+          <p:cNvSpPr>
+            <a:spLocks noGrp="1"/>
+          </p:cNvSpPr>
+          <p:nvPr>
+            <p:ph type="title"/>
+          </p:nvPr>
+        </p:nvSpPr>
+        <p:spPr/>
+        <p:txBody>
+          <a:bodyPr/>
+          <a:lstStyle/>
+          <a:p>
+            <a:r>
+              <a:rPr lang="en-US" altLang="zh-CN">
+                <a:sym typeface="+mn-ea"/>
+              </a:rPr>
+              <a:t>SymbolDB</a:t>
+            </a:r>
+            <a:r>
+              <a:rPr lang="zh-CN" altLang="en-US">
+                <a:sym typeface="+mn-ea"/>
+              </a:rPr>
+              <a:t>模块</a:t>
+            </a:r>
+            <a:endParaRPr lang="zh-CN" altLang="en-US"/>
+          </a:p>
+        </p:txBody>
+      </p:sp>
+      <p:sp>
+        <p:nvSpPr>
+          <p:cNvPr id="3" name="内容占位符 2"/>
+          <p:cNvSpPr>
+            <a:spLocks noGrp="1"/>
+          </p:cNvSpPr>
+          <p:nvPr>
+            <p:ph idx="1"/>
+          </p:nvPr>
+        </p:nvSpPr>
+        <p:spPr>
+          <a:xfrm>
             <a:off x="1120775" y="1826260"/>
             <a:ext cx="1839595" cy="516255"/>
           </a:xfrm>
@@ -15006,6 +15387,7 @@
               <a:rPr lang="zh-CN" altLang="en-US"/>
               <a:t>类关系</a:t>
             </a:r>
+            <a:endParaRPr lang="zh-CN" altLang="en-US"/>
           </a:p>
         </p:txBody>
       </p:sp>
@@ -15063,6 +15445,7 @@
                 <a:rPr lang="en-US" altLang="zh-CN"/>
                 <a:t>Scope</a:t>
               </a:r>
+              <a:endParaRPr lang="en-US" altLang="zh-CN"/>
             </a:p>
             <a:p>
               <a:pPr algn="ctr"/>
@@ -15074,6 +15457,7 @@
                 <a:rPr lang="en-US" altLang="zh-CN"/>
                 <a:t>-funcList -varList</a:t>
               </a:r>
+              <a:endParaRPr lang="en-US" altLang="zh-CN"/>
             </a:p>
             <a:p>
               <a:pPr algn="ctr"/>
@@ -15081,6 +15465,7 @@
                 <a:rPr lang="en-US" altLang="zh-CN"/>
                 <a:t>-definedTypes</a:t>
               </a:r>
+              <a:endParaRPr lang="en-US" altLang="zh-CN"/>
             </a:p>
             <a:p>
               <a:pPr algn="ctr"/>
@@ -15088,6 +15473,7 @@
                 <a:rPr lang="en-US" altLang="zh-CN"/>
                 <a:t>-nest</a:t>
               </a:r>
+              <a:endParaRPr lang="en-US" altLang="zh-CN"/>
             </a:p>
           </p:txBody>
         </p:sp>
@@ -15131,6 +15517,7 @@
                 <a:rPr lang="en-US" altLang="zh-CN"/>
                 <a:t>Variable</a:t>
               </a:r>
+              <a:endParaRPr lang="en-US" altLang="zh-CN"/>
             </a:p>
             <a:p>
               <a:pPr algn="ctr"/>
@@ -15142,6 +15529,7 @@
                 <a:rPr lang="en-US" altLang="zh-CN"/>
                 <a:t>-type</a:t>
               </a:r>
+              <a:endParaRPr lang="en-US" altLang="zh-CN"/>
             </a:p>
             <a:p>
               <a:pPr algn="ctr"/>
@@ -15149,6 +15537,7 @@
                 <a:rPr lang="en-US" altLang="zh-CN"/>
                 <a:t>-scope</a:t>
               </a:r>
+              <a:endParaRPr lang="en-US" altLang="zh-CN"/>
             </a:p>
           </p:txBody>
         </p:sp>
@@ -15192,6 +15581,7 @@
                 <a:rPr lang="en-US" altLang="zh-CN"/>
                 <a:t>Function</a:t>
               </a:r>
+              <a:endParaRPr lang="en-US" altLang="zh-CN"/>
             </a:p>
             <a:p>
               <a:pPr algn="ctr"/>
@@ -15203,6 +15593,7 @@
                 <a:rPr lang="en-US" altLang="zh-CN"/>
                 <a:t>-retType -classType</a:t>
               </a:r>
+              <a:endParaRPr lang="en-US" altLang="zh-CN"/>
             </a:p>
             <a:p>
               <a:pPr algn="ctr"/>
@@ -15210,6 +15601,7 @@
                 <a:rPr lang="en-US" altLang="zh-CN"/>
                 <a:t>-argList</a:t>
               </a:r>
+              <a:endParaRPr lang="en-US" altLang="zh-CN"/>
             </a:p>
             <a:p>
               <a:pPr algn="ctr"/>
@@ -15217,6 +15609,7 @@
                 <a:rPr lang="en-US" altLang="zh-CN"/>
                 <a:t>-funcScope -nestIn </a:t>
               </a:r>
+              <a:endParaRPr lang="en-US" altLang="zh-CN"/>
             </a:p>
           </p:txBody>
         </p:sp>
@@ -15260,6 +15653,7 @@
                 <a:rPr lang="en-US" altLang="zh-CN"/>
                 <a:t>Type</a:t>
               </a:r>
+              <a:endParaRPr lang="en-US" altLang="zh-CN"/>
             </a:p>
             <a:p>
               <a:pPr algn="ctr"/>
@@ -15271,6 +15665,7 @@
                 <a:rPr lang="en-US" altLang="zh-CN"/>
                 <a:t>-typeScope</a:t>
               </a:r>
+              <a:endParaRPr lang="en-US" altLang="zh-CN"/>
             </a:p>
             <a:p>
               <a:pPr algn="ctr"/>
@@ -15278,6 +15673,7 @@
                 <a:rPr lang="en-US" altLang="zh-CN"/>
                 <a:t>-nestIn</a:t>
               </a:r>
+              <a:endParaRPr lang="en-US" altLang="zh-CN"/>
             </a:p>
             <a:p>
               <a:pPr algn="ctr"/>
@@ -15285,6 +15681,7 @@
                 <a:rPr lang="en-US" altLang="zh-CN"/>
                 <a:t>-baseInfo</a:t>
               </a:r>
+              <a:endParaRPr lang="en-US" altLang="zh-CN"/>
             </a:p>
             <a:p>
               <a:pPr algn="ctr"/>
@@ -15292,6 +15689,7 @@
                 <a:rPr lang="en-US" altLang="zh-CN"/>
                 <a:t>-friendInfo</a:t>
               </a:r>
+              <a:endParaRPr lang="en-US" altLang="zh-CN"/>
             </a:p>
           </p:txBody>
         </p:sp>
@@ -15885,7 +16283,7 @@
 </p:sld>
 </file>
 
-<file path=ppt/slides/slide33.xml><?xml version="1.0" encoding="utf-8"?>
+<file path=ppt/slides/slide34.xml><?xml version="1.0" encoding="utf-8"?>
 <p:sld xmlns:a="http://schemas.openxmlformats.org/drawingml/2006/main" xmlns:r="http://schemas.openxmlformats.org/officeDocument/2006/relationships" xmlns:p="http://schemas.openxmlformats.org/presentationml/2006/main">
   <p:cSld>
     <p:spTree>
@@ -15959,6 +16357,7 @@
               <a:rPr lang="en-US" altLang="zh-CN" sz="2400"/>
               <a:t>functionList</a:t>
             </a:r>
+            <a:endParaRPr lang="en-US" altLang="zh-CN" sz="2400"/>
           </a:p>
         </p:txBody>
       </p:sp>
@@ -15988,6 +16387,7 @@
               <a:rPr lang="en-US" altLang="zh-CN" sz="2400"/>
               <a:t>varList</a:t>
             </a:r>
+            <a:endParaRPr lang="en-US" altLang="zh-CN" sz="2400"/>
           </a:p>
         </p:txBody>
       </p:sp>
@@ -16017,6 +16417,7 @@
               <a:rPr lang="en-US" altLang="zh-CN" sz="2400"/>
               <a:t>scopes</a:t>
             </a:r>
+            <a:endParaRPr lang="en-US" altLang="zh-CN" sz="2400"/>
           </a:p>
         </p:txBody>
       </p:sp>
@@ -16060,6 +16461,7 @@
               <a:rPr lang="en-US" altLang="zh-CN"/>
               <a:t>Global</a:t>
             </a:r>
+            <a:endParaRPr lang="en-US" altLang="zh-CN"/>
           </a:p>
         </p:txBody>
       </p:sp>
@@ -16103,6 +16505,7 @@
               <a:rPr lang="en-US" altLang="zh-CN"/>
               <a:t>main{}</a:t>
             </a:r>
+            <a:endParaRPr lang="en-US" altLang="zh-CN"/>
           </a:p>
         </p:txBody>
       </p:sp>
@@ -16146,6 +16549,7 @@
               <a:rPr lang="en-US" altLang="zh-CN"/>
               <a:t>int main()</a:t>
             </a:r>
+            <a:endParaRPr lang="en-US" altLang="zh-CN"/>
           </a:p>
         </p:txBody>
       </p:sp>
@@ -16189,6 +16593,7 @@
               <a:rPr lang="en-US" altLang="zh-CN"/>
               <a:t>int* p1</a:t>
             </a:r>
+            <a:endParaRPr lang="en-US" altLang="zh-CN"/>
           </a:p>
         </p:txBody>
       </p:sp>
@@ -16530,6 +16935,14 @@
               </a:rPr>
               <a:t>nested</a:t>
             </a:r>
+            <a:endParaRPr lang="en-US" altLang="zh-CN">
+              <a:solidFill>
+                <a:schemeClr val="accent1">
+                  <a:lumMod val="60000"/>
+                  <a:lumOff val="40000"/>
+                </a:schemeClr>
+              </a:solidFill>
+            </a:endParaRPr>
           </a:p>
         </p:txBody>
       </p:sp>
@@ -16566,6 +16979,14 @@
               </a:rPr>
               <a:t>nest</a:t>
             </a:r>
+            <a:endParaRPr lang="en-US" altLang="zh-CN">
+              <a:solidFill>
+                <a:schemeClr val="accent3">
+                  <a:lumMod val="60000"/>
+                  <a:lumOff val="40000"/>
+                </a:schemeClr>
+              </a:solidFill>
+            </a:endParaRPr>
           </a:p>
         </p:txBody>
       </p:sp>
@@ -16602,6 +17023,14 @@
               </a:rPr>
               <a:t>defineScope</a:t>
             </a:r>
+            <a:endParaRPr lang="en-US" altLang="zh-CN">
+              <a:solidFill>
+                <a:schemeClr val="accent1">
+                  <a:lumMod val="60000"/>
+                  <a:lumOff val="40000"/>
+                </a:schemeClr>
+              </a:solidFill>
+            </a:endParaRPr>
           </a:p>
         </p:txBody>
       </p:sp>
@@ -16638,6 +17067,14 @@
               </a:rPr>
               <a:t>funcList</a:t>
             </a:r>
+            <a:endParaRPr lang="en-US" altLang="zh-CN">
+              <a:solidFill>
+                <a:schemeClr val="accent1">
+                  <a:lumMod val="60000"/>
+                  <a:lumOff val="40000"/>
+                </a:schemeClr>
+              </a:solidFill>
+            </a:endParaRPr>
           </a:p>
         </p:txBody>
       </p:sp>
@@ -16674,6 +17111,14 @@
               </a:rPr>
               <a:t>scope</a:t>
             </a:r>
+            <a:endParaRPr lang="en-US" altLang="zh-CN">
+              <a:solidFill>
+                <a:schemeClr val="accent5">
+                  <a:lumMod val="60000"/>
+                  <a:lumOff val="40000"/>
+                </a:schemeClr>
+              </a:solidFill>
+            </a:endParaRPr>
           </a:p>
         </p:txBody>
       </p:sp>
@@ -16710,6 +17155,14 @@
               </a:rPr>
               <a:t>func</a:t>
             </a:r>
+            <a:endParaRPr lang="en-US" altLang="zh-CN">
+              <a:solidFill>
+                <a:schemeClr val="accent3">
+                  <a:lumMod val="60000"/>
+                  <a:lumOff val="40000"/>
+                </a:schemeClr>
+              </a:solidFill>
+            </a:endParaRPr>
           </a:p>
         </p:txBody>
       </p:sp>
@@ -16815,6 +17268,14 @@
               </a:rPr>
               <a:t>varList</a:t>
             </a:r>
+            <a:endParaRPr lang="en-US" altLang="zh-CN">
+              <a:solidFill>
+                <a:schemeClr val="accent5">
+                  <a:lumMod val="60000"/>
+                  <a:lumOff val="40000"/>
+                </a:schemeClr>
+              </a:solidFill>
+            </a:endParaRPr>
           </a:p>
         </p:txBody>
       </p:sp>
@@ -16833,7 +17294,7 @@
 </p:sld>
 </file>
 
-<file path=ppt/slides/slide34.xml><?xml version="1.0" encoding="utf-8"?>
+<file path=ppt/slides/slide35.xml><?xml version="1.0" encoding="utf-8"?>
 <p:sld xmlns:a="http://schemas.openxmlformats.org/drawingml/2006/main" xmlns:r="http://schemas.openxmlformats.org/officeDocument/2006/relationships" xmlns:p="http://schemas.openxmlformats.org/presentationml/2006/main">
   <p:cSld>
     <p:spTree>
@@ -16869,6 +17330,7 @@
               <a:rPr lang="zh-CN" altLang="zh-CN"/>
               <a:t>模块间关系</a:t>
             </a:r>
+            <a:endParaRPr lang="zh-CN" altLang="zh-CN"/>
           </a:p>
         </p:txBody>
       </p:sp>
@@ -16903,6 +17365,9 @@
               </a:rPr>
               <a:t>Token</a:t>
             </a:r>
+            <a:endParaRPr lang="en-US" altLang="zh-CN">
+              <a:sym typeface="+mn-ea"/>
+            </a:endParaRPr>
           </a:p>
           <a:p>
             <a:pPr lvl="1"/>
@@ -16910,6 +17375,7 @@
               <a:rPr lang="zh-CN" altLang="en-US"/>
               <a:t>一对多</a:t>
             </a:r>
+            <a:endParaRPr lang="zh-CN" altLang="en-US"/>
           </a:p>
           <a:p>
             <a:pPr lvl="1"/>
@@ -16941,6 +17407,7 @@
               <a:rPr lang="zh-CN" altLang="en-US"/>
               <a:t>对应的所有对应定义</a:t>
             </a:r>
+            <a:endParaRPr lang="zh-CN" altLang="en-US"/>
           </a:p>
           <a:p>
             <a:pPr lvl="0"/>
@@ -16956,6 +17423,7 @@
               <a:rPr lang="en-US" altLang="zh-CN"/>
               <a:t>Symbol</a:t>
             </a:r>
+            <a:endParaRPr lang="en-US" altLang="zh-CN"/>
           </a:p>
           <a:p>
             <a:pPr lvl="1"/>
@@ -16963,6 +17431,7 @@
               <a:rPr lang="zh-CN" altLang="en-US"/>
               <a:t>一对一</a:t>
             </a:r>
+            <a:endParaRPr lang="zh-CN" altLang="en-US"/>
           </a:p>
           <a:p>
             <a:pPr lvl="1"/>
@@ -17002,6 +17471,7 @@
               <a:rPr lang="zh-CN" altLang="en-US"/>
               <a:t>其中一种（或者没有）</a:t>
             </a:r>
+            <a:endParaRPr lang="zh-CN" altLang="en-US"/>
           </a:p>
           <a:p>
             <a:pPr lvl="1"/>
@@ -17068,7 +17538,7 @@
 </p:sld>
 </file>
 
-<file path=ppt/slides/slide35.xml><?xml version="1.0" encoding="utf-8"?>
+<file path=ppt/slides/slide36.xml><?xml version="1.0" encoding="utf-8"?>
 <p:sld xmlns:a="http://schemas.openxmlformats.org/drawingml/2006/main" xmlns:r="http://schemas.openxmlformats.org/officeDocument/2006/relationships" xmlns:p="http://schemas.openxmlformats.org/presentationml/2006/main">
   <p:cSld>
     <p:spTree>
@@ -17167,6 +17637,7 @@
                 <a:rPr lang="en-US" altLang="zh-CN"/>
                 <a:t>Global</a:t>
               </a:r>
+              <a:endParaRPr lang="en-US" altLang="zh-CN"/>
             </a:p>
           </p:txBody>
         </p:sp>
@@ -17213,6 +17684,7 @@
                 <a:rPr lang="en-US" altLang="zh-CN"/>
                 <a:t>main{}</a:t>
               </a:r>
+              <a:endParaRPr lang="en-US" altLang="zh-CN"/>
             </a:p>
           </p:txBody>
         </p:sp>
@@ -17256,6 +17728,7 @@
                 <a:rPr lang="en-US" altLang="zh-CN"/>
                 <a:t>int main()</a:t>
               </a:r>
+              <a:endParaRPr lang="en-US" altLang="zh-CN"/>
             </a:p>
           </p:txBody>
         </p:sp>
@@ -17302,6 +17775,7 @@
                 <a:rPr lang="en-US" altLang="zh-CN"/>
                 <a:t>int* p1</a:t>
               </a:r>
+              <a:endParaRPr lang="en-US" altLang="zh-CN"/>
             </a:p>
           </p:txBody>
         </p:sp>
@@ -17421,6 +17895,9 @@
                 </a:rPr>
                 <a:t>= p1 ; * p1 = 0 ; * p2 = 0 ; }</a:t>
               </a:r>
+              <a:endParaRPr kumimoji="1" lang="zh-CN" altLang="en-US" sz="2400" dirty="0">
+                <a:sym typeface="+mn-ea"/>
+              </a:endParaRPr>
             </a:p>
           </p:txBody>
         </p:sp>
@@ -17954,6 +18431,11 @@
                 </a:rPr>
                 <a:t>ret, tok, arg</a:t>
               </a:r>
+              <a:endParaRPr lang="en-US" altLang="zh-CN">
+                <a:solidFill>
+                  <a:schemeClr val="accent1"/>
+                </a:solidFill>
+              </a:endParaRPr>
             </a:p>
           </p:txBody>
         </p:sp>
@@ -17987,6 +18469,11 @@
                 </a:rPr>
                 <a:t>def, start</a:t>
               </a:r>
+              <a:endParaRPr lang="en-US" altLang="zh-CN">
+                <a:solidFill>
+                  <a:schemeClr val="accent3"/>
+                </a:solidFill>
+              </a:endParaRPr>
             </a:p>
           </p:txBody>
         </p:sp>
@@ -18020,6 +18507,11 @@
                 </a:rPr>
                 <a:t>end</a:t>
               </a:r>
+              <a:endParaRPr lang="en-US" altLang="zh-CN">
+                <a:solidFill>
+                  <a:schemeClr val="accent3"/>
+                </a:solidFill>
+              </a:endParaRPr>
             </a:p>
           </p:txBody>
         </p:sp>
@@ -18053,6 +18545,11 @@
                 </a:rPr>
                 <a:t>(type)start, end</a:t>
               </a:r>
+              <a:endParaRPr lang="en-US" altLang="zh-CN">
+                <a:solidFill>
+                  <a:schemeClr val="accent5"/>
+                </a:solidFill>
+              </a:endParaRPr>
             </a:p>
           </p:txBody>
         </p:sp>
@@ -18072,7 +18569,7 @@
 </p:sld>
 </file>
 
-<file path=ppt/slides/slide36.xml><?xml version="1.0" encoding="utf-8"?>
+<file path=ppt/slides/slide37.xml><?xml version="1.0" encoding="utf-8"?>
 <p:sld xmlns:a="http://schemas.openxmlformats.org/drawingml/2006/main" xmlns:r="http://schemas.openxmlformats.org/officeDocument/2006/relationships" xmlns:p="http://schemas.openxmlformats.org/presentationml/2006/main">
   <p:cSld>
     <p:spTree>
@@ -18171,6 +18668,7 @@
                 <a:rPr lang="en-US" altLang="zh-CN"/>
                 <a:t>Global</a:t>
               </a:r>
+              <a:endParaRPr lang="en-US" altLang="zh-CN"/>
             </a:p>
           </p:txBody>
         </p:sp>
@@ -18217,6 +18715,7 @@
                 <a:rPr lang="en-US" altLang="zh-CN"/>
                 <a:t>main{}</a:t>
               </a:r>
+              <a:endParaRPr lang="en-US" altLang="zh-CN"/>
             </a:p>
           </p:txBody>
         </p:sp>
@@ -18260,6 +18759,7 @@
                 <a:rPr lang="en-US" altLang="zh-CN"/>
                 <a:t>int main()</a:t>
               </a:r>
+              <a:endParaRPr lang="en-US" altLang="zh-CN"/>
             </a:p>
           </p:txBody>
         </p:sp>
@@ -18306,6 +18806,7 @@
                 <a:rPr lang="en-US" altLang="zh-CN"/>
                 <a:t>int* p1</a:t>
               </a:r>
+              <a:endParaRPr lang="en-US" altLang="zh-CN"/>
             </a:p>
           </p:txBody>
         </p:sp>
@@ -18425,6 +18926,9 @@
                 </a:rPr>
                 <a:t>= p1 ; * p1 = 0 ; * p2 = 0 ; }</a:t>
               </a:r>
+              <a:endParaRPr kumimoji="1" lang="zh-CN" altLang="en-US" sz="2400" dirty="0">
+                <a:sym typeface="+mn-ea"/>
+              </a:endParaRPr>
             </a:p>
           </p:txBody>
         </p:sp>
@@ -18755,142 +19259,6 @@
 </p:sld>
 </file>
 
-<file path=ppt/slides/slide37.xml><?xml version="1.0" encoding="utf-8"?>
-<p:sld xmlns:a="http://schemas.openxmlformats.org/drawingml/2006/main" xmlns:r="http://schemas.openxmlformats.org/officeDocument/2006/relationships" xmlns:p="http://schemas.openxmlformats.org/presentationml/2006/main">
-  <p:cSld>
-    <p:spTree>
-      <p:nvGrpSpPr>
-        <p:cNvPr id="1" name=""/>
-        <p:cNvGrpSpPr/>
-        <p:nvPr/>
-      </p:nvGrpSpPr>
-      <p:grpSpPr>
-        <a:xfrm>
-          <a:off x="0" y="0"/>
-          <a:ext cx="0" cy="0"/>
-          <a:chOff x="0" y="0"/>
-          <a:chExt cx="0" cy="0"/>
-        </a:xfrm>
-      </p:grpSpPr>
-      <p:sp>
-        <p:nvSpPr>
-          <p:cNvPr id="2" name="标题 1"/>
-          <p:cNvSpPr>
-            <a:spLocks noGrp="1"/>
-          </p:cNvSpPr>
-          <p:nvPr>
-            <p:ph type="title"/>
-          </p:nvPr>
-        </p:nvSpPr>
-        <p:spPr/>
-        <p:txBody>
-          <a:bodyPr/>
-          <a:lstStyle/>
-          <a:p>
-            <a:r>
-              <a:rPr lang="zh-CN" altLang="zh-CN"/>
-              <a:t>总结</a:t>
-            </a:r>
-            <a:endParaRPr lang="en-US" altLang="zh-CN"/>
-          </a:p>
-        </p:txBody>
-      </p:sp>
-      <p:sp>
-        <p:nvSpPr>
-          <p:cNvPr id="3" name="内容占位符 2"/>
-          <p:cNvSpPr>
-            <a:spLocks noGrp="1"/>
-          </p:cNvSpPr>
-          <p:nvPr>
-            <p:ph idx="1"/>
-          </p:nvPr>
-        </p:nvSpPr>
-        <p:spPr/>
-        <p:txBody>
-          <a:bodyPr/>
-          <a:lstStyle/>
-          <a:p>
-            <a:r>
-              <a:rPr lang="zh-CN" altLang="en-US"/>
-              <a:t>接下来的侧重点将放在</a:t>
-            </a:r>
-            <a:r>
-              <a:rPr lang="en-US" altLang="zh-CN"/>
-              <a:t>ValueFlow</a:t>
-            </a:r>
-            <a:r>
-              <a:rPr lang="zh-CN" altLang="en-US"/>
-              <a:t>模块的研究和开发</a:t>
-            </a:r>
-          </a:p>
-          <a:p>
-            <a:pPr lvl="1"/>
-            <a:r>
-              <a:rPr lang="en-US" altLang="zh-CN"/>
-              <a:t>ValueFlow</a:t>
-            </a:r>
-            <a:r>
-              <a:rPr lang="zh-CN" altLang="en-US"/>
-              <a:t>在白盒测试中未能输出希望的结果</a:t>
-            </a:r>
-          </a:p>
-          <a:p>
-            <a:pPr lvl="1"/>
-            <a:r>
-              <a:rPr lang="en-US" altLang="zh-CN"/>
-              <a:t>Tokenize</a:t>
-            </a:r>
-            <a:r>
-              <a:rPr lang="zh-CN" altLang="en-US"/>
-              <a:t>与</a:t>
-            </a:r>
-            <a:r>
-              <a:rPr lang="en-US" altLang="zh-CN"/>
-              <a:t>SymbolDB</a:t>
-            </a:r>
-            <a:r>
-              <a:rPr lang="zh-CN" altLang="en-US"/>
-              <a:t>模块目前均表现良好</a:t>
-            </a:r>
-          </a:p>
-          <a:p>
-            <a:pPr lvl="0"/>
-            <a:r>
-              <a:rPr lang="zh-CN" altLang="en-US"/>
-              <a:t>继续向开发分配研究范围</a:t>
-            </a:r>
-          </a:p>
-          <a:p>
-            <a:pPr lvl="1"/>
-            <a:r>
-              <a:rPr lang="zh-CN" altLang="en-US"/>
-              <a:t>系统分析师继续向大方向研究，随时提供指导</a:t>
-            </a:r>
-          </a:p>
-          <a:p>
-            <a:pPr lvl="1"/>
-            <a:r>
-              <a:rPr lang="zh-CN" altLang="en-US"/>
-              <a:t>软件工程师根据分配的范围，深入测试小范围功能以及单元功能</a:t>
-            </a:r>
-          </a:p>
-        </p:txBody>
-      </p:sp>
-    </p:spTree>
-  </p:cSld>
-  <p:clrMapOvr>
-    <a:masterClrMapping/>
-  </p:clrMapOvr>
-  <p:timing>
-    <p:tnLst>
-      <p:par>
-        <p:cTn id="1" dur="indefinite" restart="never" nodeType="tmRoot"/>
-      </p:par>
-    </p:tnLst>
-  </p:timing>
-</p:sld>
-</file>
-
 <file path=ppt/slides/slide38.xml><?xml version="1.0" encoding="utf-8"?>
 <p:sld xmlns:a="http://schemas.openxmlformats.org/drawingml/2006/main" xmlns:r="http://schemas.openxmlformats.org/officeDocument/2006/relationships" xmlns:p="http://schemas.openxmlformats.org/presentationml/2006/main">
   <p:cSld>
@@ -18924,10 +19292,10 @@
           <a:lstStyle/>
           <a:p>
             <a:r>
-              <a:rPr kumimoji="1" lang="zh-CN" altLang="en-US" dirty="0" smtClean="0"/>
-              <a:t>谢谢！</a:t>
-            </a:r>
-            <a:endParaRPr kumimoji="1" lang="zh-CN" altLang="en-US" dirty="0"/>
+              <a:rPr lang="zh-CN" altLang="zh-CN"/>
+              <a:t>总结</a:t>
+            </a:r>
+            <a:endParaRPr lang="en-US" altLang="zh-CN"/>
           </a:p>
         </p:txBody>
       </p:sp>
@@ -18947,6 +19315,148 @@
           <a:lstStyle/>
           <a:p>
             <a:r>
+              <a:rPr lang="zh-CN" altLang="en-US"/>
+              <a:t>接下来的侧重点将放在</a:t>
+            </a:r>
+            <a:r>
+              <a:rPr lang="en-US" altLang="zh-CN"/>
+              <a:t>ValueFlow</a:t>
+            </a:r>
+            <a:r>
+              <a:rPr lang="zh-CN" altLang="en-US"/>
+              <a:t>模块的研究和开发</a:t>
+            </a:r>
+            <a:endParaRPr lang="zh-CN" altLang="en-US"/>
+          </a:p>
+          <a:p>
+            <a:pPr lvl="1"/>
+            <a:r>
+              <a:rPr lang="en-US" altLang="zh-CN"/>
+              <a:t>ValueFlow</a:t>
+            </a:r>
+            <a:r>
+              <a:rPr lang="zh-CN" altLang="en-US"/>
+              <a:t>在白盒测试中未能输出希望的结果</a:t>
+            </a:r>
+            <a:endParaRPr lang="zh-CN" altLang="en-US"/>
+          </a:p>
+          <a:p>
+            <a:pPr lvl="1"/>
+            <a:r>
+              <a:rPr lang="en-US" altLang="zh-CN"/>
+              <a:t>Tokenize</a:t>
+            </a:r>
+            <a:r>
+              <a:rPr lang="zh-CN" altLang="en-US"/>
+              <a:t>与</a:t>
+            </a:r>
+            <a:r>
+              <a:rPr lang="en-US" altLang="zh-CN"/>
+              <a:t>SymbolDB</a:t>
+            </a:r>
+            <a:r>
+              <a:rPr lang="zh-CN" altLang="en-US"/>
+              <a:t>模块目前均表现良好</a:t>
+            </a:r>
+            <a:endParaRPr lang="zh-CN" altLang="en-US"/>
+          </a:p>
+          <a:p>
+            <a:pPr lvl="0"/>
+            <a:r>
+              <a:rPr lang="zh-CN" altLang="en-US"/>
+              <a:t>继续向开发分配研究范围</a:t>
+            </a:r>
+            <a:endParaRPr lang="zh-CN" altLang="en-US"/>
+          </a:p>
+          <a:p>
+            <a:pPr lvl="1"/>
+            <a:r>
+              <a:rPr lang="zh-CN" altLang="en-US"/>
+              <a:t>系统分析师继续向大方向研究，随时提供指导</a:t>
+            </a:r>
+            <a:endParaRPr lang="zh-CN" altLang="en-US"/>
+          </a:p>
+          <a:p>
+            <a:pPr lvl="1"/>
+            <a:r>
+              <a:rPr lang="zh-CN" altLang="en-US"/>
+              <a:t>软件工程师根据分配的范围，深入测试小范围功能以及单元功能</a:t>
+            </a:r>
+            <a:endParaRPr lang="zh-CN" altLang="en-US"/>
+          </a:p>
+        </p:txBody>
+      </p:sp>
+    </p:spTree>
+  </p:cSld>
+  <p:clrMapOvr>
+    <a:masterClrMapping/>
+  </p:clrMapOvr>
+  <p:timing>
+    <p:tnLst>
+      <p:par>
+        <p:cTn id="1" dur="indefinite" restart="never" nodeType="tmRoot"/>
+      </p:par>
+    </p:tnLst>
+  </p:timing>
+</p:sld>
+</file>
+
+<file path=ppt/slides/slide39.xml><?xml version="1.0" encoding="utf-8"?>
+<p:sld xmlns:a="http://schemas.openxmlformats.org/drawingml/2006/main" xmlns:r="http://schemas.openxmlformats.org/officeDocument/2006/relationships" xmlns:p="http://schemas.openxmlformats.org/presentationml/2006/main">
+  <p:cSld>
+    <p:spTree>
+      <p:nvGrpSpPr>
+        <p:cNvPr id="1" name=""/>
+        <p:cNvGrpSpPr/>
+        <p:nvPr/>
+      </p:nvGrpSpPr>
+      <p:grpSpPr>
+        <a:xfrm>
+          <a:off x="0" y="0"/>
+          <a:ext cx="0" cy="0"/>
+          <a:chOff x="0" y="0"/>
+          <a:chExt cx="0" cy="0"/>
+        </a:xfrm>
+      </p:grpSpPr>
+      <p:sp>
+        <p:nvSpPr>
+          <p:cNvPr id="2" name="标题 1"/>
+          <p:cNvSpPr>
+            <a:spLocks noGrp="1"/>
+          </p:cNvSpPr>
+          <p:nvPr>
+            <p:ph type="title"/>
+          </p:nvPr>
+        </p:nvSpPr>
+        <p:spPr/>
+        <p:txBody>
+          <a:bodyPr/>
+          <a:lstStyle/>
+          <a:p>
+            <a:r>
+              <a:rPr kumimoji="1" lang="zh-CN" altLang="en-US" dirty="0" smtClean="0"/>
+              <a:t>谢谢！</a:t>
+            </a:r>
+            <a:endParaRPr kumimoji="1" lang="zh-CN" altLang="en-US" dirty="0"/>
+          </a:p>
+        </p:txBody>
+      </p:sp>
+      <p:sp>
+        <p:nvSpPr>
+          <p:cNvPr id="3" name="内容占位符 2"/>
+          <p:cNvSpPr>
+            <a:spLocks noGrp="1"/>
+          </p:cNvSpPr>
+          <p:nvPr>
+            <p:ph idx="1"/>
+          </p:nvPr>
+        </p:nvSpPr>
+        <p:spPr/>
+        <p:txBody>
+          <a:bodyPr/>
+          <a:lstStyle/>
+          <a:p>
+            <a:r>
               <a:rPr kumimoji="1" lang="zh-CN" altLang="en-US" dirty="0" smtClean="0"/>
               <a:t>以上为</a:t>
             </a:r>
@@ -18976,6 +19486,7 @@
               <a:rPr kumimoji="1" lang="zh-CN" altLang="en-US" dirty="0" smtClean="0"/>
               <a:t>的工作进展</a:t>
             </a:r>
+            <a:endParaRPr kumimoji="1" lang="zh-CN" altLang="en-US" dirty="0" smtClean="0"/>
           </a:p>
           <a:p>
             <a:r>
@@ -19091,11 +19602,6 @@
         </p:txBody>
       </p:sp>
     </p:spTree>
-    <p:extLst>
-      <p:ext uri="{BB962C8B-B14F-4D97-AF65-F5344CB8AC3E}">
-        <p14:creationId xmlns:p14="http://schemas.microsoft.com/office/powerpoint/2010/main" val="1583334244"/>
-      </p:ext>
-    </p:extLst>
   </p:cSld>
   <p:clrMapOvr>
     <a:masterClrMapping/>
@@ -19188,33 +19694,20 @@
           <a:p>
             <a:r>
               <a:rPr kumimoji="1" lang="zh-CN" altLang="en-US" dirty="0" smtClean="0"/>
-              <a:t>版本控制系统</a:t>
-            </a:r>
+              <a:t>版本控制系统。</a:t>
+            </a:r>
+            <a:endParaRPr kumimoji="1" lang="en-US" altLang="zh-CN" dirty="0" smtClean="0"/>
+          </a:p>
+          <a:p>
             <a:r>
               <a:rPr kumimoji="1" lang="zh-CN" altLang="en-US" dirty="0" smtClean="0"/>
-              <a:t>。</a:t>
-            </a:r>
-            <a:endParaRPr kumimoji="1" lang="en-US" altLang="zh-CN" dirty="0" smtClean="0"/>
-          </a:p>
-          <a:p>
-            <a:r>
-              <a:rPr kumimoji="1" lang="zh-CN" altLang="en-US" dirty="0" smtClean="0"/>
-              <a:t>参与</a:t>
-            </a:r>
-            <a:r>
-              <a:rPr kumimoji="1" lang="zh-CN" altLang="en-US" dirty="0" smtClean="0"/>
-              <a:t>部分样例的测试，调试，确定开发方向。</a:t>
+              <a:t>参与部分样例的测试，调试，确定开发方向。</a:t>
             </a:r>
             <a:endParaRPr kumimoji="1" lang="en-US" altLang="zh-CN" dirty="0" smtClean="0"/>
           </a:p>
         </p:txBody>
       </p:sp>
     </p:spTree>
-    <p:extLst>
-      <p:ext uri="{BB962C8B-B14F-4D97-AF65-F5344CB8AC3E}">
-        <p14:creationId xmlns:p14="http://schemas.microsoft.com/office/powerpoint/2010/main" val="1691861342"/>
-      </p:ext>
-    </p:extLst>
   </p:cSld>
   <p:clrMapOvr>
     <a:masterClrMapping/>
@@ -19324,6 +19817,7 @@
               <a:rPr kumimoji="1" lang="en-US" altLang="zh-CN" dirty="0" smtClean="0"/>
               <a:t>》</a:t>
             </a:r>
+            <a:endParaRPr kumimoji="1" lang="en-US" altLang="zh-CN" dirty="0" smtClean="0"/>
           </a:p>
           <a:p>
             <a:pPr lvl="1"/>
@@ -19339,6 +19833,7 @@
               <a:rPr kumimoji="1" lang="en-US" altLang="zh-CN" dirty="0" smtClean="0"/>
               <a:t>》</a:t>
             </a:r>
+            <a:endParaRPr kumimoji="1" lang="en-US" altLang="zh-CN" dirty="0" smtClean="0"/>
           </a:p>
           <a:p>
             <a:pPr lvl="1"/>
@@ -19354,15 +19849,11 @@
               <a:rPr kumimoji="1" lang="en-US" altLang="zh-CN" dirty="0" smtClean="0"/>
               <a:t>》</a:t>
             </a:r>
+            <a:endParaRPr kumimoji="1" lang="en-US" altLang="zh-CN" dirty="0" smtClean="0"/>
           </a:p>
         </p:txBody>
       </p:sp>
     </p:spTree>
-    <p:extLst>
-      <p:ext uri="{BB962C8B-B14F-4D97-AF65-F5344CB8AC3E}">
-        <p14:creationId xmlns:p14="http://schemas.microsoft.com/office/powerpoint/2010/main" val="1296521654"/>
-      </p:ext>
-    </p:extLst>
   </p:cSld>
   <p:clrMapOvr>
     <a:masterClrMapping/>
@@ -19481,7 +19972,7 @@
           <p:nvPr/>
         </p:nvPicPr>
         <p:blipFill>
-          <a:blip r:embed="rId2">
+          <a:blip r:embed="rId1">
             <a:extLst>
               <a:ext uri="{28A0092B-C50C-407E-A947-70E740481C1C}">
                 <a14:useLocalDpi xmlns:a14="http://schemas.microsoft.com/office/drawing/2010/main" val="0"/>
@@ -19511,7 +20002,7 @@
           <p:nvPr/>
         </p:nvPicPr>
         <p:blipFill>
-          <a:blip r:embed="rId3">
+          <a:blip r:embed="rId2">
             <a:extLst>
               <a:ext uri="{28A0092B-C50C-407E-A947-70E740481C1C}">
                 <a14:useLocalDpi xmlns:a14="http://schemas.microsoft.com/office/drawing/2010/main" val="0"/>
@@ -19533,11 +20024,6 @@
         </p:spPr>
       </p:pic>
     </p:spTree>
-    <p:extLst>
-      <p:ext uri="{BB962C8B-B14F-4D97-AF65-F5344CB8AC3E}">
-        <p14:creationId xmlns:p14="http://schemas.microsoft.com/office/powerpoint/2010/main" val="857592102"/>
-      </p:ext>
-    </p:extLst>
   </p:cSld>
   <p:clrMapOvr>
     <a:masterClrMapping/>
@@ -19976,7 +20462,7 @@
           <p:nvPr/>
         </p:nvPicPr>
         <p:blipFill>
-          <a:blip r:embed="rId2">
+          <a:blip r:embed="rId1">
             <a:extLst>
               <a:ext uri="{28A0092B-C50C-407E-A947-70E740481C1C}">
                 <a14:useLocalDpi xmlns:a14="http://schemas.microsoft.com/office/drawing/2010/main" val="0"/>
@@ -20006,7 +20492,7 @@
           <p:nvPr/>
         </p:nvPicPr>
         <p:blipFill>
-          <a:blip r:embed="rId3">
+          <a:blip r:embed="rId2">
             <a:extLst>
               <a:ext uri="{28A0092B-C50C-407E-A947-70E740481C1C}">
                 <a14:useLocalDpi xmlns:a14="http://schemas.microsoft.com/office/drawing/2010/main" val="0"/>
@@ -20036,7 +20522,7 @@
           <p:nvPr/>
         </p:nvPicPr>
         <p:blipFill>
-          <a:blip r:embed="rId4">
+          <a:blip r:embed="rId3">
             <a:extLst>
               <a:ext uri="{28A0092B-C50C-407E-A947-70E740481C1C}">
                 <a14:useLocalDpi xmlns:a14="http://schemas.microsoft.com/office/drawing/2010/main" val="0"/>
@@ -20058,11 +20544,6 @@
         </p:spPr>
       </p:pic>
     </p:spTree>
-    <p:extLst>
-      <p:ext uri="{BB962C8B-B14F-4D97-AF65-F5344CB8AC3E}">
-        <p14:creationId xmlns:p14="http://schemas.microsoft.com/office/powerpoint/2010/main" val="1740953629"/>
-      </p:ext>
-    </p:extLst>
   </p:cSld>
   <p:clrMapOvr>
     <a:masterClrMapping/>
@@ -20259,7 +20740,7 @@
                                 </p:cTn>
                               </p:par>
                               <p:par>
-                                <p:cTn id="16" presetID="53" presetClass="entr" presetSubtype="16" repeatCount="0" fill="hold" nodeType="withEffect">
+                                <p:cTn id="16" presetID="53" presetClass="entr" presetSubtype="16" fill="hold" nodeType="withEffect">
                                   <p:stCondLst>
                                     <p:cond delay="2000"/>
                                   </p:stCondLst>
@@ -20669,6 +21150,7 @@
               <a:rPr kumimoji="1" lang="en-US" altLang="zh-CN" dirty="0" smtClean="0"/>
               <a:t>》</a:t>
             </a:r>
+            <a:endParaRPr kumimoji="1" lang="en-US" altLang="zh-CN" dirty="0" smtClean="0"/>
           </a:p>
           <a:p>
             <a:pPr lvl="1"/>
@@ -20684,15 +21166,11 @@
               <a:rPr kumimoji="1" lang="en-US" altLang="zh-CN" dirty="0" smtClean="0"/>
               <a:t>》</a:t>
             </a:r>
+            <a:endParaRPr kumimoji="1" lang="en-US" altLang="zh-CN" dirty="0" smtClean="0"/>
           </a:p>
         </p:txBody>
       </p:sp>
     </p:spTree>
-    <p:extLst>
-      <p:ext uri="{BB962C8B-B14F-4D97-AF65-F5344CB8AC3E}">
-        <p14:creationId xmlns:p14="http://schemas.microsoft.com/office/powerpoint/2010/main" val="108322329"/>
-      </p:ext>
-    </p:extLst>
   </p:cSld>
   <p:clrMapOvr>
     <a:masterClrMapping/>

--- a/汇报/第六周课堂汇报.pptx
+++ b/汇报/第六周课堂汇报.pptx
@@ -5,23 +5,24 @@
     <p:sldMasterId id="2147483648" r:id="rId1"/>
   </p:sldMasterIdLst>
   <p:sldIdLst>
-    <p:sldId id="288" r:id="rId3"/>
-    <p:sldId id="298" r:id="rId4"/>
-    <p:sldId id="300" r:id="rId5"/>
-    <p:sldId id="299" r:id="rId6"/>
-    <p:sldId id="301" r:id="rId7"/>
-    <p:sldId id="302" r:id="rId8"/>
-    <p:sldId id="304" r:id="rId9"/>
-    <p:sldId id="305" r:id="rId10"/>
-    <p:sldId id="306" r:id="rId11"/>
-    <p:sldId id="307" r:id="rId12"/>
-    <p:sldId id="289" r:id="rId13"/>
-    <p:sldId id="290" r:id="rId14"/>
-    <p:sldId id="269" r:id="rId15"/>
-    <p:sldId id="258" r:id="rId16"/>
-    <p:sldId id="266" r:id="rId17"/>
-    <p:sldId id="267" r:id="rId18"/>
-    <p:sldId id="268" r:id="rId19"/>
+    <p:sldId id="288" r:id="rId2"/>
+    <p:sldId id="298" r:id="rId3"/>
+    <p:sldId id="300" r:id="rId4"/>
+    <p:sldId id="299" r:id="rId5"/>
+    <p:sldId id="301" r:id="rId6"/>
+    <p:sldId id="302" r:id="rId7"/>
+    <p:sldId id="304" r:id="rId8"/>
+    <p:sldId id="305" r:id="rId9"/>
+    <p:sldId id="306" r:id="rId10"/>
+    <p:sldId id="307" r:id="rId11"/>
+    <p:sldId id="289" r:id="rId12"/>
+    <p:sldId id="290" r:id="rId13"/>
+    <p:sldId id="269" r:id="rId14"/>
+    <p:sldId id="258" r:id="rId15"/>
+    <p:sldId id="266" r:id="rId16"/>
+    <p:sldId id="267" r:id="rId17"/>
+    <p:sldId id="268" r:id="rId18"/>
+    <p:sldId id="337" r:id="rId19"/>
     <p:sldId id="291" r:id="rId20"/>
     <p:sldId id="292" r:id="rId21"/>
     <p:sldId id="293" r:id="rId22"/>
@@ -42,8 +43,12 @@
     <p:sldId id="283" r:id="rId37"/>
     <p:sldId id="284" r:id="rId38"/>
     <p:sldId id="285" r:id="rId39"/>
-    <p:sldId id="286" r:id="rId40"/>
-    <p:sldId id="287" r:id="rId41"/>
+    <p:sldId id="360" r:id="rId40"/>
+    <p:sldId id="361" r:id="rId41"/>
+    <p:sldId id="362" r:id="rId42"/>
+    <p:sldId id="363" r:id="rId43"/>
+    <p:sldId id="286" r:id="rId44"/>
+    <p:sldId id="287" r:id="rId45"/>
   </p:sldIdLst>
   <p:sldSz cx="12192000" cy="6858000"/>
   <p:notesSz cx="6858000" cy="9144000"/>
@@ -142,6 +147,22 @@
       </a:defRPr>
     </a:lvl9pPr>
   </p:defaultTextStyle>
+  <p:extLst>
+    <p:ext uri="{EFAFB233-063F-42B5-8137-9DF3F51BA10A}">
+      <p15:sldGuideLst xmlns:p15="http://schemas.microsoft.com/office/powerpoint/2012/main">
+        <p15:guide id="1" orient="horz" pos="2160">
+          <p15:clr>
+            <a:srgbClr val="A4A3A4"/>
+          </p15:clr>
+        </p15:guide>
+        <p15:guide id="2" pos="3840">
+          <p15:clr>
+            <a:srgbClr val="A4A3A4"/>
+          </p15:clr>
+        </p15:guide>
+      </p15:sldGuideLst>
+    </p:ext>
+  </p:extLst>
 </p:presentation>
 </file>
 
@@ -341,6 +362,7 @@
           <a:p>
             <a:fld id="{ECD19FB2-3AAB-4D03-B13A-2960828C78E3}" type="datetimeFigureOut">
               <a:rPr lang="en-US" dirty="0"/>
+              <a:t>4/8/16</a:t>
             </a:fld>
             <a:endParaRPr lang="en-US" dirty="0"/>
           </a:p>
@@ -366,7 +388,6 @@
               <a:t>
               </a:t>
             </a:r>
-            <a:endParaRPr lang="en-US" dirty="0"/>
           </a:p>
         </p:txBody>
       </p:sp>
@@ -387,6 +408,7 @@
           <a:p>
             <a:fld id="{6D22F896-40B5-4ADD-8801-0D06FADFA095}" type="slidenum">
               <a:rPr lang="en-US" dirty="0"/>
+              <a:t>‹#›</a:t>
             </a:fld>
             <a:endParaRPr lang="en-US" dirty="0"/>
           </a:p>
@@ -600,7 +622,6 @@
               <a:rPr lang="zh-CN" altLang="en-US" smtClean="0"/>
               <a:t>单击此处编辑母版文本样式</a:t>
             </a:r>
-            <a:endParaRPr lang="zh-CN" altLang="en-US" smtClean="0"/>
           </a:p>
         </p:txBody>
       </p:sp>
@@ -621,6 +642,7 @@
           <a:p>
             <a:fld id="{1B80C674-7DFC-42FE-B9CD-82963CDB1557}" type="datetimeFigureOut">
               <a:rPr lang="en-US" dirty="0"/>
+              <a:t>4/8/16</a:t>
             </a:fld>
             <a:endParaRPr lang="en-US" dirty="0"/>
           </a:p>
@@ -646,7 +668,6 @@
               <a:t>
               </a:t>
             </a:r>
-            <a:endParaRPr lang="en-US" dirty="0"/>
           </a:p>
         </p:txBody>
       </p:sp>
@@ -667,6 +688,7 @@
           <a:p>
             <a:fld id="{6D22F896-40B5-4ADD-8801-0D06FADFA095}" type="slidenum">
               <a:rPr lang="en-US" dirty="0"/>
+              <a:t>‹#›</a:t>
             </a:fld>
             <a:endParaRPr lang="en-US" dirty="0"/>
           </a:p>
@@ -791,7 +813,6 @@
               <a:rPr lang="zh-CN" altLang="en-US" smtClean="0"/>
               <a:t>单击此处编辑母版文本样式</a:t>
             </a:r>
-            <a:endParaRPr lang="zh-CN" altLang="en-US" smtClean="0"/>
           </a:p>
         </p:txBody>
       </p:sp>
@@ -812,6 +833,7 @@
           <a:p>
             <a:fld id="{2076456F-F47D-4F25-8053-2A695DA0CA7D}" type="datetimeFigureOut">
               <a:rPr lang="en-US" dirty="0"/>
+              <a:t>4/8/16</a:t>
             </a:fld>
             <a:endParaRPr lang="en-US" dirty="0"/>
           </a:p>
@@ -837,7 +859,6 @@
               <a:t>
               </a:t>
             </a:r>
-            <a:endParaRPr lang="en-US" dirty="0"/>
           </a:p>
         </p:txBody>
       </p:sp>
@@ -858,6 +879,7 @@
           <a:p>
             <a:fld id="{6D22F896-40B5-4ADD-8801-0D06FADFA095}" type="slidenum">
               <a:rPr lang="en-US" dirty="0"/>
+              <a:t>‹#›</a:t>
             </a:fld>
             <a:endParaRPr lang="en-US" dirty="0"/>
           </a:p>
@@ -984,7 +1006,6 @@
               <a:rPr lang="zh-CN" altLang="en-US" smtClean="0"/>
               <a:t>单击此处编辑母版文本样式</a:t>
             </a:r>
-            <a:endParaRPr lang="zh-CN" altLang="en-US" smtClean="0"/>
           </a:p>
         </p:txBody>
       </p:sp>
@@ -1052,7 +1073,6 @@
               <a:rPr lang="zh-CN" altLang="en-US" smtClean="0"/>
               <a:t>单击此处编辑母版文本样式</a:t>
             </a:r>
-            <a:endParaRPr lang="zh-CN" altLang="en-US" smtClean="0"/>
           </a:p>
         </p:txBody>
       </p:sp>
@@ -1073,6 +1093,7 @@
           <a:p>
             <a:fld id="{5D6C7379-69CC-4837-9905-BEBA22830C8A}" type="datetimeFigureOut">
               <a:rPr lang="en-US" dirty="0"/>
+              <a:t>4/8/16</a:t>
             </a:fld>
             <a:endParaRPr lang="en-US" dirty="0"/>
           </a:p>
@@ -1098,7 +1119,6 @@
               <a:t>
               </a:t>
             </a:r>
-            <a:endParaRPr lang="en-US" dirty="0"/>
           </a:p>
         </p:txBody>
       </p:sp>
@@ -1119,6 +1139,7 @@
           <a:p>
             <a:fld id="{6D22F896-40B5-4ADD-8801-0D06FADFA095}" type="slidenum">
               <a:rPr lang="en-US" dirty="0"/>
+              <a:t>‹#›</a:t>
             </a:fld>
             <a:endParaRPr lang="en-US" dirty="0"/>
           </a:p>
@@ -1237,12 +1258,6 @@
               </a:rPr>
               <a:t>“</a:t>
             </a:r>
-            <a:endParaRPr lang="en-US" sz="8000" dirty="0">
-              <a:solidFill>
-                <a:schemeClr val="tx1"/>
-              </a:solidFill>
-              <a:effectLst/>
-            </a:endParaRPr>
           </a:p>
         </p:txBody>
       </p:sp>
@@ -1359,12 +1374,6 @@
               </a:rPr>
               <a:t>”</a:t>
             </a:r>
-            <a:endParaRPr lang="en-US" sz="8000" dirty="0">
-              <a:solidFill>
-                <a:schemeClr val="tx1"/>
-              </a:solidFill>
-              <a:effectLst/>
-            </a:endParaRPr>
           </a:p>
         </p:txBody>
       </p:sp>
@@ -1489,7 +1498,6 @@
               <a:rPr lang="zh-CN" altLang="en-US" smtClean="0"/>
               <a:t>单击此处编辑母版文本样式</a:t>
             </a:r>
-            <a:endParaRPr lang="zh-CN" altLang="en-US" smtClean="0"/>
           </a:p>
         </p:txBody>
       </p:sp>
@@ -1510,6 +1518,7 @@
           <a:p>
             <a:fld id="{49EB8B7E-8AEE-4F10-BFEE-C999AD004D36}" type="datetimeFigureOut">
               <a:rPr lang="en-US" dirty="0"/>
+              <a:t>4/8/16</a:t>
             </a:fld>
             <a:endParaRPr lang="en-US" dirty="0"/>
           </a:p>
@@ -1535,7 +1544,6 @@
               <a:t>
               </a:t>
             </a:r>
-            <a:endParaRPr lang="en-US" dirty="0"/>
           </a:p>
         </p:txBody>
       </p:sp>
@@ -1556,6 +1564,7 @@
           <a:p>
             <a:fld id="{6D22F896-40B5-4ADD-8801-0D06FADFA095}" type="slidenum">
               <a:rPr lang="en-US" dirty="0"/>
+              <a:t>‹#›</a:t>
             </a:fld>
             <a:endParaRPr lang="en-US" dirty="0"/>
           </a:p>
@@ -1705,7 +1714,6 @@
               <a:rPr lang="zh-CN" altLang="en-US" smtClean="0"/>
               <a:t>单击此处编辑母版文本样式</a:t>
             </a:r>
-            <a:endParaRPr lang="zh-CN" altLang="en-US" smtClean="0"/>
           </a:p>
         </p:txBody>
       </p:sp>
@@ -1773,7 +1781,6 @@
               <a:rPr lang="zh-CN" altLang="en-US" smtClean="0"/>
               <a:t>单击此处编辑母版文本样式</a:t>
             </a:r>
-            <a:endParaRPr lang="zh-CN" altLang="en-US" smtClean="0"/>
           </a:p>
         </p:txBody>
       </p:sp>
@@ -1838,7 +1845,6 @@
               <a:rPr lang="zh-CN" altLang="en-US" smtClean="0"/>
               <a:t>单击此处编辑母版文本样式</a:t>
             </a:r>
-            <a:endParaRPr lang="zh-CN" altLang="en-US" smtClean="0"/>
           </a:p>
         </p:txBody>
       </p:sp>
@@ -1906,7 +1912,6 @@
               <a:rPr lang="zh-CN" altLang="en-US" smtClean="0"/>
               <a:t>单击此处编辑母版文本样式</a:t>
             </a:r>
-            <a:endParaRPr lang="zh-CN" altLang="en-US" smtClean="0"/>
           </a:p>
         </p:txBody>
       </p:sp>
@@ -1971,7 +1976,6 @@
               <a:rPr lang="zh-CN" altLang="en-US" smtClean="0"/>
               <a:t>单击此处编辑母版文本样式</a:t>
             </a:r>
-            <a:endParaRPr lang="zh-CN" altLang="en-US" smtClean="0"/>
           </a:p>
         </p:txBody>
       </p:sp>
@@ -2039,7 +2043,6 @@
               <a:rPr lang="zh-CN" altLang="en-US" smtClean="0"/>
               <a:t>单击此处编辑母版文本样式</a:t>
             </a:r>
-            <a:endParaRPr lang="zh-CN" altLang="en-US" smtClean="0"/>
           </a:p>
         </p:txBody>
       </p:sp>
@@ -2060,6 +2063,7 @@
           <a:p>
             <a:fld id="{8668F3F9-58BC-440B-B37B-805B9055EF92}" type="datetimeFigureOut">
               <a:rPr lang="en-US" dirty="0"/>
+              <a:t>4/8/16</a:t>
             </a:fld>
             <a:endParaRPr lang="en-US" dirty="0"/>
           </a:p>
@@ -2085,7 +2089,6 @@
               <a:t>
               </a:t>
             </a:r>
-            <a:endParaRPr lang="en-US" dirty="0"/>
           </a:p>
         </p:txBody>
       </p:sp>
@@ -2106,6 +2109,7 @@
           <a:p>
             <a:fld id="{6D22F896-40B5-4ADD-8801-0D06FADFA095}" type="slidenum">
               <a:rPr lang="en-US" dirty="0"/>
+              <a:t>‹#›</a:t>
             </a:fld>
             <a:endParaRPr lang="en-US" dirty="0"/>
           </a:p>
@@ -2251,7 +2255,6 @@
               <a:rPr lang="zh-CN" altLang="en-US" smtClean="0"/>
               <a:t>单击此处编辑母版文本样式</a:t>
             </a:r>
-            <a:endParaRPr lang="zh-CN" altLang="en-US" smtClean="0"/>
           </a:p>
         </p:txBody>
       </p:sp>
@@ -2398,7 +2401,6 @@
               <a:rPr lang="zh-CN" altLang="en-US" smtClean="0"/>
               <a:t>单击此处编辑母版文本样式</a:t>
             </a:r>
-            <a:endParaRPr lang="zh-CN" altLang="en-US" smtClean="0"/>
           </a:p>
         </p:txBody>
       </p:sp>
@@ -2489,7 +2491,6 @@
               <a:rPr lang="zh-CN" altLang="en-US" smtClean="0"/>
               <a:t>单击此处编辑母版文本样式</a:t>
             </a:r>
-            <a:endParaRPr lang="zh-CN" altLang="en-US" smtClean="0"/>
           </a:p>
         </p:txBody>
       </p:sp>
@@ -2636,7 +2637,6 @@
               <a:rPr lang="zh-CN" altLang="en-US" smtClean="0"/>
               <a:t>单击此处编辑母版文本样式</a:t>
             </a:r>
-            <a:endParaRPr lang="zh-CN" altLang="en-US" smtClean="0"/>
           </a:p>
         </p:txBody>
       </p:sp>
@@ -2727,7 +2727,6 @@
               <a:rPr lang="zh-CN" altLang="en-US" smtClean="0"/>
               <a:t>单击此处编辑母版文本样式</a:t>
             </a:r>
-            <a:endParaRPr lang="zh-CN" altLang="en-US" smtClean="0"/>
           </a:p>
         </p:txBody>
       </p:sp>
@@ -2874,7 +2873,6 @@
               <a:rPr lang="zh-CN" altLang="en-US" smtClean="0"/>
               <a:t>单击此处编辑母版文本样式</a:t>
             </a:r>
-            <a:endParaRPr lang="zh-CN" altLang="en-US" smtClean="0"/>
           </a:p>
         </p:txBody>
       </p:sp>
@@ -2895,6 +2893,7 @@
           <a:p>
             <a:fld id="{0D5A53AF-48EA-489D-8260-9DCAB666386A}" type="datetimeFigureOut">
               <a:rPr lang="en-US" dirty="0"/>
+              <a:t>4/8/16</a:t>
             </a:fld>
             <a:endParaRPr lang="en-US" dirty="0"/>
           </a:p>
@@ -2920,7 +2919,6 @@
               <a:t>
               </a:t>
             </a:r>
-            <a:endParaRPr lang="en-US" dirty="0"/>
           </a:p>
         </p:txBody>
       </p:sp>
@@ -2941,6 +2939,7 @@
           <a:p>
             <a:fld id="{6D22F896-40B5-4ADD-8801-0D06FADFA095}" type="slidenum">
               <a:rPr lang="en-US" dirty="0"/>
+              <a:t>‹#›</a:t>
             </a:fld>
             <a:endParaRPr lang="en-US" dirty="0"/>
           </a:p>
@@ -3014,7 +3013,6 @@
               <a:rPr lang="zh-CN" altLang="en-US" smtClean="0"/>
               <a:t>单击此处编辑母版文本样式</a:t>
             </a:r>
-            <a:endParaRPr lang="zh-CN" altLang="en-US" smtClean="0"/>
           </a:p>
           <a:p>
             <a:pPr lvl="1"/>
@@ -3022,7 +3020,6 @@
               <a:rPr lang="zh-CN" altLang="en-US" smtClean="0"/>
               <a:t>二级</a:t>
             </a:r>
-            <a:endParaRPr lang="zh-CN" altLang="en-US" smtClean="0"/>
           </a:p>
           <a:p>
             <a:pPr lvl="2"/>
@@ -3030,7 +3027,6 @@
               <a:rPr lang="zh-CN" altLang="en-US" smtClean="0"/>
               <a:t>三级</a:t>
             </a:r>
-            <a:endParaRPr lang="zh-CN" altLang="en-US" smtClean="0"/>
           </a:p>
           <a:p>
             <a:pPr lvl="3"/>
@@ -3038,7 +3034,6 @@
               <a:rPr lang="zh-CN" altLang="en-US" smtClean="0"/>
               <a:t>四级</a:t>
             </a:r>
-            <a:endParaRPr lang="zh-CN" altLang="en-US" smtClean="0"/>
           </a:p>
           <a:p>
             <a:pPr lvl="4"/>
@@ -3067,6 +3062,7 @@
           <a:p>
             <a:fld id="{0DED02AE-B9A4-47BD-AF8E-97E16144138B}" type="datetimeFigureOut">
               <a:rPr lang="en-US" dirty="0"/>
+              <a:t>4/8/16</a:t>
             </a:fld>
             <a:endParaRPr lang="en-US" dirty="0"/>
           </a:p>
@@ -3092,7 +3088,6 @@
               <a:t>
               </a:t>
             </a:r>
-            <a:endParaRPr lang="en-US" dirty="0"/>
           </a:p>
         </p:txBody>
       </p:sp>
@@ -3113,6 +3108,7 @@
           <a:p>
             <a:fld id="{6D22F896-40B5-4ADD-8801-0D06FADFA095}" type="slidenum">
               <a:rPr lang="en-US" dirty="0"/>
+              <a:t>‹#›</a:t>
             </a:fld>
             <a:endParaRPr lang="en-US" dirty="0"/>
           </a:p>
@@ -3196,7 +3192,6 @@
               <a:rPr lang="zh-CN" altLang="en-US" smtClean="0"/>
               <a:t>单击此处编辑母版文本样式</a:t>
             </a:r>
-            <a:endParaRPr lang="zh-CN" altLang="en-US" smtClean="0"/>
           </a:p>
           <a:p>
             <a:pPr lvl="1"/>
@@ -3204,7 +3199,6 @@
               <a:rPr lang="zh-CN" altLang="en-US" smtClean="0"/>
               <a:t>二级</a:t>
             </a:r>
-            <a:endParaRPr lang="zh-CN" altLang="en-US" smtClean="0"/>
           </a:p>
           <a:p>
             <a:pPr lvl="2"/>
@@ -3212,7 +3206,6 @@
               <a:rPr lang="zh-CN" altLang="en-US" smtClean="0"/>
               <a:t>三级</a:t>
             </a:r>
-            <a:endParaRPr lang="zh-CN" altLang="en-US" smtClean="0"/>
           </a:p>
           <a:p>
             <a:pPr lvl="3"/>
@@ -3220,7 +3213,6 @@
               <a:rPr lang="zh-CN" altLang="en-US" smtClean="0"/>
               <a:t>四级</a:t>
             </a:r>
-            <a:endParaRPr lang="zh-CN" altLang="en-US" smtClean="0"/>
           </a:p>
           <a:p>
             <a:pPr lvl="4"/>
@@ -3249,6 +3241,7 @@
           <a:p>
             <a:fld id="{CF0FD78B-DB02-4362-BCDC-98A55456977C}" type="datetimeFigureOut">
               <a:rPr lang="en-US" dirty="0"/>
+              <a:t>4/8/16</a:t>
             </a:fld>
             <a:endParaRPr lang="en-US" dirty="0"/>
           </a:p>
@@ -3274,7 +3267,6 @@
               <a:t>
               </a:t>
             </a:r>
-            <a:endParaRPr lang="en-US" dirty="0"/>
           </a:p>
         </p:txBody>
       </p:sp>
@@ -3295,6 +3287,7 @@
           <a:p>
             <a:fld id="{6D22F896-40B5-4ADD-8801-0D06FADFA095}" type="slidenum">
               <a:rPr lang="en-US" dirty="0"/>
+              <a:t>‹#›</a:t>
             </a:fld>
             <a:endParaRPr lang="en-US" dirty="0"/>
           </a:p>
@@ -3368,7 +3361,6 @@
               <a:rPr lang="zh-CN" altLang="en-US" smtClean="0"/>
               <a:t>单击此处编辑母版文本样式</a:t>
             </a:r>
-            <a:endParaRPr lang="zh-CN" altLang="en-US" smtClean="0"/>
           </a:p>
           <a:p>
             <a:pPr lvl="1"/>
@@ -3376,7 +3368,6 @@
               <a:rPr lang="zh-CN" altLang="en-US" smtClean="0"/>
               <a:t>二级</a:t>
             </a:r>
-            <a:endParaRPr lang="zh-CN" altLang="en-US" smtClean="0"/>
           </a:p>
           <a:p>
             <a:pPr lvl="2"/>
@@ -3384,7 +3375,6 @@
               <a:rPr lang="zh-CN" altLang="en-US" smtClean="0"/>
               <a:t>三级</a:t>
             </a:r>
-            <a:endParaRPr lang="zh-CN" altLang="en-US" smtClean="0"/>
           </a:p>
           <a:p>
             <a:pPr lvl="3"/>
@@ -3392,7 +3382,6 @@
               <a:rPr lang="zh-CN" altLang="en-US" smtClean="0"/>
               <a:t>四级</a:t>
             </a:r>
-            <a:endParaRPr lang="zh-CN" altLang="en-US" smtClean="0"/>
           </a:p>
           <a:p>
             <a:pPr lvl="4"/>
@@ -3421,6 +3410,7 @@
           <a:p>
             <a:fld id="{99916976-5D93-46E4-A98A-FAD63E4D0EA8}" type="datetimeFigureOut">
               <a:rPr lang="en-US" dirty="0"/>
+              <a:t>4/8/16</a:t>
             </a:fld>
             <a:endParaRPr lang="en-US" dirty="0"/>
           </a:p>
@@ -3446,7 +3436,6 @@
               <a:t>
               </a:t>
             </a:r>
-            <a:endParaRPr lang="en-US" dirty="0"/>
           </a:p>
         </p:txBody>
       </p:sp>
@@ -3467,6 +3456,7 @@
           <a:p>
             <a:fld id="{6D22F896-40B5-4ADD-8801-0D06FADFA095}" type="slidenum">
               <a:rPr lang="en-US" dirty="0"/>
+              <a:t>‹#›</a:t>
             </a:fld>
             <a:endParaRPr lang="en-US" dirty="0"/>
           </a:p>
@@ -3676,6 +3666,7 @@
           <a:p>
             <a:fld id="{0F39F4F5-F4D2-4D2A-AB60-88D37ADCB869}" type="datetimeFigureOut">
               <a:rPr lang="en-US" dirty="0"/>
+              <a:t>4/8/16</a:t>
             </a:fld>
             <a:endParaRPr lang="en-US" dirty="0"/>
           </a:p>
@@ -3701,7 +3692,6 @@
               <a:t>
               </a:t>
             </a:r>
-            <a:endParaRPr lang="en-US" dirty="0"/>
           </a:p>
         </p:txBody>
       </p:sp>
@@ -3722,6 +3712,7 @@
           <a:p>
             <a:fld id="{6D22F896-40B5-4ADD-8801-0D06FADFA095}" type="slidenum">
               <a:rPr lang="en-US" dirty="0"/>
+              <a:t>‹#›</a:t>
             </a:fld>
             <a:endParaRPr lang="en-US" dirty="0"/>
           </a:p>
@@ -3800,7 +3791,6 @@
               <a:rPr lang="zh-CN" altLang="en-US" smtClean="0"/>
               <a:t>单击此处编辑母版文本样式</a:t>
             </a:r>
-            <a:endParaRPr lang="zh-CN" altLang="en-US" smtClean="0"/>
           </a:p>
           <a:p>
             <a:pPr lvl="1"/>
@@ -3808,7 +3798,6 @@
               <a:rPr lang="zh-CN" altLang="en-US" smtClean="0"/>
               <a:t>二级</a:t>
             </a:r>
-            <a:endParaRPr lang="zh-CN" altLang="en-US" smtClean="0"/>
           </a:p>
           <a:p>
             <a:pPr lvl="2"/>
@@ -3816,7 +3805,6 @@
               <a:rPr lang="zh-CN" altLang="en-US" smtClean="0"/>
               <a:t>三级</a:t>
             </a:r>
-            <a:endParaRPr lang="zh-CN" altLang="en-US" smtClean="0"/>
           </a:p>
           <a:p>
             <a:pPr lvl="3"/>
@@ -3824,7 +3812,6 @@
               <a:rPr lang="zh-CN" altLang="en-US" smtClean="0"/>
               <a:t>四级</a:t>
             </a:r>
-            <a:endParaRPr lang="zh-CN" altLang="en-US" smtClean="0"/>
           </a:p>
           <a:p>
             <a:pPr lvl="4"/>
@@ -3861,7 +3848,6 @@
               <a:rPr lang="zh-CN" altLang="en-US" smtClean="0"/>
               <a:t>单击此处编辑母版文本样式</a:t>
             </a:r>
-            <a:endParaRPr lang="zh-CN" altLang="en-US" smtClean="0"/>
           </a:p>
           <a:p>
             <a:pPr lvl="1"/>
@@ -3869,7 +3855,6 @@
               <a:rPr lang="zh-CN" altLang="en-US" smtClean="0"/>
               <a:t>二级</a:t>
             </a:r>
-            <a:endParaRPr lang="zh-CN" altLang="en-US" smtClean="0"/>
           </a:p>
           <a:p>
             <a:pPr lvl="2"/>
@@ -3877,7 +3862,6 @@
               <a:rPr lang="zh-CN" altLang="en-US" smtClean="0"/>
               <a:t>三级</a:t>
             </a:r>
-            <a:endParaRPr lang="zh-CN" altLang="en-US" smtClean="0"/>
           </a:p>
           <a:p>
             <a:pPr lvl="3"/>
@@ -3885,7 +3869,6 @@
               <a:rPr lang="zh-CN" altLang="en-US" smtClean="0"/>
               <a:t>四级</a:t>
             </a:r>
-            <a:endParaRPr lang="zh-CN" altLang="en-US" smtClean="0"/>
           </a:p>
           <a:p>
             <a:pPr lvl="4"/>
@@ -3914,6 +3897,7 @@
           <a:p>
             <a:fld id="{D23BC6CE-6D1E-47E5-8859-F31AC5380EB2}" type="datetimeFigureOut">
               <a:rPr lang="en-US" dirty="0"/>
+              <a:t>4/8/16</a:t>
             </a:fld>
             <a:endParaRPr lang="en-US" dirty="0"/>
           </a:p>
@@ -3939,7 +3923,6 @@
               <a:t>
               </a:t>
             </a:r>
-            <a:endParaRPr lang="en-US" dirty="0"/>
           </a:p>
         </p:txBody>
       </p:sp>
@@ -3960,6 +3943,7 @@
           <a:p>
             <a:fld id="{6D22F896-40B5-4ADD-8801-0D06FADFA095}" type="slidenum">
               <a:rPr lang="en-US" dirty="0"/>
+              <a:t>‹#›</a:t>
             </a:fld>
             <a:endParaRPr lang="en-US" dirty="0"/>
           </a:p>
@@ -4107,7 +4091,6 @@
               <a:rPr lang="zh-CN" altLang="en-US" smtClean="0"/>
               <a:t>单击此处编辑母版文本样式</a:t>
             </a:r>
-            <a:endParaRPr lang="zh-CN" altLang="en-US" smtClean="0"/>
           </a:p>
         </p:txBody>
       </p:sp>
@@ -4136,7 +4119,6 @@
               <a:rPr lang="zh-CN" altLang="en-US" smtClean="0"/>
               <a:t>单击此处编辑母版文本样式</a:t>
             </a:r>
-            <a:endParaRPr lang="zh-CN" altLang="en-US" smtClean="0"/>
           </a:p>
           <a:p>
             <a:pPr lvl="1"/>
@@ -4144,7 +4126,6 @@
               <a:rPr lang="zh-CN" altLang="en-US" smtClean="0"/>
               <a:t>二级</a:t>
             </a:r>
-            <a:endParaRPr lang="zh-CN" altLang="en-US" smtClean="0"/>
           </a:p>
           <a:p>
             <a:pPr lvl="2"/>
@@ -4152,7 +4133,6 @@
               <a:rPr lang="zh-CN" altLang="en-US" smtClean="0"/>
               <a:t>三级</a:t>
             </a:r>
-            <a:endParaRPr lang="zh-CN" altLang="en-US" smtClean="0"/>
           </a:p>
           <a:p>
             <a:pPr lvl="3"/>
@@ -4160,7 +4140,6 @@
               <a:rPr lang="zh-CN" altLang="en-US" smtClean="0"/>
               <a:t>四级</a:t>
             </a:r>
-            <a:endParaRPr lang="zh-CN" altLang="en-US" smtClean="0"/>
           </a:p>
           <a:p>
             <a:pPr lvl="4"/>
@@ -4233,7 +4212,6 @@
               <a:rPr lang="zh-CN" altLang="en-US" smtClean="0"/>
               <a:t>单击此处编辑母版文本样式</a:t>
             </a:r>
-            <a:endParaRPr lang="zh-CN" altLang="en-US" smtClean="0"/>
           </a:p>
         </p:txBody>
       </p:sp>
@@ -4262,7 +4240,6 @@
               <a:rPr lang="zh-CN" altLang="en-US" smtClean="0"/>
               <a:t>单击此处编辑母版文本样式</a:t>
             </a:r>
-            <a:endParaRPr lang="zh-CN" altLang="en-US" smtClean="0"/>
           </a:p>
           <a:p>
             <a:pPr lvl="1"/>
@@ -4270,7 +4247,6 @@
               <a:rPr lang="zh-CN" altLang="en-US" smtClean="0"/>
               <a:t>二级</a:t>
             </a:r>
-            <a:endParaRPr lang="zh-CN" altLang="en-US" smtClean="0"/>
           </a:p>
           <a:p>
             <a:pPr lvl="2"/>
@@ -4278,7 +4254,6 @@
               <a:rPr lang="zh-CN" altLang="en-US" smtClean="0"/>
               <a:t>三级</a:t>
             </a:r>
-            <a:endParaRPr lang="zh-CN" altLang="en-US" smtClean="0"/>
           </a:p>
           <a:p>
             <a:pPr lvl="3"/>
@@ -4286,7 +4261,6 @@
               <a:rPr lang="zh-CN" altLang="en-US" smtClean="0"/>
               <a:t>四级</a:t>
             </a:r>
-            <a:endParaRPr lang="zh-CN" altLang="en-US" smtClean="0"/>
           </a:p>
           <a:p>
             <a:pPr lvl="4"/>
@@ -4315,6 +4289,7 @@
           <a:p>
             <a:fld id="{B1B4E7C4-4DA4-404D-9965-B13F2DD7D8BF}" type="datetimeFigureOut">
               <a:rPr lang="en-US" dirty="0"/>
+              <a:t>4/8/16</a:t>
             </a:fld>
             <a:endParaRPr lang="en-US" dirty="0"/>
           </a:p>
@@ -4340,7 +4315,6 @@
               <a:t>
               </a:t>
             </a:r>
-            <a:endParaRPr lang="en-US" dirty="0"/>
           </a:p>
         </p:txBody>
       </p:sp>
@@ -4361,6 +4335,7 @@
           <a:p>
             <a:fld id="{6D22F896-40B5-4ADD-8801-0D06FADFA095}" type="slidenum">
               <a:rPr lang="en-US" dirty="0"/>
+              <a:t>‹#›</a:t>
             </a:fld>
             <a:endParaRPr lang="en-US" dirty="0"/>
           </a:p>
@@ -4431,6 +4406,7 @@
           <a:p>
             <a:fld id="{476FB7AA-4A53-424F-AD41-70827B6504BA}" type="datetimeFigureOut">
               <a:rPr lang="en-US" dirty="0"/>
+              <a:t>4/8/16</a:t>
             </a:fld>
             <a:endParaRPr lang="en-US" dirty="0"/>
           </a:p>
@@ -4456,7 +4432,6 @@
               <a:t>
               </a:t>
             </a:r>
-            <a:endParaRPr lang="en-US" dirty="0"/>
           </a:p>
         </p:txBody>
       </p:sp>
@@ -4477,6 +4452,7 @@
           <a:p>
             <a:fld id="{6D22F896-40B5-4ADD-8801-0D06FADFA095}" type="slidenum">
               <a:rPr lang="en-US" dirty="0"/>
+              <a:t>‹#›</a:t>
             </a:fld>
             <a:endParaRPr lang="en-US" dirty="0"/>
           </a:p>
@@ -4524,6 +4500,7 @@
           <a:p>
             <a:fld id="{E7884882-FB12-4BC8-9960-9AD8104D7FAE}" type="datetimeFigureOut">
               <a:rPr lang="en-US" dirty="0"/>
+              <a:t>4/8/16</a:t>
             </a:fld>
             <a:endParaRPr lang="en-US" dirty="0"/>
           </a:p>
@@ -4549,7 +4526,6 @@
               <a:t>
               </a:t>
             </a:r>
-            <a:endParaRPr lang="en-US" dirty="0"/>
           </a:p>
         </p:txBody>
       </p:sp>
@@ -4570,6 +4546,7 @@
           <a:p>
             <a:fld id="{6D22F896-40B5-4ADD-8801-0D06FADFA095}" type="slidenum">
               <a:rPr lang="en-US" dirty="0"/>
+              <a:t>‹#›</a:t>
             </a:fld>
             <a:endParaRPr lang="en-US" dirty="0"/>
           </a:p>
@@ -4657,7 +4634,6 @@
               <a:rPr lang="zh-CN" altLang="en-US" smtClean="0"/>
               <a:t>单击此处编辑母版文本样式</a:t>
             </a:r>
-            <a:endParaRPr lang="zh-CN" altLang="en-US" smtClean="0"/>
           </a:p>
           <a:p>
             <a:pPr lvl="1"/>
@@ -4665,7 +4641,6 @@
               <a:rPr lang="zh-CN" altLang="en-US" smtClean="0"/>
               <a:t>二级</a:t>
             </a:r>
-            <a:endParaRPr lang="zh-CN" altLang="en-US" smtClean="0"/>
           </a:p>
           <a:p>
             <a:pPr lvl="2"/>
@@ -4673,7 +4648,6 @@
               <a:rPr lang="zh-CN" altLang="en-US" smtClean="0"/>
               <a:t>三级</a:t>
             </a:r>
-            <a:endParaRPr lang="zh-CN" altLang="en-US" smtClean="0"/>
           </a:p>
           <a:p>
             <a:pPr lvl="3"/>
@@ -4681,7 +4655,6 @@
               <a:rPr lang="zh-CN" altLang="en-US" smtClean="0"/>
               <a:t>四级</a:t>
             </a:r>
-            <a:endParaRPr lang="zh-CN" altLang="en-US" smtClean="0"/>
           </a:p>
           <a:p>
             <a:pPr lvl="4"/>
@@ -4779,7 +4752,6 @@
               <a:rPr lang="zh-CN" altLang="en-US" smtClean="0"/>
               <a:t>单击此处编辑母版文本样式</a:t>
             </a:r>
-            <a:endParaRPr lang="zh-CN" altLang="en-US" smtClean="0"/>
           </a:p>
         </p:txBody>
       </p:sp>
@@ -4800,6 +4772,7 @@
           <a:p>
             <a:fld id="{F7D1BD23-6E54-4D9D-AD88-A2813C73CC25}" type="datetimeFigureOut">
               <a:rPr lang="en-US" dirty="0"/>
+              <a:t>4/8/16</a:t>
             </a:fld>
             <a:endParaRPr lang="en-US" dirty="0"/>
           </a:p>
@@ -4825,7 +4798,6 @@
               <a:t>
               </a:t>
             </a:r>
-            <a:endParaRPr lang="en-US" dirty="0"/>
           </a:p>
         </p:txBody>
       </p:sp>
@@ -4846,6 +4818,7 @@
           <a:p>
             <a:fld id="{6D22F896-40B5-4ADD-8801-0D06FADFA095}" type="slidenum">
               <a:rPr lang="en-US" dirty="0"/>
+              <a:t>‹#›</a:t>
             </a:fld>
             <a:endParaRPr lang="en-US" dirty="0"/>
           </a:p>
@@ -5059,7 +5032,6 @@
               <a:rPr lang="zh-CN" altLang="en-US" smtClean="0"/>
               <a:t>单击此处编辑母版文本样式</a:t>
             </a:r>
-            <a:endParaRPr lang="zh-CN" altLang="en-US" smtClean="0"/>
           </a:p>
         </p:txBody>
       </p:sp>
@@ -5080,6 +5052,7 @@
           <a:p>
             <a:fld id="{1471A834-4F3C-4AF9-9C74-05EC35A0F292}" type="datetimeFigureOut">
               <a:rPr lang="en-US" dirty="0"/>
+              <a:t>4/8/16</a:t>
             </a:fld>
             <a:endParaRPr lang="en-US" dirty="0"/>
           </a:p>
@@ -5105,7 +5078,6 @@
               <a:t>
               </a:t>
             </a:r>
-            <a:endParaRPr lang="en-US" dirty="0"/>
           </a:p>
         </p:txBody>
       </p:sp>
@@ -5126,6 +5098,7 @@
           <a:p>
             <a:fld id="{6D22F896-40B5-4ADD-8801-0D06FADFA095}" type="slidenum">
               <a:rPr lang="en-US" dirty="0"/>
+              <a:t>‹#›</a:t>
             </a:fld>
             <a:endParaRPr lang="en-US" dirty="0"/>
           </a:p>
@@ -5145,7 +5118,7 @@
     <p:bg>
       <p:bgPr>
         <a:blipFill dpi="0" rotWithShape="1">
-          <a:blip r:embed="rId18">
+          <a:blip r:embed="rId19">
             <a:lum/>
           </a:blip>
           <a:srcRect/>
@@ -5233,7 +5206,6 @@
               <a:rPr lang="zh-CN" altLang="en-US" smtClean="0"/>
               <a:t>单击此处编辑母版文本样式</a:t>
             </a:r>
-            <a:endParaRPr lang="zh-CN" altLang="en-US" smtClean="0"/>
           </a:p>
           <a:p>
             <a:pPr lvl="1"/>
@@ -5241,7 +5213,6 @@
               <a:rPr lang="zh-CN" altLang="en-US" smtClean="0"/>
               <a:t>二级</a:t>
             </a:r>
-            <a:endParaRPr lang="zh-CN" altLang="en-US" smtClean="0"/>
           </a:p>
           <a:p>
             <a:pPr lvl="2"/>
@@ -5249,7 +5220,6 @@
               <a:rPr lang="zh-CN" altLang="en-US" smtClean="0"/>
               <a:t>三级</a:t>
             </a:r>
-            <a:endParaRPr lang="zh-CN" altLang="en-US" smtClean="0"/>
           </a:p>
           <a:p>
             <a:pPr lvl="3"/>
@@ -5257,7 +5227,6 @@
               <a:rPr lang="zh-CN" altLang="en-US" smtClean="0"/>
               <a:t>四级</a:t>
             </a:r>
-            <a:endParaRPr lang="zh-CN" altLang="en-US" smtClean="0"/>
           </a:p>
           <a:p>
             <a:pPr lvl="4"/>
@@ -5322,6 +5291,7 @@
           <a:p>
             <a:fld id="{51CF1133-3259-4C45-BABA-5B62D9C6F78D}" type="datetimeFigureOut">
               <a:rPr lang="en-US" dirty="0"/>
+              <a:t>4/8/16</a:t>
             </a:fld>
             <a:endParaRPr lang="en-US" dirty="0"/>
           </a:p>
@@ -5383,7 +5353,6 @@
               <a:t>
               </a:t>
             </a:r>
-            <a:endParaRPr lang="en-US" dirty="0"/>
           </a:p>
         </p:txBody>
       </p:sp>
@@ -5440,6 +5409,7 @@
           <a:p>
             <a:fld id="{6D22F896-40B5-4ADD-8801-0D06FADFA095}" type="slidenum">
               <a:rPr lang="en-US" dirty="0"/>
+              <a:t>‹#›</a:t>
             </a:fld>
             <a:endParaRPr lang="en-US" dirty="0"/>
           </a:p>
@@ -5908,7 +5878,6 @@
               <a:rPr kumimoji="1" lang="zh-CN" altLang="en-US" sz="7200" dirty="0"/>
               <a:t>汇报</a:t>
             </a:r>
-            <a:endParaRPr kumimoji="1" lang="zh-CN" altLang="en-US" sz="7200" dirty="0"/>
           </a:p>
         </p:txBody>
       </p:sp>
@@ -5931,7 +5900,6 @@
               <a:rPr kumimoji="1" lang="en-US" altLang="en-US"/>
               <a:t>HearthStone Team</a:t>
             </a:r>
-            <a:endParaRPr kumimoji="1" lang="en-US" altLang="en-US"/>
           </a:p>
         </p:txBody>
       </p:sp>
@@ -6022,25 +5990,18 @@
           <a:p>
             <a:r>
               <a:rPr kumimoji="1" lang="zh-CN" altLang="en-US" dirty="0" smtClean="0"/>
-              <a:t>文档内容的编辑，撰写。</a:t>
+              <a:t>文档内容的编辑，撰写</a:t>
+            </a:r>
+            <a:r>
+              <a:rPr kumimoji="1" lang="zh-CN" altLang="en-US" dirty="0" smtClean="0"/>
+              <a:t>。</a:t>
             </a:r>
             <a:endParaRPr kumimoji="1" lang="en-US" altLang="zh-CN" dirty="0" smtClean="0"/>
           </a:p>
           <a:p>
             <a:r>
               <a:rPr kumimoji="1" lang="zh-CN" altLang="en-US" dirty="0" smtClean="0"/>
-              <a:t>文档格式整理。</a:t>
-            </a:r>
-            <a:endParaRPr kumimoji="1" lang="en-US" altLang="zh-CN" dirty="0" smtClean="0"/>
-          </a:p>
-          <a:p>
-            <a:r>
-              <a:rPr kumimoji="1" lang="zh-CN" altLang="en-US" dirty="0" smtClean="0"/>
-              <a:t>参与程序的测试，了解</a:t>
-            </a:r>
-            <a:r>
-              <a:rPr kumimoji="1" lang="zh-CN" altLang="en-US" smtClean="0"/>
-              <a:t>程序的处理流程。</a:t>
+              <a:t>参与程序的测试，了解程序的处理流程。</a:t>
             </a:r>
             <a:endParaRPr kumimoji="1" lang="en-US" altLang="zh-CN" dirty="0" smtClean="0"/>
           </a:p>
@@ -6136,7 +6097,6 @@
               <a:rPr lang="zh-CN" altLang="en-US"/>
               <a:t>的检测与报错）进行了面向数据的分析</a:t>
             </a:r>
-            <a:endParaRPr lang="zh-CN" altLang="en-US"/>
           </a:p>
           <a:p>
             <a:r>
@@ -6159,7 +6119,6 @@
               <a:rPr lang="zh-CN" altLang="en-US"/>
               <a:t>类与对象之间的关系</a:t>
             </a:r>
-            <a:endParaRPr lang="zh-CN" altLang="en-US"/>
           </a:p>
           <a:p>
             <a:r>
@@ -6186,7 +6145,6 @@
               <a:rPr lang="zh-CN" altLang="en-US"/>
               <a:t>挂钩</a:t>
             </a:r>
-            <a:endParaRPr lang="zh-CN" altLang="en-US"/>
           </a:p>
         </p:txBody>
       </p:sp>
@@ -6281,7 +6239,6 @@
               <a:rPr lang="zh-CN" altLang="en-US"/>
               <a:t>的检测与报错）进行了面向数据的分析</a:t>
             </a:r>
-            <a:endParaRPr lang="zh-CN" altLang="en-US"/>
           </a:p>
           <a:p>
             <a:r>
@@ -6304,7 +6261,6 @@
               <a:rPr lang="zh-CN" altLang="en-US"/>
               <a:t>类与对象之间的关系</a:t>
             </a:r>
-            <a:endParaRPr lang="zh-CN" altLang="en-US"/>
           </a:p>
           <a:p>
             <a:r>
@@ -6331,7 +6287,6 @@
               <a:rPr lang="zh-CN" altLang="en-US"/>
               <a:t>挂钩</a:t>
             </a:r>
-            <a:endParaRPr lang="zh-CN" altLang="en-US"/>
           </a:p>
         </p:txBody>
       </p:sp>
@@ -6344,7 +6299,7 @@
           <p:nvPr/>
         </p:nvPicPr>
         <p:blipFill>
-          <a:blip r:embed="rId1"/>
+          <a:blip r:embed="rId2"/>
           <a:stretch>
             <a:fillRect/>
           </a:stretch>
@@ -6411,7 +6366,6 @@
               <a:rPr kumimoji="1" lang="zh-CN" altLang="en-US" dirty="0" smtClean="0"/>
               <a:t>样例二测试</a:t>
             </a:r>
-            <a:endParaRPr kumimoji="1" lang="zh-CN" altLang="en-US" dirty="0" smtClean="0"/>
           </a:p>
         </p:txBody>
       </p:sp>
@@ -6439,7 +6393,6 @@
               <a:rPr kumimoji="1" lang="zh-CN" altLang="en-US" dirty="0"/>
               <a:t>样例侧重点</a:t>
             </a:r>
-            <a:endParaRPr kumimoji="1" lang="zh-CN" altLang="en-US" dirty="0"/>
           </a:p>
           <a:p>
             <a:pPr lvl="1"/>
@@ -6447,7 +6400,6 @@
               <a:rPr kumimoji="1" lang="zh-CN" altLang="en-US" dirty="0"/>
               <a:t>悬垂指针用于指针初始化（赋值），导致指针状态异常。</a:t>
             </a:r>
-            <a:endParaRPr kumimoji="1" lang="zh-CN" altLang="en-US" dirty="0"/>
           </a:p>
           <a:p>
             <a:pPr lvl="0"/>
@@ -6455,7 +6407,6 @@
               <a:rPr kumimoji="1" lang="zh-CN" altLang="en-US" sz="2800" dirty="0"/>
               <a:t>对比性样例</a:t>
             </a:r>
-            <a:endParaRPr kumimoji="1" lang="zh-CN" altLang="en-US" sz="2800" dirty="0"/>
           </a:p>
           <a:p>
             <a:pPr lvl="1"/>
@@ -6465,9 +6416,6 @@
               </a:rPr>
               <a:t>指针由另一指针初始化后，后者被释放导致前者成为悬垂指针</a:t>
             </a:r>
-            <a:endParaRPr kumimoji="1" lang="zh-CN" altLang="en-US" dirty="0">
-              <a:sym typeface="+mn-ea"/>
-            </a:endParaRPr>
           </a:p>
           <a:p>
             <a:pPr lvl="1"/>
@@ -6475,7 +6423,6 @@
               <a:rPr kumimoji="1" lang="zh-CN" altLang="en-US" sz="2400" dirty="0"/>
               <a:t>指针由未初始化的指针初始化</a:t>
             </a:r>
-            <a:endParaRPr kumimoji="1" lang="zh-CN" altLang="en-US" sz="2400" dirty="0"/>
           </a:p>
           <a:p>
             <a:pPr lvl="0"/>
@@ -6483,7 +6430,6 @@
               <a:rPr kumimoji="1" lang="zh-CN" altLang="en-US" dirty="0"/>
               <a:t>名词解释</a:t>
             </a:r>
-            <a:endParaRPr kumimoji="1" lang="zh-CN" altLang="en-US" dirty="0"/>
           </a:p>
           <a:p>
             <a:pPr lvl="1"/>
@@ -6491,7 +6437,6 @@
               <a:rPr kumimoji="1" lang="zh-CN" altLang="en-US" dirty="0"/>
               <a:t>悬垂指针</a:t>
             </a:r>
-            <a:endParaRPr kumimoji="1" lang="zh-CN" altLang="en-US" dirty="0"/>
           </a:p>
           <a:p>
             <a:pPr lvl="2"/>
@@ -6499,7 +6444,6 @@
               <a:rPr kumimoji="1" lang="zh-CN" altLang="en-US" dirty="0"/>
               <a:t>指针所指向内容被释放后，指针指向无效内存，此时指针被称为悬垂指针。</a:t>
             </a:r>
-            <a:endParaRPr kumimoji="1" lang="zh-CN" altLang="en-US" dirty="0"/>
           </a:p>
           <a:p>
             <a:pPr lvl="2"/>
@@ -6507,7 +6451,6 @@
               <a:rPr kumimoji="1" lang="zh-CN" altLang="en-US" dirty="0"/>
               <a:t>通常出现在对象释放后指针未重设，或者对象的不当多重引用。</a:t>
             </a:r>
-            <a:endParaRPr kumimoji="1" lang="zh-CN" altLang="en-US" dirty="0"/>
           </a:p>
           <a:p>
             <a:pPr lvl="2"/>
@@ -6515,7 +6458,6 @@
               <a:rPr kumimoji="1" lang="zh-CN" altLang="en-US" dirty="0"/>
               <a:t>及时重设指针，或者合理控制指针的作用域，有助于避免悬垂指针的出现。</a:t>
             </a:r>
-            <a:endParaRPr kumimoji="1" lang="zh-CN" altLang="en-US" dirty="0"/>
           </a:p>
         </p:txBody>
       </p:sp>
@@ -6570,7 +6512,6 @@
               <a:rPr kumimoji="1" lang="zh-CN" altLang="en-US" dirty="0" smtClean="0"/>
               <a:t>样例二测试</a:t>
             </a:r>
-            <a:endParaRPr kumimoji="1" lang="zh-CN" altLang="en-US" dirty="0" smtClean="0"/>
           </a:p>
         </p:txBody>
       </p:sp>
@@ -6606,7 +6547,6 @@
               <a:rPr kumimoji="1" lang="zh-CN" altLang="en-US" dirty="0"/>
               <a:t>：</a:t>
             </a:r>
-            <a:endParaRPr kumimoji="1" lang="zh-CN" altLang="en-US" dirty="0"/>
           </a:p>
           <a:p>
             <a:pPr marL="457200" lvl="1" indent="0">
@@ -6616,7 +6556,6 @@
               <a:rPr kumimoji="1" lang="zh-CN" altLang="en-US" dirty="0"/>
               <a:t>class demo;</a:t>
             </a:r>
-            <a:endParaRPr kumimoji="1" lang="zh-CN" altLang="en-US" dirty="0"/>
           </a:p>
           <a:p>
             <a:pPr marL="457200" lvl="1" indent="0">
@@ -6626,7 +6565,6 @@
               <a:rPr kumimoji="1" lang="zh-CN" altLang="en-US" dirty="0"/>
               <a:t>int main()</a:t>
             </a:r>
-            <a:endParaRPr kumimoji="1" lang="zh-CN" altLang="en-US" dirty="0"/>
           </a:p>
           <a:p>
             <a:pPr marL="457200" lvl="1" indent="0">
@@ -6636,7 +6574,6 @@
               <a:rPr kumimoji="1" lang="zh-CN" altLang="en-US" dirty="0"/>
               <a:t>{</a:t>
             </a:r>
-            <a:endParaRPr kumimoji="1" lang="zh-CN" altLang="en-US" dirty="0"/>
           </a:p>
           <a:p>
             <a:pPr marL="457200" lvl="1" indent="0">
@@ -6646,7 +6583,6 @@
               <a:rPr kumimoji="1" lang="zh-CN" altLang="en-US" dirty="0"/>
               <a:t>    demo *p1 = new demo();</a:t>
             </a:r>
-            <a:endParaRPr kumimoji="1" lang="zh-CN" altLang="en-US" dirty="0"/>
           </a:p>
           <a:p>
             <a:pPr marL="457200" lvl="1" indent="0">
@@ -6656,7 +6592,6 @@
               <a:rPr kumimoji="1" lang="zh-CN" altLang="en-US" dirty="0"/>
               <a:t>    delete p1;</a:t>
             </a:r>
-            <a:endParaRPr kumimoji="1" lang="zh-CN" altLang="en-US" dirty="0"/>
           </a:p>
           <a:p>
             <a:pPr marL="457200" lvl="1" indent="0">
@@ -6666,7 +6601,6 @@
               <a:rPr kumimoji="1" lang="zh-CN" altLang="en-US" dirty="0"/>
               <a:t>    demo *p2 = p1;</a:t>
             </a:r>
-            <a:endParaRPr kumimoji="1" lang="zh-CN" altLang="en-US" dirty="0"/>
           </a:p>
           <a:p>
             <a:pPr marL="457200" lvl="1" indent="0">
@@ -6676,7 +6610,6 @@
               <a:rPr kumimoji="1" lang="zh-CN" altLang="en-US" dirty="0"/>
               <a:t>    p1-&gt;func();</a:t>
             </a:r>
-            <a:endParaRPr kumimoji="1" lang="zh-CN" altLang="en-US" dirty="0"/>
           </a:p>
           <a:p>
             <a:pPr marL="457200" lvl="1" indent="0">
@@ -6686,7 +6619,6 @@
               <a:rPr kumimoji="1" lang="zh-CN" altLang="en-US" dirty="0"/>
               <a:t>    p2-&gt;func();</a:t>
             </a:r>
-            <a:endParaRPr kumimoji="1" lang="zh-CN" altLang="en-US" dirty="0"/>
           </a:p>
           <a:p>
             <a:pPr marL="457200" lvl="1" indent="0">
@@ -6696,7 +6628,6 @@
               <a:rPr kumimoji="1" lang="zh-CN" altLang="en-US" dirty="0"/>
               <a:t>}</a:t>
             </a:r>
-            <a:endParaRPr kumimoji="1" lang="zh-CN" altLang="en-US" dirty="0"/>
           </a:p>
         </p:txBody>
       </p:sp>
@@ -6993,7 +6924,6 @@
               <a:rPr kumimoji="1" lang="zh-CN" altLang="en-US" dirty="0"/>
               <a:t>：</a:t>
             </a:r>
-            <a:endParaRPr kumimoji="1" lang="zh-CN" altLang="en-US" dirty="0"/>
           </a:p>
           <a:p>
             <a:pPr marL="457200" lvl="1" indent="0">
@@ -7003,7 +6933,6 @@
               <a:rPr kumimoji="1" lang="zh-CN" altLang="en-US" dirty="0"/>
               <a:t>int main()</a:t>
             </a:r>
-            <a:endParaRPr kumimoji="1" lang="zh-CN" altLang="en-US" dirty="0"/>
           </a:p>
           <a:p>
             <a:pPr marL="457200" lvl="1" indent="0">
@@ -7013,7 +6942,6 @@
               <a:rPr kumimoji="1" lang="zh-CN" altLang="en-US" dirty="0"/>
               <a:t>{</a:t>
             </a:r>
-            <a:endParaRPr kumimoji="1" lang="zh-CN" altLang="en-US" dirty="0"/>
           </a:p>
           <a:p>
             <a:pPr marL="457200" lvl="1" indent="0">
@@ -7023,7 +6951,6 @@
               <a:rPr kumimoji="1" lang="zh-CN" altLang="en-US" dirty="0"/>
               <a:t>    int *p1 = new int(0);</a:t>
             </a:r>
-            <a:endParaRPr kumimoji="1" lang="zh-CN" altLang="en-US" dirty="0"/>
           </a:p>
           <a:p>
             <a:pPr marL="457200" lvl="1" indent="0">
@@ -7033,7 +6960,6 @@
               <a:rPr kumimoji="1" lang="zh-CN" altLang="en-US" dirty="0"/>
               <a:t>    delete p1;</a:t>
             </a:r>
-            <a:endParaRPr kumimoji="1" lang="zh-CN" altLang="en-US" dirty="0"/>
           </a:p>
           <a:p>
             <a:pPr marL="457200" lvl="1" indent="0">
@@ -7043,7 +6969,6 @@
               <a:rPr kumimoji="1" lang="zh-CN" altLang="en-US" dirty="0"/>
               <a:t>    int *p2 = p1;</a:t>
             </a:r>
-            <a:endParaRPr kumimoji="1" lang="zh-CN" altLang="en-US" dirty="0"/>
           </a:p>
           <a:p>
             <a:pPr marL="457200" lvl="1" indent="0">
@@ -7053,7 +6978,6 @@
               <a:rPr kumimoji="1" lang="zh-CN" altLang="en-US" dirty="0"/>
               <a:t>    *p1=0;</a:t>
             </a:r>
-            <a:endParaRPr kumimoji="1" lang="zh-CN" altLang="en-US" dirty="0"/>
           </a:p>
           <a:p>
             <a:pPr marL="457200" lvl="1" indent="0">
@@ -7063,7 +6987,6 @@
               <a:rPr kumimoji="1" lang="zh-CN" altLang="en-US" dirty="0"/>
               <a:t>    *p2=0;</a:t>
             </a:r>
-            <a:endParaRPr kumimoji="1" lang="zh-CN" altLang="en-US" dirty="0"/>
           </a:p>
           <a:p>
             <a:pPr marL="457200" lvl="1" indent="0">
@@ -7073,7 +6996,6 @@
               <a:rPr kumimoji="1" lang="zh-CN" altLang="en-US" dirty="0"/>
               <a:t>}</a:t>
             </a:r>
-            <a:endParaRPr kumimoji="1" lang="zh-CN" altLang="en-US" dirty="0"/>
           </a:p>
         </p:txBody>
       </p:sp>
@@ -7153,7 +7075,6 @@
               <a:rPr lang="zh-CN" altLang="en-US"/>
               <a:t>测试输出：</a:t>
             </a:r>
-            <a:endParaRPr lang="zh-CN" altLang="en-US"/>
           </a:p>
           <a:p>
             <a:pPr lvl="1"/>
@@ -7165,7 +7086,6 @@
               <a:rPr lang="zh-CN" altLang="en-US"/>
               <a:t>第六行“demo *p2 = p1;”，p1未初始化。</a:t>
             </a:r>
-            <a:endParaRPr lang="zh-CN" altLang="en-US"/>
           </a:p>
           <a:p>
             <a:pPr lvl="1"/>
@@ -7177,7 +7097,6 @@
               <a:rPr lang="zh-CN" altLang="en-US"/>
               <a:t>第五行“int *p2 = p1;”，p1未初始化。</a:t>
             </a:r>
-            <a:endParaRPr lang="zh-CN" altLang="en-US"/>
           </a:p>
           <a:p>
             <a:pPr lvl="0"/>
@@ -7185,7 +7104,6 @@
               <a:rPr lang="zh-CN" altLang="en-US"/>
               <a:t>黑盒测试结论：</a:t>
             </a:r>
-            <a:endParaRPr lang="zh-CN" altLang="en-US"/>
           </a:p>
           <a:p>
             <a:pPr lvl="1"/>
@@ -7209,7 +7127,6 @@
               <a:rPr lang="zh-CN" altLang="en-US"/>
               <a:t>基础类型对于指针的分析结果没有影响</a:t>
             </a:r>
-            <a:endParaRPr lang="zh-CN" altLang="en-US"/>
           </a:p>
           <a:p>
             <a:pPr lvl="1"/>
@@ -7225,7 +7142,6 @@
               <a:rPr lang="zh-CN" altLang="en-US"/>
               <a:t>没有任何的信息输出</a:t>
             </a:r>
-            <a:endParaRPr lang="zh-CN" altLang="en-US"/>
           </a:p>
           <a:p>
             <a:pPr lvl="1"/>
@@ -7253,7 +7169,6 @@
               <a:rPr lang="zh-CN" altLang="en-US"/>
               <a:t>后造成的悬垂指针可能被视为未初始化。</a:t>
             </a:r>
-            <a:endParaRPr lang="zh-CN" altLang="en-US"/>
           </a:p>
           <a:p>
             <a:pPr lvl="1"/>
@@ -7285,7 +7200,6 @@
               <a:rPr lang="zh-CN" altLang="en-US"/>
               <a:t>型指针仍未提示异常访问。</a:t>
             </a:r>
-            <a:endParaRPr lang="zh-CN" altLang="en-US"/>
           </a:p>
           <a:p>
             <a:pPr lvl="1"/>
@@ -7381,7 +7295,6 @@
               <a:rPr lang="zh-CN" altLang="en-US"/>
               <a:t>测试方法</a:t>
             </a:r>
-            <a:endParaRPr lang="zh-CN" altLang="en-US"/>
           </a:p>
           <a:p>
             <a:pPr lvl="1"/>
@@ -7389,14 +7302,12 @@
               <a:rPr lang="zh-CN" altLang="en-US"/>
               <a:t>白盒测试</a:t>
             </a:r>
-            <a:endParaRPr lang="zh-CN" altLang="en-US"/>
           </a:p>
           <a:p>
             <a:r>
               <a:rPr lang="zh-CN" altLang="en-US"/>
               <a:t>侧重点</a:t>
             </a:r>
-            <a:endParaRPr lang="zh-CN" altLang="en-US"/>
           </a:p>
           <a:p>
             <a:pPr lvl="1"/>
@@ -7408,7 +7319,6 @@
               <a:rPr lang="zh-CN" altLang="en-US" u="sng"/>
               <a:t>流程</a:t>
             </a:r>
-            <a:endParaRPr lang="zh-CN" altLang="en-US" u="sng"/>
           </a:p>
           <a:p>
             <a:pPr lvl="1"/>
@@ -7416,7 +7326,6 @@
               <a:rPr lang="zh-CN" altLang="en-US"/>
               <a:t>分析各模块组成和作用方式</a:t>
             </a:r>
-            <a:endParaRPr lang="zh-CN" altLang="en-US"/>
           </a:p>
           <a:p>
             <a:pPr lvl="1"/>
@@ -7424,7 +7333,6 @@
               <a:rPr lang="zh-CN" altLang="en-US"/>
               <a:t>了解数据被处理的顺序</a:t>
             </a:r>
-            <a:endParaRPr lang="zh-CN" altLang="en-US"/>
           </a:p>
         </p:txBody>
       </p:sp>
@@ -7516,7 +7424,6 @@
               <a:rPr lang="zh-CN" altLang="en-US"/>
               <a:t>白盒测试分析</a:t>
             </a:r>
-            <a:endParaRPr lang="zh-CN" altLang="en-US"/>
           </a:p>
           <a:p>
             <a:pPr lvl="1"/>
@@ -7542,7 +7449,6 @@
               <a:rPr lang="zh-CN" altLang="en-US"/>
               <a:t>类没有检测出p2异常使用（func函数未定义也可能是原因之一）。</a:t>
             </a:r>
-            <a:endParaRPr lang="zh-CN" altLang="en-US"/>
           </a:p>
           <a:p>
             <a:pPr lvl="1"/>
@@ -7560,7 +7466,6 @@
               <a:rPr lang="zh-CN" altLang="en-US"/>
               <a:t>功能异常，p1的值不确定是在delete后确定“未初始化”还是保持了value的初始值“未初始化”。</a:t>
             </a:r>
-            <a:endParaRPr lang="zh-CN" altLang="en-US"/>
           </a:p>
           <a:p>
             <a:pPr marL="0" lvl="0" indent="0">
@@ -7612,21 +7517,16 @@
             <p:ph type="title"/>
           </p:nvPr>
         </p:nvSpPr>
-        <p:spPr>
-          <a:xfrm>
-            <a:off x="838200" y="232410"/>
-            <a:ext cx="10515600" cy="1325563"/>
-          </a:xfrm>
-        </p:spPr>
+        <p:spPr/>
         <p:txBody>
           <a:bodyPr/>
           <a:lstStyle/>
           <a:p>
             <a:r>
-              <a:rPr kumimoji="1" lang="zh-CN" altLang="en-US"/>
-              <a:t>主要流程分析</a:t>
-            </a:r>
-            <a:endParaRPr kumimoji="1" lang="zh-CN" altLang="en-US"/>
+              <a:rPr kumimoji="1" lang="zh-CN" altLang="en-US" dirty="0" smtClean="0"/>
+              <a:t>关于我</a:t>
+            </a:r>
+            <a:endParaRPr kumimoji="1" lang="zh-CN" altLang="en-US" dirty="0"/>
           </a:p>
         </p:txBody>
       </p:sp>
@@ -7640,641 +7540,55 @@
             <p:ph idx="1"/>
           </p:nvPr>
         </p:nvSpPr>
-        <p:spPr>
-          <a:xfrm>
-            <a:off x="157480" y="1431290"/>
-            <a:ext cx="11891645" cy="5335905"/>
-          </a:xfrm>
-        </p:spPr>
+        <p:spPr/>
         <p:txBody>
-          <a:bodyPr>
-            <a:noAutofit/>
-          </a:bodyPr>
+          <a:bodyPr/>
           <a:lstStyle/>
           <a:p>
-            <a:pPr>
-              <a:lnSpc>
-                <a:spcPct val="70000"/>
-              </a:lnSpc>
-            </a:pPr>
-            <a:r>
-              <a:rPr kumimoji="1" lang="en-US" altLang="en-US" sz="2000" dirty="0" err="1">
-                <a:sym typeface="+mn-ea"/>
-              </a:rPr>
-              <a:t>CppCheck</a:t>
-            </a:r>
-            <a:r>
-              <a:rPr kumimoji="1" lang="zh-CN" altLang="en-US" sz="2000" dirty="0">
-                <a:sym typeface="+mn-ea"/>
-              </a:rPr>
-              <a:t>类，处理单个文件</a:t>
-            </a:r>
-            <a:endParaRPr kumimoji="1" lang="zh-CN" altLang="en-US" sz="2000" dirty="0">
-              <a:sym typeface="+mn-ea"/>
-            </a:endParaRPr>
-          </a:p>
-          <a:p>
-            <a:pPr marL="0" indent="0">
-              <a:lnSpc>
-                <a:spcPct val="70000"/>
-              </a:lnSpc>
-              <a:buNone/>
-            </a:pPr>
-            <a:r>
-              <a:rPr kumimoji="1" lang="en-US" altLang="zh-CN" sz="2000" dirty="0">
-                <a:sym typeface="+mn-ea"/>
-              </a:rPr>
-              <a:t>	</a:t>
-            </a:r>
-            <a:r>
-              <a:rPr kumimoji="1" lang="zh-CN" altLang="en-US" sz="2000" dirty="0">
-                <a:sym typeface="+mn-ea"/>
-              </a:rPr>
-              <a:t>加入预定义宏</a:t>
-            </a:r>
-            <a:endParaRPr kumimoji="1" lang="zh-CN" altLang="en-US" sz="2000" dirty="0">
-              <a:sym typeface="+mn-ea"/>
-            </a:endParaRPr>
-          </a:p>
-          <a:p>
-            <a:pPr marL="0" indent="0">
-              <a:lnSpc>
-                <a:spcPct val="70000"/>
-              </a:lnSpc>
-              <a:buNone/>
-            </a:pPr>
-            <a:r>
-              <a:rPr kumimoji="1" lang="en-US" altLang="zh-CN" sz="2000" dirty="0">
-                <a:sym typeface="+mn-ea"/>
-              </a:rPr>
-              <a:t>	</a:t>
-            </a:r>
-            <a:r>
-              <a:rPr kumimoji="1" lang="zh-CN" altLang="en-US" sz="2000" dirty="0">
-                <a:sym typeface="+mn-ea"/>
-              </a:rPr>
-              <a:t>使用</a:t>
-            </a:r>
-            <a:r>
-              <a:rPr kumimoji="1" lang="en-US" altLang="en-US" sz="2000" dirty="0">
-                <a:sym typeface="+mn-ea"/>
-              </a:rPr>
-              <a:t>Preprocessor</a:t>
-            </a:r>
-            <a:r>
-              <a:rPr kumimoji="1" lang="zh-CN" altLang="en-US" sz="2000" dirty="0">
-                <a:sym typeface="+mn-ea"/>
-              </a:rPr>
-              <a:t>预处理源文件</a:t>
-            </a:r>
-            <a:endParaRPr kumimoji="1" lang="zh-CN" altLang="en-US" sz="2000" dirty="0">
-              <a:sym typeface="+mn-ea"/>
-            </a:endParaRPr>
-          </a:p>
-          <a:p>
-            <a:pPr marL="0" indent="0">
-              <a:lnSpc>
-                <a:spcPct val="70000"/>
-              </a:lnSpc>
-              <a:buNone/>
-            </a:pPr>
-            <a:r>
-              <a:rPr kumimoji="1" lang="en-US" altLang="zh-CN" sz="2000" dirty="0">
-                <a:sym typeface="+mn-ea"/>
-              </a:rPr>
-              <a:t>	</a:t>
-            </a:r>
-            <a:r>
-              <a:rPr kumimoji="1" lang="zh-CN" altLang="en-US" sz="2000" dirty="0">
-                <a:sym typeface="+mn-ea"/>
-              </a:rPr>
-              <a:t>在文件内容前添加文件自身信息，一同进行</a:t>
-            </a:r>
-            <a:r>
-              <a:rPr kumimoji="1" lang="en-US" altLang="en-US" sz="2000" dirty="0">
-                <a:sym typeface="+mn-ea"/>
-              </a:rPr>
-              <a:t>tokenize</a:t>
-            </a:r>
-            <a:endParaRPr kumimoji="1" lang="en-US" altLang="en-US" sz="2000" dirty="0">
-              <a:sym typeface="+mn-ea"/>
-            </a:endParaRPr>
-          </a:p>
-          <a:p>
-            <a:pPr marL="0" indent="0">
-              <a:lnSpc>
-                <a:spcPct val="70000"/>
-              </a:lnSpc>
-              <a:buNone/>
-            </a:pPr>
-            <a:r>
-              <a:rPr kumimoji="1" lang="en-US" altLang="zh-CN" sz="2000" dirty="0">
-                <a:sym typeface="+mn-ea"/>
-              </a:rPr>
-              <a:t>	</a:t>
-            </a:r>
-            <a:r>
-              <a:rPr kumimoji="1" lang="zh-CN" altLang="en-US" sz="2000" dirty="0">
-                <a:sym typeface="+mn-ea"/>
-              </a:rPr>
-              <a:t>进入</a:t>
-            </a:r>
-            <a:r>
-              <a:rPr kumimoji="1" lang="en-US" altLang="en-US" sz="2000" dirty="0" err="1">
-                <a:sym typeface="+mn-ea"/>
-              </a:rPr>
-              <a:t>CppCheck</a:t>
-            </a:r>
-            <a:r>
-              <a:rPr kumimoji="1" lang="en-US" altLang="en-US" sz="2000" dirty="0">
-                <a:sym typeface="+mn-ea"/>
-              </a:rPr>
-              <a:t>::</a:t>
-            </a:r>
-            <a:r>
-              <a:rPr kumimoji="1" lang="en-US" altLang="en-US" sz="2000" dirty="0" err="1">
-                <a:sym typeface="+mn-ea"/>
-              </a:rPr>
-              <a:t>checkFile</a:t>
-            </a:r>
-            <a:r>
-              <a:rPr kumimoji="1" lang="zh-CN" altLang="en-US" sz="2000" dirty="0">
-                <a:sym typeface="+mn-ea"/>
-              </a:rPr>
-              <a:t>函数进行主要处理工作</a:t>
-            </a:r>
-            <a:endParaRPr kumimoji="1" lang="zh-CN" altLang="en-US" sz="2000" dirty="0">
-              <a:sym typeface="+mn-ea"/>
-            </a:endParaRPr>
-          </a:p>
-          <a:p>
-            <a:pPr marL="0" indent="0">
-              <a:lnSpc>
-                <a:spcPct val="70000"/>
-              </a:lnSpc>
-              <a:buNone/>
-            </a:pPr>
-            <a:r>
-              <a:rPr kumimoji="1" lang="en-US" altLang="zh-CN" sz="2000" dirty="0">
-                <a:sym typeface="+mn-ea"/>
-              </a:rPr>
-              <a:t>		</a:t>
-            </a:r>
-            <a:r>
-              <a:rPr kumimoji="1" lang="en-US" altLang="zh-CN" sz="2000" dirty="0" err="1">
-                <a:sym typeface="+mn-ea"/>
-              </a:rPr>
-              <a:t>Tokenizer</a:t>
-            </a:r>
-            <a:r>
-              <a:rPr kumimoji="1" lang="en-US" altLang="zh-CN" sz="2000" dirty="0">
-                <a:sym typeface="+mn-ea"/>
-              </a:rPr>
-              <a:t>::</a:t>
-            </a:r>
-            <a:r>
-              <a:rPr kumimoji="1" lang="en-US" altLang="zh-CN" sz="2000" dirty="0" err="1">
-                <a:sym typeface="+mn-ea"/>
-              </a:rPr>
-              <a:t>tokenizer</a:t>
-            </a:r>
-            <a:endParaRPr kumimoji="1" lang="en-US" altLang="zh-CN" sz="2000" dirty="0">
-              <a:sym typeface="+mn-ea"/>
-            </a:endParaRPr>
-          </a:p>
-          <a:p>
-            <a:pPr marL="0" indent="0">
-              <a:lnSpc>
-                <a:spcPct val="70000"/>
-              </a:lnSpc>
-              <a:buNone/>
-            </a:pPr>
-            <a:r>
-              <a:rPr kumimoji="1" lang="en-US" altLang="zh-CN" sz="2000" dirty="0">
-                <a:sym typeface="+mn-ea"/>
-              </a:rPr>
-              <a:t>			</a:t>
-            </a:r>
-            <a:r>
-              <a:rPr kumimoji="1" lang="en-US" altLang="zh-CN" sz="2000" dirty="0" err="1">
-                <a:sym typeface="+mn-ea"/>
-              </a:rPr>
-              <a:t>TokenList</a:t>
-            </a:r>
-            <a:r>
-              <a:rPr kumimoji="1" lang="en-US" altLang="zh-CN" sz="2000" dirty="0">
-                <a:sym typeface="+mn-ea"/>
-              </a:rPr>
-              <a:t>::</a:t>
-            </a:r>
-            <a:r>
-              <a:rPr kumimoji="1" lang="en-US" altLang="zh-CN" sz="2000" dirty="0" err="1">
-                <a:sym typeface="+mn-ea"/>
-              </a:rPr>
-              <a:t>createTokens</a:t>
-            </a:r>
-            <a:endParaRPr kumimoji="1" lang="en-US" altLang="zh-CN" sz="2000" dirty="0">
-              <a:sym typeface="+mn-ea"/>
-            </a:endParaRPr>
-          </a:p>
-          <a:p>
-            <a:pPr marL="0" indent="0">
-              <a:lnSpc>
-                <a:spcPct val="70000"/>
-              </a:lnSpc>
-              <a:buNone/>
-            </a:pPr>
-            <a:r>
-              <a:rPr kumimoji="1" lang="en-US" altLang="zh-CN" sz="2000" dirty="0">
-                <a:sym typeface="+mn-ea"/>
-              </a:rPr>
-              <a:t>			</a:t>
-            </a:r>
-            <a:r>
-              <a:rPr kumimoji="1" lang="en-US" altLang="zh-CN" sz="2000" dirty="0" err="1">
-                <a:sym typeface="+mn-ea"/>
-              </a:rPr>
-              <a:t>Tokenizer</a:t>
-            </a:r>
-            <a:r>
-              <a:rPr kumimoji="1" lang="en-US" altLang="zh-CN" sz="2000" dirty="0">
-                <a:sym typeface="+mn-ea"/>
-              </a:rPr>
-              <a:t>::simplifyTokenList1</a:t>
-            </a:r>
-            <a:endParaRPr kumimoji="1" lang="en-US" altLang="zh-CN" sz="2000" dirty="0">
-              <a:sym typeface="+mn-ea"/>
-            </a:endParaRPr>
-          </a:p>
-          <a:p>
-            <a:pPr marL="0" indent="0">
-              <a:lnSpc>
-                <a:spcPct val="70000"/>
-              </a:lnSpc>
-              <a:buNone/>
-            </a:pPr>
-            <a:r>
-              <a:rPr kumimoji="1" lang="en-US" altLang="zh-CN" sz="2000" dirty="0">
-                <a:sym typeface="+mn-ea"/>
-              </a:rPr>
-              <a:t>				</a:t>
-            </a:r>
-            <a:r>
-              <a:rPr kumimoji="1" lang="zh-CN" altLang="en-US" sz="2000" dirty="0">
-                <a:sym typeface="+mn-ea"/>
-              </a:rPr>
-              <a:t>建立</a:t>
-            </a:r>
-            <a:r>
-              <a:rPr kumimoji="1" lang="en-US" altLang="en-US" sz="2000" dirty="0" err="1">
-                <a:sym typeface="+mn-ea"/>
-              </a:rPr>
-              <a:t>SymbolDatabase</a:t>
-            </a:r>
-            <a:r>
-              <a:rPr kumimoji="1" lang="zh-CN" altLang="en-US" sz="2000" dirty="0">
-                <a:sym typeface="+mn-ea"/>
-              </a:rPr>
-              <a:t>符号库</a:t>
-            </a:r>
-            <a:endParaRPr kumimoji="1" lang="zh-CN" altLang="en-US" sz="2000" dirty="0">
-              <a:sym typeface="+mn-ea"/>
-            </a:endParaRPr>
-          </a:p>
-          <a:p>
-            <a:pPr marL="0" indent="0">
-              <a:lnSpc>
-                <a:spcPct val="70000"/>
-              </a:lnSpc>
-              <a:buNone/>
-            </a:pPr>
-            <a:r>
-              <a:rPr kumimoji="1" lang="en-US" altLang="zh-CN" sz="2000" dirty="0">
-                <a:sym typeface="+mn-ea"/>
-              </a:rPr>
-              <a:t>	</a:t>
-            </a:r>
-            <a:r>
-              <a:rPr kumimoji="1" lang="zh-CN" altLang="en-US" sz="2000" dirty="0">
-                <a:sym typeface="+mn-ea"/>
-              </a:rPr>
-              <a:t>建立运算符关系，将运算符操作数与运算符</a:t>
-            </a:r>
-            <a:r>
-              <a:rPr kumimoji="1" lang="en-US" altLang="zh-CN" sz="2000" dirty="0">
-                <a:sym typeface="+mn-ea"/>
-              </a:rPr>
+            <a:r>
+              <a:rPr kumimoji="1" lang="zh-CN" altLang="en-US" dirty="0" smtClean="0"/>
+              <a:t>对样例二进行黑盒测试</a:t>
+            </a:r>
+            <a:endParaRPr kumimoji="1" lang="en-US" altLang="zh-CN" dirty="0" smtClean="0"/>
+          </a:p>
+          <a:p>
+            <a:endParaRPr kumimoji="1" lang="en-US" altLang="zh-CN" dirty="0"/>
+          </a:p>
+          <a:p>
+            <a:r>
+              <a:rPr kumimoji="1" lang="zh-CN" altLang="en-US" dirty="0" smtClean="0"/>
+              <a:t>对样例二进行简单的白盒测试，跟踪</a:t>
+            </a:r>
+            <a:r>
+              <a:rPr kumimoji="1" lang="en-US" altLang="zh-CN" dirty="0" smtClean="0"/>
+              <a:t>p1,p2</a:t>
+            </a:r>
+            <a:r>
+              <a:rPr kumimoji="1" lang="zh-CN" altLang="en-US" dirty="0" smtClean="0"/>
+              <a:t>指针</a:t>
+            </a:r>
+            <a:r>
+              <a:rPr kumimoji="1" lang="en-US" altLang="zh-CN" dirty="0" smtClean="0"/>
               <a:t>token</a:t>
             </a:r>
             <a:r>
-              <a:rPr kumimoji="1" lang="zh-CN" altLang="en-US" sz="2000" dirty="0">
-                <a:sym typeface="+mn-ea"/>
-              </a:rPr>
-              <a:t>链接</a:t>
-            </a:r>
-            <a:endParaRPr kumimoji="1" lang="zh-CN" altLang="en-US" sz="2000" dirty="0">
-              <a:sym typeface="+mn-ea"/>
-            </a:endParaRPr>
-          </a:p>
-          <a:p>
-            <a:pPr marL="0" indent="0">
-              <a:lnSpc>
-                <a:spcPct val="70000"/>
-              </a:lnSpc>
-              <a:buNone/>
-            </a:pPr>
-            <a:r>
-              <a:rPr kumimoji="1" lang="en-US" altLang="zh-CN" sz="2000" dirty="0">
-                <a:sym typeface="+mn-ea"/>
-              </a:rPr>
-              <a:t>	</a:t>
-            </a:r>
-            <a:r>
-              <a:rPr kumimoji="1" lang="zh-CN" altLang="zh-CN" sz="2000" dirty="0">
-                <a:sym typeface="+mn-ea"/>
-              </a:rPr>
-              <a:t>使用所有</a:t>
-            </a:r>
-            <a:r>
-              <a:rPr kumimoji="1" lang="en-US" altLang="zh-CN" sz="2000" dirty="0">
-                <a:sym typeface="+mn-ea"/>
-              </a:rPr>
-              <a:t>Check</a:t>
-            </a:r>
-            <a:r>
-              <a:rPr kumimoji="1" lang="zh-CN" altLang="zh-CN" sz="2000" dirty="0">
-                <a:sym typeface="+mn-ea"/>
-              </a:rPr>
-              <a:t>规则对现有的</a:t>
-            </a:r>
-            <a:r>
-              <a:rPr kumimoji="1" lang="en-US" altLang="zh-CN" sz="2000" dirty="0">
-                <a:sym typeface="+mn-ea"/>
-              </a:rPr>
-              <a:t>token</a:t>
-            </a:r>
-            <a:r>
-              <a:rPr kumimoji="1" lang="zh-CN" altLang="en-US" sz="2000" dirty="0">
-                <a:sym typeface="+mn-ea"/>
-              </a:rPr>
-              <a:t>进行测试并输出</a:t>
-            </a:r>
-            <a:endParaRPr kumimoji="1" lang="zh-CN" altLang="en-US" sz="2000" dirty="0">
-              <a:sym typeface="+mn-ea"/>
-            </a:endParaRPr>
-          </a:p>
-          <a:p>
-            <a:pPr marL="0" indent="0">
-              <a:lnSpc>
-                <a:spcPct val="70000"/>
-              </a:lnSpc>
-              <a:buNone/>
-            </a:pPr>
-            <a:r>
-              <a:rPr kumimoji="1" lang="en-US" altLang="zh-CN" sz="2000" dirty="0">
-                <a:sym typeface="+mn-ea"/>
-              </a:rPr>
-              <a:t>	</a:t>
-            </a:r>
-            <a:r>
-              <a:rPr kumimoji="1" lang="en-US" altLang="zh-CN" sz="2000" dirty="0" err="1">
-                <a:sym typeface="+mn-ea"/>
-              </a:rPr>
-              <a:t>CppCheck</a:t>
-            </a:r>
-            <a:r>
-              <a:rPr kumimoji="1" lang="en-US" altLang="zh-CN" sz="2000" dirty="0">
-                <a:sym typeface="+mn-ea"/>
-              </a:rPr>
-              <a:t>::</a:t>
-            </a:r>
-            <a:r>
-              <a:rPr kumimoji="1" lang="en-US" altLang="zh-CN" sz="2000" dirty="0" err="1">
-                <a:sym typeface="+mn-ea"/>
-              </a:rPr>
-              <a:t>executeRules</a:t>
-            </a:r>
-            <a:r>
-              <a:rPr kumimoji="1" lang="zh-CN" altLang="zh-CN" sz="2000" dirty="0">
-                <a:sym typeface="+mn-ea"/>
-              </a:rPr>
-              <a:t>执行</a:t>
-            </a:r>
-            <a:r>
-              <a:rPr kumimoji="1" lang="en-US" altLang="zh-CN" sz="2000" dirty="0">
-                <a:sym typeface="+mn-ea"/>
-              </a:rPr>
-              <a:t>normal</a:t>
-            </a:r>
-            <a:r>
-              <a:rPr kumimoji="1" lang="zh-CN" altLang="en-US" sz="2000" dirty="0">
-                <a:sym typeface="+mn-ea"/>
-              </a:rPr>
-              <a:t>规则</a:t>
-            </a:r>
-            <a:endParaRPr kumimoji="1" lang="zh-CN" altLang="en-US" sz="2000" dirty="0">
-              <a:sym typeface="+mn-ea"/>
-            </a:endParaRPr>
-          </a:p>
-          <a:p>
-            <a:pPr marL="0" indent="0">
-              <a:lnSpc>
-                <a:spcPct val="70000"/>
-              </a:lnSpc>
-              <a:buNone/>
-            </a:pPr>
-            <a:r>
-              <a:rPr kumimoji="1" lang="en-US" altLang="zh-CN" sz="2000" dirty="0">
-                <a:sym typeface="+mn-ea"/>
-              </a:rPr>
-              <a:t>	</a:t>
-            </a:r>
-            <a:r>
-              <a:rPr kumimoji="1" lang="en-US" altLang="zh-CN" sz="2000" dirty="0" err="1">
-                <a:sym typeface="+mn-ea"/>
-              </a:rPr>
-              <a:t>Tokenizer</a:t>
-            </a:r>
-            <a:r>
-              <a:rPr kumimoji="1" lang="en-US" altLang="zh-CN" sz="2000" dirty="0">
-                <a:sym typeface="+mn-ea"/>
-              </a:rPr>
-              <a:t>::simplifyTokenList2 </a:t>
-            </a:r>
-            <a:r>
-              <a:rPr kumimoji="1" lang="zh-CN" altLang="zh-CN" sz="2000" dirty="0">
-                <a:sym typeface="+mn-ea"/>
-              </a:rPr>
-              <a:t>重新建立</a:t>
-            </a:r>
-            <a:r>
-              <a:rPr kumimoji="1" lang="en-US" altLang="zh-CN" sz="2000" dirty="0" err="1">
-                <a:sym typeface="+mn-ea"/>
-              </a:rPr>
-              <a:t>SymbolDatabase</a:t>
-            </a:r>
-            <a:r>
-              <a:rPr kumimoji="1" lang="zh-CN" altLang="zh-CN" sz="2000" dirty="0">
-                <a:sym typeface="+mn-ea"/>
-              </a:rPr>
-              <a:t>符号库 </a:t>
-            </a:r>
-            <a:r>
-              <a:rPr kumimoji="1" lang="en-US" altLang="zh-CN" sz="2000" dirty="0" err="1">
-                <a:sym typeface="+mn-ea"/>
-              </a:rPr>
-              <a:t>ValueFlow</a:t>
-            </a:r>
-            <a:r>
-              <a:rPr kumimoji="1" lang="en-US" altLang="zh-CN" sz="2000" dirty="0">
-                <a:sym typeface="+mn-ea"/>
-              </a:rPr>
-              <a:t>::</a:t>
-            </a:r>
-            <a:r>
-              <a:rPr kumimoji="1" lang="en-US" altLang="zh-CN" sz="2000" dirty="0" err="1">
-                <a:sym typeface="+mn-ea"/>
-              </a:rPr>
-              <a:t>setValues</a:t>
-            </a:r>
-            <a:r>
-              <a:rPr kumimoji="1" lang="zh-CN" altLang="zh-CN" sz="2000" dirty="0">
-                <a:sym typeface="+mn-ea"/>
-              </a:rPr>
-              <a:t>设置</a:t>
-            </a:r>
-            <a:r>
-              <a:rPr kumimoji="1" lang="en-US" altLang="zh-CN" sz="2000" dirty="0">
-                <a:sym typeface="+mn-ea"/>
-              </a:rPr>
-              <a:t>token</a:t>
-            </a:r>
-            <a:r>
-              <a:rPr kumimoji="1" lang="zh-CN" altLang="en-US" sz="2000" dirty="0">
-                <a:sym typeface="+mn-ea"/>
-              </a:rPr>
-              <a:t>的值</a:t>
-            </a:r>
-            <a:endParaRPr kumimoji="1" lang="zh-CN" altLang="en-US" sz="2000" dirty="0">
-              <a:sym typeface="+mn-ea"/>
-            </a:endParaRPr>
-          </a:p>
-          <a:p>
-            <a:pPr marL="0" indent="0">
-              <a:lnSpc>
-                <a:spcPct val="70000"/>
-              </a:lnSpc>
-              <a:buNone/>
-            </a:pPr>
-            <a:r>
-              <a:rPr kumimoji="1" lang="en-US" altLang="zh-CN" sz="2000" dirty="0">
-                <a:sym typeface="+mn-ea"/>
-              </a:rPr>
-              <a:t>	</a:t>
-            </a:r>
-            <a:r>
-              <a:rPr kumimoji="1" lang="zh-CN" altLang="zh-CN" sz="2000" dirty="0">
-                <a:sym typeface="+mn-ea"/>
-              </a:rPr>
-              <a:t>使用所有</a:t>
-            </a:r>
-            <a:r>
-              <a:rPr kumimoji="1" lang="en-US" altLang="zh-CN" sz="2000" dirty="0">
-                <a:sym typeface="+mn-ea"/>
-              </a:rPr>
-              <a:t>Check</a:t>
-            </a:r>
-            <a:r>
-              <a:rPr kumimoji="1" lang="zh-CN" altLang="en-US" sz="2000" dirty="0">
-                <a:sym typeface="+mn-ea"/>
-              </a:rPr>
-              <a:t>规则对现有</a:t>
-            </a:r>
-            <a:r>
-              <a:rPr kumimoji="1" lang="en-US" altLang="zh-CN" sz="2000" dirty="0">
-                <a:sym typeface="+mn-ea"/>
-              </a:rPr>
-              <a:t>token</a:t>
-            </a:r>
-            <a:r>
-              <a:rPr kumimoji="1" lang="zh-CN" altLang="en-US" sz="2000" dirty="0">
-                <a:sym typeface="+mn-ea"/>
-              </a:rPr>
-              <a:t>进行简单测试并输出</a:t>
-            </a:r>
-            <a:endParaRPr kumimoji="1" lang="zh-CN" altLang="en-US" sz="2000" dirty="0">
-              <a:sym typeface="+mn-ea"/>
-            </a:endParaRPr>
-          </a:p>
-          <a:p>
-            <a:pPr marL="0" indent="0">
-              <a:lnSpc>
-                <a:spcPct val="70000"/>
-              </a:lnSpc>
-              <a:buNone/>
-            </a:pPr>
-            <a:r>
-              <a:rPr kumimoji="1" lang="en-US" altLang="zh-CN" sz="2000" dirty="0">
-                <a:sym typeface="+mn-ea"/>
-              </a:rPr>
-              <a:t>	</a:t>
-            </a:r>
-            <a:r>
-              <a:rPr kumimoji="1" lang="en-US" altLang="zh-CN" sz="2000" dirty="0" err="1">
-                <a:sym typeface="+mn-ea"/>
-              </a:rPr>
-              <a:t>CppCheck</a:t>
-            </a:r>
-            <a:r>
-              <a:rPr kumimoji="1" lang="en-US" altLang="zh-CN" sz="2000" dirty="0">
-                <a:sym typeface="+mn-ea"/>
-              </a:rPr>
-              <a:t>::</a:t>
-            </a:r>
-            <a:r>
-              <a:rPr kumimoji="1" lang="en-US" altLang="zh-CN" sz="2000" dirty="0" err="1">
-                <a:sym typeface="+mn-ea"/>
-              </a:rPr>
-              <a:t>executeRules</a:t>
-            </a:r>
-            <a:r>
-              <a:rPr kumimoji="1" lang="zh-CN" altLang="zh-CN" sz="2000" dirty="0">
-                <a:sym typeface="+mn-ea"/>
-              </a:rPr>
-              <a:t>执行 </a:t>
-            </a:r>
-            <a:r>
-              <a:rPr kumimoji="1" lang="en-US" altLang="zh-CN" sz="2000" dirty="0">
-                <a:sym typeface="+mn-ea"/>
-              </a:rPr>
-              <a:t>simple</a:t>
-            </a:r>
-            <a:r>
-              <a:rPr kumimoji="1" lang="zh-CN" altLang="zh-CN" sz="2000" dirty="0">
-                <a:sym typeface="+mn-ea"/>
-              </a:rPr>
-              <a:t>规则</a:t>
-            </a:r>
-            <a:r>
-              <a:rPr kumimoji="1" lang="en-US" altLang="zh-CN" sz="2000" dirty="0">
-                <a:sym typeface="+mn-ea"/>
-              </a:rPr>
-              <a:t>			</a:t>
-            </a:r>
-            <a:endParaRPr kumimoji="1" lang="en-US" altLang="zh-CN" sz="2000" dirty="0">
-              <a:sym typeface="+mn-ea"/>
-            </a:endParaRPr>
-          </a:p>
-          <a:p>
-            <a:pPr marL="0" indent="0">
-              <a:lnSpc>
-                <a:spcPct val="70000"/>
-              </a:lnSpc>
-              <a:buNone/>
-            </a:pPr>
-            <a:endParaRPr kumimoji="1" lang="en-US" altLang="zh-CN" sz="2000" dirty="0">
-              <a:sym typeface="+mn-ea"/>
-            </a:endParaRPr>
+              <a:rPr kumimoji="1" lang="zh-CN" altLang="en-US" dirty="0" smtClean="0"/>
+              <a:t>的</a:t>
+            </a:r>
+            <a:r>
+              <a:rPr kumimoji="1" lang="en-US" altLang="zh-CN" dirty="0" smtClean="0"/>
+              <a:t>value</a:t>
+            </a:r>
+          </a:p>
+          <a:p>
+            <a:endParaRPr kumimoji="1" lang="en-US" altLang="zh-CN" dirty="0" smtClean="0"/>
+          </a:p>
+          <a:p>
+            <a:r>
+              <a:rPr kumimoji="1" lang="zh-CN" altLang="en-US" dirty="0" smtClean="0"/>
+              <a:t>分析、排除由样例二两个版本本身的差异而可能带来的影响</a:t>
+            </a:r>
+            <a:endParaRPr kumimoji="1" lang="en-US" altLang="zh-CN" dirty="0" smtClean="0"/>
           </a:p>
         </p:txBody>
       </p:sp>
@@ -8320,16 +7634,859 @@
             <p:ph type="title"/>
           </p:nvPr>
         </p:nvSpPr>
+        <p:spPr>
+          <a:xfrm>
+            <a:off x="838200" y="232410"/>
+            <a:ext cx="10515600" cy="1325563"/>
+          </a:xfrm>
+        </p:spPr>
+        <p:txBody>
+          <a:bodyPr/>
+          <a:lstStyle/>
+          <a:p>
+            <a:r>
+              <a:rPr kumimoji="1" lang="zh-CN" altLang="en-US"/>
+              <a:t>主要流程分析</a:t>
+            </a:r>
+          </a:p>
+        </p:txBody>
+      </p:sp>
+      <p:sp>
+        <p:nvSpPr>
+          <p:cNvPr id="3" name="内容占位符 2"/>
+          <p:cNvSpPr>
+            <a:spLocks noGrp="1"/>
+          </p:cNvSpPr>
+          <p:nvPr>
+            <p:ph idx="1"/>
+          </p:nvPr>
+        </p:nvSpPr>
+        <p:spPr>
+          <a:xfrm>
+            <a:off x="157480" y="1431290"/>
+            <a:ext cx="11891645" cy="5335905"/>
+          </a:xfrm>
+        </p:spPr>
+        <p:txBody>
+          <a:bodyPr>
+            <a:noAutofit/>
+          </a:bodyPr>
+          <a:lstStyle/>
+          <a:p>
+            <a:pPr>
+              <a:lnSpc>
+                <a:spcPct val="70000"/>
+              </a:lnSpc>
+            </a:pPr>
+            <a:r>
+              <a:rPr kumimoji="1" lang="en-US" altLang="en-US" sz="2000" dirty="0" err="1">
+                <a:sym typeface="+mn-ea"/>
+              </a:rPr>
+              <a:t>CppCheck</a:t>
+            </a:r>
+            <a:r>
+              <a:rPr kumimoji="1" lang="zh-CN" altLang="en-US" sz="2000" dirty="0">
+                <a:sym typeface="+mn-ea"/>
+              </a:rPr>
+              <a:t>类，处理单个文件</a:t>
+            </a:r>
+          </a:p>
+          <a:p>
+            <a:pPr marL="0" indent="0">
+              <a:lnSpc>
+                <a:spcPct val="70000"/>
+              </a:lnSpc>
+              <a:buNone/>
+            </a:pPr>
+            <a:r>
+              <a:rPr kumimoji="1" lang="en-US" altLang="zh-CN" sz="2000" dirty="0">
+                <a:sym typeface="+mn-ea"/>
+              </a:rPr>
+              <a:t>	</a:t>
+            </a:r>
+            <a:r>
+              <a:rPr kumimoji="1" lang="zh-CN" altLang="en-US" sz="2000" dirty="0">
+                <a:sym typeface="+mn-ea"/>
+              </a:rPr>
+              <a:t>加入预定义宏</a:t>
+            </a:r>
+          </a:p>
+          <a:p>
+            <a:pPr marL="0" indent="0">
+              <a:lnSpc>
+                <a:spcPct val="70000"/>
+              </a:lnSpc>
+              <a:buNone/>
+            </a:pPr>
+            <a:r>
+              <a:rPr kumimoji="1" lang="en-US" altLang="zh-CN" sz="2000" dirty="0">
+                <a:sym typeface="+mn-ea"/>
+              </a:rPr>
+              <a:t>	</a:t>
+            </a:r>
+            <a:r>
+              <a:rPr kumimoji="1" lang="zh-CN" altLang="en-US" sz="2000" dirty="0">
+                <a:sym typeface="+mn-ea"/>
+              </a:rPr>
+              <a:t>使用</a:t>
+            </a:r>
+            <a:r>
+              <a:rPr kumimoji="1" lang="en-US" altLang="en-US" sz="2000" dirty="0">
+                <a:sym typeface="+mn-ea"/>
+              </a:rPr>
+              <a:t>Preprocessor</a:t>
+            </a:r>
+            <a:r>
+              <a:rPr kumimoji="1" lang="zh-CN" altLang="en-US" sz="2000" dirty="0">
+                <a:sym typeface="+mn-ea"/>
+              </a:rPr>
+              <a:t>预处理源文件</a:t>
+            </a:r>
+          </a:p>
+          <a:p>
+            <a:pPr marL="0" indent="0">
+              <a:lnSpc>
+                <a:spcPct val="70000"/>
+              </a:lnSpc>
+              <a:buNone/>
+            </a:pPr>
+            <a:r>
+              <a:rPr kumimoji="1" lang="en-US" altLang="zh-CN" sz="2000" dirty="0">
+                <a:sym typeface="+mn-ea"/>
+              </a:rPr>
+              <a:t>	</a:t>
+            </a:r>
+            <a:r>
+              <a:rPr kumimoji="1" lang="zh-CN" altLang="en-US" sz="2000" dirty="0">
+                <a:sym typeface="+mn-ea"/>
+              </a:rPr>
+              <a:t>在文件内容前添加文件自身信息，一同进行</a:t>
+            </a:r>
+            <a:r>
+              <a:rPr kumimoji="1" lang="en-US" altLang="en-US" sz="2000" dirty="0">
+                <a:sym typeface="+mn-ea"/>
+              </a:rPr>
+              <a:t>tokenize</a:t>
+            </a:r>
+          </a:p>
+          <a:p>
+            <a:pPr marL="0" indent="0">
+              <a:lnSpc>
+                <a:spcPct val="70000"/>
+              </a:lnSpc>
+              <a:buNone/>
+            </a:pPr>
+            <a:r>
+              <a:rPr kumimoji="1" lang="en-US" altLang="zh-CN" sz="2000" dirty="0">
+                <a:sym typeface="+mn-ea"/>
+              </a:rPr>
+              <a:t>	</a:t>
+            </a:r>
+            <a:r>
+              <a:rPr kumimoji="1" lang="zh-CN" altLang="en-US" sz="2000" dirty="0">
+                <a:sym typeface="+mn-ea"/>
+              </a:rPr>
+              <a:t>进入</a:t>
+            </a:r>
+            <a:r>
+              <a:rPr kumimoji="1" lang="en-US" altLang="en-US" sz="2000" dirty="0" err="1">
+                <a:sym typeface="+mn-ea"/>
+              </a:rPr>
+              <a:t>CppCheck</a:t>
+            </a:r>
+            <a:r>
+              <a:rPr kumimoji="1" lang="en-US" altLang="en-US" sz="2000" dirty="0">
+                <a:sym typeface="+mn-ea"/>
+              </a:rPr>
+              <a:t>::</a:t>
+            </a:r>
+            <a:r>
+              <a:rPr kumimoji="1" lang="en-US" altLang="en-US" sz="2000" dirty="0" err="1">
+                <a:sym typeface="+mn-ea"/>
+              </a:rPr>
+              <a:t>checkFile</a:t>
+            </a:r>
+            <a:r>
+              <a:rPr kumimoji="1" lang="zh-CN" altLang="en-US" sz="2000" dirty="0">
+                <a:sym typeface="+mn-ea"/>
+              </a:rPr>
+              <a:t>函数进行主要处理工作</a:t>
+            </a:r>
+          </a:p>
+          <a:p>
+            <a:pPr marL="0" indent="0">
+              <a:lnSpc>
+                <a:spcPct val="70000"/>
+              </a:lnSpc>
+              <a:buNone/>
+            </a:pPr>
+            <a:r>
+              <a:rPr kumimoji="1" lang="en-US" altLang="zh-CN" sz="2000" dirty="0">
+                <a:sym typeface="+mn-ea"/>
+              </a:rPr>
+              <a:t>		</a:t>
+            </a:r>
+            <a:r>
+              <a:rPr kumimoji="1" lang="en-US" altLang="zh-CN" sz="2000" dirty="0" err="1">
+                <a:sym typeface="+mn-ea"/>
+              </a:rPr>
+              <a:t>Tokenizer</a:t>
+            </a:r>
+            <a:r>
+              <a:rPr kumimoji="1" lang="en-US" altLang="zh-CN" sz="2000" dirty="0">
+                <a:sym typeface="+mn-ea"/>
+              </a:rPr>
+              <a:t>::</a:t>
+            </a:r>
+            <a:r>
+              <a:rPr kumimoji="1" lang="en-US" altLang="zh-CN" sz="2000" dirty="0" err="1">
+                <a:sym typeface="+mn-ea"/>
+              </a:rPr>
+              <a:t>tokenizer</a:t>
+            </a:r>
+            <a:endParaRPr kumimoji="1" lang="en-US" altLang="zh-CN" sz="2000" dirty="0">
+              <a:sym typeface="+mn-ea"/>
+            </a:endParaRPr>
+          </a:p>
+          <a:p>
+            <a:pPr marL="0" indent="0">
+              <a:lnSpc>
+                <a:spcPct val="70000"/>
+              </a:lnSpc>
+              <a:buNone/>
+            </a:pPr>
+            <a:r>
+              <a:rPr kumimoji="1" lang="en-US" altLang="zh-CN" sz="2000" dirty="0">
+                <a:sym typeface="+mn-ea"/>
+              </a:rPr>
+              <a:t>			</a:t>
+            </a:r>
+            <a:r>
+              <a:rPr kumimoji="1" lang="en-US" altLang="zh-CN" sz="2000" dirty="0" err="1">
+                <a:sym typeface="+mn-ea"/>
+              </a:rPr>
+              <a:t>TokenList</a:t>
+            </a:r>
+            <a:r>
+              <a:rPr kumimoji="1" lang="en-US" altLang="zh-CN" sz="2000" dirty="0">
+                <a:sym typeface="+mn-ea"/>
+              </a:rPr>
+              <a:t>::</a:t>
+            </a:r>
+            <a:r>
+              <a:rPr kumimoji="1" lang="en-US" altLang="zh-CN" sz="2000" dirty="0" err="1">
+                <a:sym typeface="+mn-ea"/>
+              </a:rPr>
+              <a:t>createTokens</a:t>
+            </a:r>
+            <a:endParaRPr kumimoji="1" lang="en-US" altLang="zh-CN" sz="2000" dirty="0">
+              <a:sym typeface="+mn-ea"/>
+            </a:endParaRPr>
+          </a:p>
+          <a:p>
+            <a:pPr marL="0" indent="0">
+              <a:lnSpc>
+                <a:spcPct val="70000"/>
+              </a:lnSpc>
+              <a:buNone/>
+            </a:pPr>
+            <a:r>
+              <a:rPr kumimoji="1" lang="en-US" altLang="zh-CN" sz="2000" dirty="0">
+                <a:sym typeface="+mn-ea"/>
+              </a:rPr>
+              <a:t>			</a:t>
+            </a:r>
+            <a:r>
+              <a:rPr kumimoji="1" lang="en-US" altLang="zh-CN" sz="2000" dirty="0" err="1">
+                <a:sym typeface="+mn-ea"/>
+              </a:rPr>
+              <a:t>Tokenizer</a:t>
+            </a:r>
+            <a:r>
+              <a:rPr kumimoji="1" lang="en-US" altLang="zh-CN" sz="2000" dirty="0">
+                <a:sym typeface="+mn-ea"/>
+              </a:rPr>
+              <a:t>::simplifyTokenList1</a:t>
+            </a:r>
+          </a:p>
+          <a:p>
+            <a:pPr marL="0" indent="0">
+              <a:lnSpc>
+                <a:spcPct val="70000"/>
+              </a:lnSpc>
+              <a:buNone/>
+            </a:pPr>
+            <a:r>
+              <a:rPr kumimoji="1" lang="en-US" altLang="zh-CN" sz="2000" dirty="0">
+                <a:sym typeface="+mn-ea"/>
+              </a:rPr>
+              <a:t>				</a:t>
+            </a:r>
+            <a:r>
+              <a:rPr kumimoji="1" lang="zh-CN" altLang="en-US" sz="2000" dirty="0">
+                <a:sym typeface="+mn-ea"/>
+              </a:rPr>
+              <a:t>建立</a:t>
+            </a:r>
+            <a:r>
+              <a:rPr kumimoji="1" lang="en-US" altLang="en-US" sz="2000" dirty="0" err="1">
+                <a:sym typeface="+mn-ea"/>
+              </a:rPr>
+              <a:t>SymbolDatabase</a:t>
+            </a:r>
+            <a:r>
+              <a:rPr kumimoji="1" lang="zh-CN" altLang="en-US" sz="2000" dirty="0">
+                <a:sym typeface="+mn-ea"/>
+              </a:rPr>
+              <a:t>符号库</a:t>
+            </a:r>
+          </a:p>
+          <a:p>
+            <a:pPr marL="0" indent="0">
+              <a:lnSpc>
+                <a:spcPct val="70000"/>
+              </a:lnSpc>
+              <a:buNone/>
+            </a:pPr>
+            <a:r>
+              <a:rPr kumimoji="1" lang="en-US" altLang="zh-CN" sz="2000" dirty="0">
+                <a:sym typeface="+mn-ea"/>
+              </a:rPr>
+              <a:t>	</a:t>
+            </a:r>
+            <a:r>
+              <a:rPr kumimoji="1" lang="zh-CN" altLang="en-US" sz="2000" dirty="0">
+                <a:sym typeface="+mn-ea"/>
+              </a:rPr>
+              <a:t>建立运算符关系，将运算符操作数与运算符</a:t>
+            </a:r>
+            <a:r>
+              <a:rPr kumimoji="1" lang="en-US" altLang="zh-CN" sz="2000" dirty="0">
+                <a:sym typeface="+mn-ea"/>
+              </a:rPr>
+              <a:t>token</a:t>
+            </a:r>
+            <a:r>
+              <a:rPr kumimoji="1" lang="zh-CN" altLang="en-US" sz="2000" dirty="0">
+                <a:sym typeface="+mn-ea"/>
+              </a:rPr>
+              <a:t>链接</a:t>
+            </a:r>
+          </a:p>
+          <a:p>
+            <a:pPr marL="0" indent="0">
+              <a:lnSpc>
+                <a:spcPct val="70000"/>
+              </a:lnSpc>
+              <a:buNone/>
+            </a:pPr>
+            <a:r>
+              <a:rPr kumimoji="1" lang="en-US" altLang="zh-CN" sz="2000" dirty="0">
+                <a:sym typeface="+mn-ea"/>
+              </a:rPr>
+              <a:t>	</a:t>
+            </a:r>
+            <a:r>
+              <a:rPr kumimoji="1" lang="zh-CN" altLang="zh-CN" sz="2000" dirty="0">
+                <a:sym typeface="+mn-ea"/>
+              </a:rPr>
+              <a:t>使用所有</a:t>
+            </a:r>
+            <a:r>
+              <a:rPr kumimoji="1" lang="en-US" altLang="zh-CN" sz="2000" dirty="0">
+                <a:sym typeface="+mn-ea"/>
+              </a:rPr>
+              <a:t>Check</a:t>
+            </a:r>
+            <a:r>
+              <a:rPr kumimoji="1" lang="zh-CN" altLang="zh-CN" sz="2000" dirty="0">
+                <a:sym typeface="+mn-ea"/>
+              </a:rPr>
+              <a:t>规则对现有的</a:t>
+            </a:r>
+            <a:r>
+              <a:rPr kumimoji="1" lang="en-US" altLang="zh-CN" sz="2000" dirty="0">
+                <a:sym typeface="+mn-ea"/>
+              </a:rPr>
+              <a:t>token</a:t>
+            </a:r>
+            <a:r>
+              <a:rPr kumimoji="1" lang="zh-CN" altLang="en-US" sz="2000" dirty="0">
+                <a:sym typeface="+mn-ea"/>
+              </a:rPr>
+              <a:t>进行测试并输出</a:t>
+            </a:r>
+          </a:p>
+          <a:p>
+            <a:pPr marL="0" indent="0">
+              <a:lnSpc>
+                <a:spcPct val="70000"/>
+              </a:lnSpc>
+              <a:buNone/>
+            </a:pPr>
+            <a:r>
+              <a:rPr kumimoji="1" lang="en-US" altLang="zh-CN" sz="2000" dirty="0">
+                <a:sym typeface="+mn-ea"/>
+              </a:rPr>
+              <a:t>	</a:t>
+            </a:r>
+            <a:r>
+              <a:rPr kumimoji="1" lang="en-US" altLang="zh-CN" sz="2000" dirty="0" err="1">
+                <a:sym typeface="+mn-ea"/>
+              </a:rPr>
+              <a:t>CppCheck</a:t>
+            </a:r>
+            <a:r>
+              <a:rPr kumimoji="1" lang="en-US" altLang="zh-CN" sz="2000" dirty="0">
+                <a:sym typeface="+mn-ea"/>
+              </a:rPr>
+              <a:t>::</a:t>
+            </a:r>
+            <a:r>
+              <a:rPr kumimoji="1" lang="en-US" altLang="zh-CN" sz="2000" dirty="0" err="1">
+                <a:sym typeface="+mn-ea"/>
+              </a:rPr>
+              <a:t>executeRules</a:t>
+            </a:r>
+            <a:r>
+              <a:rPr kumimoji="1" lang="zh-CN" altLang="zh-CN" sz="2000" dirty="0">
+                <a:sym typeface="+mn-ea"/>
+              </a:rPr>
+              <a:t>执行</a:t>
+            </a:r>
+            <a:r>
+              <a:rPr kumimoji="1" lang="en-US" altLang="zh-CN" sz="2000" dirty="0">
+                <a:sym typeface="+mn-ea"/>
+              </a:rPr>
+              <a:t>normal</a:t>
+            </a:r>
+            <a:r>
+              <a:rPr kumimoji="1" lang="zh-CN" altLang="en-US" sz="2000" dirty="0">
+                <a:sym typeface="+mn-ea"/>
+              </a:rPr>
+              <a:t>规则</a:t>
+            </a:r>
+          </a:p>
+          <a:p>
+            <a:pPr marL="0" indent="0">
+              <a:lnSpc>
+                <a:spcPct val="70000"/>
+              </a:lnSpc>
+              <a:buNone/>
+            </a:pPr>
+            <a:r>
+              <a:rPr kumimoji="1" lang="en-US" altLang="zh-CN" sz="2000" dirty="0">
+                <a:sym typeface="+mn-ea"/>
+              </a:rPr>
+              <a:t>	</a:t>
+            </a:r>
+            <a:r>
+              <a:rPr kumimoji="1" lang="en-US" altLang="zh-CN" sz="2000" dirty="0" err="1">
+                <a:sym typeface="+mn-ea"/>
+              </a:rPr>
+              <a:t>Tokenizer</a:t>
+            </a:r>
+            <a:r>
+              <a:rPr kumimoji="1" lang="en-US" altLang="zh-CN" sz="2000" dirty="0">
+                <a:sym typeface="+mn-ea"/>
+              </a:rPr>
+              <a:t>::simplifyTokenList2 </a:t>
+            </a:r>
+            <a:r>
+              <a:rPr kumimoji="1" lang="zh-CN" altLang="zh-CN" sz="2000" dirty="0">
+                <a:sym typeface="+mn-ea"/>
+              </a:rPr>
+              <a:t>重新建立</a:t>
+            </a:r>
+            <a:r>
+              <a:rPr kumimoji="1" lang="en-US" altLang="zh-CN" sz="2000" dirty="0" err="1">
+                <a:sym typeface="+mn-ea"/>
+              </a:rPr>
+              <a:t>SymbolDatabase</a:t>
+            </a:r>
+            <a:r>
+              <a:rPr kumimoji="1" lang="zh-CN" altLang="zh-CN" sz="2000" dirty="0">
+                <a:sym typeface="+mn-ea"/>
+              </a:rPr>
+              <a:t>符号库 </a:t>
+            </a:r>
+            <a:r>
+              <a:rPr kumimoji="1" lang="en-US" altLang="zh-CN" sz="2000" dirty="0" err="1">
+                <a:sym typeface="+mn-ea"/>
+              </a:rPr>
+              <a:t>ValueFlow</a:t>
+            </a:r>
+            <a:r>
+              <a:rPr kumimoji="1" lang="en-US" altLang="zh-CN" sz="2000" dirty="0">
+                <a:sym typeface="+mn-ea"/>
+              </a:rPr>
+              <a:t>::</a:t>
+            </a:r>
+            <a:r>
+              <a:rPr kumimoji="1" lang="en-US" altLang="zh-CN" sz="2000" dirty="0" err="1">
+                <a:sym typeface="+mn-ea"/>
+              </a:rPr>
+              <a:t>setValues</a:t>
+            </a:r>
+            <a:r>
+              <a:rPr kumimoji="1" lang="zh-CN" altLang="zh-CN" sz="2000" dirty="0">
+                <a:sym typeface="+mn-ea"/>
+              </a:rPr>
+              <a:t>设置</a:t>
+            </a:r>
+            <a:r>
+              <a:rPr kumimoji="1" lang="en-US" altLang="zh-CN" sz="2000" dirty="0">
+                <a:sym typeface="+mn-ea"/>
+              </a:rPr>
+              <a:t>token</a:t>
+            </a:r>
+            <a:r>
+              <a:rPr kumimoji="1" lang="zh-CN" altLang="en-US" sz="2000" dirty="0">
+                <a:sym typeface="+mn-ea"/>
+              </a:rPr>
+              <a:t>的值</a:t>
+            </a:r>
+          </a:p>
+          <a:p>
+            <a:pPr marL="0" indent="0">
+              <a:lnSpc>
+                <a:spcPct val="70000"/>
+              </a:lnSpc>
+              <a:buNone/>
+            </a:pPr>
+            <a:r>
+              <a:rPr kumimoji="1" lang="en-US" altLang="zh-CN" sz="2000" dirty="0">
+                <a:sym typeface="+mn-ea"/>
+              </a:rPr>
+              <a:t>	</a:t>
+            </a:r>
+            <a:r>
+              <a:rPr kumimoji="1" lang="zh-CN" altLang="zh-CN" sz="2000" dirty="0">
+                <a:sym typeface="+mn-ea"/>
+              </a:rPr>
+              <a:t>使用所有</a:t>
+            </a:r>
+            <a:r>
+              <a:rPr kumimoji="1" lang="en-US" altLang="zh-CN" sz="2000" dirty="0">
+                <a:sym typeface="+mn-ea"/>
+              </a:rPr>
+              <a:t>Check</a:t>
+            </a:r>
+            <a:r>
+              <a:rPr kumimoji="1" lang="zh-CN" altLang="en-US" sz="2000" dirty="0">
+                <a:sym typeface="+mn-ea"/>
+              </a:rPr>
+              <a:t>规则对现有</a:t>
+            </a:r>
+            <a:r>
+              <a:rPr kumimoji="1" lang="en-US" altLang="zh-CN" sz="2000" dirty="0">
+                <a:sym typeface="+mn-ea"/>
+              </a:rPr>
+              <a:t>token</a:t>
+            </a:r>
+            <a:r>
+              <a:rPr kumimoji="1" lang="zh-CN" altLang="en-US" sz="2000" dirty="0">
+                <a:sym typeface="+mn-ea"/>
+              </a:rPr>
+              <a:t>进行简单测试并输出</a:t>
+            </a:r>
+          </a:p>
+          <a:p>
+            <a:pPr marL="0" indent="0">
+              <a:lnSpc>
+                <a:spcPct val="70000"/>
+              </a:lnSpc>
+              <a:buNone/>
+            </a:pPr>
+            <a:r>
+              <a:rPr kumimoji="1" lang="en-US" altLang="zh-CN" sz="2000" dirty="0">
+                <a:sym typeface="+mn-ea"/>
+              </a:rPr>
+              <a:t>	</a:t>
+            </a:r>
+            <a:r>
+              <a:rPr kumimoji="1" lang="en-US" altLang="zh-CN" sz="2000" dirty="0" err="1">
+                <a:sym typeface="+mn-ea"/>
+              </a:rPr>
+              <a:t>CppCheck</a:t>
+            </a:r>
+            <a:r>
+              <a:rPr kumimoji="1" lang="en-US" altLang="zh-CN" sz="2000" dirty="0">
+                <a:sym typeface="+mn-ea"/>
+              </a:rPr>
+              <a:t>::</a:t>
+            </a:r>
+            <a:r>
+              <a:rPr kumimoji="1" lang="en-US" altLang="zh-CN" sz="2000" dirty="0" err="1">
+                <a:sym typeface="+mn-ea"/>
+              </a:rPr>
+              <a:t>executeRules</a:t>
+            </a:r>
+            <a:r>
+              <a:rPr kumimoji="1" lang="zh-CN" altLang="zh-CN" sz="2000" dirty="0">
+                <a:sym typeface="+mn-ea"/>
+              </a:rPr>
+              <a:t>执行 </a:t>
+            </a:r>
+            <a:r>
+              <a:rPr kumimoji="1" lang="en-US" altLang="zh-CN" sz="2000" dirty="0">
+                <a:sym typeface="+mn-ea"/>
+              </a:rPr>
+              <a:t>simple</a:t>
+            </a:r>
+            <a:r>
+              <a:rPr kumimoji="1" lang="zh-CN" altLang="zh-CN" sz="2000" dirty="0">
+                <a:sym typeface="+mn-ea"/>
+              </a:rPr>
+              <a:t>规则</a:t>
+            </a:r>
+            <a:r>
+              <a:rPr kumimoji="1" lang="en-US" altLang="zh-CN" sz="2000" dirty="0">
+                <a:sym typeface="+mn-ea"/>
+              </a:rPr>
+              <a:t>			</a:t>
+            </a:r>
+          </a:p>
+          <a:p>
+            <a:pPr marL="0" indent="0">
+              <a:lnSpc>
+                <a:spcPct val="70000"/>
+              </a:lnSpc>
+              <a:buNone/>
+            </a:pPr>
+            <a:endParaRPr kumimoji="1" lang="en-US" altLang="zh-CN" sz="2000" dirty="0">
+              <a:sym typeface="+mn-ea"/>
+            </a:endParaRPr>
+          </a:p>
+        </p:txBody>
+      </p:sp>
+    </p:spTree>
+  </p:cSld>
+  <p:clrMapOvr>
+    <a:masterClrMapping/>
+  </p:clrMapOvr>
+  <p:timing>
+    <p:tnLst>
+      <p:par>
+        <p:cTn id="1" dur="indefinite" restart="never" nodeType="tmRoot"/>
+      </p:par>
+    </p:tnLst>
+  </p:timing>
+</p:sld>
+</file>
+
+<file path=ppt/slides/slide2.xml><?xml version="1.0" encoding="utf-8"?>
+<p:sld xmlns:a="http://schemas.openxmlformats.org/drawingml/2006/main" xmlns:r="http://schemas.openxmlformats.org/officeDocument/2006/relationships" xmlns:p="http://schemas.openxmlformats.org/presentationml/2006/main">
+  <p:cSld>
+    <p:spTree>
+      <p:nvGrpSpPr>
+        <p:cNvPr id="1" name=""/>
+        <p:cNvGrpSpPr/>
+        <p:nvPr/>
+      </p:nvGrpSpPr>
+      <p:grpSpPr>
+        <a:xfrm>
+          <a:off x="0" y="0"/>
+          <a:ext cx="0" cy="0"/>
+          <a:chOff x="0" y="0"/>
+          <a:chExt cx="0" cy="0"/>
+        </a:xfrm>
+      </p:grpSpPr>
+      <p:sp>
+        <p:nvSpPr>
+          <p:cNvPr id="2" name="标题 1"/>
+          <p:cNvSpPr>
+            <a:spLocks noGrp="1"/>
+          </p:cNvSpPr>
+          <p:nvPr>
+            <p:ph type="title"/>
+          </p:nvPr>
+        </p:nvSpPr>
         <p:spPr/>
         <p:txBody>
           <a:bodyPr/>
           <a:lstStyle/>
           <a:p>
             <a:r>
+              <a:rPr kumimoji="1" lang="zh-CN" altLang="en-US" dirty="0" smtClean="0"/>
+              <a:t>说在前面</a:t>
+            </a:r>
+            <a:endParaRPr kumimoji="1" lang="zh-CN" altLang="en-US" dirty="0"/>
+          </a:p>
+        </p:txBody>
+      </p:sp>
+      <p:sp>
+        <p:nvSpPr>
+          <p:cNvPr id="3" name="内容占位符 2"/>
+          <p:cNvSpPr>
+            <a:spLocks noGrp="1"/>
+          </p:cNvSpPr>
+          <p:nvPr>
+            <p:ph idx="1"/>
+          </p:nvPr>
+        </p:nvSpPr>
+        <p:spPr/>
+        <p:txBody>
+          <a:bodyPr/>
+          <a:lstStyle/>
+          <a:p>
+            <a:r>
+              <a:rPr kumimoji="1" lang="zh-CN" altLang="en-US" dirty="0" smtClean="0"/>
+              <a:t>在第四周：</a:t>
+            </a:r>
+            <a:endParaRPr kumimoji="1" lang="zh-CN" altLang="en-US" dirty="0"/>
+          </a:p>
+        </p:txBody>
+      </p:sp>
+      <p:pic>
+        <p:nvPicPr>
+          <p:cNvPr id="4" name="图片 3"/>
+          <p:cNvPicPr>
+            <a:picLocks noChangeAspect="1"/>
+          </p:cNvPicPr>
+          <p:nvPr/>
+        </p:nvPicPr>
+        <p:blipFill>
+          <a:blip r:embed="rId2">
+            <a:extLst>
+              <a:ext uri="{28A0092B-C50C-407E-A947-70E740481C1C}">
+                <a14:useLocalDpi xmlns:a14="http://schemas.microsoft.com/office/drawing/2010/main" val="0"/>
+              </a:ext>
+            </a:extLst>
+          </a:blip>
+          <a:stretch>
+            <a:fillRect/>
+          </a:stretch>
+        </p:blipFill>
+        <p:spPr>
+          <a:xfrm>
+            <a:off x="2876550" y="1690688"/>
+            <a:ext cx="6438900" cy="4381500"/>
+          </a:xfrm>
+          <a:prstGeom prst="rect">
+            <a:avLst/>
+          </a:prstGeom>
+        </p:spPr>
+      </p:pic>
+    </p:spTree>
+  </p:cSld>
+  <p:clrMapOvr>
+    <a:masterClrMapping/>
+  </p:clrMapOvr>
+  <p:timing>
+    <p:tnLst>
+      <p:par>
+        <p:cTn id="1" dur="indefinite" restart="never" nodeType="tmRoot">
+          <p:childTnLst>
+            <p:seq concurrent="1" nextAc="seek">
+              <p:cTn id="2" dur="indefinite" nodeType="mainSeq">
+                <p:childTnLst>
+                  <p:par>
+                    <p:cTn id="3" fill="hold">
+                      <p:stCondLst>
+                        <p:cond delay="indefinite"/>
+                      </p:stCondLst>
+                      <p:childTnLst>
+                        <p:par>
+                          <p:cTn id="4" fill="hold">
+                            <p:stCondLst>
+                              <p:cond delay="0"/>
+                            </p:stCondLst>
+                            <p:childTnLst>
+                              <p:par>
+                                <p:cTn id="5" presetID="1" presetClass="entr" presetSubtype="0" fill="hold" nodeType="clickEffect">
+                                  <p:stCondLst>
+                                    <p:cond delay="0"/>
+                                  </p:stCondLst>
+                                  <p:childTnLst>
+                                    <p:set>
+                                      <p:cBhvr>
+                                        <p:cTn id="6" dur="1" fill="hold">
+                                          <p:stCondLst>
+                                            <p:cond delay="0"/>
+                                          </p:stCondLst>
+                                        </p:cTn>
+                                        <p:tgtEl>
+                                          <p:spTgt spid="4"/>
+                                        </p:tgtEl>
+                                        <p:attrNameLst>
+                                          <p:attrName>style.visibility</p:attrName>
+                                        </p:attrNameLst>
+                                      </p:cBhvr>
+                                      <p:to>
+                                        <p:strVal val="visible"/>
+                                      </p:to>
+                                    </p:set>
+                                  </p:childTnLst>
+                                </p:cTn>
+                              </p:par>
+                            </p:childTnLst>
+                          </p:cTn>
+                        </p:par>
+                      </p:childTnLst>
+                    </p:cTn>
+                  </p:par>
+                </p:childTnLst>
+              </p:cTn>
+              <p:prevCondLst>
+                <p:cond evt="onPrev" delay="0">
+                  <p:tgtEl>
+                    <p:sldTgt/>
+                  </p:tgtEl>
+                </p:cond>
+              </p:prevCondLst>
+              <p:nextCondLst>
+                <p:cond evt="onNext" delay="0">
+                  <p:tgtEl>
+                    <p:sldTgt/>
+                  </p:tgtEl>
+                </p:cond>
+              </p:nextCondLst>
+            </p:seq>
+          </p:childTnLst>
+        </p:cTn>
+      </p:par>
+    </p:tnLst>
+  </p:timing>
+</p:sld>
+</file>
+
+<file path=ppt/slides/slide20.xml><?xml version="1.0" encoding="utf-8"?>
+<p:sld xmlns:a="http://schemas.openxmlformats.org/drawingml/2006/main" xmlns:r="http://schemas.openxmlformats.org/officeDocument/2006/relationships" xmlns:p="http://schemas.openxmlformats.org/presentationml/2006/main">
+  <p:cSld>
+    <p:spTree>
+      <p:nvGrpSpPr>
+        <p:cNvPr id="1" name=""/>
+        <p:cNvGrpSpPr/>
+        <p:nvPr/>
+      </p:nvGrpSpPr>
+      <p:grpSpPr>
+        <a:xfrm>
+          <a:off x="0" y="0"/>
+          <a:ext cx="0" cy="0"/>
+          <a:chOff x="0" y="0"/>
+          <a:chExt cx="0" cy="0"/>
+        </a:xfrm>
+      </p:grpSpPr>
+      <p:sp>
+        <p:nvSpPr>
+          <p:cNvPr id="2" name="标题 1"/>
+          <p:cNvSpPr>
+            <a:spLocks noGrp="1"/>
+          </p:cNvSpPr>
+          <p:nvPr>
+            <p:ph type="title"/>
+          </p:nvPr>
+        </p:nvSpPr>
+        <p:spPr/>
+        <p:txBody>
+          <a:bodyPr/>
+          <a:lstStyle/>
+          <a:p>
+            <a:r>
               <a:rPr lang="zh-CN" altLang="zh-CN"/>
               <a:t>过程详细流程</a:t>
             </a:r>
-            <a:endParaRPr lang="zh-CN" altLang="zh-CN"/>
           </a:p>
         </p:txBody>
       </p:sp>
@@ -8368,7 +8525,6 @@
               <a:rPr lang="zh-CN" altLang="en-US"/>
               <a:t>流程</a:t>
             </a:r>
-            <a:endParaRPr lang="zh-CN" altLang="en-US"/>
           </a:p>
           <a:p>
             <a:pPr marL="0" indent="0">
@@ -8385,7 +8541,6 @@
               <a:rPr lang="zh-CN" altLang="zh-CN"/>
               <a:t>跳过先前程序添加的若干行</a:t>
             </a:r>
-            <a:endParaRPr lang="zh-CN" altLang="zh-CN"/>
           </a:p>
           <a:p>
             <a:pPr marL="0" indent="0">
@@ -8414,7 +8569,6 @@
               <a:rPr lang="en-US" altLang="zh-CN"/>
               <a:t>					#file,#line,#endfile</a:t>
             </a:r>
-            <a:endParaRPr lang="en-US" altLang="zh-CN"/>
           </a:p>
           <a:p>
             <a:pPr marL="0" indent="0">
@@ -8775,7 +8929,6 @@
               <a:rPr lang="zh-CN" altLang="en-US" sz="3200"/>
               <a:t>处理结果：</a:t>
             </a:r>
-            <a:endParaRPr lang="zh-CN" altLang="en-US" sz="3200"/>
           </a:p>
           <a:p>
             <a:pPr marL="0" indent="0">
@@ -8785,7 +8938,6 @@
               <a:rPr lang="en-US" altLang="en-US" sz="2000"/>
               <a:t>class  demo  ;</a:t>
             </a:r>
-            <a:endParaRPr lang="en-US" altLang="en-US" sz="2000"/>
           </a:p>
           <a:p>
             <a:pPr marL="0" indent="0">
@@ -8795,7 +8947,6 @@
               <a:rPr lang="en-US" altLang="en-US" sz="2000"/>
               <a:t>int  main  (  )</a:t>
             </a:r>
-            <a:endParaRPr lang="en-US" altLang="en-US" sz="2000"/>
           </a:p>
           <a:p>
             <a:pPr marL="0" indent="0">
@@ -8805,7 +8956,6 @@
               <a:rPr lang="en-US" altLang="en-US" sz="2000"/>
               <a:t>{</a:t>
             </a:r>
-            <a:endParaRPr lang="en-US" altLang="en-US" sz="2000"/>
           </a:p>
           <a:p>
             <a:pPr marL="0" indent="0">
@@ -8815,7 +8965,6 @@
               <a:rPr lang="en-US" altLang="en-US" sz="2000"/>
               <a:t>demo  *  p1  =  new  demo  (  )  ;</a:t>
             </a:r>
-            <a:endParaRPr lang="en-US" altLang="en-US" sz="2000"/>
           </a:p>
           <a:p>
             <a:pPr marL="0" indent="0">
@@ -8825,7 +8974,6 @@
               <a:rPr lang="en-US" altLang="en-US" sz="2000"/>
               <a:t>delete  p1  ;</a:t>
             </a:r>
-            <a:endParaRPr lang="en-US" altLang="en-US" sz="2000"/>
           </a:p>
           <a:p>
             <a:pPr marL="0" indent="0">
@@ -8835,7 +8983,6 @@
               <a:rPr lang="en-US" altLang="en-US" sz="2000"/>
               <a:t>demo  *  p2  =  p1  ;</a:t>
             </a:r>
-            <a:endParaRPr lang="en-US" altLang="en-US" sz="2000"/>
           </a:p>
           <a:p>
             <a:pPr marL="0" indent="0">
@@ -8845,7 +8992,6 @@
               <a:rPr lang="en-US" altLang="en-US" sz="2000"/>
               <a:t>p1  -  &gt;  func  (  )  ;</a:t>
             </a:r>
-            <a:endParaRPr lang="en-US" altLang="en-US" sz="2000"/>
           </a:p>
           <a:p>
             <a:pPr marL="0" indent="0">
@@ -8855,7 +9001,6 @@
               <a:rPr lang="en-US" altLang="en-US" sz="2000"/>
               <a:t>p2  -  &gt;  func  (  )  ;</a:t>
             </a:r>
-            <a:endParaRPr lang="en-US" altLang="en-US" sz="2000"/>
           </a:p>
           <a:p>
             <a:pPr marL="0" indent="0">
@@ -8865,7 +9010,6 @@
               <a:rPr lang="en-US" altLang="en-US" sz="2000"/>
               <a:t>}</a:t>
             </a:r>
-            <a:endParaRPr lang="en-US" altLang="en-US" sz="2000"/>
           </a:p>
         </p:txBody>
       </p:sp>
@@ -8884,7 +9028,7 @@
 </p:sld>
 </file>
 
-<file path=ppt/slides/slide2.xml><?xml version="1.0" encoding="utf-8"?>
+<file path=ppt/slides/slide21.xml><?xml version="1.0" encoding="utf-8"?>
 <p:sld xmlns:a="http://schemas.openxmlformats.org/drawingml/2006/main" xmlns:r="http://schemas.openxmlformats.org/officeDocument/2006/relationships" xmlns:p="http://schemas.openxmlformats.org/presentationml/2006/main">
   <p:cSld>
     <p:spTree>
@@ -8917,182 +9061,6 @@
           <a:lstStyle/>
           <a:p>
             <a:r>
-              <a:rPr kumimoji="1" lang="zh-CN" altLang="en-US" dirty="0" smtClean="0"/>
-              <a:t>说在前面</a:t>
-            </a:r>
-            <a:endParaRPr kumimoji="1" lang="zh-CN" altLang="en-US" dirty="0"/>
-          </a:p>
-        </p:txBody>
-      </p:sp>
-      <p:sp>
-        <p:nvSpPr>
-          <p:cNvPr id="3" name="内容占位符 2"/>
-          <p:cNvSpPr>
-            <a:spLocks noGrp="1"/>
-          </p:cNvSpPr>
-          <p:nvPr>
-            <p:ph idx="1"/>
-          </p:nvPr>
-        </p:nvSpPr>
-        <p:spPr/>
-        <p:txBody>
-          <a:bodyPr/>
-          <a:lstStyle/>
-          <a:p>
-            <a:r>
-              <a:rPr kumimoji="1" lang="zh-CN" altLang="en-US" dirty="0" smtClean="0"/>
-              <a:t>在第四周：</a:t>
-            </a:r>
-            <a:endParaRPr kumimoji="1" lang="zh-CN" altLang="en-US" dirty="0"/>
-          </a:p>
-        </p:txBody>
-      </p:sp>
-      <p:pic>
-        <p:nvPicPr>
-          <p:cNvPr id="4" name="图片 3"/>
-          <p:cNvPicPr>
-            <a:picLocks noChangeAspect="1"/>
-          </p:cNvPicPr>
-          <p:nvPr/>
-        </p:nvPicPr>
-        <p:blipFill>
-          <a:blip r:embed="rId1">
-            <a:extLst>
-              <a:ext uri="{28A0092B-C50C-407E-A947-70E740481C1C}">
-                <a14:useLocalDpi xmlns:a14="http://schemas.microsoft.com/office/drawing/2010/main" val="0"/>
-              </a:ext>
-            </a:extLst>
-          </a:blip>
-          <a:stretch>
-            <a:fillRect/>
-          </a:stretch>
-        </p:blipFill>
-        <p:spPr>
-          <a:xfrm>
-            <a:off x="2876550" y="1690688"/>
-            <a:ext cx="6438900" cy="4381500"/>
-          </a:xfrm>
-          <a:prstGeom prst="rect">
-            <a:avLst/>
-          </a:prstGeom>
-        </p:spPr>
-      </p:pic>
-    </p:spTree>
-  </p:cSld>
-  <p:clrMapOvr>
-    <a:masterClrMapping/>
-  </p:clrMapOvr>
-  <p:timing>
-    <p:tnLst>
-      <p:par>
-        <p:cTn id="1" dur="indefinite" restart="never" nodeType="tmRoot">
-          <p:childTnLst>
-            <p:seq concurrent="1" nextAc="seek">
-              <p:cTn id="2" dur="indefinite" nodeType="mainSeq">
-                <p:childTnLst>
-                  <p:par>
-                    <p:cTn id="3" fill="hold">
-                      <p:stCondLst>
-                        <p:cond delay="indefinite"/>
-                      </p:stCondLst>
-                      <p:childTnLst>
-                        <p:par>
-                          <p:cTn id="4" fill="hold">
-                            <p:stCondLst>
-                              <p:cond delay="0"/>
-                            </p:stCondLst>
-                            <p:childTnLst>
-                              <p:par>
-                                <p:cTn id="5" presetID="1" presetClass="entr" presetSubtype="0" fill="hold" nodeType="clickEffect">
-                                  <p:stCondLst>
-                                    <p:cond delay="0"/>
-                                  </p:stCondLst>
-                                  <p:childTnLst>
-                                    <p:set>
-                                      <p:cBhvr>
-                                        <p:cTn id="6" dur="1" fill="hold">
-                                          <p:stCondLst>
-                                            <p:cond delay="0"/>
-                                          </p:stCondLst>
-                                        </p:cTn>
-                                        <p:tgtEl>
-                                          <p:spTgt spid="4"/>
-                                        </p:tgtEl>
-                                        <p:attrNameLst>
-                                          <p:attrName>style.visibility</p:attrName>
-                                        </p:attrNameLst>
-                                      </p:cBhvr>
-                                      <p:to>
-                                        <p:strVal val="visible"/>
-                                      </p:to>
-                                    </p:set>
-                                  </p:childTnLst>
-                                </p:cTn>
-                              </p:par>
-                            </p:childTnLst>
-                          </p:cTn>
-                        </p:par>
-                      </p:childTnLst>
-                    </p:cTn>
-                  </p:par>
-                </p:childTnLst>
-              </p:cTn>
-              <p:prevCondLst>
-                <p:cond evt="onPrev" delay="0">
-                  <p:tgtEl>
-                    <p:sldTgt/>
-                  </p:tgtEl>
-                </p:cond>
-              </p:prevCondLst>
-              <p:nextCondLst>
-                <p:cond evt="onNext" delay="0">
-                  <p:tgtEl>
-                    <p:sldTgt/>
-                  </p:tgtEl>
-                </p:cond>
-              </p:nextCondLst>
-            </p:seq>
-          </p:childTnLst>
-        </p:cTn>
-      </p:par>
-    </p:tnLst>
-  </p:timing>
-</p:sld>
-</file>
-
-<file path=ppt/slides/slide20.xml><?xml version="1.0" encoding="utf-8"?>
-<p:sld xmlns:a="http://schemas.openxmlformats.org/drawingml/2006/main" xmlns:r="http://schemas.openxmlformats.org/officeDocument/2006/relationships" xmlns:p="http://schemas.openxmlformats.org/presentationml/2006/main">
-  <p:cSld>
-    <p:spTree>
-      <p:nvGrpSpPr>
-        <p:cNvPr id="1" name=""/>
-        <p:cNvGrpSpPr/>
-        <p:nvPr/>
-      </p:nvGrpSpPr>
-      <p:grpSpPr>
-        <a:xfrm>
-          <a:off x="0" y="0"/>
-          <a:ext cx="0" cy="0"/>
-          <a:chOff x="0" y="0"/>
-          <a:chExt cx="0" cy="0"/>
-        </a:xfrm>
-      </p:grpSpPr>
-      <p:sp>
-        <p:nvSpPr>
-          <p:cNvPr id="2" name="标题 1"/>
-          <p:cNvSpPr>
-            <a:spLocks noGrp="1"/>
-          </p:cNvSpPr>
-          <p:nvPr>
-            <p:ph type="title"/>
-          </p:nvPr>
-        </p:nvSpPr>
-        <p:spPr/>
-        <p:txBody>
-          <a:bodyPr/>
-          <a:lstStyle/>
-          <a:p>
-            <a:r>
               <a:rPr lang="zh-CN" altLang="zh-CN">
                 <a:sym typeface="+mn-ea"/>
               </a:rPr>
@@ -9144,7 +9112,6 @@
               <a:rPr lang="en-US" altLang="zh-CN"/>
               <a:t>)</a:t>
             </a:r>
-            <a:endParaRPr lang="en-US" altLang="zh-CN"/>
           </a:p>
           <a:p>
             <a:pPr marL="0" indent="0">
@@ -9158,7 +9125,6 @@
               <a:rPr lang="zh-CN" altLang="zh-CN"/>
               <a:t>链接前后括号</a:t>
             </a:r>
-            <a:endParaRPr lang="zh-CN" altLang="zh-CN"/>
           </a:p>
           <a:p>
             <a:pPr marL="0" indent="0">
@@ -9172,7 +9138,6 @@
               <a:rPr lang="zh-CN" altLang="en-US"/>
               <a:t>连接多字符操作符</a:t>
             </a:r>
-            <a:endParaRPr lang="zh-CN" altLang="en-US"/>
           </a:p>
           <a:p>
             <a:pPr marL="0" indent="0">
@@ -9190,7 +9155,6 @@
               <a:rPr lang="en-US" altLang="zh-CN"/>
               <a:t>“-&gt;”</a:t>
             </a:r>
-            <a:endParaRPr lang="en-US" altLang="zh-CN"/>
           </a:p>
           <a:p>
             <a:pPr marL="0" indent="0">
@@ -9204,7 +9168,6 @@
               <a:rPr lang="zh-CN" altLang="en-US"/>
               <a:t>简化并分离变量定义赋值过程</a:t>
             </a:r>
-            <a:endParaRPr lang="zh-CN" altLang="en-US"/>
           </a:p>
           <a:p>
             <a:pPr marL="0" indent="0">
@@ -9214,7 +9177,6 @@
               <a:rPr lang="en-US" altLang="zh-CN"/>
               <a:t>	demo * p1 = new demo ( ) ;变为demo * p1 ; p1 = new demo();</a:t>
             </a:r>
-            <a:endParaRPr lang="en-US" altLang="zh-CN"/>
           </a:p>
           <a:p>
             <a:pPr marL="0" indent="0">
@@ -9224,7 +9186,6 @@
               <a:rPr lang="en-US" altLang="zh-CN"/>
               <a:t>	demo * p2 = p1 ;变为demo * p2 ; p2 = p1 ;</a:t>
             </a:r>
-            <a:endParaRPr lang="en-US" altLang="zh-CN"/>
           </a:p>
           <a:p>
             <a:pPr marL="0" indent="0">
@@ -9263,7 +9224,7 @@
 </p:sld>
 </file>
 
-<file path=ppt/slides/slide21.xml><?xml version="1.0" encoding="utf-8"?>
+<file path=ppt/slides/slide22.xml><?xml version="1.0" encoding="utf-8"?>
 <p:sld xmlns:a="http://schemas.openxmlformats.org/drawingml/2006/main" xmlns:r="http://schemas.openxmlformats.org/officeDocument/2006/relationships" xmlns:p="http://schemas.openxmlformats.org/presentationml/2006/main">
   <p:cSld>
     <p:spTree>
@@ -9594,7 +9555,6 @@
               <a:rPr lang="zh-CN" altLang="zh-CN" sz="4000"/>
               <a:t>建立过程</a:t>
             </a:r>
-            <a:endParaRPr lang="zh-CN" altLang="zh-CN" sz="4000"/>
           </a:p>
           <a:p>
             <a:pPr marL="0" indent="0">
@@ -9608,7 +9568,6 @@
               <a:rPr lang="en-US" altLang="zh-CN"/>
               <a:t>scope</a:t>
             </a:r>
-            <a:endParaRPr lang="en-US" altLang="zh-CN"/>
           </a:p>
           <a:p>
             <a:pPr marL="0" indent="0">
@@ -9622,7 +9581,6 @@
               <a:rPr lang="zh-CN" altLang="en-US"/>
               <a:t>寻找类的定义范围（样例中不存在）</a:t>
             </a:r>
-            <a:endParaRPr lang="zh-CN" altLang="en-US"/>
           </a:p>
           <a:p>
             <a:pPr marL="0" indent="0">
@@ -9640,7 +9598,6 @@
               <a:rPr lang="en-US" altLang="en-US"/>
               <a:t>(class demo;)</a:t>
             </a:r>
-            <a:endParaRPr lang="en-US" altLang="en-US"/>
           </a:p>
           <a:p>
             <a:pPr marL="0" indent="0">
@@ -9654,7 +9611,6 @@
               <a:rPr lang="zh-CN" altLang="zh-CN"/>
               <a:t>名空间（不存在）</a:t>
             </a:r>
-            <a:endParaRPr lang="zh-CN" altLang="zh-CN"/>
           </a:p>
           <a:p>
             <a:pPr marL="0" indent="0">
@@ -9668,7 +9624,6 @@
               <a:rPr lang="zh-CN" altLang="en-US"/>
               <a:t>匿名结构体和联合（不存在）</a:t>
             </a:r>
-            <a:endParaRPr lang="zh-CN" altLang="en-US"/>
           </a:p>
           <a:p>
             <a:pPr marL="0" indent="0">
@@ -9682,7 +9637,6 @@
               <a:rPr lang="zh-CN" altLang="en-US"/>
               <a:t>匿名结构体，联合和名空间</a:t>
             </a:r>
-            <a:endParaRPr lang="zh-CN" altLang="en-US"/>
           </a:p>
           <a:p>
             <a:pPr marL="0" indent="0">
@@ -9696,7 +9650,6 @@
               <a:rPr lang="zh-CN" altLang="en-US"/>
               <a:t>其他一般情况</a:t>
             </a:r>
-            <a:endParaRPr lang="zh-CN" altLang="en-US"/>
           </a:p>
           <a:p>
             <a:pPr marL="0" indent="0">
@@ -9718,7 +9671,6 @@
               <a:rPr lang="zh-CN" altLang="en-US"/>
               <a:t>）</a:t>
             </a:r>
-            <a:endParaRPr lang="zh-CN" altLang="en-US"/>
           </a:p>
           <a:p>
             <a:pPr marL="0" indent="0">
@@ -9732,7 +9684,6 @@
               <a:rPr lang="zh-CN" altLang="en-US"/>
               <a:t>检查类定义域内的可能情况</a:t>
             </a:r>
-            <a:endParaRPr lang="zh-CN" altLang="en-US"/>
           </a:p>
           <a:p>
             <a:pPr marL="0" indent="0">
@@ -9754,7 +9705,6 @@
               <a:rPr lang="zh-CN" altLang="en-US"/>
               <a:t>）</a:t>
             </a:r>
-            <a:endParaRPr lang="zh-CN" altLang="en-US"/>
           </a:p>
         </p:txBody>
       </p:sp>
@@ -9773,7 +9723,7 @@
 </p:sld>
 </file>
 
-<file path=ppt/slides/slide22.xml><?xml version="1.0" encoding="utf-8"?>
+<file path=ppt/slides/slide23.xml><?xml version="1.0" encoding="utf-8"?>
 <p:sld xmlns:a="http://schemas.openxmlformats.org/drawingml/2006/main" xmlns:r="http://schemas.openxmlformats.org/officeDocument/2006/relationships" xmlns:p="http://schemas.openxmlformats.org/presentationml/2006/main">
   <p:cSld>
     <p:spTree>
@@ -10109,7 +10059,6 @@
               <a:rPr lang="zh-CN" altLang="en-US" sz="2000"/>
               <a:t>信息</a:t>
             </a:r>
-            <a:endParaRPr lang="zh-CN" altLang="en-US" sz="2000"/>
           </a:p>
           <a:p>
             <a:pPr marL="0" indent="0">
@@ -10119,7 +10068,6 @@
               <a:rPr lang="zh-CN" altLang="en-US" sz="2000"/>
               <a:t>填写定义信息</a:t>
             </a:r>
-            <a:endParaRPr lang="zh-CN" altLang="en-US" sz="2000"/>
           </a:p>
           <a:p>
             <a:pPr marL="0" indent="0">
@@ -10141,7 +10089,6 @@
               <a:rPr lang="zh-CN" altLang="en-US" sz="2000"/>
               <a:t>前向定义</a:t>
             </a:r>
-            <a:endParaRPr lang="zh-CN" altLang="en-US" sz="2000"/>
           </a:p>
           <a:p>
             <a:pPr marL="0" indent="0">
@@ -10163,7 +10110,6 @@
               <a:rPr lang="zh-CN" altLang="en-US" sz="2000"/>
               <a:t>函数定义</a:t>
             </a:r>
-            <a:endParaRPr lang="zh-CN" altLang="en-US" sz="2000"/>
           </a:p>
           <a:p>
             <a:pPr marL="0" indent="0">
@@ -10205,7 +10151,6 @@
               <a:rPr lang="en-US" altLang="zh-CN" sz="2000"/>
               <a:t>varlist</a:t>
             </a:r>
-            <a:endParaRPr lang="en-US" altLang="zh-CN" sz="2000"/>
           </a:p>
           <a:p>
             <a:pPr marL="0" indent="0">
@@ -10255,7 +10200,6 @@
               <a:rPr lang="en-US" altLang="zh-CN" sz="2000"/>
               <a:t>“=”</a:t>
             </a:r>
-            <a:endParaRPr lang="en-US" altLang="zh-CN" sz="2000"/>
           </a:p>
           <a:p>
             <a:pPr marL="0" indent="0">
@@ -10277,7 +10221,6 @@
               <a:rPr lang="zh-CN" altLang="en-US" sz="2000"/>
               <a:t>相关已有定义</a:t>
             </a:r>
-            <a:endParaRPr lang="zh-CN" altLang="en-US" sz="2000"/>
           </a:p>
           <a:p>
             <a:pPr marL="0" indent="0">
@@ -10303,7 +10246,6 @@
               <a:rPr lang="en-US" altLang="zh-CN" sz="2000"/>
               <a:t>varlist</a:t>
             </a:r>
-            <a:endParaRPr lang="en-US" altLang="zh-CN" sz="2000"/>
           </a:p>
           <a:p>
             <a:pPr marL="0" indent="0">
@@ -10333,9 +10275,6 @@
               </a:rPr>
               <a:t>)</a:t>
             </a:r>
-            <a:endParaRPr lang="en-US" altLang="zh-CN" sz="2000">
-              <a:sym typeface="+mn-ea"/>
-            </a:endParaRPr>
           </a:p>
           <a:p>
             <a:pPr marL="0" indent="0">
@@ -10353,9 +10292,6 @@
               </a:rPr>
               <a:t>寻找非空的小括号</a:t>
             </a:r>
-            <a:endParaRPr lang="zh-CN" altLang="en-US" sz="2000">
-              <a:sym typeface="+mn-ea"/>
-            </a:endParaRPr>
           </a:p>
           <a:p>
             <a:pPr marL="0" indent="0">
@@ -10382,7 +10318,7 @@
 </p:sld>
 </file>
 
-<file path=ppt/slides/slide23.xml><?xml version="1.0" encoding="utf-8"?>
+<file path=ppt/slides/slide24.xml><?xml version="1.0" encoding="utf-8"?>
 <p:sld xmlns:a="http://schemas.openxmlformats.org/drawingml/2006/main" xmlns:r="http://schemas.openxmlformats.org/officeDocument/2006/relationships" xmlns:p="http://schemas.openxmlformats.org/presentationml/2006/main">
   <p:cSld>
     <p:spTree>
@@ -10735,9 +10671,6 @@
               </a:rPr>
               <a:t>{...})</a:t>
             </a:r>
-            <a:endParaRPr lang="en-US" altLang="zh-CN" sz="2000">
-              <a:sym typeface="+mn-ea"/>
-            </a:endParaRPr>
           </a:p>
           <a:p>
             <a:pPr marL="0" indent="0">
@@ -10758,9 +10691,6 @@
               </a:rPr>
               <a:t>Scope</a:t>
             </a:r>
-            <a:endParaRPr lang="en-US" altLang="zh-CN" sz="2000">
-              <a:sym typeface="+mn-ea"/>
-            </a:endParaRPr>
           </a:p>
           <a:p>
             <a:pPr marL="0" indent="0">
@@ -10793,9 +10723,6 @@
               </a:rPr>
               <a:t>int)</a:t>
             </a:r>
-            <a:endParaRPr lang="en-US" altLang="zh-CN" sz="2000">
-              <a:sym typeface="+mn-ea"/>
-            </a:endParaRPr>
           </a:p>
           <a:p>
             <a:pPr marL="0" indent="0">
@@ -10852,9 +10779,6 @@
               </a:rPr>
               <a:t>p1,p2)</a:t>
             </a:r>
-            <a:endParaRPr lang="en-US" altLang="zh-CN" sz="2000">
-              <a:sym typeface="+mn-ea"/>
-            </a:endParaRPr>
           </a:p>
           <a:p>
             <a:pPr marL="0" indent="0">
@@ -10875,7 +10799,6 @@
               <a:rPr lang="zh-CN" altLang="en-US" sz="2000"/>
               <a:t>，函数定义声明，函数调用等符号间匹配信息</a:t>
             </a:r>
-            <a:endParaRPr lang="zh-CN" altLang="en-US" sz="2000"/>
           </a:p>
           <a:p>
             <a:pPr marL="0" indent="0">
@@ -10904,7 +10827,6 @@
               <a:rPr lang="en-US" altLang="zh-CN" sz="2000"/>
               <a:t>token</a:t>
             </a:r>
-            <a:endParaRPr lang="en-US" altLang="zh-CN" sz="2000"/>
           </a:p>
           <a:p>
             <a:pPr marL="0" indent="0">
@@ -10945,7 +10867,6 @@
               <a:rPr lang="zh-CN" altLang="en-US" sz="2000"/>
               <a:t>匹配函数，因没有定义未果</a:t>
             </a:r>
-            <a:endParaRPr lang="zh-CN" altLang="en-US" sz="2000"/>
           </a:p>
           <a:p>
             <a:pPr marL="0" indent="0">
@@ -10986,7 +10907,6 @@
               <a:rPr lang="zh-CN" altLang="en-US" sz="2000"/>
               <a:t>类，多次出现</a:t>
             </a:r>
-            <a:endParaRPr lang="zh-CN" altLang="en-US" sz="2000"/>
           </a:p>
           <a:p>
             <a:pPr marL="0" indent="0">
@@ -11015,7 +10935,6 @@
               <a:rPr lang="en-US" altLang="zh-CN" sz="2000"/>
               <a:t>Variable</a:t>
             </a:r>
-            <a:endParaRPr lang="en-US" altLang="zh-CN" sz="2000"/>
           </a:p>
         </p:txBody>
       </p:sp>
@@ -11034,7 +10953,7 @@
 </p:sld>
 </file>
 
-<file path=ppt/slides/slide24.xml><?xml version="1.0" encoding="utf-8"?>
+<file path=ppt/slides/slide25.xml><?xml version="1.0" encoding="utf-8"?>
 <p:sld xmlns:a="http://schemas.openxmlformats.org/drawingml/2006/main" xmlns:r="http://schemas.openxmlformats.org/officeDocument/2006/relationships" xmlns:p="http://schemas.openxmlformats.org/presentationml/2006/main">
   <p:cSld>
     <p:spTree>
@@ -11361,7 +11280,6 @@
               <a:rPr altLang="zh-CN" sz="3200"/>
               <a:t>ValueFlow::setValues规则</a:t>
             </a:r>
-            <a:endParaRPr altLang="zh-CN" sz="3200"/>
           </a:p>
           <a:p>
             <a:pPr marL="0" indent="0">
@@ -11371,7 +11289,6 @@
               <a:rPr lang="en-US" altLang="zh-CN"/>
               <a:t>Number					String</a:t>
             </a:r>
-            <a:endParaRPr lang="en-US" altLang="zh-CN"/>
           </a:p>
           <a:p>
             <a:pPr marL="0" indent="0">
@@ -11381,7 +11298,6 @@
               <a:rPr lang="en-US" altLang="zh-CN"/>
               <a:t>Array						PointerAlias</a:t>
             </a:r>
-            <a:endParaRPr lang="en-US" altLang="zh-CN"/>
           </a:p>
           <a:p>
             <a:pPr marL="0" indent="0">
@@ -11391,7 +11307,6 @@
               <a:rPr lang="en-US" altLang="zh-CN"/>
               <a:t>FunctionReturn				BitAnd</a:t>
             </a:r>
-            <a:endParaRPr lang="en-US" altLang="zh-CN"/>
           </a:p>
           <a:p>
             <a:pPr marL="0" indent="0">
@@ -11401,7 +11316,6 @@
               <a:rPr lang="en-US" altLang="zh-CN"/>
               <a:t>ForLoop					BeforeCondition</a:t>
             </a:r>
-            <a:endParaRPr lang="en-US" altLang="zh-CN"/>
           </a:p>
           <a:p>
             <a:pPr marL="0" indent="0">
@@ -11411,7 +11325,6 @@
               <a:rPr lang="en-US" altLang="zh-CN"/>
               <a:t>AfterAssign					AfterCondition</a:t>
             </a:r>
-            <a:endParaRPr lang="en-US" altLang="zh-CN"/>
           </a:p>
           <a:p>
             <a:pPr marL="0" indent="0">
@@ -11421,7 +11334,6 @@
               <a:rPr lang="en-US" altLang="zh-CN"/>
               <a:t>SwitchVariable				SubFunction</a:t>
             </a:r>
-            <a:endParaRPr lang="en-US" altLang="zh-CN"/>
           </a:p>
           <a:p>
             <a:pPr marL="0" indent="0">
@@ -11431,7 +11343,6 @@
               <a:rPr lang="en-US" altLang="zh-CN"/>
               <a:t>FunctionDefaultParameter</a:t>
             </a:r>
-            <a:endParaRPr lang="en-US" altLang="zh-CN"/>
           </a:p>
         </p:txBody>
       </p:sp>
@@ -11447,101 +11358,6 @@
       </p:par>
     </p:tnLst>
   </p:timing>
-</p:sld>
-</file>
-
-<file path=ppt/slides/slide25.xml><?xml version="1.0" encoding="utf-8"?>
-<p:sld xmlns:a="http://schemas.openxmlformats.org/drawingml/2006/main" xmlns:r="http://schemas.openxmlformats.org/officeDocument/2006/relationships" xmlns:p="http://schemas.openxmlformats.org/presentationml/2006/main">
-  <p:cSld>
-    <p:spTree>
-      <p:nvGrpSpPr>
-        <p:cNvPr id="1" name=""/>
-        <p:cNvGrpSpPr/>
-        <p:nvPr/>
-      </p:nvGrpSpPr>
-      <p:grpSpPr/>
-      <p:sp>
-        <p:nvSpPr>
-          <p:cNvPr id="2" name="标题 1"/>
-          <p:cNvSpPr>
-            <a:spLocks noGrp="1"/>
-          </p:cNvSpPr>
-          <p:nvPr>
-            <p:ph type="title"/>
-          </p:nvPr>
-        </p:nvSpPr>
-        <p:spPr/>
-        <p:txBody>
-          <a:bodyPr/>
-          <a:p>
-            <a:r>
-              <a:rPr lang="zh-CN" altLang="en-US"/>
-              <a:t>关于我</a:t>
-            </a:r>
-            <a:endParaRPr lang="zh-CN" altLang="en-US"/>
-          </a:p>
-        </p:txBody>
-      </p:sp>
-      <p:sp>
-        <p:nvSpPr>
-          <p:cNvPr id="3" name="内容占位符 2"/>
-          <p:cNvSpPr>
-            <a:spLocks noGrp="1"/>
-          </p:cNvSpPr>
-          <p:nvPr>
-            <p:ph idx="1"/>
-          </p:nvPr>
-        </p:nvSpPr>
-        <p:spPr/>
-        <p:txBody>
-          <a:bodyPr/>
-          <a:p>
-            <a:r>
-              <a:rPr lang="zh-CN" altLang="en-US"/>
-              <a:t>以样例</a:t>
-            </a:r>
-            <a:r>
-              <a:rPr lang="en-US" altLang="zh-CN"/>
-              <a:t>(1)</a:t>
-            </a:r>
-            <a:r>
-              <a:rPr lang="zh-CN" altLang="en-US"/>
-              <a:t>跟进调试了解详细的处理流程</a:t>
-            </a:r>
-            <a:endParaRPr lang="zh-CN" altLang="en-US"/>
-          </a:p>
-          <a:p>
-            <a:r>
-              <a:rPr lang="zh-CN" altLang="en-US">
-                <a:sym typeface="+mn-ea"/>
-              </a:rPr>
-              <a:t>二次开发为</a:t>
-            </a:r>
-            <a:r>
-              <a:rPr lang="en-US" altLang="zh-CN">
-                <a:sym typeface="+mn-ea"/>
-              </a:rPr>
-              <a:t>动态分配的指针变量定义时如未被分配空间必须初始化为NULL</a:t>
-            </a:r>
-            <a:endParaRPr lang="zh-CN" altLang="en-US"/>
-          </a:p>
-          <a:p>
-            <a:r>
-              <a:rPr lang="zh-CN" altLang="en-US"/>
-              <a:t>参与样例的测试</a:t>
-            </a:r>
-            <a:endParaRPr lang="zh-CN" altLang="en-US"/>
-          </a:p>
-          <a:p>
-            <a:endParaRPr lang="zh-CN" altLang="en-US"/>
-          </a:p>
-        </p:txBody>
-      </p:sp>
-    </p:spTree>
-  </p:cSld>
-  <p:clrMapOvr>
-    <a:masterClrMapping/>
-  </p:clrMapOvr>
 </p:sld>
 </file>
 
@@ -11578,24 +11394,9 @@
           <a:lstStyle/>
           <a:p>
             <a:r>
-              <a:rPr kumimoji="1" lang="zh-CN" altLang="en-US" dirty="0" smtClean="0">
-                <a:sym typeface="+mn-ea"/>
-              </a:rPr>
-              <a:t>样例二</a:t>
-            </a:r>
-            <a:r>
-              <a:rPr kumimoji="1" lang="en-US" altLang="zh-CN" dirty="0" smtClean="0">
-                <a:sym typeface="+mn-ea"/>
-              </a:rPr>
-              <a:t>(1)</a:t>
-            </a:r>
-            <a:r>
-              <a:rPr kumimoji="1" lang="zh-CN" altLang="en-US" dirty="0" smtClean="0">
-                <a:sym typeface="+mn-ea"/>
-              </a:rPr>
-              <a:t>测试</a:t>
-            </a:r>
-            <a:endParaRPr lang="zh-CN" altLang="en-US"/>
+              <a:rPr lang="zh-CN" altLang="en-US"/>
+              <a:t>关于我</a:t>
+            </a:r>
           </a:p>
         </p:txBody>
       </p:sp>
@@ -11614,54 +11415,41 @@
           <a:bodyPr/>
           <a:lstStyle/>
           <a:p>
-            <a:pPr>
-              <a:buFont typeface="Arial" charset="0"/>
-              <a:buChar char="•"/>
-            </a:pPr>
             <a:r>
               <a:rPr lang="zh-CN" altLang="en-US"/>
-              <a:t>测试改进建议</a:t>
+              <a:t>以样例</a:t>
+            </a:r>
+            <a:r>
+              <a:rPr lang="en-US" altLang="zh-CN"/>
+              <a:t>(1)</a:t>
+            </a:r>
+            <a:r>
+              <a:rPr lang="zh-CN" altLang="en-US"/>
+              <a:t>跟进调试了解详细的处理流程</a:t>
+            </a:r>
+          </a:p>
+          <a:p>
+            <a:r>
+              <a:rPr lang="zh-CN" altLang="en-US">
+                <a:sym typeface="+mn-ea"/>
+              </a:rPr>
+              <a:t>二次开发为</a:t>
+            </a:r>
+            <a:r>
+              <a:rPr lang="en-US" altLang="zh-CN">
+                <a:sym typeface="+mn-ea"/>
+              </a:rPr>
+              <a:t>动态分配的指针变量定义时如未被分配空间必须初始化为NULL</a:t>
             </a:r>
             <a:endParaRPr lang="zh-CN" altLang="en-US"/>
           </a:p>
           <a:p>
-            <a:pPr lvl="1"/>
             <a:r>
               <a:rPr lang="zh-CN" altLang="en-US"/>
-              <a:t>换为int指针类型进行测试，避免未定义成员函数带来的干扰</a:t>
-            </a:r>
-            <a:endParaRPr lang="zh-CN" altLang="en-US"/>
-          </a:p>
-          <a:p>
-            <a:pPr lvl="1"/>
-            <a:r>
-              <a:rPr lang="zh-CN" altLang="en-US"/>
-              <a:t>完善class定义进行测试</a:t>
-            </a:r>
-            <a:endParaRPr lang="zh-CN" altLang="en-US"/>
-          </a:p>
-          <a:p>
-            <a:pPr lvl="0"/>
-            <a:r>
-              <a:rPr lang="zh-CN" altLang="en-US"/>
-              <a:t>进一步测试方向</a:t>
-            </a:r>
-            <a:endParaRPr lang="zh-CN" altLang="en-US"/>
-          </a:p>
-          <a:p>
-            <a:pPr lvl="1"/>
-            <a:r>
-              <a:rPr lang="zh-CN" altLang="en-US"/>
-              <a:t>数据构成</a:t>
-            </a:r>
-            <a:endParaRPr lang="zh-CN" altLang="en-US"/>
-          </a:p>
-          <a:p>
-            <a:pPr lvl="1"/>
-            <a:r>
-              <a:rPr lang="zh-CN" altLang="en-US"/>
-              <a:t>数据模块中类的关系</a:t>
-            </a:r>
+              <a:t>参与样例的测试</a:t>
+            </a:r>
+          </a:p>
+          <a:p>
             <a:endParaRPr lang="zh-CN" altLang="en-US"/>
           </a:p>
         </p:txBody>
@@ -11671,13 +11459,6 @@
   <p:clrMapOvr>
     <a:masterClrMapping/>
   </p:clrMapOvr>
-  <p:timing>
-    <p:tnLst>
-      <p:par>
-        <p:cTn id="1" dur="indefinite" restart="never" nodeType="tmRoot"/>
-      </p:par>
-    </p:tnLst>
-  </p:timing>
 </p:sld>
 </file>
 
@@ -11723,7 +11504,7 @@
               <a:rPr kumimoji="1" lang="en-US" altLang="zh-CN" dirty="0" smtClean="0">
                 <a:sym typeface="+mn-ea"/>
               </a:rPr>
-              <a:t>(2)</a:t>
+              <a:t>(1)</a:t>
             </a:r>
             <a:r>
               <a:rPr kumimoji="1" lang="zh-CN" altLang="en-US" dirty="0" smtClean="0">
@@ -11750,102 +11531,49 @@
           <a:bodyPr/>
           <a:lstStyle/>
           <a:p>
+            <a:pPr>
+              <a:buFont typeface="Arial" charset="0"/>
+              <a:buChar char="•"/>
+            </a:pPr>
             <a:r>
               <a:rPr lang="zh-CN" altLang="en-US"/>
-              <a:t>测试方法</a:t>
-            </a:r>
-            <a:endParaRPr lang="zh-CN" altLang="en-US"/>
+              <a:t>测试改进建议</a:t>
+            </a:r>
           </a:p>
           <a:p>
             <a:pPr lvl="1"/>
             <a:r>
               <a:rPr lang="zh-CN" altLang="en-US"/>
-              <a:t>白盒测试</a:t>
-            </a:r>
-            <a:endParaRPr lang="zh-CN" altLang="en-US"/>
-          </a:p>
-          <a:p>
+              <a:t>换为int指针类型进行测试，避免未定义成员函数带来的干扰</a:t>
+            </a:r>
+          </a:p>
+          <a:p>
+            <a:pPr lvl="1"/>
             <a:r>
               <a:rPr lang="zh-CN" altLang="en-US"/>
-              <a:t>侧重点</a:t>
-            </a:r>
-            <a:endParaRPr lang="zh-CN" altLang="en-US"/>
+              <a:t>完善class定义进行测试</a:t>
+            </a:r>
+          </a:p>
+          <a:p>
+            <a:pPr lvl="0"/>
+            <a:r>
+              <a:rPr lang="zh-CN" altLang="en-US"/>
+              <a:t>进一步测试方向</a:t>
+            </a:r>
           </a:p>
           <a:p>
             <a:pPr lvl="1"/>
             <a:r>
               <a:rPr lang="zh-CN" altLang="en-US"/>
-              <a:t>跟踪</a:t>
-            </a:r>
-            <a:r>
-              <a:rPr lang="zh-CN" altLang="en-US" u="sng"/>
-              <a:t>数据</a:t>
-            </a:r>
+              <a:t>数据构成</a:t>
+            </a:r>
+          </a:p>
+          <a:p>
+            <a:pPr lvl="1"/>
             <a:r>
               <a:rPr lang="zh-CN" altLang="en-US"/>
-              <a:t>走向</a:t>
-            </a:r>
-            <a:endParaRPr lang="zh-CN" altLang="en-US"/>
-          </a:p>
-          <a:p>
-            <a:pPr lvl="1"/>
-            <a:r>
-              <a:rPr lang="zh-CN" altLang="en-US"/>
-              <a:t>分析</a:t>
-            </a:r>
-            <a:r>
-              <a:rPr lang="en-US" altLang="zh-CN"/>
-              <a:t>Token</a:t>
-            </a:r>
-            <a:r>
-              <a:rPr lang="zh-CN" altLang="en-US"/>
-              <a:t>（</a:t>
-            </a:r>
-            <a:r>
-              <a:rPr lang="en-US" altLang="zh-CN"/>
-              <a:t>Tokenize</a:t>
-            </a:r>
-            <a:r>
-              <a:rPr lang="zh-CN" altLang="en-US"/>
-              <a:t>模块）与</a:t>
-            </a:r>
-            <a:r>
-              <a:rPr lang="en-US" altLang="zh-CN"/>
-              <a:t>Symbol</a:t>
-            </a:r>
-            <a:r>
-              <a:rPr lang="zh-CN" altLang="en-US"/>
-              <a:t>（</a:t>
-            </a:r>
-            <a:r>
-              <a:rPr lang="en-US" altLang="zh-CN"/>
-              <a:t>SymbolDatabase</a:t>
-            </a:r>
-            <a:r>
-              <a:rPr lang="zh-CN" altLang="en-US"/>
-              <a:t>模块）类与对象间关系</a:t>
-            </a:r>
-            <a:endParaRPr lang="zh-CN" altLang="en-US"/>
-          </a:p>
-          <a:p>
-            <a:pPr lvl="1"/>
-            <a:r>
-              <a:rPr lang="en-US" altLang="zh-CN"/>
-              <a:t>Ast</a:t>
-            </a:r>
-            <a:r>
-              <a:rPr lang="zh-CN" altLang="en-US"/>
-              <a:t>（抽象语法树）分析，与</a:t>
-            </a:r>
-            <a:r>
-              <a:rPr lang="en-US" altLang="zh-CN"/>
-              <a:t>Token</a:t>
-            </a:r>
-            <a:r>
-              <a:rPr lang="zh-CN" altLang="en-US"/>
-              <a:t>挂钩</a:t>
-            </a:r>
-            <a:endParaRPr lang="zh-CN" altLang="en-US"/>
+              <a:t>数据模块中类的关系</a:t>
+            </a:r>
           </a:p>
         </p:txBody>
       </p:sp>
@@ -11920,6 +11648,183 @@
       </p:sp>
       <p:sp>
         <p:nvSpPr>
+          <p:cNvPr id="3" name="内容占位符 2"/>
+          <p:cNvSpPr>
+            <a:spLocks noGrp="1"/>
+          </p:cNvSpPr>
+          <p:nvPr>
+            <p:ph idx="1"/>
+          </p:nvPr>
+        </p:nvSpPr>
+        <p:spPr/>
+        <p:txBody>
+          <a:bodyPr/>
+          <a:lstStyle/>
+          <a:p>
+            <a:r>
+              <a:rPr lang="zh-CN" altLang="en-US"/>
+              <a:t>测试方法</a:t>
+            </a:r>
+          </a:p>
+          <a:p>
+            <a:pPr lvl="1"/>
+            <a:r>
+              <a:rPr lang="zh-CN" altLang="en-US"/>
+              <a:t>白盒测试</a:t>
+            </a:r>
+          </a:p>
+          <a:p>
+            <a:r>
+              <a:rPr lang="zh-CN" altLang="en-US"/>
+              <a:t>侧重点</a:t>
+            </a:r>
+          </a:p>
+          <a:p>
+            <a:pPr lvl="1"/>
+            <a:r>
+              <a:rPr lang="zh-CN" altLang="en-US"/>
+              <a:t>跟踪</a:t>
+            </a:r>
+            <a:r>
+              <a:rPr lang="zh-CN" altLang="en-US" u="sng"/>
+              <a:t>数据</a:t>
+            </a:r>
+            <a:r>
+              <a:rPr lang="zh-CN" altLang="en-US"/>
+              <a:t>走向</a:t>
+            </a:r>
+          </a:p>
+          <a:p>
+            <a:pPr lvl="1"/>
+            <a:r>
+              <a:rPr lang="zh-CN" altLang="en-US"/>
+              <a:t>分析</a:t>
+            </a:r>
+            <a:r>
+              <a:rPr lang="en-US" altLang="zh-CN"/>
+              <a:t>Token</a:t>
+            </a:r>
+            <a:r>
+              <a:rPr lang="zh-CN" altLang="en-US"/>
+              <a:t>（</a:t>
+            </a:r>
+            <a:r>
+              <a:rPr lang="en-US" altLang="zh-CN"/>
+              <a:t>Tokenize</a:t>
+            </a:r>
+            <a:r>
+              <a:rPr lang="zh-CN" altLang="en-US"/>
+              <a:t>模块）与</a:t>
+            </a:r>
+            <a:r>
+              <a:rPr lang="en-US" altLang="zh-CN"/>
+              <a:t>Symbol</a:t>
+            </a:r>
+            <a:r>
+              <a:rPr lang="zh-CN" altLang="en-US"/>
+              <a:t>（</a:t>
+            </a:r>
+            <a:r>
+              <a:rPr lang="en-US" altLang="zh-CN"/>
+              <a:t>SymbolDatabase</a:t>
+            </a:r>
+            <a:r>
+              <a:rPr lang="zh-CN" altLang="en-US"/>
+              <a:t>模块）类与对象间关系</a:t>
+            </a:r>
+          </a:p>
+          <a:p>
+            <a:pPr lvl="1"/>
+            <a:r>
+              <a:rPr lang="en-US" altLang="zh-CN"/>
+              <a:t>Ast</a:t>
+            </a:r>
+            <a:r>
+              <a:rPr lang="zh-CN" altLang="en-US"/>
+              <a:t>（抽象语法树）分析，与</a:t>
+            </a:r>
+            <a:r>
+              <a:rPr lang="en-US" altLang="zh-CN"/>
+              <a:t>Token</a:t>
+            </a:r>
+            <a:r>
+              <a:rPr lang="zh-CN" altLang="en-US"/>
+              <a:t>挂钩</a:t>
+            </a:r>
+          </a:p>
+        </p:txBody>
+      </p:sp>
+    </p:spTree>
+  </p:cSld>
+  <p:clrMapOvr>
+    <a:masterClrMapping/>
+  </p:clrMapOvr>
+  <p:timing>
+    <p:tnLst>
+      <p:par>
+        <p:cTn id="1" dur="indefinite" restart="never" nodeType="tmRoot"/>
+      </p:par>
+    </p:tnLst>
+  </p:timing>
+</p:sld>
+</file>
+
+<file path=ppt/slides/slide29.xml><?xml version="1.0" encoding="utf-8"?>
+<p:sld xmlns:a="http://schemas.openxmlformats.org/drawingml/2006/main" xmlns:r="http://schemas.openxmlformats.org/officeDocument/2006/relationships" xmlns:p="http://schemas.openxmlformats.org/presentationml/2006/main">
+  <p:cSld>
+    <p:spTree>
+      <p:nvGrpSpPr>
+        <p:cNvPr id="1" name=""/>
+        <p:cNvGrpSpPr/>
+        <p:nvPr/>
+      </p:nvGrpSpPr>
+      <p:grpSpPr>
+        <a:xfrm>
+          <a:off x="0" y="0"/>
+          <a:ext cx="0" cy="0"/>
+          <a:chOff x="0" y="0"/>
+          <a:chExt cx="0" cy="0"/>
+        </a:xfrm>
+      </p:grpSpPr>
+      <p:sp>
+        <p:nvSpPr>
+          <p:cNvPr id="2" name="标题 1"/>
+          <p:cNvSpPr>
+            <a:spLocks noGrp="1"/>
+          </p:cNvSpPr>
+          <p:nvPr>
+            <p:ph type="title"/>
+          </p:nvPr>
+        </p:nvSpPr>
+        <p:spPr/>
+        <p:txBody>
+          <a:bodyPr/>
+          <a:lstStyle/>
+          <a:p>
+            <a:r>
+              <a:rPr kumimoji="1" lang="zh-CN" altLang="en-US" dirty="0" smtClean="0">
+                <a:sym typeface="+mn-ea"/>
+              </a:rPr>
+              <a:t>样例二</a:t>
+            </a:r>
+            <a:r>
+              <a:rPr kumimoji="1" lang="en-US" altLang="zh-CN" dirty="0" smtClean="0">
+                <a:sym typeface="+mn-ea"/>
+              </a:rPr>
+              <a:t>(2)</a:t>
+            </a:r>
+            <a:r>
+              <a:rPr kumimoji="1" lang="zh-CN" altLang="en-US" dirty="0" smtClean="0">
+                <a:sym typeface="+mn-ea"/>
+              </a:rPr>
+              <a:t>测试</a:t>
+            </a:r>
+            <a:endParaRPr lang="zh-CN" altLang="en-US"/>
+          </a:p>
+        </p:txBody>
+      </p:sp>
+      <p:sp>
+        <p:nvSpPr>
           <p:cNvPr id="4" name="文本框 3"/>
           <p:cNvSpPr txBox="1"/>
           <p:nvPr/>
@@ -11948,7 +11853,6 @@
               <a:rPr lang="zh-CN" altLang="en-US" sz="2400"/>
               <a:t>模块</a:t>
             </a:r>
-            <a:endParaRPr lang="zh-CN" altLang="en-US" sz="2400"/>
           </a:p>
         </p:txBody>
       </p:sp>
@@ -11982,7 +11886,6 @@
               <a:rPr lang="zh-CN" altLang="en-US" sz="2400"/>
               <a:t>模块</a:t>
             </a:r>
-            <a:endParaRPr lang="zh-CN" altLang="en-US" sz="2400"/>
           </a:p>
         </p:txBody>
       </p:sp>
@@ -12087,7 +11990,6 @@
                 <a:rPr lang="en-US" altLang="zh-CN"/>
                 <a:t>Scope</a:t>
               </a:r>
-              <a:endParaRPr lang="en-US" altLang="zh-CN"/>
             </a:p>
           </p:txBody>
         </p:sp>
@@ -12131,7 +12033,6 @@
                 <a:rPr lang="en-US" altLang="zh-CN"/>
                 <a:t>Variable</a:t>
               </a:r>
-              <a:endParaRPr lang="en-US" altLang="zh-CN"/>
             </a:p>
           </p:txBody>
         </p:sp>
@@ -12175,7 +12076,6 @@
                 <a:rPr lang="en-US" altLang="zh-CN"/>
                 <a:t>Function</a:t>
               </a:r>
-              <a:endParaRPr lang="en-US" altLang="zh-CN"/>
             </a:p>
           </p:txBody>
         </p:sp>
@@ -12219,7 +12119,6 @@
                 <a:rPr lang="en-US" altLang="zh-CN"/>
                 <a:t>Type</a:t>
               </a:r>
-              <a:endParaRPr lang="en-US" altLang="zh-CN"/>
             </a:p>
           </p:txBody>
         </p:sp>
@@ -12633,7 +12532,6 @@
                 <a:rPr lang="en-US" altLang="zh-CN"/>
                 <a:t>Token</a:t>
               </a:r>
-              <a:endParaRPr lang="en-US" altLang="zh-CN"/>
             </a:p>
           </p:txBody>
         </p:sp>
@@ -12908,7 +12806,6 @@
               <a:rPr lang="zh-CN" altLang="en-US"/>
               <a:t>对多</a:t>
             </a:r>
-            <a:endParaRPr lang="zh-CN" altLang="en-US"/>
           </a:p>
         </p:txBody>
       </p:sp>
@@ -12946,199 +12843,6 @@
               <a:rPr lang="en-US" altLang="zh-CN"/>
               <a:t>1</a:t>
             </a:r>
-            <a:endParaRPr lang="en-US" altLang="zh-CN"/>
-          </a:p>
-        </p:txBody>
-      </p:sp>
-    </p:spTree>
-  </p:cSld>
-  <p:clrMapOvr>
-    <a:masterClrMapping/>
-  </p:clrMapOvr>
-  <p:timing>
-    <p:tnLst>
-      <p:par>
-        <p:cTn id="1" dur="indefinite" restart="never" nodeType="tmRoot"/>
-      </p:par>
-    </p:tnLst>
-  </p:timing>
-</p:sld>
-</file>
-
-<file path=ppt/slides/slide29.xml><?xml version="1.0" encoding="utf-8"?>
-<p:sld xmlns:a="http://schemas.openxmlformats.org/drawingml/2006/main" xmlns:r="http://schemas.openxmlformats.org/officeDocument/2006/relationships" xmlns:p="http://schemas.openxmlformats.org/presentationml/2006/main">
-  <p:cSld>
-    <p:spTree>
-      <p:nvGrpSpPr>
-        <p:cNvPr id="1" name=""/>
-        <p:cNvGrpSpPr/>
-        <p:nvPr/>
-      </p:nvGrpSpPr>
-      <p:grpSpPr>
-        <a:xfrm>
-          <a:off x="0" y="0"/>
-          <a:ext cx="0" cy="0"/>
-          <a:chOff x="0" y="0"/>
-          <a:chExt cx="0" cy="0"/>
-        </a:xfrm>
-      </p:grpSpPr>
-      <p:sp>
-        <p:nvSpPr>
-          <p:cNvPr id="2" name="标题 1"/>
-          <p:cNvSpPr>
-            <a:spLocks noGrp="1"/>
-          </p:cNvSpPr>
-          <p:nvPr>
-            <p:ph type="title"/>
-          </p:nvPr>
-        </p:nvSpPr>
-        <p:spPr/>
-        <p:txBody>
-          <a:bodyPr/>
-          <a:lstStyle/>
-          <a:p>
-            <a:r>
-              <a:rPr lang="en-US" altLang="zh-CN">
-                <a:sym typeface="+mn-ea"/>
-              </a:rPr>
-              <a:t>Tokenize</a:t>
-            </a:r>
-            <a:r>
-              <a:rPr lang="zh-CN" altLang="en-US">
-                <a:sym typeface="+mn-ea"/>
-              </a:rPr>
-              <a:t>模块</a:t>
-            </a:r>
-            <a:endParaRPr lang="zh-CN" altLang="en-US"/>
-          </a:p>
-        </p:txBody>
-      </p:sp>
-      <p:sp>
-        <p:nvSpPr>
-          <p:cNvPr id="3" name="内容占位符 2"/>
-          <p:cNvSpPr>
-            <a:spLocks noGrp="1"/>
-          </p:cNvSpPr>
-          <p:nvPr>
-            <p:ph idx="1"/>
-          </p:nvPr>
-        </p:nvSpPr>
-        <p:spPr/>
-        <p:txBody>
-          <a:bodyPr/>
-          <a:lstStyle/>
-          <a:p>
-            <a:r>
-              <a:rPr lang="zh-CN" altLang="en-US"/>
-              <a:t>由</a:t>
-            </a:r>
-            <a:r>
-              <a:rPr lang="en-US" altLang="zh-CN"/>
-              <a:t>Token</a:t>
-            </a:r>
-            <a:r>
-              <a:rPr lang="zh-CN" altLang="en-US"/>
-              <a:t>构成图型数据</a:t>
-            </a:r>
-            <a:endParaRPr lang="zh-CN" altLang="en-US"/>
-          </a:p>
-          <a:p>
-            <a:r>
-              <a:rPr lang="en-US" altLang="zh-CN"/>
-              <a:t>Token</a:t>
-            </a:r>
-            <a:r>
-              <a:rPr lang="zh-CN" altLang="en-US"/>
-              <a:t>间关系：</a:t>
-            </a:r>
-            <a:endParaRPr lang="zh-CN" altLang="en-US"/>
-          </a:p>
-          <a:p>
-            <a:pPr lvl="1"/>
-            <a:r>
-              <a:rPr lang="zh-CN" altLang="en-US" sz="2400"/>
-              <a:t>前后顺序</a:t>
-            </a:r>
-            <a:endParaRPr lang="zh-CN" altLang="en-US" sz="2400"/>
-          </a:p>
-          <a:p>
-            <a:pPr lvl="1"/>
-            <a:r>
-              <a:rPr lang="zh-CN" altLang="en-US" sz="2400"/>
-              <a:t>配对关系 </a:t>
-            </a:r>
-            <a:r>
-              <a:rPr lang="en-US" altLang="zh-CN" sz="2400"/>
-              <a:t>(link)</a:t>
-            </a:r>
-            <a:endParaRPr lang="en-US" altLang="zh-CN" sz="2400"/>
-          </a:p>
-          <a:p>
-            <a:pPr lvl="1"/>
-            <a:r>
-              <a:rPr lang="en-US" altLang="zh-CN" sz="2400"/>
-              <a:t>Ast</a:t>
-            </a:r>
-            <a:r>
-              <a:rPr lang="zh-CN" altLang="en-US" sz="2400"/>
-              <a:t>关系：</a:t>
-            </a:r>
-            <a:r>
-              <a:rPr lang="en-US" altLang="zh-CN" sz="2400"/>
-              <a:t>parent</a:t>
-            </a:r>
-            <a:r>
-              <a:rPr lang="zh-CN" altLang="en-US" sz="2400"/>
-              <a:t>，左右操作数</a:t>
-            </a:r>
-            <a:endParaRPr lang="zh-CN" altLang="en-US" sz="2400"/>
-          </a:p>
-          <a:p>
-            <a:pPr lvl="0"/>
-            <a:r>
-              <a:rPr lang="en-US" altLang="zh-CN" sz="2800"/>
-              <a:t>Token</a:t>
-            </a:r>
-            <a:r>
-              <a:rPr lang="zh-CN" altLang="en-US" sz="2800"/>
-              <a:t>形成流程：</a:t>
-            </a:r>
-            <a:endParaRPr lang="zh-CN" altLang="en-US" sz="2800"/>
-          </a:p>
-          <a:p>
-            <a:pPr lvl="1"/>
-            <a:r>
-              <a:rPr lang="zh-CN" altLang="en-US" sz="2400"/>
-              <a:t>根据单词与单个符号分割</a:t>
-            </a:r>
-            <a:endParaRPr lang="zh-CN" altLang="en-US" sz="2400"/>
-          </a:p>
-          <a:p>
-            <a:pPr lvl="1"/>
-            <a:r>
-              <a:rPr lang="zh-CN" altLang="en-US" sz="2400"/>
-              <a:t>连接前后匹配成对符号</a:t>
-            </a:r>
-            <a:endParaRPr lang="zh-CN" altLang="en-US" sz="2400"/>
-          </a:p>
-          <a:p>
-            <a:pPr lvl="1"/>
-            <a:r>
-              <a:rPr lang="zh-CN" altLang="en-US" sz="2400"/>
-              <a:t>连接部分单个符号成为完整多字符操作符</a:t>
-            </a:r>
-            <a:endParaRPr lang="zh-CN" altLang="en-US" sz="2400"/>
-          </a:p>
-          <a:p>
-            <a:pPr lvl="1"/>
-            <a:r>
-              <a:rPr lang="zh-CN" altLang="en-US" sz="2400"/>
-              <a:t>其他操作如简化单个操作内容，进行增添或删减</a:t>
-            </a:r>
-            <a:endParaRPr lang="zh-CN" altLang="en-US" sz="2400"/>
-          </a:p>
-          <a:p>
-            <a:endParaRPr lang="zh-CN" altLang="en-US"/>
           </a:p>
         </p:txBody>
       </p:sp>
@@ -13255,7 +12959,7 @@
           <p:nvPr/>
         </p:nvPicPr>
         <p:blipFill>
-          <a:blip r:embed="rId1">
+          <a:blip r:embed="rId2">
             <a:extLst>
               <a:ext uri="{28A0092B-C50C-407E-A947-70E740481C1C}">
                 <a14:useLocalDpi xmlns:a14="http://schemas.microsoft.com/office/drawing/2010/main" val="0"/>
@@ -13424,43 +13128,7 @@
           <a:p>
             <a:r>
               <a:rPr lang="zh-CN" altLang="en-US"/>
-              <a:t>抽象语法树</a:t>
-            </a:r>
-            <a:r>
-              <a:rPr lang="en-US" altLang="zh-CN"/>
-              <a:t>Ast</a:t>
-            </a:r>
-            <a:endParaRPr lang="en-US" altLang="zh-CN"/>
-          </a:p>
-          <a:p>
-            <a:pPr lvl="1"/>
-            <a:r>
-              <a:rPr lang="zh-CN" altLang="en-US"/>
-              <a:t>在</a:t>
-            </a:r>
-            <a:r>
-              <a:rPr lang="en-US" altLang="zh-CN"/>
-              <a:t>SymbolDatabase</a:t>
-            </a:r>
-            <a:r>
-              <a:rPr lang="zh-CN" altLang="en-US"/>
-              <a:t>建立后分析，此时所有</a:t>
-            </a:r>
-            <a:r>
-              <a:rPr lang="en-US" altLang="zh-CN"/>
-              <a:t>token</a:t>
-            </a:r>
-            <a:r>
-              <a:rPr lang="zh-CN" altLang="en-US"/>
-              <a:t>都已分析出含义</a:t>
-            </a:r>
-            <a:endParaRPr lang="zh-CN" altLang="en-US"/>
-          </a:p>
-          <a:p>
-            <a:pPr lvl="1"/>
-            <a:r>
-              <a:rPr lang="zh-CN" altLang="en-US"/>
-              <a:t>按顺序枚举</a:t>
+              <a:t>由</a:t>
             </a:r>
             <a:r>
               <a:rPr lang="en-US" altLang="zh-CN"/>
@@ -13468,16 +13136,130 @@
             </a:r>
             <a:r>
               <a:rPr lang="zh-CN" altLang="en-US"/>
-              <a:t>，按语法依赖顺序递归编译规则，按规则定义推进编译子语法，或者将已经编译的语法树设为子树</a:t>
-            </a:r>
+              <a:t>构成图型数据</a:t>
+            </a:r>
+          </a:p>
+          <a:p>
+            <a:r>
+              <a:rPr lang="en-US" altLang="zh-CN"/>
+              <a:t>Token</a:t>
+            </a:r>
+            <a:r>
+              <a:rPr lang="zh-CN" altLang="en-US"/>
+              <a:t>间关系：</a:t>
+            </a:r>
+          </a:p>
+          <a:p>
+            <a:pPr lvl="1"/>
+            <a:r>
+              <a:rPr lang="zh-CN" altLang="en-US" sz="2400"/>
+              <a:t>前后顺序</a:t>
+            </a:r>
+          </a:p>
+          <a:p>
+            <a:pPr lvl="1"/>
+            <a:r>
+              <a:rPr lang="zh-CN" altLang="en-US" sz="2400"/>
+              <a:t>配对关系 </a:t>
+            </a:r>
+            <a:r>
+              <a:rPr lang="en-US" altLang="zh-CN" sz="2400"/>
+              <a:t>(link)</a:t>
+            </a:r>
+          </a:p>
+          <a:p>
+            <a:pPr lvl="1"/>
+            <a:r>
+              <a:rPr lang="en-US" altLang="zh-CN" sz="2400"/>
+              <a:t>Ast</a:t>
+            </a:r>
+            <a:r>
+              <a:rPr lang="zh-CN" altLang="en-US" sz="2400"/>
+              <a:t>关系：</a:t>
+            </a:r>
+            <a:r>
+              <a:rPr lang="en-US" altLang="zh-CN" sz="2400"/>
+              <a:t>parent</a:t>
+            </a:r>
+            <a:r>
+              <a:rPr lang="zh-CN" altLang="en-US" sz="2400"/>
+              <a:t>，左右操作数</a:t>
+            </a:r>
+          </a:p>
+          <a:p>
+            <a:pPr lvl="0"/>
+            <a:r>
+              <a:rPr lang="en-US" altLang="zh-CN" sz="2800"/>
+              <a:t>Token</a:t>
+            </a:r>
+            <a:r>
+              <a:rPr lang="zh-CN" altLang="en-US" sz="2800"/>
+              <a:t>形成流程：</a:t>
+            </a:r>
+          </a:p>
+          <a:p>
+            <a:pPr lvl="1"/>
+            <a:r>
+              <a:rPr lang="zh-CN" altLang="en-US" sz="2400"/>
+              <a:t>根据单词与单个符号分割</a:t>
+            </a:r>
+          </a:p>
+          <a:p>
+            <a:pPr lvl="1"/>
+            <a:r>
+              <a:rPr lang="zh-CN" altLang="en-US" sz="2400"/>
+              <a:t>连接前后匹配成对符号</a:t>
+            </a:r>
+          </a:p>
+          <a:p>
+            <a:pPr lvl="1"/>
+            <a:r>
+              <a:rPr lang="zh-CN" altLang="en-US" sz="2400"/>
+              <a:t>连接部分单个符号成为完整多字符操作符</a:t>
+            </a:r>
+          </a:p>
+          <a:p>
+            <a:pPr lvl="1"/>
+            <a:r>
+              <a:rPr lang="zh-CN" altLang="en-US" sz="2400"/>
+              <a:t>其他操作如简化单个操作内容，进行增添或删减</a:t>
+            </a:r>
+          </a:p>
+          <a:p>
             <a:endParaRPr lang="zh-CN" altLang="en-US"/>
-          </a:p>
-          <a:p>
-            <a:pPr lvl="0"/>
-            <a:endParaRPr lang="en-US" altLang="zh-CN"/>
           </a:p>
         </p:txBody>
       </p:sp>
+      <p:pic>
+        <p:nvPicPr>
+          <p:cNvPr id="4" name="图片 3"/>
+          <p:cNvPicPr>
+            <a:picLocks noChangeAspect="1"/>
+          </p:cNvPicPr>
+          <p:nvPr/>
+        </p:nvPicPr>
+        <p:blipFill>
+          <a:blip r:embed="rId2">
+            <a:extLst>
+              <a:ext uri="{28A0092B-C50C-407E-A947-70E740481C1C}">
+                <a14:useLocalDpi xmlns:a14="http://schemas.microsoft.com/office/drawing/2010/main" val="0"/>
+              </a:ext>
+            </a:extLst>
+          </a:blip>
+          <a:stretch>
+            <a:fillRect/>
+          </a:stretch>
+        </p:blipFill>
+        <p:spPr>
+          <a:xfrm>
+            <a:off x="4881034" y="2680494"/>
+            <a:ext cx="1955800" cy="1320800"/>
+          </a:xfrm>
+          <a:prstGeom prst="rect">
+            <a:avLst/>
+          </a:prstGeom>
+        </p:spPr>
+      </p:pic>
     </p:spTree>
   </p:cSld>
   <p:clrMapOvr>
@@ -13486,7 +13268,83 @@
   <p:timing>
     <p:tnLst>
       <p:par>
-        <p:cTn id="1" dur="indefinite" restart="never" nodeType="tmRoot"/>
+        <p:cTn id="1" dur="indefinite" restart="never" nodeType="tmRoot">
+          <p:childTnLst>
+            <p:seq concurrent="1" nextAc="seek">
+              <p:cTn id="2" dur="indefinite" nodeType="mainSeq">
+                <p:childTnLst>
+                  <p:par>
+                    <p:cTn id="3" fill="hold">
+                      <p:stCondLst>
+                        <p:cond delay="indefinite"/>
+                      </p:stCondLst>
+                      <p:childTnLst>
+                        <p:par>
+                          <p:cTn id="4" fill="hold">
+                            <p:stCondLst>
+                              <p:cond delay="0"/>
+                            </p:stCondLst>
+                            <p:childTnLst>
+                              <p:par>
+                                <p:cTn id="5" presetID="9" presetClass="exit" presetSubtype="0" fill="hold" nodeType="clickEffect">
+                                  <p:stCondLst>
+                                    <p:cond delay="0"/>
+                                  </p:stCondLst>
+                                  <p:childTnLst>
+                                    <p:animEffect transition="out" filter="dissolve">
+                                      <p:cBhvr>
+                                        <p:cTn id="6" dur="500"/>
+                                        <p:tgtEl>
+                                          <p:spTgt spid="4"/>
+                                        </p:tgtEl>
+                                      </p:cBhvr>
+                                    </p:animEffect>
+                                    <p:set>
+                                      <p:cBhvr>
+                                        <p:cTn id="7" dur="1" fill="hold">
+                                          <p:stCondLst>
+                                            <p:cond delay="499"/>
+                                          </p:stCondLst>
+                                        </p:cTn>
+                                        <p:tgtEl>
+                                          <p:spTgt spid="4"/>
+                                        </p:tgtEl>
+                                        <p:attrNameLst>
+                                          <p:attrName>style.visibility</p:attrName>
+                                        </p:attrNameLst>
+                                      </p:cBhvr>
+                                      <p:to>
+                                        <p:strVal val="hidden"/>
+                                      </p:to>
+                                    </p:set>
+                                  </p:childTnLst>
+                                </p:cTn>
+                              </p:par>
+                            </p:childTnLst>
+                          </p:cTn>
+                        </p:par>
+                      </p:childTnLst>
+                    </p:cTn>
+                  </p:par>
+                </p:childTnLst>
+              </p:cTn>
+              <p:prevCondLst>
+                <p:cond evt="onPrev" delay="0">
+                  <p:tgtEl>
+                    <p:sldTgt/>
+                  </p:tgtEl>
+                </p:cond>
+              </p:prevCondLst>
+              <p:nextCondLst>
+                <p:cond evt="onNext" delay="0">
+                  <p:tgtEl>
+                    <p:sldTgt/>
+                  </p:tgtEl>
+                </p:cond>
+              </p:nextCondLst>
+            </p:seq>
+          </p:childTnLst>
+        </p:cTn>
       </p:par>
     </p:tnLst>
   </p:timing>
@@ -13551,6 +13409,137 @@
             <p:ph idx="1"/>
           </p:nvPr>
         </p:nvSpPr>
+        <p:spPr/>
+        <p:txBody>
+          <a:bodyPr/>
+          <a:lstStyle/>
+          <a:p>
+            <a:r>
+              <a:rPr lang="zh-CN" altLang="en-US"/>
+              <a:t>抽象语法树</a:t>
+            </a:r>
+            <a:r>
+              <a:rPr lang="en-US" altLang="zh-CN"/>
+              <a:t>Ast</a:t>
+            </a:r>
+          </a:p>
+          <a:p>
+            <a:pPr lvl="1"/>
+            <a:r>
+              <a:rPr lang="zh-CN" altLang="en-US"/>
+              <a:t>在</a:t>
+            </a:r>
+            <a:r>
+              <a:rPr lang="en-US" altLang="zh-CN"/>
+              <a:t>SymbolDatabase</a:t>
+            </a:r>
+            <a:r>
+              <a:rPr lang="zh-CN" altLang="en-US"/>
+              <a:t>建立后分析，此时所有</a:t>
+            </a:r>
+            <a:r>
+              <a:rPr lang="en-US" altLang="zh-CN"/>
+              <a:t>token</a:t>
+            </a:r>
+            <a:r>
+              <a:rPr lang="zh-CN" altLang="en-US"/>
+              <a:t>都已分析出含义</a:t>
+            </a:r>
+          </a:p>
+          <a:p>
+            <a:pPr lvl="1"/>
+            <a:r>
+              <a:rPr lang="zh-CN" altLang="en-US"/>
+              <a:t>按顺序枚举</a:t>
+            </a:r>
+            <a:r>
+              <a:rPr lang="en-US" altLang="zh-CN"/>
+              <a:t>Token</a:t>
+            </a:r>
+            <a:r>
+              <a:rPr lang="zh-CN" altLang="en-US"/>
+              <a:t>，按语法依赖顺序递归编译规则，按规则定义推进编译子语法，或者将已经编译的语法树设为子树</a:t>
+            </a:r>
+          </a:p>
+          <a:p>
+            <a:pPr lvl="0"/>
+            <a:endParaRPr lang="en-US" altLang="zh-CN"/>
+          </a:p>
+        </p:txBody>
+      </p:sp>
+    </p:spTree>
+  </p:cSld>
+  <p:clrMapOvr>
+    <a:masterClrMapping/>
+  </p:clrMapOvr>
+  <p:timing>
+    <p:tnLst>
+      <p:par>
+        <p:cTn id="1" dur="indefinite" restart="never" nodeType="tmRoot"/>
+      </p:par>
+    </p:tnLst>
+  </p:timing>
+</p:sld>
+</file>
+
+<file path=ppt/slides/slide32.xml><?xml version="1.0" encoding="utf-8"?>
+<p:sld xmlns:a="http://schemas.openxmlformats.org/drawingml/2006/main" xmlns:r="http://schemas.openxmlformats.org/officeDocument/2006/relationships" xmlns:p="http://schemas.openxmlformats.org/presentationml/2006/main">
+  <p:cSld>
+    <p:spTree>
+      <p:nvGrpSpPr>
+        <p:cNvPr id="1" name=""/>
+        <p:cNvGrpSpPr/>
+        <p:nvPr/>
+      </p:nvGrpSpPr>
+      <p:grpSpPr>
+        <a:xfrm>
+          <a:off x="0" y="0"/>
+          <a:ext cx="0" cy="0"/>
+          <a:chOff x="0" y="0"/>
+          <a:chExt cx="0" cy="0"/>
+        </a:xfrm>
+      </p:grpSpPr>
+      <p:sp>
+        <p:nvSpPr>
+          <p:cNvPr id="2" name="标题 1"/>
+          <p:cNvSpPr>
+            <a:spLocks noGrp="1"/>
+          </p:cNvSpPr>
+          <p:nvPr>
+            <p:ph type="title"/>
+          </p:nvPr>
+        </p:nvSpPr>
+        <p:spPr/>
+        <p:txBody>
+          <a:bodyPr/>
+          <a:lstStyle/>
+          <a:p>
+            <a:r>
+              <a:rPr lang="en-US" altLang="zh-CN">
+                <a:sym typeface="+mn-ea"/>
+              </a:rPr>
+              <a:t>Tokenize</a:t>
+            </a:r>
+            <a:r>
+              <a:rPr lang="zh-CN" altLang="en-US">
+                <a:sym typeface="+mn-ea"/>
+              </a:rPr>
+              <a:t>模块</a:t>
+            </a:r>
+            <a:endParaRPr lang="zh-CN" altLang="en-US"/>
+          </a:p>
+        </p:txBody>
+      </p:sp>
+      <p:sp>
+        <p:nvSpPr>
+          <p:cNvPr id="3" name="内容占位符 2"/>
+          <p:cNvSpPr>
+            <a:spLocks noGrp="1"/>
+          </p:cNvSpPr>
+          <p:nvPr>
+            <p:ph idx="1"/>
+          </p:nvPr>
+        </p:nvSpPr>
         <p:spPr>
           <a:xfrm>
             <a:off x="1120775" y="1825625"/>
@@ -13565,7 +13554,6 @@
               <a:rPr lang="zh-CN"/>
               <a:t>样例数据</a:t>
             </a:r>
-            <a:endParaRPr lang="zh-CN"/>
           </a:p>
           <a:p>
             <a:pPr marL="457200" lvl="1" indent="0">
@@ -13976,7 +13964,6 @@
               <a:rPr lang="zh-CN"/>
               <a:t>处理结果</a:t>
             </a:r>
-            <a:endParaRPr lang="zh-CN"/>
           </a:p>
           <a:p>
             <a:pPr marL="457200" lvl="1" indent="0">
@@ -14857,14 +14844,6 @@
               </a:rPr>
               <a:t>link</a:t>
             </a:r>
-            <a:endParaRPr lang="en-US" altLang="zh-CN">
-              <a:solidFill>
-                <a:schemeClr val="accent1">
-                  <a:lumMod val="60000"/>
-                  <a:lumOff val="40000"/>
-                </a:schemeClr>
-              </a:solidFill>
-            </a:endParaRPr>
           </a:p>
         </p:txBody>
       </p:sp>
@@ -14901,14 +14880,6 @@
               </a:rPr>
               <a:t>link</a:t>
             </a:r>
-            <a:endParaRPr lang="en-US" altLang="zh-CN">
-              <a:solidFill>
-                <a:schemeClr val="accent1">
-                  <a:lumMod val="60000"/>
-                  <a:lumOff val="40000"/>
-                </a:schemeClr>
-              </a:solidFill>
-            </a:endParaRPr>
           </a:p>
         </p:txBody>
       </p:sp>
@@ -14945,14 +14916,6 @@
               </a:rPr>
               <a:t>link</a:t>
             </a:r>
-            <a:endParaRPr lang="en-US" altLang="zh-CN">
-              <a:solidFill>
-                <a:schemeClr val="accent1">
-                  <a:lumMod val="60000"/>
-                  <a:lumOff val="40000"/>
-                </a:schemeClr>
-              </a:solidFill>
-            </a:endParaRPr>
           </a:p>
         </p:txBody>
       </p:sp>
@@ -14989,14 +14952,6 @@
               </a:rPr>
               <a:t>AST Opt</a:t>
             </a:r>
-            <a:endParaRPr lang="en-US" altLang="zh-CN">
-              <a:solidFill>
-                <a:schemeClr val="accent1">
-                  <a:lumMod val="60000"/>
-                  <a:lumOff val="40000"/>
-                </a:schemeClr>
-              </a:solidFill>
-            </a:endParaRPr>
           </a:p>
         </p:txBody>
       </p:sp>
@@ -15074,229 +15029,6 @@
               </a:rPr>
               <a:t>Addition</a:t>
             </a:r>
-            <a:endParaRPr lang="en-US" altLang="zh-CN">
-              <a:solidFill>
-                <a:schemeClr val="accent1">
-                  <a:lumMod val="60000"/>
-                  <a:lumOff val="40000"/>
-                </a:schemeClr>
-              </a:solidFill>
-            </a:endParaRPr>
-          </a:p>
-        </p:txBody>
-      </p:sp>
-    </p:spTree>
-  </p:cSld>
-  <p:clrMapOvr>
-    <a:masterClrMapping/>
-  </p:clrMapOvr>
-  <p:timing>
-    <p:tnLst>
-      <p:par>
-        <p:cTn id="1" dur="indefinite" restart="never" nodeType="tmRoot"/>
-      </p:par>
-    </p:tnLst>
-  </p:timing>
-</p:sld>
-</file>
-
-<file path=ppt/slides/slide32.xml><?xml version="1.0" encoding="utf-8"?>
-<p:sld xmlns:a="http://schemas.openxmlformats.org/drawingml/2006/main" xmlns:r="http://schemas.openxmlformats.org/officeDocument/2006/relationships" xmlns:p="http://schemas.openxmlformats.org/presentationml/2006/main">
-  <p:cSld>
-    <p:spTree>
-      <p:nvGrpSpPr>
-        <p:cNvPr id="1" name=""/>
-        <p:cNvGrpSpPr/>
-        <p:nvPr/>
-      </p:nvGrpSpPr>
-      <p:grpSpPr>
-        <a:xfrm>
-          <a:off x="0" y="0"/>
-          <a:ext cx="0" cy="0"/>
-          <a:chOff x="0" y="0"/>
-          <a:chExt cx="0" cy="0"/>
-        </a:xfrm>
-      </p:grpSpPr>
-      <p:sp>
-        <p:nvSpPr>
-          <p:cNvPr id="2" name="标题 1"/>
-          <p:cNvSpPr>
-            <a:spLocks noGrp="1"/>
-          </p:cNvSpPr>
-          <p:nvPr>
-            <p:ph type="title"/>
-          </p:nvPr>
-        </p:nvSpPr>
-        <p:spPr/>
-        <p:txBody>
-          <a:bodyPr/>
-          <a:lstStyle/>
-          <a:p>
-            <a:r>
-              <a:rPr lang="en-US" altLang="zh-CN">
-                <a:sym typeface="+mn-ea"/>
-              </a:rPr>
-              <a:t>SymbolDB</a:t>
-            </a:r>
-            <a:r>
-              <a:rPr lang="zh-CN" altLang="en-US">
-                <a:sym typeface="+mn-ea"/>
-              </a:rPr>
-              <a:t>模块</a:t>
-            </a:r>
-            <a:endParaRPr lang="zh-CN" altLang="en-US"/>
-          </a:p>
-        </p:txBody>
-      </p:sp>
-      <p:sp>
-        <p:nvSpPr>
-          <p:cNvPr id="3" name="内容占位符 2"/>
-          <p:cNvSpPr>
-            <a:spLocks noGrp="1"/>
-          </p:cNvSpPr>
-          <p:nvPr>
-            <p:ph idx="1"/>
-          </p:nvPr>
-        </p:nvSpPr>
-        <p:spPr>
-          <a:xfrm>
-            <a:off x="1120140" y="1826895"/>
-            <a:ext cx="10233660" cy="4643755"/>
-          </a:xfrm>
-        </p:spPr>
-        <p:txBody>
-          <a:bodyPr>
-            <a:normAutofit/>
-          </a:bodyPr>
-          <a:lstStyle/>
-          <a:p>
-            <a:r>
-              <a:rPr lang="zh-CN" altLang="en-US"/>
-              <a:t>部分符号定义</a:t>
-            </a:r>
-            <a:endParaRPr lang="zh-CN" altLang="en-US"/>
-          </a:p>
-          <a:p>
-            <a:pPr lvl="1"/>
-            <a:r>
-              <a:rPr lang="en-US" altLang="zh-CN"/>
-              <a:t>Scope</a:t>
-            </a:r>
-            <a:endParaRPr lang="en-US" altLang="zh-CN"/>
-          </a:p>
-          <a:p>
-            <a:pPr lvl="2"/>
-            <a:r>
-              <a:rPr lang="zh-CN" altLang="en-US"/>
-              <a:t>定义域，范围最广概括性最强，可能和其他单个符号挂钩，同时描述所有内部包含的符号</a:t>
-            </a:r>
-            <a:endParaRPr lang="zh-CN" altLang="en-US"/>
-          </a:p>
-          <a:p>
-            <a:pPr lvl="2"/>
-            <a:r>
-              <a:rPr lang="en-US" altLang="zh-CN"/>
-              <a:t>Scope</a:t>
-            </a:r>
-            <a:r>
-              <a:rPr lang="zh-CN" altLang="en-US"/>
-              <a:t>间构成嵌套</a:t>
-            </a:r>
-            <a:r>
-              <a:rPr lang="en-US" altLang="zh-CN">
-                <a:sym typeface="+mn-ea"/>
-              </a:rPr>
-              <a:t>(nested)</a:t>
-            </a:r>
-            <a:r>
-              <a:rPr lang="zh-CN" altLang="en-US"/>
-              <a:t>关系</a:t>
-            </a:r>
-            <a:endParaRPr lang="en-US" altLang="zh-CN"/>
-          </a:p>
-          <a:p>
-            <a:pPr lvl="1"/>
-            <a:r>
-              <a:rPr lang="en-US" altLang="zh-CN"/>
-              <a:t>Function</a:t>
-            </a:r>
-            <a:endParaRPr lang="en-US" altLang="zh-CN"/>
-          </a:p>
-          <a:p>
-            <a:pPr lvl="2"/>
-            <a:r>
-              <a:rPr lang="zh-CN" altLang="en-US"/>
-              <a:t>几乎完全伴随</a:t>
-            </a:r>
-            <a:r>
-              <a:rPr lang="en-US" altLang="zh-CN"/>
-              <a:t>Scope</a:t>
-            </a:r>
-            <a:r>
-              <a:rPr lang="zh-CN" altLang="en-US"/>
-              <a:t>出现，因为有参数与</a:t>
-            </a:r>
-            <a:r>
-              <a:rPr lang="en-US" altLang="zh-CN"/>
-              <a:t>Variable</a:t>
-            </a:r>
-            <a:r>
-              <a:rPr lang="zh-CN" altLang="en-US"/>
-              <a:t>相关</a:t>
-            </a:r>
-            <a:endParaRPr lang="zh-CN" altLang="en-US"/>
-          </a:p>
-          <a:p>
-            <a:pPr lvl="1"/>
-            <a:r>
-              <a:rPr lang="en-US" altLang="zh-CN"/>
-              <a:t>Type</a:t>
-            </a:r>
-            <a:endParaRPr lang="en-US" altLang="zh-CN"/>
-          </a:p>
-          <a:p>
-            <a:pPr lvl="2"/>
-            <a:r>
-              <a:rPr lang="zh-CN" altLang="en-US"/>
-              <a:t>描述一个类（不是类型），完全 伴随相应</a:t>
-            </a:r>
-            <a:r>
-              <a:rPr lang="en-US" altLang="zh-CN"/>
-              <a:t>Scope</a:t>
-            </a:r>
-            <a:endParaRPr lang="en-US" altLang="zh-CN"/>
-          </a:p>
-          <a:p>
-            <a:pPr lvl="1"/>
-            <a:r>
-              <a:rPr lang="en-US" altLang="zh-CN"/>
-              <a:t>Variable</a:t>
-            </a:r>
-            <a:endParaRPr lang="en-US" altLang="zh-CN"/>
-          </a:p>
-          <a:p>
-            <a:pPr lvl="2"/>
-            <a:r>
-              <a:rPr lang="zh-CN" altLang="en-US" sz="2000"/>
-              <a:t>描述一个变量，可能在源码中有多处对应</a:t>
-            </a:r>
-            <a:endParaRPr lang="zh-CN" altLang="en-US" sz="2000"/>
-          </a:p>
-          <a:p>
-            <a:pPr lvl="2"/>
-            <a:r>
-              <a:rPr lang="zh-CN" altLang="en-US"/>
-              <a:t>一定属于一种定义域，对应一种类型（</a:t>
-            </a:r>
-            <a:r>
-              <a:rPr lang="en-US" altLang="zh-CN"/>
-              <a:t>Type</a:t>
-            </a:r>
-            <a:r>
-              <a:rPr lang="zh-CN" altLang="en-US"/>
-              <a:t>或枚举表示的基础类型）</a:t>
-            </a:r>
-            <a:endParaRPr lang="en-US" altLang="zh-CN"/>
           </a:p>
         </p:txBody>
       </p:sp>
@@ -15375,6 +15107,212 @@
         </p:nvSpPr>
         <p:spPr>
           <a:xfrm>
+            <a:off x="1120140" y="1826895"/>
+            <a:ext cx="10233660" cy="4643755"/>
+          </a:xfrm>
+        </p:spPr>
+        <p:txBody>
+          <a:bodyPr>
+            <a:normAutofit/>
+          </a:bodyPr>
+          <a:lstStyle/>
+          <a:p>
+            <a:r>
+              <a:rPr lang="zh-CN" altLang="en-US"/>
+              <a:t>部分符号定义</a:t>
+            </a:r>
+          </a:p>
+          <a:p>
+            <a:pPr lvl="1"/>
+            <a:r>
+              <a:rPr lang="en-US" altLang="zh-CN"/>
+              <a:t>Scope</a:t>
+            </a:r>
+          </a:p>
+          <a:p>
+            <a:pPr lvl="2"/>
+            <a:r>
+              <a:rPr lang="zh-CN" altLang="en-US"/>
+              <a:t>定义域，范围最广概括性最强，可能和其他单个符号挂钩，同时描述所有内部包含的符号</a:t>
+            </a:r>
+          </a:p>
+          <a:p>
+            <a:pPr lvl="2"/>
+            <a:r>
+              <a:rPr lang="en-US" altLang="zh-CN"/>
+              <a:t>Scope</a:t>
+            </a:r>
+            <a:r>
+              <a:rPr lang="zh-CN" altLang="en-US"/>
+              <a:t>间构成嵌套</a:t>
+            </a:r>
+            <a:r>
+              <a:rPr lang="en-US" altLang="zh-CN">
+                <a:sym typeface="+mn-ea"/>
+              </a:rPr>
+              <a:t>(nested)</a:t>
+            </a:r>
+            <a:r>
+              <a:rPr lang="zh-CN" altLang="en-US"/>
+              <a:t>关系</a:t>
+            </a:r>
+            <a:endParaRPr lang="en-US" altLang="zh-CN"/>
+          </a:p>
+          <a:p>
+            <a:pPr lvl="1"/>
+            <a:r>
+              <a:rPr lang="en-US" altLang="zh-CN"/>
+              <a:t>Function</a:t>
+            </a:r>
+          </a:p>
+          <a:p>
+            <a:pPr lvl="2"/>
+            <a:r>
+              <a:rPr lang="zh-CN" altLang="en-US"/>
+              <a:t>几乎完全伴随</a:t>
+            </a:r>
+            <a:r>
+              <a:rPr lang="en-US" altLang="zh-CN"/>
+              <a:t>Scope</a:t>
+            </a:r>
+            <a:r>
+              <a:rPr lang="zh-CN" altLang="en-US"/>
+              <a:t>出现，因为有参数与</a:t>
+            </a:r>
+            <a:r>
+              <a:rPr lang="en-US" altLang="zh-CN"/>
+              <a:t>Variable</a:t>
+            </a:r>
+            <a:r>
+              <a:rPr lang="zh-CN" altLang="en-US"/>
+              <a:t>相关</a:t>
+            </a:r>
+          </a:p>
+          <a:p>
+            <a:pPr lvl="1"/>
+            <a:r>
+              <a:rPr lang="en-US" altLang="zh-CN"/>
+              <a:t>Type</a:t>
+            </a:r>
+          </a:p>
+          <a:p>
+            <a:pPr lvl="2"/>
+            <a:r>
+              <a:rPr lang="zh-CN" altLang="en-US"/>
+              <a:t>描述一个类（不是类型），完全 伴随相应</a:t>
+            </a:r>
+            <a:r>
+              <a:rPr lang="en-US" altLang="zh-CN"/>
+              <a:t>Scope</a:t>
+            </a:r>
+          </a:p>
+          <a:p>
+            <a:pPr lvl="1"/>
+            <a:r>
+              <a:rPr lang="en-US" altLang="zh-CN"/>
+              <a:t>Variable</a:t>
+            </a:r>
+          </a:p>
+          <a:p>
+            <a:pPr lvl="2"/>
+            <a:r>
+              <a:rPr lang="zh-CN" altLang="en-US" sz="2000"/>
+              <a:t>描述一个变量，可能在源码中有多处对应</a:t>
+            </a:r>
+          </a:p>
+          <a:p>
+            <a:pPr lvl="2"/>
+            <a:r>
+              <a:rPr lang="zh-CN" altLang="en-US"/>
+              <a:t>一定属于一种定义域，对应一种类型（</a:t>
+            </a:r>
+            <a:r>
+              <a:rPr lang="en-US" altLang="zh-CN"/>
+              <a:t>Type</a:t>
+            </a:r>
+            <a:r>
+              <a:rPr lang="zh-CN" altLang="en-US"/>
+              <a:t>或枚举表示的基础类型）</a:t>
+            </a:r>
+            <a:endParaRPr lang="en-US" altLang="zh-CN"/>
+          </a:p>
+        </p:txBody>
+      </p:sp>
+    </p:spTree>
+  </p:cSld>
+  <p:clrMapOvr>
+    <a:masterClrMapping/>
+  </p:clrMapOvr>
+  <p:timing>
+    <p:tnLst>
+      <p:par>
+        <p:cTn id="1" dur="indefinite" restart="never" nodeType="tmRoot"/>
+      </p:par>
+    </p:tnLst>
+  </p:timing>
+</p:sld>
+</file>
+
+<file path=ppt/slides/slide34.xml><?xml version="1.0" encoding="utf-8"?>
+<p:sld xmlns:a="http://schemas.openxmlformats.org/drawingml/2006/main" xmlns:r="http://schemas.openxmlformats.org/officeDocument/2006/relationships" xmlns:p="http://schemas.openxmlformats.org/presentationml/2006/main">
+  <p:cSld>
+    <p:spTree>
+      <p:nvGrpSpPr>
+        <p:cNvPr id="1" name=""/>
+        <p:cNvGrpSpPr/>
+        <p:nvPr/>
+      </p:nvGrpSpPr>
+      <p:grpSpPr>
+        <a:xfrm>
+          <a:off x="0" y="0"/>
+          <a:ext cx="0" cy="0"/>
+          <a:chOff x="0" y="0"/>
+          <a:chExt cx="0" cy="0"/>
+        </a:xfrm>
+      </p:grpSpPr>
+      <p:sp>
+        <p:nvSpPr>
+          <p:cNvPr id="2" name="标题 1"/>
+          <p:cNvSpPr>
+            <a:spLocks noGrp="1"/>
+          </p:cNvSpPr>
+          <p:nvPr>
+            <p:ph type="title"/>
+          </p:nvPr>
+        </p:nvSpPr>
+        <p:spPr/>
+        <p:txBody>
+          <a:bodyPr/>
+          <a:lstStyle/>
+          <a:p>
+            <a:r>
+              <a:rPr lang="en-US" altLang="zh-CN">
+                <a:sym typeface="+mn-ea"/>
+              </a:rPr>
+              <a:t>SymbolDB</a:t>
+            </a:r>
+            <a:r>
+              <a:rPr lang="zh-CN" altLang="en-US">
+                <a:sym typeface="+mn-ea"/>
+              </a:rPr>
+              <a:t>模块</a:t>
+            </a:r>
+            <a:endParaRPr lang="zh-CN" altLang="en-US"/>
+          </a:p>
+        </p:txBody>
+      </p:sp>
+      <p:sp>
+        <p:nvSpPr>
+          <p:cNvPr id="3" name="内容占位符 2"/>
+          <p:cNvSpPr>
+            <a:spLocks noGrp="1"/>
+          </p:cNvSpPr>
+          <p:nvPr>
+            <p:ph idx="1"/>
+          </p:nvPr>
+        </p:nvSpPr>
+        <p:spPr>
+          <a:xfrm>
             <a:off x="1120775" y="1826260"/>
             <a:ext cx="1839595" cy="516255"/>
           </a:xfrm>
@@ -15387,7 +15325,6 @@
               <a:rPr lang="zh-CN" altLang="en-US"/>
               <a:t>类关系</a:t>
             </a:r>
-            <a:endParaRPr lang="zh-CN" altLang="en-US"/>
           </a:p>
         </p:txBody>
       </p:sp>
@@ -15445,7 +15382,6 @@
                 <a:rPr lang="en-US" altLang="zh-CN"/>
                 <a:t>Scope</a:t>
               </a:r>
-              <a:endParaRPr lang="en-US" altLang="zh-CN"/>
             </a:p>
             <a:p>
               <a:pPr algn="ctr"/>
@@ -15457,7 +15393,6 @@
                 <a:rPr lang="en-US" altLang="zh-CN"/>
                 <a:t>-funcList -varList</a:t>
               </a:r>
-              <a:endParaRPr lang="en-US" altLang="zh-CN"/>
             </a:p>
             <a:p>
               <a:pPr algn="ctr"/>
@@ -15465,7 +15400,6 @@
                 <a:rPr lang="en-US" altLang="zh-CN"/>
                 <a:t>-definedTypes</a:t>
               </a:r>
-              <a:endParaRPr lang="en-US" altLang="zh-CN"/>
             </a:p>
             <a:p>
               <a:pPr algn="ctr"/>
@@ -15473,7 +15407,6 @@
                 <a:rPr lang="en-US" altLang="zh-CN"/>
                 <a:t>-nest</a:t>
               </a:r>
-              <a:endParaRPr lang="en-US" altLang="zh-CN"/>
             </a:p>
           </p:txBody>
         </p:sp>
@@ -15517,7 +15450,6 @@
                 <a:rPr lang="en-US" altLang="zh-CN"/>
                 <a:t>Variable</a:t>
               </a:r>
-              <a:endParaRPr lang="en-US" altLang="zh-CN"/>
             </a:p>
             <a:p>
               <a:pPr algn="ctr"/>
@@ -15529,7 +15461,6 @@
                 <a:rPr lang="en-US" altLang="zh-CN"/>
                 <a:t>-type</a:t>
               </a:r>
-              <a:endParaRPr lang="en-US" altLang="zh-CN"/>
             </a:p>
             <a:p>
               <a:pPr algn="ctr"/>
@@ -15537,7 +15468,6 @@
                 <a:rPr lang="en-US" altLang="zh-CN"/>
                 <a:t>-scope</a:t>
               </a:r>
-              <a:endParaRPr lang="en-US" altLang="zh-CN"/>
             </a:p>
           </p:txBody>
         </p:sp>
@@ -15581,7 +15511,6 @@
                 <a:rPr lang="en-US" altLang="zh-CN"/>
                 <a:t>Function</a:t>
               </a:r>
-              <a:endParaRPr lang="en-US" altLang="zh-CN"/>
             </a:p>
             <a:p>
               <a:pPr algn="ctr"/>
@@ -15593,7 +15522,6 @@
                 <a:rPr lang="en-US" altLang="zh-CN"/>
                 <a:t>-retType -classType</a:t>
               </a:r>
-              <a:endParaRPr lang="en-US" altLang="zh-CN"/>
             </a:p>
             <a:p>
               <a:pPr algn="ctr"/>
@@ -15601,7 +15529,6 @@
                 <a:rPr lang="en-US" altLang="zh-CN"/>
                 <a:t>-argList</a:t>
               </a:r>
-              <a:endParaRPr lang="en-US" altLang="zh-CN"/>
             </a:p>
             <a:p>
               <a:pPr algn="ctr"/>
@@ -15609,7 +15536,6 @@
                 <a:rPr lang="en-US" altLang="zh-CN"/>
                 <a:t>-funcScope -nestIn </a:t>
               </a:r>
-              <a:endParaRPr lang="en-US" altLang="zh-CN"/>
             </a:p>
           </p:txBody>
         </p:sp>
@@ -15653,7 +15579,6 @@
                 <a:rPr lang="en-US" altLang="zh-CN"/>
                 <a:t>Type</a:t>
               </a:r>
-              <a:endParaRPr lang="en-US" altLang="zh-CN"/>
             </a:p>
             <a:p>
               <a:pPr algn="ctr"/>
@@ -15665,7 +15590,6 @@
                 <a:rPr lang="en-US" altLang="zh-CN"/>
                 <a:t>-typeScope</a:t>
               </a:r>
-              <a:endParaRPr lang="en-US" altLang="zh-CN"/>
             </a:p>
             <a:p>
               <a:pPr algn="ctr"/>
@@ -15673,7 +15597,6 @@
                 <a:rPr lang="en-US" altLang="zh-CN"/>
                 <a:t>-nestIn</a:t>
               </a:r>
-              <a:endParaRPr lang="en-US" altLang="zh-CN"/>
             </a:p>
             <a:p>
               <a:pPr algn="ctr"/>
@@ -15681,7 +15604,6 @@
                 <a:rPr lang="en-US" altLang="zh-CN"/>
                 <a:t>-baseInfo</a:t>
               </a:r>
-              <a:endParaRPr lang="en-US" altLang="zh-CN"/>
             </a:p>
             <a:p>
               <a:pPr algn="ctr"/>
@@ -15689,7 +15611,6 @@
                 <a:rPr lang="en-US" altLang="zh-CN"/>
                 <a:t>-friendInfo</a:t>
               </a:r>
-              <a:endParaRPr lang="en-US" altLang="zh-CN"/>
             </a:p>
           </p:txBody>
         </p:sp>
@@ -16283,7 +16204,7 @@
 </p:sld>
 </file>
 
-<file path=ppt/slides/slide34.xml><?xml version="1.0" encoding="utf-8"?>
+<file path=ppt/slides/slide35.xml><?xml version="1.0" encoding="utf-8"?>
 <p:sld xmlns:a="http://schemas.openxmlformats.org/drawingml/2006/main" xmlns:r="http://schemas.openxmlformats.org/officeDocument/2006/relationships" xmlns:p="http://schemas.openxmlformats.org/presentationml/2006/main">
   <p:cSld>
     <p:spTree>
@@ -16357,7 +16278,6 @@
               <a:rPr lang="en-US" altLang="zh-CN" sz="2400"/>
               <a:t>functionList</a:t>
             </a:r>
-            <a:endParaRPr lang="en-US" altLang="zh-CN" sz="2400"/>
           </a:p>
         </p:txBody>
       </p:sp>
@@ -16387,7 +16307,6 @@
               <a:rPr lang="en-US" altLang="zh-CN" sz="2400"/>
               <a:t>varList</a:t>
             </a:r>
-            <a:endParaRPr lang="en-US" altLang="zh-CN" sz="2400"/>
           </a:p>
         </p:txBody>
       </p:sp>
@@ -16417,7 +16336,6 @@
               <a:rPr lang="en-US" altLang="zh-CN" sz="2400"/>
               <a:t>scopes</a:t>
             </a:r>
-            <a:endParaRPr lang="en-US" altLang="zh-CN" sz="2400"/>
           </a:p>
         </p:txBody>
       </p:sp>
@@ -16461,7 +16379,6 @@
               <a:rPr lang="en-US" altLang="zh-CN"/>
               <a:t>Global</a:t>
             </a:r>
-            <a:endParaRPr lang="en-US" altLang="zh-CN"/>
           </a:p>
         </p:txBody>
       </p:sp>
@@ -16505,7 +16422,6 @@
               <a:rPr lang="en-US" altLang="zh-CN"/>
               <a:t>main{}</a:t>
             </a:r>
-            <a:endParaRPr lang="en-US" altLang="zh-CN"/>
           </a:p>
         </p:txBody>
       </p:sp>
@@ -16549,7 +16465,6 @@
               <a:rPr lang="en-US" altLang="zh-CN"/>
               <a:t>int main()</a:t>
             </a:r>
-            <a:endParaRPr lang="en-US" altLang="zh-CN"/>
           </a:p>
         </p:txBody>
       </p:sp>
@@ -16593,7 +16508,6 @@
               <a:rPr lang="en-US" altLang="zh-CN"/>
               <a:t>int* p1</a:t>
             </a:r>
-            <a:endParaRPr lang="en-US" altLang="zh-CN"/>
           </a:p>
         </p:txBody>
       </p:sp>
@@ -16935,14 +16849,6 @@
               </a:rPr>
               <a:t>nested</a:t>
             </a:r>
-            <a:endParaRPr lang="en-US" altLang="zh-CN">
-              <a:solidFill>
-                <a:schemeClr val="accent1">
-                  <a:lumMod val="60000"/>
-                  <a:lumOff val="40000"/>
-                </a:schemeClr>
-              </a:solidFill>
-            </a:endParaRPr>
           </a:p>
         </p:txBody>
       </p:sp>
@@ -16979,14 +16885,6 @@
               </a:rPr>
               <a:t>nest</a:t>
             </a:r>
-            <a:endParaRPr lang="en-US" altLang="zh-CN">
-              <a:solidFill>
-                <a:schemeClr val="accent3">
-                  <a:lumMod val="60000"/>
-                  <a:lumOff val="40000"/>
-                </a:schemeClr>
-              </a:solidFill>
-            </a:endParaRPr>
           </a:p>
         </p:txBody>
       </p:sp>
@@ -17023,14 +16921,6 @@
               </a:rPr>
               <a:t>defineScope</a:t>
             </a:r>
-            <a:endParaRPr lang="en-US" altLang="zh-CN">
-              <a:solidFill>
-                <a:schemeClr val="accent1">
-                  <a:lumMod val="60000"/>
-                  <a:lumOff val="40000"/>
-                </a:schemeClr>
-              </a:solidFill>
-            </a:endParaRPr>
           </a:p>
         </p:txBody>
       </p:sp>
@@ -17067,14 +16957,6 @@
               </a:rPr>
               <a:t>funcList</a:t>
             </a:r>
-            <a:endParaRPr lang="en-US" altLang="zh-CN">
-              <a:solidFill>
-                <a:schemeClr val="accent1">
-                  <a:lumMod val="60000"/>
-                  <a:lumOff val="40000"/>
-                </a:schemeClr>
-              </a:solidFill>
-            </a:endParaRPr>
           </a:p>
         </p:txBody>
       </p:sp>
@@ -17111,14 +16993,6 @@
               </a:rPr>
               <a:t>scope</a:t>
             </a:r>
-            <a:endParaRPr lang="en-US" altLang="zh-CN">
-              <a:solidFill>
-                <a:schemeClr val="accent5">
-                  <a:lumMod val="60000"/>
-                  <a:lumOff val="40000"/>
-                </a:schemeClr>
-              </a:solidFill>
-            </a:endParaRPr>
           </a:p>
         </p:txBody>
       </p:sp>
@@ -17155,14 +17029,6 @@
               </a:rPr>
               <a:t>func</a:t>
             </a:r>
-            <a:endParaRPr lang="en-US" altLang="zh-CN">
-              <a:solidFill>
-                <a:schemeClr val="accent3">
-                  <a:lumMod val="60000"/>
-                  <a:lumOff val="40000"/>
-                </a:schemeClr>
-              </a:solidFill>
-            </a:endParaRPr>
           </a:p>
         </p:txBody>
       </p:sp>
@@ -17268,14 +17134,6 @@
               </a:rPr>
               <a:t>varList</a:t>
             </a:r>
-            <a:endParaRPr lang="en-US" altLang="zh-CN">
-              <a:solidFill>
-                <a:schemeClr val="accent5">
-                  <a:lumMod val="60000"/>
-                  <a:lumOff val="40000"/>
-                </a:schemeClr>
-              </a:solidFill>
-            </a:endParaRPr>
           </a:p>
         </p:txBody>
       </p:sp>
@@ -17294,7 +17152,7 @@
 </p:sld>
 </file>
 
-<file path=ppt/slides/slide35.xml><?xml version="1.0" encoding="utf-8"?>
+<file path=ppt/slides/slide36.xml><?xml version="1.0" encoding="utf-8"?>
 <p:sld xmlns:a="http://schemas.openxmlformats.org/drawingml/2006/main" xmlns:r="http://schemas.openxmlformats.org/officeDocument/2006/relationships" xmlns:p="http://schemas.openxmlformats.org/presentationml/2006/main">
   <p:cSld>
     <p:spTree>
@@ -17330,7 +17188,6 @@
               <a:rPr lang="zh-CN" altLang="zh-CN"/>
               <a:t>模块间关系</a:t>
             </a:r>
-            <a:endParaRPr lang="zh-CN" altLang="zh-CN"/>
           </a:p>
         </p:txBody>
       </p:sp>
@@ -17365,9 +17222,6 @@
               </a:rPr>
               <a:t>Token</a:t>
             </a:r>
-            <a:endParaRPr lang="en-US" altLang="zh-CN">
-              <a:sym typeface="+mn-ea"/>
-            </a:endParaRPr>
           </a:p>
           <a:p>
             <a:pPr lvl="1"/>
@@ -17375,7 +17229,6 @@
               <a:rPr lang="zh-CN" altLang="en-US"/>
               <a:t>一对多</a:t>
             </a:r>
-            <a:endParaRPr lang="zh-CN" altLang="en-US"/>
           </a:p>
           <a:p>
             <a:pPr lvl="1"/>
@@ -17407,7 +17260,6 @@
               <a:rPr lang="zh-CN" altLang="en-US"/>
               <a:t>对应的所有对应定义</a:t>
             </a:r>
-            <a:endParaRPr lang="zh-CN" altLang="en-US"/>
           </a:p>
           <a:p>
             <a:pPr lvl="0"/>
@@ -17423,7 +17275,6 @@
               <a:rPr lang="en-US" altLang="zh-CN"/>
               <a:t>Symbol</a:t>
             </a:r>
-            <a:endParaRPr lang="en-US" altLang="zh-CN"/>
           </a:p>
           <a:p>
             <a:pPr lvl="1"/>
@@ -17431,7 +17282,6 @@
               <a:rPr lang="zh-CN" altLang="en-US"/>
               <a:t>一对一</a:t>
             </a:r>
-            <a:endParaRPr lang="zh-CN" altLang="en-US"/>
           </a:p>
           <a:p>
             <a:pPr lvl="1"/>
@@ -17471,7 +17321,6 @@
               <a:rPr lang="zh-CN" altLang="en-US"/>
               <a:t>其中一种（或者没有）</a:t>
             </a:r>
-            <a:endParaRPr lang="zh-CN" altLang="en-US"/>
           </a:p>
           <a:p>
             <a:pPr lvl="1"/>
@@ -17538,7 +17387,7 @@
 </p:sld>
 </file>
 
-<file path=ppt/slides/slide36.xml><?xml version="1.0" encoding="utf-8"?>
+<file path=ppt/slides/slide37.xml><?xml version="1.0" encoding="utf-8"?>
 <p:sld xmlns:a="http://schemas.openxmlformats.org/drawingml/2006/main" xmlns:r="http://schemas.openxmlformats.org/officeDocument/2006/relationships" xmlns:p="http://schemas.openxmlformats.org/presentationml/2006/main">
   <p:cSld>
     <p:spTree>
@@ -17637,7 +17486,6 @@
                 <a:rPr lang="en-US" altLang="zh-CN"/>
                 <a:t>Global</a:t>
               </a:r>
-              <a:endParaRPr lang="en-US" altLang="zh-CN"/>
             </a:p>
           </p:txBody>
         </p:sp>
@@ -17684,7 +17532,6 @@
                 <a:rPr lang="en-US" altLang="zh-CN"/>
                 <a:t>main{}</a:t>
               </a:r>
-              <a:endParaRPr lang="en-US" altLang="zh-CN"/>
             </a:p>
           </p:txBody>
         </p:sp>
@@ -17728,7 +17575,6 @@
                 <a:rPr lang="en-US" altLang="zh-CN"/>
                 <a:t>int main()</a:t>
               </a:r>
-              <a:endParaRPr lang="en-US" altLang="zh-CN"/>
             </a:p>
           </p:txBody>
         </p:sp>
@@ -17775,7 +17621,6 @@
                 <a:rPr lang="en-US" altLang="zh-CN"/>
                 <a:t>int* p1</a:t>
               </a:r>
-              <a:endParaRPr lang="en-US" altLang="zh-CN"/>
             </a:p>
           </p:txBody>
         </p:sp>
@@ -17895,9 +17740,6 @@
                 </a:rPr>
                 <a:t>= p1 ; * p1 = 0 ; * p2 = 0 ; }</a:t>
               </a:r>
-              <a:endParaRPr kumimoji="1" lang="zh-CN" altLang="en-US" sz="2400" dirty="0">
-                <a:sym typeface="+mn-ea"/>
-              </a:endParaRPr>
             </a:p>
           </p:txBody>
         </p:sp>
@@ -18431,11 +18273,6 @@
                 </a:rPr>
                 <a:t>ret, tok, arg</a:t>
               </a:r>
-              <a:endParaRPr lang="en-US" altLang="zh-CN">
-                <a:solidFill>
-                  <a:schemeClr val="accent1"/>
-                </a:solidFill>
-              </a:endParaRPr>
             </a:p>
           </p:txBody>
         </p:sp>
@@ -18469,11 +18306,6 @@
                 </a:rPr>
                 <a:t>def, start</a:t>
               </a:r>
-              <a:endParaRPr lang="en-US" altLang="zh-CN">
-                <a:solidFill>
-                  <a:schemeClr val="accent3"/>
-                </a:solidFill>
-              </a:endParaRPr>
             </a:p>
           </p:txBody>
         </p:sp>
@@ -18507,11 +18339,6 @@
                 </a:rPr>
                 <a:t>end</a:t>
               </a:r>
-              <a:endParaRPr lang="en-US" altLang="zh-CN">
-                <a:solidFill>
-                  <a:schemeClr val="accent3"/>
-                </a:solidFill>
-              </a:endParaRPr>
             </a:p>
           </p:txBody>
         </p:sp>
@@ -18545,11 +18372,6 @@
                 </a:rPr>
                 <a:t>(type)start, end</a:t>
               </a:r>
-              <a:endParaRPr lang="en-US" altLang="zh-CN">
-                <a:solidFill>
-                  <a:schemeClr val="accent5"/>
-                </a:solidFill>
-              </a:endParaRPr>
             </a:p>
           </p:txBody>
         </p:sp>
@@ -18569,7 +18391,7 @@
 </p:sld>
 </file>
 
-<file path=ppt/slides/slide37.xml><?xml version="1.0" encoding="utf-8"?>
+<file path=ppt/slides/slide38.xml><?xml version="1.0" encoding="utf-8"?>
 <p:sld xmlns:a="http://schemas.openxmlformats.org/drawingml/2006/main" xmlns:r="http://schemas.openxmlformats.org/officeDocument/2006/relationships" xmlns:p="http://schemas.openxmlformats.org/presentationml/2006/main">
   <p:cSld>
     <p:spTree>
@@ -18668,7 +18490,6 @@
                 <a:rPr lang="en-US" altLang="zh-CN"/>
                 <a:t>Global</a:t>
               </a:r>
-              <a:endParaRPr lang="en-US" altLang="zh-CN"/>
             </a:p>
           </p:txBody>
         </p:sp>
@@ -18715,7 +18536,6 @@
                 <a:rPr lang="en-US" altLang="zh-CN"/>
                 <a:t>main{}</a:t>
               </a:r>
-              <a:endParaRPr lang="en-US" altLang="zh-CN"/>
             </a:p>
           </p:txBody>
         </p:sp>
@@ -18759,7 +18579,6 @@
                 <a:rPr lang="en-US" altLang="zh-CN"/>
                 <a:t>int main()</a:t>
               </a:r>
-              <a:endParaRPr lang="en-US" altLang="zh-CN"/>
             </a:p>
           </p:txBody>
         </p:sp>
@@ -18806,7 +18625,6 @@
                 <a:rPr lang="en-US" altLang="zh-CN"/>
                 <a:t>int* p1</a:t>
               </a:r>
-              <a:endParaRPr lang="en-US" altLang="zh-CN"/>
             </a:p>
           </p:txBody>
         </p:sp>
@@ -18926,9 +18744,6 @@
                 </a:rPr>
                 <a:t>= p1 ; * p1 = 0 ; * p2 = 0 ; }</a:t>
               </a:r>
-              <a:endParaRPr kumimoji="1" lang="zh-CN" altLang="en-US" sz="2400" dirty="0">
-                <a:sym typeface="+mn-ea"/>
-              </a:endParaRPr>
             </a:p>
           </p:txBody>
         </p:sp>
@@ -19259,148 +19074,6 @@
 </p:sld>
 </file>
 
-<file path=ppt/slides/slide38.xml><?xml version="1.0" encoding="utf-8"?>
-<p:sld xmlns:a="http://schemas.openxmlformats.org/drawingml/2006/main" xmlns:r="http://schemas.openxmlformats.org/officeDocument/2006/relationships" xmlns:p="http://schemas.openxmlformats.org/presentationml/2006/main">
-  <p:cSld>
-    <p:spTree>
-      <p:nvGrpSpPr>
-        <p:cNvPr id="1" name=""/>
-        <p:cNvGrpSpPr/>
-        <p:nvPr/>
-      </p:nvGrpSpPr>
-      <p:grpSpPr>
-        <a:xfrm>
-          <a:off x="0" y="0"/>
-          <a:ext cx="0" cy="0"/>
-          <a:chOff x="0" y="0"/>
-          <a:chExt cx="0" cy="0"/>
-        </a:xfrm>
-      </p:grpSpPr>
-      <p:sp>
-        <p:nvSpPr>
-          <p:cNvPr id="2" name="标题 1"/>
-          <p:cNvSpPr>
-            <a:spLocks noGrp="1"/>
-          </p:cNvSpPr>
-          <p:nvPr>
-            <p:ph type="title"/>
-          </p:nvPr>
-        </p:nvSpPr>
-        <p:spPr/>
-        <p:txBody>
-          <a:bodyPr/>
-          <a:lstStyle/>
-          <a:p>
-            <a:r>
-              <a:rPr lang="zh-CN" altLang="zh-CN"/>
-              <a:t>总结</a:t>
-            </a:r>
-            <a:endParaRPr lang="en-US" altLang="zh-CN"/>
-          </a:p>
-        </p:txBody>
-      </p:sp>
-      <p:sp>
-        <p:nvSpPr>
-          <p:cNvPr id="3" name="内容占位符 2"/>
-          <p:cNvSpPr>
-            <a:spLocks noGrp="1"/>
-          </p:cNvSpPr>
-          <p:nvPr>
-            <p:ph idx="1"/>
-          </p:nvPr>
-        </p:nvSpPr>
-        <p:spPr/>
-        <p:txBody>
-          <a:bodyPr/>
-          <a:lstStyle/>
-          <a:p>
-            <a:r>
-              <a:rPr lang="zh-CN" altLang="en-US"/>
-              <a:t>接下来的侧重点将放在</a:t>
-            </a:r>
-            <a:r>
-              <a:rPr lang="en-US" altLang="zh-CN"/>
-              <a:t>ValueFlow</a:t>
-            </a:r>
-            <a:r>
-              <a:rPr lang="zh-CN" altLang="en-US"/>
-              <a:t>模块的研究和开发</a:t>
-            </a:r>
-            <a:endParaRPr lang="zh-CN" altLang="en-US"/>
-          </a:p>
-          <a:p>
-            <a:pPr lvl="1"/>
-            <a:r>
-              <a:rPr lang="en-US" altLang="zh-CN"/>
-              <a:t>ValueFlow</a:t>
-            </a:r>
-            <a:r>
-              <a:rPr lang="zh-CN" altLang="en-US"/>
-              <a:t>在白盒测试中未能输出希望的结果</a:t>
-            </a:r>
-            <a:endParaRPr lang="zh-CN" altLang="en-US"/>
-          </a:p>
-          <a:p>
-            <a:pPr lvl="1"/>
-            <a:r>
-              <a:rPr lang="en-US" altLang="zh-CN"/>
-              <a:t>Tokenize</a:t>
-            </a:r>
-            <a:r>
-              <a:rPr lang="zh-CN" altLang="en-US"/>
-              <a:t>与</a:t>
-            </a:r>
-            <a:r>
-              <a:rPr lang="en-US" altLang="zh-CN"/>
-              <a:t>SymbolDB</a:t>
-            </a:r>
-            <a:r>
-              <a:rPr lang="zh-CN" altLang="en-US"/>
-              <a:t>模块目前均表现良好</a:t>
-            </a:r>
-            <a:endParaRPr lang="zh-CN" altLang="en-US"/>
-          </a:p>
-          <a:p>
-            <a:pPr lvl="0"/>
-            <a:r>
-              <a:rPr lang="zh-CN" altLang="en-US"/>
-              <a:t>继续向开发分配研究范围</a:t>
-            </a:r>
-            <a:endParaRPr lang="zh-CN" altLang="en-US"/>
-          </a:p>
-          <a:p>
-            <a:pPr lvl="1"/>
-            <a:r>
-              <a:rPr lang="zh-CN" altLang="en-US"/>
-              <a:t>系统分析师继续向大方向研究，随时提供指导</a:t>
-            </a:r>
-            <a:endParaRPr lang="zh-CN" altLang="en-US"/>
-          </a:p>
-          <a:p>
-            <a:pPr lvl="1"/>
-            <a:r>
-              <a:rPr lang="zh-CN" altLang="en-US"/>
-              <a:t>软件工程师根据分配的范围，深入测试小范围功能以及单元功能</a:t>
-            </a:r>
-            <a:endParaRPr lang="zh-CN" altLang="en-US"/>
-          </a:p>
-        </p:txBody>
-      </p:sp>
-    </p:spTree>
-  </p:cSld>
-  <p:clrMapOvr>
-    <a:masterClrMapping/>
-  </p:clrMapOvr>
-  <p:timing>
-    <p:tnLst>
-      <p:par>
-        <p:cTn id="1" dur="indefinite" restart="never" nodeType="tmRoot"/>
-      </p:par>
-    </p:tnLst>
-  </p:timing>
-</p:sld>
-</file>
-
 <file path=ppt/slides/slide39.xml><?xml version="1.0" encoding="utf-8"?>
 <p:sld xmlns:a="http://schemas.openxmlformats.org/drawingml/2006/main" xmlns:r="http://schemas.openxmlformats.org/officeDocument/2006/relationships" xmlns:p="http://schemas.openxmlformats.org/presentationml/2006/main">
   <p:cSld>
@@ -19434,10 +19107,16 @@
           <a:lstStyle/>
           <a:p>
             <a:r>
-              <a:rPr kumimoji="1" lang="zh-CN" altLang="en-US" dirty="0" smtClean="0"/>
-              <a:t>谢谢！</a:t>
-            </a:r>
-            <a:endParaRPr kumimoji="1" lang="zh-CN" altLang="en-US" dirty="0"/>
+              <a:rPr lang="zh-CN" altLang="en-US"/>
+              <a:t>开发重点：</a:t>
+            </a:r>
+            <a:r>
+              <a:rPr lang="en-US" altLang="zh-CN">
+                <a:sym typeface="+mn-ea"/>
+              </a:rPr>
+              <a:t>ValueFlow</a:t>
+            </a:r>
+            <a:endParaRPr lang="zh-CN" altLang="en-US"/>
           </a:p>
         </p:txBody>
       </p:sp>
@@ -19451,64 +19130,1027 @@
             <p:ph idx="1"/>
           </p:nvPr>
         </p:nvSpPr>
-        <p:spPr/>
+        <p:spPr>
+          <a:xfrm>
+            <a:off x="1120140" y="1825625"/>
+            <a:ext cx="10233660" cy="2231390"/>
+          </a:xfrm>
+        </p:spPr>
         <p:txBody>
           <a:bodyPr/>
           <a:lstStyle/>
           <a:p>
             <a:r>
-              <a:rPr kumimoji="1" lang="zh-CN" altLang="en-US" dirty="0" smtClean="0"/>
-              <a:t>以上为</a:t>
-            </a:r>
-            <a:r>
-              <a:rPr kumimoji="1" lang="en-US" altLang="zh-CN" dirty="0" err="1" smtClean="0"/>
-              <a:t>HearthStone</a:t>
-            </a:r>
-            <a:r>
-              <a:rPr kumimoji="1" lang="zh-CN" altLang="en-US" dirty="0" smtClean="0"/>
-              <a:t> </a:t>
-            </a:r>
-            <a:r>
-              <a:rPr kumimoji="1" lang="en-US" altLang="zh-CN" dirty="0" smtClean="0"/>
-              <a:t>Team</a:t>
-            </a:r>
-            <a:r>
-              <a:rPr kumimoji="1" lang="zh-CN" altLang="en-US" dirty="0" smtClean="0"/>
-              <a:t>第四周到</a:t>
-            </a:r>
-            <a:r>
-              <a:rPr kumimoji="1" lang="zh-CN" altLang="en-US" dirty="0" smtClean="0">
-                <a:sym typeface="+mn-ea"/>
-              </a:rPr>
-              <a:t>第五周</a:t>
-            </a:r>
-            <a:r>
-              <a:rPr kumimoji="1" lang="zh-CN" altLang="en-US" dirty="0" smtClean="0"/>
-              <a:t>的工作进展</a:t>
-            </a:r>
-            <a:endParaRPr kumimoji="1" lang="zh-CN" altLang="en-US" dirty="0" smtClean="0"/>
-          </a:p>
-          <a:p>
-            <a:r>
-              <a:rPr kumimoji="1" lang="zh-CN" altLang="en-US" smtClean="0"/>
-              <a:t>感谢聆听！</a:t>
-            </a:r>
-            <a:endParaRPr kumimoji="1" lang="zh-CN" altLang="en-US" dirty="0"/>
+              <a:rPr lang="en-US" altLang="zh-CN"/>
+              <a:t>ValueFlow</a:t>
+            </a:r>
+            <a:r>
+              <a:rPr lang="zh-CN" altLang="en-US"/>
+              <a:t>原理</a:t>
+            </a:r>
+          </a:p>
+          <a:p>
+            <a:pPr lvl="1"/>
+            <a:r>
+              <a:rPr lang="zh-CN" altLang="en-US"/>
+              <a:t>变量的值因位置而不同，分配到</a:t>
+            </a:r>
+            <a:r>
+              <a:rPr lang="en-US" altLang="zh-CN"/>
+              <a:t>token</a:t>
+            </a:r>
+            <a:r>
+              <a:rPr lang="zh-CN" altLang="en-US"/>
+              <a:t>上</a:t>
+            </a:r>
+          </a:p>
+          <a:p>
+            <a:pPr lvl="1"/>
+            <a:r>
+              <a:rPr lang="zh-CN" altLang="en-US"/>
+              <a:t>按顺序枚举对应变量的</a:t>
+            </a:r>
+            <a:r>
+              <a:rPr lang="en-US" altLang="zh-CN"/>
+              <a:t>token</a:t>
+            </a:r>
+          </a:p>
+          <a:p>
+            <a:pPr lvl="1"/>
+            <a:r>
+              <a:rPr lang="zh-CN" altLang="en-US"/>
+              <a:t>通过</a:t>
+            </a:r>
+            <a:r>
+              <a:rPr lang="en-US" altLang="zh-CN"/>
+              <a:t>SymbolDB</a:t>
+            </a:r>
+            <a:r>
+              <a:rPr lang="zh-CN" altLang="en-US"/>
+              <a:t>与周围</a:t>
+            </a:r>
+            <a:r>
+              <a:rPr lang="en-US" altLang="zh-CN"/>
+              <a:t>token</a:t>
+            </a:r>
+            <a:r>
+              <a:rPr lang="zh-CN" altLang="en-US"/>
+              <a:t>判断本</a:t>
+            </a:r>
+            <a:r>
+              <a:rPr lang="en-US" altLang="zh-CN"/>
+              <a:t>token</a:t>
+            </a:r>
+            <a:r>
+              <a:rPr lang="zh-CN" altLang="en-US"/>
+              <a:t>的值</a:t>
+            </a:r>
+          </a:p>
+          <a:p>
+            <a:pPr lvl="1"/>
+            <a:r>
+              <a:rPr lang="zh-CN" altLang="en-US"/>
+              <a:t>在合理范围内向下传递值</a:t>
+            </a:r>
+          </a:p>
+          <a:p>
+            <a:pPr lvl="0"/>
+            <a:endParaRPr lang="zh-CN" altLang="en-US"/>
           </a:p>
         </p:txBody>
       </p:sp>
+      <p:sp>
+        <p:nvSpPr>
+          <p:cNvPr id="7" name="文本框 6"/>
+          <p:cNvSpPr txBox="1"/>
+          <p:nvPr/>
+        </p:nvSpPr>
+        <p:spPr>
+          <a:xfrm>
+            <a:off x="1596390" y="3890010"/>
+            <a:ext cx="5736590" cy="2562860"/>
+          </a:xfrm>
+          <a:prstGeom prst="rect">
+            <a:avLst/>
+          </a:prstGeom>
+          <a:noFill/>
+        </p:spPr>
+        <p:txBody>
+          <a:bodyPr wrap="square" rtlCol="0">
+            <a:spAutoFit/>
+          </a:bodyPr>
+          <a:lstStyle/>
+          <a:p>
+            <a:pPr marL="457200" lvl="1" indent="0">
+              <a:buNone/>
+            </a:pPr>
+            <a:r>
+              <a:rPr kumimoji="1" lang="en-US" altLang="zh-CN" dirty="0">
+                <a:sym typeface="+mn-ea"/>
+              </a:rPr>
+              <a:t>i</a:t>
+            </a:r>
+            <a:r>
+              <a:rPr kumimoji="1" lang="zh-CN" altLang="en-US" dirty="0">
+                <a:sym typeface="+mn-ea"/>
+              </a:rPr>
+              <a:t>nt</a:t>
+            </a:r>
+            <a:r>
+              <a:rPr kumimoji="1" lang="zh-CN" altLang="en-US" dirty="0">
+                <a:solidFill>
+                  <a:schemeClr val="accent1">
+                    <a:lumMod val="60000"/>
+                    <a:lumOff val="40000"/>
+                  </a:schemeClr>
+                </a:solidFill>
+                <a:sym typeface="+mn-ea"/>
+              </a:rPr>
+              <a:t>·</a:t>
+            </a:r>
+            <a:r>
+              <a:rPr kumimoji="1" lang="zh-CN" altLang="en-US" dirty="0">
+                <a:sym typeface="+mn-ea"/>
+              </a:rPr>
+              <a:t>main</a:t>
+            </a:r>
+            <a:r>
+              <a:rPr kumimoji="1" lang="zh-CN" altLang="en-US" dirty="0">
+                <a:solidFill>
+                  <a:schemeClr val="accent1">
+                    <a:lumMod val="60000"/>
+                    <a:lumOff val="40000"/>
+                  </a:schemeClr>
+                </a:solidFill>
+                <a:sym typeface="+mn-ea"/>
+              </a:rPr>
+              <a:t>·</a:t>
+            </a:r>
+            <a:r>
+              <a:rPr kumimoji="1" lang="zh-CN" altLang="en-US" dirty="0">
+                <a:sym typeface="+mn-ea"/>
+              </a:rPr>
+              <a:t>(</a:t>
+            </a:r>
+            <a:r>
+              <a:rPr kumimoji="1" lang="zh-CN" altLang="en-US" dirty="0">
+                <a:solidFill>
+                  <a:schemeClr val="accent1">
+                    <a:lumMod val="60000"/>
+                    <a:lumOff val="40000"/>
+                  </a:schemeClr>
+                </a:solidFill>
+                <a:sym typeface="+mn-ea"/>
+              </a:rPr>
+              <a:t>·</a:t>
+            </a:r>
+            <a:r>
+              <a:rPr kumimoji="1" lang="zh-CN" altLang="en-US" dirty="0">
+                <a:sym typeface="+mn-ea"/>
+              </a:rPr>
+              <a:t>)</a:t>
+            </a:r>
+            <a:endParaRPr kumimoji="1" lang="en-US" altLang="zh-CN" dirty="0">
+              <a:sym typeface="+mn-ea"/>
+            </a:endParaRPr>
+          </a:p>
+          <a:p>
+            <a:pPr marL="457200" lvl="1" indent="0">
+              <a:buNone/>
+            </a:pPr>
+            <a:r>
+              <a:rPr kumimoji="1" lang="zh-CN" altLang="en-US" dirty="0">
+                <a:sym typeface="+mn-ea"/>
+              </a:rPr>
+              <a:t>{</a:t>
+            </a:r>
+            <a:endParaRPr kumimoji="1" lang="zh-CN" altLang="en-US" dirty="0"/>
+          </a:p>
+          <a:p>
+            <a:pPr marL="457200" lvl="1" indent="0">
+              <a:buNone/>
+            </a:pPr>
+            <a:r>
+              <a:rPr kumimoji="1" lang="zh-CN" altLang="en-US" dirty="0">
+                <a:sym typeface="+mn-ea"/>
+              </a:rPr>
+              <a:t>int</a:t>
+            </a:r>
+            <a:r>
+              <a:rPr kumimoji="1" lang="zh-CN" altLang="en-US" dirty="0">
+                <a:solidFill>
+                  <a:schemeClr val="accent1">
+                    <a:lumMod val="60000"/>
+                    <a:lumOff val="40000"/>
+                  </a:schemeClr>
+                </a:solidFill>
+                <a:sym typeface="+mn-ea"/>
+              </a:rPr>
+              <a:t>·</a:t>
+            </a:r>
+            <a:r>
+              <a:rPr kumimoji="1" lang="zh-CN" altLang="en-US" dirty="0">
+                <a:sym typeface="+mn-ea"/>
+              </a:rPr>
+              <a:t>*</a:t>
+            </a:r>
+            <a:r>
+              <a:rPr kumimoji="1" lang="zh-CN" altLang="en-US" dirty="0">
+                <a:solidFill>
+                  <a:schemeClr val="accent1">
+                    <a:lumMod val="60000"/>
+                    <a:lumOff val="40000"/>
+                  </a:schemeClr>
+                </a:solidFill>
+                <a:sym typeface="+mn-ea"/>
+              </a:rPr>
+              <a:t>·</a:t>
+            </a:r>
+            <a:r>
+              <a:rPr kumimoji="1" lang="zh-CN" altLang="en-US" dirty="0">
+                <a:sym typeface="+mn-ea"/>
+              </a:rPr>
+              <a:t>p1</a:t>
+            </a:r>
+            <a:r>
+              <a:rPr kumimoji="1" lang="zh-CN" altLang="en-US" dirty="0">
+                <a:solidFill>
+                  <a:schemeClr val="accent1">
+                    <a:lumMod val="60000"/>
+                    <a:lumOff val="40000"/>
+                  </a:schemeClr>
+                </a:solidFill>
+                <a:sym typeface="+mn-ea"/>
+              </a:rPr>
+              <a:t>·</a:t>
+            </a:r>
+            <a:r>
+              <a:rPr kumimoji="1" lang="en-US" altLang="zh-CN" dirty="0">
+                <a:sym typeface="+mn-ea"/>
+              </a:rPr>
+              <a:t>;</a:t>
+            </a:r>
+            <a:r>
+              <a:rPr kumimoji="1" lang="zh-CN" altLang="en-US" dirty="0">
+                <a:solidFill>
+                  <a:schemeClr val="accent1">
+                    <a:lumMod val="60000"/>
+                    <a:lumOff val="40000"/>
+                  </a:schemeClr>
+                </a:solidFill>
+                <a:sym typeface="+mn-ea"/>
+              </a:rPr>
+              <a:t>·</a:t>
+            </a:r>
+            <a:r>
+              <a:rPr kumimoji="1" lang="en-US" altLang="zh-CN" dirty="0">
+                <a:sym typeface="+mn-ea"/>
+              </a:rPr>
+              <a:t>p1</a:t>
+            </a:r>
+            <a:r>
+              <a:rPr kumimoji="1" lang="zh-CN" altLang="en-US" dirty="0">
+                <a:solidFill>
+                  <a:schemeClr val="accent1">
+                    <a:lumMod val="60000"/>
+                    <a:lumOff val="40000"/>
+                  </a:schemeClr>
+                </a:solidFill>
+                <a:sym typeface="+mn-ea"/>
+              </a:rPr>
+              <a:t>·</a:t>
+            </a:r>
+            <a:r>
+              <a:rPr kumimoji="1" lang="zh-CN" altLang="en-US" dirty="0">
+                <a:sym typeface="+mn-ea"/>
+              </a:rPr>
+              <a:t>=</a:t>
+            </a:r>
+            <a:r>
+              <a:rPr kumimoji="1" lang="zh-CN" altLang="en-US" dirty="0">
+                <a:solidFill>
+                  <a:schemeClr val="accent1">
+                    <a:lumMod val="60000"/>
+                    <a:lumOff val="40000"/>
+                  </a:schemeClr>
+                </a:solidFill>
+                <a:sym typeface="+mn-ea"/>
+              </a:rPr>
+              <a:t>·</a:t>
+            </a:r>
+            <a:r>
+              <a:rPr kumimoji="1" lang="zh-CN" altLang="en-US" dirty="0">
+                <a:sym typeface="+mn-ea"/>
+              </a:rPr>
+              <a:t>new</a:t>
+            </a:r>
+            <a:r>
+              <a:rPr kumimoji="1" lang="zh-CN" altLang="en-US" dirty="0">
+                <a:solidFill>
+                  <a:schemeClr val="accent1">
+                    <a:lumMod val="60000"/>
+                    <a:lumOff val="40000"/>
+                  </a:schemeClr>
+                </a:solidFill>
+                <a:sym typeface="+mn-ea"/>
+              </a:rPr>
+              <a:t>·</a:t>
+            </a:r>
+            <a:r>
+              <a:rPr kumimoji="1" lang="zh-CN" altLang="en-US" dirty="0">
+                <a:sym typeface="+mn-ea"/>
+              </a:rPr>
+              <a:t>int</a:t>
+            </a:r>
+            <a:r>
+              <a:rPr kumimoji="1" lang="zh-CN" altLang="en-US" dirty="0">
+                <a:solidFill>
+                  <a:schemeClr val="accent1">
+                    <a:lumMod val="60000"/>
+                    <a:lumOff val="40000"/>
+                  </a:schemeClr>
+                </a:solidFill>
+                <a:sym typeface="+mn-ea"/>
+              </a:rPr>
+              <a:t>·</a:t>
+            </a:r>
+            <a:r>
+              <a:rPr kumimoji="1" lang="zh-CN" altLang="en-US" dirty="0">
+                <a:sym typeface="+mn-ea"/>
+              </a:rPr>
+              <a:t>(</a:t>
+            </a:r>
+            <a:r>
+              <a:rPr kumimoji="1" lang="zh-CN" altLang="en-US" dirty="0">
+                <a:solidFill>
+                  <a:schemeClr val="accent1">
+                    <a:lumMod val="60000"/>
+                    <a:lumOff val="40000"/>
+                  </a:schemeClr>
+                </a:solidFill>
+                <a:sym typeface="+mn-ea"/>
+              </a:rPr>
+              <a:t>·</a:t>
+            </a:r>
+            <a:r>
+              <a:rPr kumimoji="1" lang="en-US" altLang="zh-CN" dirty="0">
+                <a:sym typeface="+mn-ea"/>
+              </a:rPr>
+              <a:t>0</a:t>
+            </a:r>
+            <a:r>
+              <a:rPr kumimoji="1" lang="zh-CN" altLang="en-US" dirty="0">
+                <a:solidFill>
+                  <a:schemeClr val="accent1">
+                    <a:lumMod val="60000"/>
+                    <a:lumOff val="40000"/>
+                  </a:schemeClr>
+                </a:solidFill>
+                <a:sym typeface="+mn-ea"/>
+              </a:rPr>
+              <a:t>·</a:t>
+            </a:r>
+            <a:r>
+              <a:rPr kumimoji="1" lang="zh-CN" altLang="en-US" dirty="0">
+                <a:sym typeface="+mn-ea"/>
+              </a:rPr>
+              <a:t>)</a:t>
+            </a:r>
+            <a:r>
+              <a:rPr kumimoji="1" lang="zh-CN" altLang="en-US" dirty="0">
+                <a:solidFill>
+                  <a:schemeClr val="accent1">
+                    <a:lumMod val="60000"/>
+                    <a:lumOff val="40000"/>
+                  </a:schemeClr>
+                </a:solidFill>
+                <a:sym typeface="+mn-ea"/>
+              </a:rPr>
+              <a:t>·</a:t>
+            </a:r>
+            <a:r>
+              <a:rPr kumimoji="1" lang="zh-CN" altLang="en-US" dirty="0">
+                <a:sym typeface="+mn-ea"/>
+              </a:rPr>
+              <a:t>;</a:t>
+            </a:r>
+            <a:endParaRPr kumimoji="1" lang="zh-CN" altLang="en-US" dirty="0"/>
+          </a:p>
+          <a:p>
+            <a:pPr marL="457200" lvl="1" indent="0">
+              <a:buNone/>
+            </a:pPr>
+            <a:r>
+              <a:rPr kumimoji="1" lang="zh-CN" altLang="en-US" dirty="0">
+                <a:sym typeface="+mn-ea"/>
+              </a:rPr>
+              <a:t>delete</a:t>
+            </a:r>
+            <a:r>
+              <a:rPr kumimoji="1" lang="zh-CN" altLang="en-US" dirty="0">
+                <a:solidFill>
+                  <a:schemeClr val="accent1">
+                    <a:lumMod val="60000"/>
+                    <a:lumOff val="40000"/>
+                  </a:schemeClr>
+                </a:solidFill>
+                <a:sym typeface="+mn-ea"/>
+              </a:rPr>
+              <a:t>·</a:t>
+            </a:r>
+            <a:r>
+              <a:rPr kumimoji="1" lang="zh-CN" altLang="en-US" dirty="0">
+                <a:sym typeface="+mn-ea"/>
+              </a:rPr>
+              <a:t>p1</a:t>
+            </a:r>
+            <a:r>
+              <a:rPr kumimoji="1" lang="zh-CN" altLang="en-US" dirty="0">
+                <a:solidFill>
+                  <a:schemeClr val="accent1">
+                    <a:lumMod val="60000"/>
+                    <a:lumOff val="40000"/>
+                  </a:schemeClr>
+                </a:solidFill>
+                <a:sym typeface="+mn-ea"/>
+              </a:rPr>
+              <a:t>·</a:t>
+            </a:r>
+            <a:r>
+              <a:rPr kumimoji="1" lang="zh-CN" altLang="en-US" dirty="0">
+                <a:sym typeface="+mn-ea"/>
+              </a:rPr>
+              <a:t>;</a:t>
+            </a:r>
+            <a:endParaRPr kumimoji="1" lang="zh-CN" altLang="en-US" dirty="0"/>
+          </a:p>
+          <a:p>
+            <a:pPr marL="457200" lvl="1" indent="0">
+              <a:buNone/>
+            </a:pPr>
+            <a:r>
+              <a:rPr kumimoji="1" lang="zh-CN" altLang="en-US" dirty="0">
+                <a:sym typeface="+mn-ea"/>
+              </a:rPr>
+              <a:t>int</a:t>
+            </a:r>
+            <a:r>
+              <a:rPr kumimoji="1" lang="zh-CN" altLang="en-US" dirty="0">
+                <a:solidFill>
+                  <a:schemeClr val="accent1">
+                    <a:lumMod val="60000"/>
+                    <a:lumOff val="40000"/>
+                  </a:schemeClr>
+                </a:solidFill>
+                <a:sym typeface="+mn-ea"/>
+              </a:rPr>
+              <a:t>·</a:t>
+            </a:r>
+            <a:r>
+              <a:rPr kumimoji="1" lang="zh-CN" altLang="en-US" dirty="0">
+                <a:sym typeface="+mn-ea"/>
+              </a:rPr>
+              <a:t>*</a:t>
+            </a:r>
+            <a:r>
+              <a:rPr kumimoji="1" lang="zh-CN" altLang="en-US" dirty="0">
+                <a:solidFill>
+                  <a:schemeClr val="accent1">
+                    <a:lumMod val="60000"/>
+                    <a:lumOff val="40000"/>
+                  </a:schemeClr>
+                </a:solidFill>
+                <a:sym typeface="+mn-ea"/>
+              </a:rPr>
+              <a:t>·</a:t>
+            </a:r>
+            <a:r>
+              <a:rPr kumimoji="1" lang="zh-CN" altLang="en-US" dirty="0">
+                <a:sym typeface="+mn-ea"/>
+              </a:rPr>
+              <a:t>p2</a:t>
+            </a:r>
+            <a:r>
+              <a:rPr kumimoji="1" lang="zh-CN" altLang="en-US" dirty="0">
+                <a:solidFill>
+                  <a:schemeClr val="accent1">
+                    <a:lumMod val="60000"/>
+                    <a:lumOff val="40000"/>
+                  </a:schemeClr>
+                </a:solidFill>
+                <a:sym typeface="+mn-ea"/>
+              </a:rPr>
+              <a:t>·</a:t>
+            </a:r>
+            <a:r>
+              <a:rPr kumimoji="1" lang="en-US" altLang="zh-CN" dirty="0">
+                <a:sym typeface="+mn-ea"/>
+              </a:rPr>
+              <a:t>;</a:t>
+            </a:r>
+            <a:r>
+              <a:rPr kumimoji="1" lang="zh-CN" altLang="en-US" dirty="0">
+                <a:solidFill>
+                  <a:schemeClr val="accent1">
+                    <a:lumMod val="60000"/>
+                    <a:lumOff val="40000"/>
+                  </a:schemeClr>
+                </a:solidFill>
+                <a:sym typeface="+mn-ea"/>
+              </a:rPr>
+              <a:t>·</a:t>
+            </a:r>
+            <a:r>
+              <a:rPr kumimoji="1" lang="en-US" altLang="zh-CN" dirty="0">
+                <a:sym typeface="+mn-ea"/>
+              </a:rPr>
+              <a:t>p2</a:t>
+            </a:r>
+            <a:r>
+              <a:rPr kumimoji="1" lang="zh-CN" altLang="en-US" dirty="0">
+                <a:solidFill>
+                  <a:schemeClr val="accent1">
+                    <a:lumMod val="60000"/>
+                    <a:lumOff val="40000"/>
+                  </a:schemeClr>
+                </a:solidFill>
+                <a:sym typeface="+mn-ea"/>
+              </a:rPr>
+              <a:t>·</a:t>
+            </a:r>
+            <a:r>
+              <a:rPr kumimoji="1" lang="zh-CN" altLang="en-US" dirty="0">
+                <a:sym typeface="+mn-ea"/>
+              </a:rPr>
+              <a:t>=</a:t>
+            </a:r>
+            <a:r>
+              <a:rPr kumimoji="1" lang="zh-CN" altLang="en-US" dirty="0">
+                <a:solidFill>
+                  <a:schemeClr val="accent1">
+                    <a:lumMod val="60000"/>
+                    <a:lumOff val="40000"/>
+                  </a:schemeClr>
+                </a:solidFill>
+                <a:sym typeface="+mn-ea"/>
+              </a:rPr>
+              <a:t>·</a:t>
+            </a:r>
+            <a:r>
+              <a:rPr kumimoji="1" lang="zh-CN" altLang="en-US" dirty="0">
+                <a:sym typeface="+mn-ea"/>
+              </a:rPr>
+              <a:t>p1</a:t>
+            </a:r>
+            <a:r>
+              <a:rPr kumimoji="1" lang="zh-CN" altLang="en-US" dirty="0">
+                <a:solidFill>
+                  <a:schemeClr val="accent1">
+                    <a:lumMod val="60000"/>
+                    <a:lumOff val="40000"/>
+                  </a:schemeClr>
+                </a:solidFill>
+                <a:sym typeface="+mn-ea"/>
+              </a:rPr>
+              <a:t>·</a:t>
+            </a:r>
+            <a:r>
+              <a:rPr kumimoji="1" lang="zh-CN" altLang="en-US" dirty="0">
+                <a:sym typeface="+mn-ea"/>
+              </a:rPr>
+              <a:t>;</a:t>
+            </a:r>
+            <a:endParaRPr kumimoji="1" lang="zh-CN" altLang="en-US" dirty="0"/>
+          </a:p>
+          <a:p>
+            <a:pPr marL="457200" lvl="1" indent="0">
+              <a:buNone/>
+            </a:pPr>
+            <a:r>
+              <a:rPr kumimoji="1" lang="zh-CN" altLang="en-US" dirty="0">
+                <a:sym typeface="+mn-ea"/>
+              </a:rPr>
+              <a:t>*</a:t>
+            </a:r>
+            <a:r>
+              <a:rPr kumimoji="1" lang="zh-CN" altLang="en-US" dirty="0">
+                <a:solidFill>
+                  <a:schemeClr val="accent1">
+                    <a:lumMod val="60000"/>
+                    <a:lumOff val="40000"/>
+                  </a:schemeClr>
+                </a:solidFill>
+                <a:sym typeface="+mn-ea"/>
+              </a:rPr>
+              <a:t>·</a:t>
+            </a:r>
+            <a:r>
+              <a:rPr kumimoji="1" lang="zh-CN" altLang="en-US" dirty="0">
+                <a:sym typeface="+mn-ea"/>
+              </a:rPr>
+              <a:t>p1</a:t>
+            </a:r>
+            <a:r>
+              <a:rPr kumimoji="1" lang="zh-CN" altLang="en-US" dirty="0">
+                <a:solidFill>
+                  <a:schemeClr val="accent1">
+                    <a:lumMod val="60000"/>
+                    <a:lumOff val="40000"/>
+                  </a:schemeClr>
+                </a:solidFill>
+                <a:sym typeface="+mn-ea"/>
+              </a:rPr>
+              <a:t>·</a:t>
+            </a:r>
+            <a:r>
+              <a:rPr kumimoji="1" lang="zh-CN" altLang="en-US" dirty="0">
+                <a:sym typeface="+mn-ea"/>
+              </a:rPr>
+              <a:t>=</a:t>
+            </a:r>
+            <a:r>
+              <a:rPr kumimoji="1" lang="zh-CN" altLang="en-US" dirty="0">
+                <a:solidFill>
+                  <a:schemeClr val="accent1">
+                    <a:lumMod val="60000"/>
+                    <a:lumOff val="40000"/>
+                  </a:schemeClr>
+                </a:solidFill>
+                <a:sym typeface="+mn-ea"/>
+              </a:rPr>
+              <a:t>·</a:t>
+            </a:r>
+            <a:r>
+              <a:rPr kumimoji="1" lang="zh-CN" altLang="en-US" dirty="0">
+                <a:sym typeface="+mn-ea"/>
+              </a:rPr>
+              <a:t>0</a:t>
+            </a:r>
+            <a:r>
+              <a:rPr kumimoji="1" lang="zh-CN" altLang="en-US" dirty="0">
+                <a:solidFill>
+                  <a:schemeClr val="accent1">
+                    <a:lumMod val="60000"/>
+                    <a:lumOff val="40000"/>
+                  </a:schemeClr>
+                </a:solidFill>
+                <a:sym typeface="+mn-ea"/>
+              </a:rPr>
+              <a:t>·</a:t>
+            </a:r>
+            <a:r>
+              <a:rPr kumimoji="1" lang="zh-CN" altLang="en-US" dirty="0">
+                <a:sym typeface="+mn-ea"/>
+              </a:rPr>
+              <a:t>;</a:t>
+            </a:r>
+            <a:endParaRPr kumimoji="1" lang="zh-CN" altLang="en-US" dirty="0"/>
+          </a:p>
+          <a:p>
+            <a:pPr marL="457200" lvl="1" indent="0">
+              <a:buNone/>
+            </a:pPr>
+            <a:r>
+              <a:rPr kumimoji="1" lang="zh-CN" altLang="en-US" dirty="0">
+                <a:sym typeface="+mn-ea"/>
+              </a:rPr>
+              <a:t>*</a:t>
+            </a:r>
+            <a:r>
+              <a:rPr kumimoji="1" lang="zh-CN" altLang="en-US" dirty="0">
+                <a:solidFill>
+                  <a:schemeClr val="accent1">
+                    <a:lumMod val="60000"/>
+                    <a:lumOff val="40000"/>
+                  </a:schemeClr>
+                </a:solidFill>
+                <a:sym typeface="+mn-ea"/>
+              </a:rPr>
+              <a:t>·</a:t>
+            </a:r>
+            <a:r>
+              <a:rPr kumimoji="1" lang="zh-CN" altLang="en-US" dirty="0">
+                <a:sym typeface="+mn-ea"/>
+              </a:rPr>
+              <a:t>p</a:t>
+            </a:r>
+            <a:r>
+              <a:rPr kumimoji="1" lang="en-US" altLang="zh-CN" dirty="0">
+                <a:sym typeface="+mn-ea"/>
+              </a:rPr>
+              <a:t>2</a:t>
+            </a:r>
+            <a:r>
+              <a:rPr kumimoji="1" lang="zh-CN" altLang="en-US" dirty="0">
+                <a:solidFill>
+                  <a:schemeClr val="accent1">
+                    <a:lumMod val="60000"/>
+                    <a:lumOff val="40000"/>
+                  </a:schemeClr>
+                </a:solidFill>
+                <a:sym typeface="+mn-ea"/>
+              </a:rPr>
+              <a:t>·</a:t>
+            </a:r>
+            <a:r>
+              <a:rPr kumimoji="1" lang="zh-CN" altLang="en-US" dirty="0">
+                <a:sym typeface="+mn-ea"/>
+              </a:rPr>
+              <a:t>=</a:t>
+            </a:r>
+            <a:r>
+              <a:rPr kumimoji="1" lang="zh-CN" altLang="en-US" dirty="0">
+                <a:solidFill>
+                  <a:schemeClr val="accent1">
+                    <a:lumMod val="60000"/>
+                    <a:lumOff val="40000"/>
+                  </a:schemeClr>
+                </a:solidFill>
+                <a:sym typeface="+mn-ea"/>
+              </a:rPr>
+              <a:t>·</a:t>
+            </a:r>
+            <a:r>
+              <a:rPr kumimoji="1" lang="zh-CN" altLang="en-US" dirty="0">
+                <a:sym typeface="+mn-ea"/>
+              </a:rPr>
+              <a:t>0</a:t>
+            </a:r>
+            <a:r>
+              <a:rPr kumimoji="1" lang="zh-CN" altLang="en-US" dirty="0">
+                <a:solidFill>
+                  <a:schemeClr val="accent1">
+                    <a:lumMod val="60000"/>
+                    <a:lumOff val="40000"/>
+                  </a:schemeClr>
+                </a:solidFill>
+                <a:sym typeface="+mn-ea"/>
+              </a:rPr>
+              <a:t>·</a:t>
+            </a:r>
+            <a:r>
+              <a:rPr kumimoji="1" lang="zh-CN" altLang="en-US" dirty="0">
+                <a:sym typeface="+mn-ea"/>
+              </a:rPr>
+              <a:t>;</a:t>
+            </a:r>
+            <a:endParaRPr kumimoji="1" lang="zh-CN" altLang="en-US" dirty="0"/>
+          </a:p>
+          <a:p>
+            <a:pPr marL="457200" lvl="1" indent="0">
+              <a:buNone/>
+            </a:pPr>
+            <a:r>
+              <a:rPr kumimoji="1" lang="zh-CN" altLang="en-US" dirty="0">
+                <a:sym typeface="+mn-ea"/>
+              </a:rPr>
+              <a:t>}</a:t>
+            </a:r>
+            <a:endParaRPr kumimoji="1" lang="zh-CN" altLang="en-US" dirty="0"/>
+          </a:p>
+          <a:p>
+            <a:endParaRPr lang="zh-CN" altLang="en-US"/>
+          </a:p>
+        </p:txBody>
+      </p:sp>
+      <p:sp>
+        <p:nvSpPr>
+          <p:cNvPr id="8" name="椭圆 7"/>
+          <p:cNvSpPr/>
+          <p:nvPr/>
+        </p:nvSpPr>
+        <p:spPr>
+          <a:xfrm>
+            <a:off x="2977515" y="4458335"/>
+            <a:ext cx="353695" cy="365760"/>
+          </a:xfrm>
+          <a:prstGeom prst="ellipse">
+            <a:avLst/>
+          </a:prstGeom>
+          <a:noFill/>
+          <a:ln w="28575" cmpd="sng">
+            <a:solidFill>
+              <a:schemeClr val="tx2">
+                <a:lumMod val="60000"/>
+                <a:lumOff val="40000"/>
+              </a:schemeClr>
+            </a:solidFill>
+            <a:prstDash val="solid"/>
+          </a:ln>
+        </p:spPr>
+        <p:style>
+          <a:lnRef idx="2">
+            <a:schemeClr val="accent1">
+              <a:shade val="50000"/>
+            </a:schemeClr>
+          </a:lnRef>
+          <a:fillRef idx="1">
+            <a:schemeClr val="accent1"/>
+          </a:fillRef>
+          <a:effectRef idx="0">
+            <a:schemeClr val="accent1"/>
+          </a:effectRef>
+          <a:fontRef idx="minor">
+            <a:schemeClr val="lt1"/>
+          </a:fontRef>
+        </p:style>
+        <p:txBody>
+          <a:bodyPr rtlCol="0" anchor="ctr"/>
+          <a:lstStyle/>
+          <a:p>
+            <a:pPr algn="ctr"/>
+            <a:endParaRPr lang="zh-CN" altLang="en-US"/>
+          </a:p>
+        </p:txBody>
+      </p:sp>
+      <p:cxnSp>
+        <p:nvCxnSpPr>
+          <p:cNvPr id="9" name="直接箭头连接符 8"/>
+          <p:cNvCxnSpPr/>
+          <p:nvPr/>
+        </p:nvCxnSpPr>
+        <p:spPr>
+          <a:xfrm flipH="1">
+            <a:off x="3315335" y="4725035"/>
+            <a:ext cx="908685" cy="33655"/>
+          </a:xfrm>
+          <a:prstGeom prst="straightConnector1">
+            <a:avLst/>
+          </a:prstGeom>
+          <a:ln w="12700">
+            <a:tailEnd type="arrow" w="med" len="med"/>
+          </a:ln>
+        </p:spPr>
+        <p:style>
+          <a:lnRef idx="1">
+            <a:schemeClr val="accent2"/>
+          </a:lnRef>
+          <a:fillRef idx="0">
+            <a:schemeClr val="accent2"/>
+          </a:fillRef>
+          <a:effectRef idx="0">
+            <a:schemeClr val="accent2"/>
+          </a:effectRef>
+          <a:fontRef idx="minor">
+            <a:schemeClr val="tx1"/>
+          </a:fontRef>
+        </p:style>
+      </p:cxnSp>
+      <p:cxnSp>
+        <p:nvCxnSpPr>
+          <p:cNvPr id="10" name="直接箭头连接符 9"/>
+          <p:cNvCxnSpPr/>
+          <p:nvPr/>
+        </p:nvCxnSpPr>
+        <p:spPr>
+          <a:xfrm flipH="1">
+            <a:off x="3331210" y="4509135"/>
+            <a:ext cx="892810" cy="635"/>
+          </a:xfrm>
+          <a:prstGeom prst="straightConnector1">
+            <a:avLst/>
+          </a:prstGeom>
+          <a:ln w="12700">
+            <a:tailEnd type="arrow" w="med" len="med"/>
+          </a:ln>
+        </p:spPr>
+        <p:style>
+          <a:lnRef idx="1">
+            <a:schemeClr val="accent2"/>
+          </a:lnRef>
+          <a:fillRef idx="0">
+            <a:schemeClr val="accent2"/>
+          </a:fillRef>
+          <a:effectRef idx="0">
+            <a:schemeClr val="accent2"/>
+          </a:effectRef>
+          <a:fontRef idx="minor">
+            <a:schemeClr val="tx1"/>
+          </a:fontRef>
+        </p:style>
+      </p:cxnSp>
+      <p:cxnSp>
+        <p:nvCxnSpPr>
+          <p:cNvPr id="11" name="直接箭头连接符 10"/>
+          <p:cNvCxnSpPr/>
+          <p:nvPr/>
+        </p:nvCxnSpPr>
+        <p:spPr>
+          <a:xfrm flipH="1">
+            <a:off x="2927985" y="4658995"/>
+            <a:ext cx="201295" cy="165100"/>
+          </a:xfrm>
+          <a:prstGeom prst="straightConnector1">
+            <a:avLst/>
+          </a:prstGeom>
+          <a:ln>
+            <a:solidFill>
+              <a:schemeClr val="tx2">
+                <a:lumMod val="40000"/>
+                <a:lumOff val="60000"/>
+              </a:schemeClr>
+            </a:solidFill>
+            <a:tailEnd type="arrow"/>
+          </a:ln>
+        </p:spPr>
+        <p:style>
+          <a:lnRef idx="1">
+            <a:schemeClr val="accent1"/>
+          </a:lnRef>
+          <a:fillRef idx="0">
+            <a:schemeClr val="accent1"/>
+          </a:fillRef>
+          <a:effectRef idx="0">
+            <a:schemeClr val="accent1"/>
+          </a:effectRef>
+          <a:fontRef idx="minor">
+            <a:schemeClr val="tx1"/>
+          </a:fontRef>
+        </p:style>
+      </p:cxnSp>
+      <p:cxnSp>
+        <p:nvCxnSpPr>
+          <p:cNvPr id="12" name="直接箭头连接符 11"/>
+          <p:cNvCxnSpPr/>
+          <p:nvPr/>
+        </p:nvCxnSpPr>
+        <p:spPr>
+          <a:xfrm>
+            <a:off x="3179445" y="4683760"/>
+            <a:ext cx="403860" cy="492125"/>
+          </a:xfrm>
+          <a:prstGeom prst="straightConnector1">
+            <a:avLst/>
+          </a:prstGeom>
+          <a:ln>
+            <a:solidFill>
+              <a:schemeClr val="tx2">
+                <a:lumMod val="40000"/>
+                <a:lumOff val="60000"/>
+              </a:schemeClr>
+            </a:solidFill>
+            <a:tailEnd type="arrow"/>
+          </a:ln>
+        </p:spPr>
+        <p:style>
+          <a:lnRef idx="1">
+            <a:schemeClr val="accent1"/>
+          </a:lnRef>
+          <a:fillRef idx="0">
+            <a:schemeClr val="accent1"/>
+          </a:fillRef>
+          <a:effectRef idx="0">
+            <a:schemeClr val="accent1"/>
+          </a:effectRef>
+          <a:fontRef idx="minor">
+            <a:schemeClr val="tx1"/>
+          </a:fontRef>
+        </p:style>
+      </p:cxnSp>
+      <p:cxnSp>
+        <p:nvCxnSpPr>
+          <p:cNvPr id="13" name="直接箭头连接符 12"/>
+          <p:cNvCxnSpPr/>
+          <p:nvPr/>
+        </p:nvCxnSpPr>
+        <p:spPr>
+          <a:xfrm flipH="1">
+            <a:off x="2485390" y="4658995"/>
+            <a:ext cx="656590" cy="795020"/>
+          </a:xfrm>
+          <a:prstGeom prst="straightConnector1">
+            <a:avLst/>
+          </a:prstGeom>
+          <a:ln>
+            <a:solidFill>
+              <a:schemeClr val="tx2">
+                <a:lumMod val="40000"/>
+                <a:lumOff val="60000"/>
+              </a:schemeClr>
+            </a:solidFill>
+            <a:tailEnd type="arrow"/>
+          </a:ln>
+        </p:spPr>
+        <p:style>
+          <a:lnRef idx="1">
+            <a:schemeClr val="accent1"/>
+          </a:lnRef>
+          <a:fillRef idx="0">
+            <a:schemeClr val="accent1"/>
+          </a:fillRef>
+          <a:effectRef idx="0">
+            <a:schemeClr val="accent1"/>
+          </a:effectRef>
+          <a:fontRef idx="minor">
+            <a:schemeClr val="tx1"/>
+          </a:fontRef>
+        </p:style>
+      </p:cxnSp>
     </p:spTree>
   </p:cSld>
   <p:clrMapOvr>
     <a:masterClrMapping/>
   </p:clrMapOvr>
-  <p:timing>
-    <p:tnLst>
-      <p:par>
-        <p:cTn id="1" dur="indefinite" restart="never" nodeType="tmRoot"/>
-      </p:par>
-    </p:tnLst>
-  </p:timing>
 </p:sld>
 </file>
 
@@ -19595,9 +20237,805 @@
             </a:r>
             <a:r>
               <a:rPr kumimoji="1" lang="zh-CN" altLang="en-US" strike="sngStrike" dirty="0" smtClean="0"/>
-              <a:t> 指针未初始化</a:t>
-            </a:r>
-            <a:endParaRPr kumimoji="1" lang="zh-CN" altLang="en-US" strike="sngStrike" dirty="0"/>
+              <a:t> 指针未</a:t>
+            </a:r>
+            <a:r>
+              <a:rPr kumimoji="1" lang="zh-CN" altLang="en-US" strike="sngStrike" dirty="0" smtClean="0"/>
+              <a:t>初始化</a:t>
+            </a:r>
+            <a:endParaRPr kumimoji="1" lang="en-US" altLang="zh-CN" strike="sngStrike" dirty="0" smtClean="0"/>
+          </a:p>
+        </p:txBody>
+      </p:sp>
+    </p:spTree>
+  </p:cSld>
+  <p:clrMapOvr>
+    <a:masterClrMapping/>
+  </p:clrMapOvr>
+  <p:timing>
+    <p:tnLst>
+      <p:par>
+        <p:cTn id="1" dur="indefinite" restart="never" nodeType="tmRoot"/>
+      </p:par>
+    </p:tnLst>
+  </p:timing>
+</p:sld>
+</file>
+
+<file path=ppt/slides/slide40.xml><?xml version="1.0" encoding="utf-8"?>
+<p:sld xmlns:a="http://schemas.openxmlformats.org/drawingml/2006/main" xmlns:r="http://schemas.openxmlformats.org/officeDocument/2006/relationships" xmlns:p="http://schemas.openxmlformats.org/presentationml/2006/main">
+  <p:cSld>
+    <p:spTree>
+      <p:nvGrpSpPr>
+        <p:cNvPr id="1" name=""/>
+        <p:cNvGrpSpPr/>
+        <p:nvPr/>
+      </p:nvGrpSpPr>
+      <p:grpSpPr>
+        <a:xfrm>
+          <a:off x="0" y="0"/>
+          <a:ext cx="0" cy="0"/>
+          <a:chOff x="0" y="0"/>
+          <a:chExt cx="0" cy="0"/>
+        </a:xfrm>
+      </p:grpSpPr>
+      <p:sp>
+        <p:nvSpPr>
+          <p:cNvPr id="2" name="标题 1"/>
+          <p:cNvSpPr>
+            <a:spLocks noGrp="1"/>
+          </p:cNvSpPr>
+          <p:nvPr>
+            <p:ph type="title"/>
+          </p:nvPr>
+        </p:nvSpPr>
+        <p:spPr/>
+        <p:txBody>
+          <a:bodyPr/>
+          <a:lstStyle/>
+          <a:p>
+            <a:r>
+              <a:rPr lang="zh-CN" altLang="en-US">
+                <a:sym typeface="+mn-ea"/>
+              </a:rPr>
+              <a:t>开发重点：</a:t>
+            </a:r>
+            <a:r>
+              <a:rPr lang="en-US" altLang="zh-CN">
+                <a:sym typeface="+mn-ea"/>
+              </a:rPr>
+              <a:t>ValueFlow</a:t>
+            </a:r>
+            <a:endParaRPr lang="zh-CN" altLang="en-US"/>
+          </a:p>
+        </p:txBody>
+      </p:sp>
+      <p:sp>
+        <p:nvSpPr>
+          <p:cNvPr id="3" name="内容占位符 2"/>
+          <p:cNvSpPr>
+            <a:spLocks noGrp="1"/>
+          </p:cNvSpPr>
+          <p:nvPr>
+            <p:ph idx="1"/>
+          </p:nvPr>
+        </p:nvSpPr>
+        <p:spPr/>
+        <p:txBody>
+          <a:bodyPr/>
+          <a:lstStyle/>
+          <a:p>
+            <a:r>
+              <a:rPr lang="en-US" altLang="zh-CN"/>
+              <a:t>ValueFlow</a:t>
+            </a:r>
+            <a:r>
+              <a:rPr lang="zh-CN" altLang="en-US"/>
+              <a:t>模块</a:t>
+            </a:r>
+          </a:p>
+          <a:p>
+            <a:pPr lvl="1"/>
+            <a:r>
+              <a:rPr lang="zh-CN" altLang="en-US"/>
+              <a:t>tokenize.cpp第1746行，</a:t>
+            </a:r>
+            <a:r>
+              <a:rPr lang="en-US" altLang="zh-CN"/>
+              <a:t>Token</a:t>
+            </a:r>
+            <a:r>
+              <a:rPr lang="zh-CN" altLang="en-US"/>
+              <a:t>值的推断</a:t>
+            </a:r>
+          </a:p>
+          <a:p>
+            <a:pPr lvl="1"/>
+            <a:endParaRPr lang="zh-CN" altLang="en-US"/>
+          </a:p>
+          <a:p>
+            <a:pPr lvl="1"/>
+            <a:endParaRPr lang="zh-CN" altLang="en-US"/>
+          </a:p>
+          <a:p>
+            <a:pPr lvl="1"/>
+            <a:r>
+              <a:rPr lang="zh-CN" altLang="en-US"/>
+              <a:t>valueflow.cpp第2375行，通过赋值推断</a:t>
+            </a:r>
+          </a:p>
+          <a:p>
+            <a:pPr lvl="1"/>
+            <a:endParaRPr lang="en-US" altLang="zh-CN"/>
+          </a:p>
+          <a:p>
+            <a:pPr lvl="1"/>
+            <a:endParaRPr lang="zh-CN" altLang="en-US">
+              <a:sym typeface="+mn-ea"/>
+            </a:endParaRPr>
+          </a:p>
+          <a:p>
+            <a:pPr lvl="1"/>
+            <a:r>
+              <a:rPr lang="zh-CN" altLang="en-US">
+                <a:sym typeface="+mn-ea"/>
+              </a:rPr>
+              <a:t>valueflow.cpp第</a:t>
+            </a:r>
+            <a:r>
+              <a:rPr lang="en-US" altLang="zh-CN">
+                <a:sym typeface="+mn-ea"/>
+              </a:rPr>
+              <a:t>1565</a:t>
+            </a:r>
+            <a:r>
+              <a:rPr lang="zh-CN" altLang="en-US">
+                <a:sym typeface="+mn-ea"/>
+              </a:rPr>
+              <a:t>行，结束当前</a:t>
+            </a:r>
+            <a:r>
+              <a:rPr lang="en-US" altLang="zh-CN">
+                <a:sym typeface="+mn-ea"/>
+              </a:rPr>
+              <a:t>token</a:t>
+            </a:r>
+            <a:r>
+              <a:rPr lang="zh-CN" altLang="en-US">
+                <a:sym typeface="+mn-ea"/>
+              </a:rPr>
+              <a:t>值推断，向下传递值</a:t>
+            </a:r>
+          </a:p>
+          <a:p>
+            <a:pPr lvl="1"/>
+            <a:endParaRPr lang="en-US" altLang="zh-CN"/>
+          </a:p>
+        </p:txBody>
+      </p:sp>
+      <p:pic>
+        <p:nvPicPr>
+          <p:cNvPr id="4" name="图片 3" descr="GRW6]O_7_T2_GH`FS8AE[_R"/>
+          <p:cNvPicPr>
+            <a:picLocks noChangeAspect="1"/>
+          </p:cNvPicPr>
+          <p:nvPr/>
+        </p:nvPicPr>
+        <p:blipFill>
+          <a:blip r:embed="rId2"/>
+          <a:stretch>
+            <a:fillRect/>
+          </a:stretch>
+        </p:blipFill>
+        <p:spPr>
+          <a:xfrm>
+            <a:off x="1769745" y="2678430"/>
+            <a:ext cx="8015605" cy="756920"/>
+          </a:xfrm>
+          <a:prstGeom prst="rect">
+            <a:avLst/>
+          </a:prstGeom>
+        </p:spPr>
+      </p:pic>
+      <p:pic>
+        <p:nvPicPr>
+          <p:cNvPr id="5" name="图片 4" descr="XST]RVD][@6U~U080P8ZL)F"/>
+          <p:cNvPicPr>
+            <a:picLocks noChangeAspect="1"/>
+          </p:cNvPicPr>
+          <p:nvPr/>
+        </p:nvPicPr>
+        <p:blipFill>
+          <a:blip r:embed="rId3"/>
+          <a:stretch>
+            <a:fillRect/>
+          </a:stretch>
+        </p:blipFill>
+        <p:spPr>
+          <a:xfrm>
+            <a:off x="1772285" y="4050030"/>
+            <a:ext cx="8013065" cy="396240"/>
+          </a:xfrm>
+          <a:prstGeom prst="rect">
+            <a:avLst/>
+          </a:prstGeom>
+        </p:spPr>
+      </p:pic>
+      <p:pic>
+        <p:nvPicPr>
+          <p:cNvPr id="6" name="图片 5"/>
+          <p:cNvPicPr>
+            <a:picLocks noChangeAspect="1"/>
+          </p:cNvPicPr>
+          <p:nvPr/>
+        </p:nvPicPr>
+        <p:blipFill>
+          <a:blip r:embed="rId4"/>
+          <a:stretch>
+            <a:fillRect/>
+          </a:stretch>
+        </p:blipFill>
+        <p:spPr>
+          <a:xfrm>
+            <a:off x="1772285" y="5142230"/>
+            <a:ext cx="8485505" cy="409575"/>
+          </a:xfrm>
+          <a:prstGeom prst="rect">
+            <a:avLst/>
+          </a:prstGeom>
+        </p:spPr>
+      </p:pic>
+    </p:spTree>
+  </p:cSld>
+  <p:clrMapOvr>
+    <a:masterClrMapping/>
+  </p:clrMapOvr>
+</p:sld>
+</file>
+
+<file path=ppt/slides/slide41.xml><?xml version="1.0" encoding="utf-8"?>
+<p:sld xmlns:a="http://schemas.openxmlformats.org/drawingml/2006/main" xmlns:r="http://schemas.openxmlformats.org/officeDocument/2006/relationships" xmlns:p="http://schemas.openxmlformats.org/presentationml/2006/main">
+  <p:cSld>
+    <p:spTree>
+      <p:nvGrpSpPr>
+        <p:cNvPr id="1" name=""/>
+        <p:cNvGrpSpPr/>
+        <p:nvPr/>
+      </p:nvGrpSpPr>
+      <p:grpSpPr>
+        <a:xfrm>
+          <a:off x="0" y="0"/>
+          <a:ext cx="0" cy="0"/>
+          <a:chOff x="0" y="0"/>
+          <a:chExt cx="0" cy="0"/>
+        </a:xfrm>
+      </p:grpSpPr>
+      <p:sp>
+        <p:nvSpPr>
+          <p:cNvPr id="2" name="标题 1"/>
+          <p:cNvSpPr>
+            <a:spLocks noGrp="1"/>
+          </p:cNvSpPr>
+          <p:nvPr>
+            <p:ph type="title"/>
+          </p:nvPr>
+        </p:nvSpPr>
+        <p:spPr/>
+        <p:txBody>
+          <a:bodyPr/>
+          <a:lstStyle/>
+          <a:p>
+            <a:r>
+              <a:rPr lang="zh-CN" altLang="en-US">
+                <a:sym typeface="+mn-ea"/>
+              </a:rPr>
+              <a:t>开发重点：</a:t>
+            </a:r>
+            <a:r>
+              <a:rPr lang="en-US" altLang="zh-CN">
+                <a:sym typeface="+mn-ea"/>
+              </a:rPr>
+              <a:t>ValueFlow</a:t>
+            </a:r>
+            <a:endParaRPr lang="zh-CN" altLang="en-US"/>
+          </a:p>
+        </p:txBody>
+      </p:sp>
+      <p:sp>
+        <p:nvSpPr>
+          <p:cNvPr id="3" name="内容占位符 2"/>
+          <p:cNvSpPr>
+            <a:spLocks noGrp="1"/>
+          </p:cNvSpPr>
+          <p:nvPr>
+            <p:ph idx="1"/>
+          </p:nvPr>
+        </p:nvSpPr>
+        <p:spPr/>
+        <p:txBody>
+          <a:bodyPr/>
+          <a:lstStyle/>
+          <a:p>
+            <a:r>
+              <a:rPr lang="zh-CN" altLang="en-US"/>
+              <a:t>分析</a:t>
+            </a:r>
+          </a:p>
+          <a:p>
+            <a:pPr lvl="1"/>
+            <a:r>
+              <a:rPr lang="zh-CN" altLang="en-US"/>
+              <a:t>赋值号的右值分析中没有对</a:t>
+            </a:r>
+            <a:r>
+              <a:rPr lang="en-US" altLang="zh-CN"/>
+              <a:t>new</a:t>
+            </a:r>
+            <a:r>
+              <a:rPr lang="zh-CN" altLang="en-US"/>
+              <a:t>初始化进行合理推断</a:t>
+            </a:r>
+          </a:p>
+          <a:p>
+            <a:pPr lvl="1"/>
+            <a:r>
+              <a:rPr lang="en-US" altLang="zh-CN"/>
+              <a:t>delete</a:t>
+            </a:r>
+            <a:r>
+              <a:rPr lang="zh-CN" altLang="en-US"/>
+              <a:t>指针对值没有影响</a:t>
+            </a:r>
+          </a:p>
+          <a:p>
+            <a:pPr lvl="1"/>
+            <a:r>
+              <a:rPr lang="zh-CN" altLang="en-US"/>
+              <a:t>已有推断：</a:t>
+            </a:r>
+          </a:p>
+          <a:p>
+            <a:pPr lvl="2"/>
+            <a:r>
+              <a:rPr lang="zh-CN" altLang="en-US"/>
+              <a:t>常量赋值</a:t>
+            </a:r>
+          </a:p>
+          <a:p>
+            <a:pPr lvl="2"/>
+            <a:r>
+              <a:rPr lang="zh-CN" altLang="en-US"/>
+              <a:t>指针或数组赋值给指针</a:t>
+            </a:r>
+          </a:p>
+          <a:p>
+            <a:pPr lvl="2"/>
+            <a:r>
+              <a:rPr lang="en-US" altLang="zh-CN"/>
+              <a:t>null</a:t>
+            </a:r>
+            <a:r>
+              <a:rPr lang="zh-CN" altLang="en-US"/>
+              <a:t>赋值给指针</a:t>
+            </a:r>
+          </a:p>
+          <a:p>
+            <a:pPr lvl="2"/>
+            <a:r>
+              <a:rPr lang="zh-CN" altLang="en-US"/>
+              <a:t>静态变量初始化</a:t>
+            </a:r>
+          </a:p>
+          <a:p>
+            <a:pPr lvl="1"/>
+            <a:r>
+              <a:rPr lang="zh-CN" altLang="en-US"/>
+              <a:t>需要增加推断：</a:t>
+            </a:r>
+          </a:p>
+          <a:p>
+            <a:pPr lvl="2"/>
+            <a:r>
+              <a:rPr lang="en-US" altLang="zh-CN" sz="2000"/>
+              <a:t>new</a:t>
+            </a:r>
+            <a:r>
+              <a:rPr lang="zh-CN" altLang="en-US" sz="2000"/>
+              <a:t>初始化</a:t>
+            </a:r>
+          </a:p>
+          <a:p>
+            <a:pPr lvl="2"/>
+            <a:r>
+              <a:rPr lang="en-US" altLang="zh-CN" sz="2000"/>
+              <a:t>delete</a:t>
+            </a:r>
+            <a:r>
+              <a:rPr lang="zh-CN" altLang="en-US" sz="2000"/>
+              <a:t>操作</a:t>
+            </a:r>
+          </a:p>
+          <a:p>
+            <a:pPr lvl="2"/>
+            <a:endParaRPr lang="zh-CN" altLang="en-US"/>
+          </a:p>
+          <a:p>
+            <a:pPr lvl="1"/>
+            <a:endParaRPr lang="zh-CN" altLang="en-US"/>
+          </a:p>
+        </p:txBody>
+      </p:sp>
+      <p:pic>
+        <p:nvPicPr>
+          <p:cNvPr id="4" name="图片 3"/>
+          <p:cNvPicPr>
+            <a:picLocks noChangeAspect="1"/>
+          </p:cNvPicPr>
+          <p:nvPr/>
+        </p:nvPicPr>
+        <p:blipFill>
+          <a:blip r:embed="rId2"/>
+          <a:stretch>
+            <a:fillRect/>
+          </a:stretch>
+        </p:blipFill>
+        <p:spPr>
+          <a:xfrm>
+            <a:off x="4997450" y="3291205"/>
+            <a:ext cx="5906135" cy="2886075"/>
+          </a:xfrm>
+          <a:prstGeom prst="rect">
+            <a:avLst/>
+          </a:prstGeom>
+        </p:spPr>
+      </p:pic>
+    </p:spTree>
+  </p:cSld>
+  <p:clrMapOvr>
+    <a:masterClrMapping/>
+  </p:clrMapOvr>
+</p:sld>
+</file>
+
+<file path=ppt/slides/slide42.xml><?xml version="1.0" encoding="utf-8"?>
+<p:sld xmlns:a="http://schemas.openxmlformats.org/drawingml/2006/main" xmlns:r="http://schemas.openxmlformats.org/officeDocument/2006/relationships" xmlns:p="http://schemas.openxmlformats.org/presentationml/2006/main">
+  <p:cSld>
+    <p:spTree>
+      <p:nvGrpSpPr>
+        <p:cNvPr id="1" name=""/>
+        <p:cNvGrpSpPr/>
+        <p:nvPr/>
+      </p:nvGrpSpPr>
+      <p:grpSpPr>
+        <a:xfrm>
+          <a:off x="0" y="0"/>
+          <a:ext cx="0" cy="0"/>
+          <a:chOff x="0" y="0"/>
+          <a:chExt cx="0" cy="0"/>
+        </a:xfrm>
+      </p:grpSpPr>
+      <p:sp>
+        <p:nvSpPr>
+          <p:cNvPr id="2" name="标题 1"/>
+          <p:cNvSpPr>
+            <a:spLocks noGrp="1"/>
+          </p:cNvSpPr>
+          <p:nvPr>
+            <p:ph type="title"/>
+          </p:nvPr>
+        </p:nvSpPr>
+        <p:spPr/>
+        <p:txBody>
+          <a:bodyPr/>
+          <a:lstStyle/>
+          <a:p>
+            <a:r>
+              <a:rPr lang="zh-CN" altLang="en-US"/>
+              <a:t>关于我</a:t>
+            </a:r>
+          </a:p>
+        </p:txBody>
+      </p:sp>
+      <p:sp>
+        <p:nvSpPr>
+          <p:cNvPr id="3" name="内容占位符 2"/>
+          <p:cNvSpPr>
+            <a:spLocks noGrp="1"/>
+          </p:cNvSpPr>
+          <p:nvPr>
+            <p:ph idx="1"/>
+          </p:nvPr>
+        </p:nvSpPr>
+        <p:spPr/>
+        <p:txBody>
+          <a:bodyPr/>
+          <a:lstStyle/>
+          <a:p>
+            <a:r>
+              <a:rPr lang="zh-CN" altLang="en-US"/>
+              <a:t>全程跟踪样例二</a:t>
+            </a:r>
+            <a:r>
+              <a:rPr lang="en-US" altLang="zh-CN"/>
+              <a:t>(1)</a:t>
+            </a:r>
+            <a:r>
+              <a:rPr lang="zh-CN" altLang="en-US"/>
+              <a:t>测试过程，在报告上提供尽可能的帮助</a:t>
+            </a:r>
+          </a:p>
+          <a:p>
+            <a:r>
+              <a:rPr lang="zh-CN" altLang="en-US"/>
+              <a:t>改进测试样例，完成样例二</a:t>
+            </a:r>
+            <a:r>
+              <a:rPr lang="en-US" altLang="zh-CN"/>
+              <a:t>(2)</a:t>
+            </a:r>
+            <a:r>
+              <a:rPr lang="zh-CN" altLang="en-US"/>
+              <a:t>的测试及主要模块分析</a:t>
+            </a:r>
+          </a:p>
+          <a:p>
+            <a:r>
+              <a:rPr lang="zh-CN" altLang="en-US"/>
+              <a:t>确定主要开发方向为</a:t>
+            </a:r>
+            <a:r>
+              <a:rPr lang="en-US" altLang="zh-CN"/>
+              <a:t>ValueFlow</a:t>
+            </a:r>
+            <a:r>
+              <a:rPr lang="zh-CN" altLang="en-US"/>
+              <a:t>模块，寻找错误的主要来源</a:t>
+            </a:r>
+          </a:p>
+          <a:p>
+            <a:r>
+              <a:rPr lang="zh-CN" altLang="en-US"/>
+              <a:t>进行简单改进，非开发内容的排除</a:t>
+            </a:r>
+          </a:p>
+        </p:txBody>
+      </p:sp>
+    </p:spTree>
+  </p:cSld>
+  <p:clrMapOvr>
+    <a:masterClrMapping/>
+  </p:clrMapOvr>
+</p:sld>
+</file>
+
+<file path=ppt/slides/slide43.xml><?xml version="1.0" encoding="utf-8"?>
+<p:sld xmlns:a="http://schemas.openxmlformats.org/drawingml/2006/main" xmlns:r="http://schemas.openxmlformats.org/officeDocument/2006/relationships" xmlns:p="http://schemas.openxmlformats.org/presentationml/2006/main">
+  <p:cSld>
+    <p:spTree>
+      <p:nvGrpSpPr>
+        <p:cNvPr id="1" name=""/>
+        <p:cNvGrpSpPr/>
+        <p:nvPr/>
+      </p:nvGrpSpPr>
+      <p:grpSpPr>
+        <a:xfrm>
+          <a:off x="0" y="0"/>
+          <a:ext cx="0" cy="0"/>
+          <a:chOff x="0" y="0"/>
+          <a:chExt cx="0" cy="0"/>
+        </a:xfrm>
+      </p:grpSpPr>
+      <p:sp>
+        <p:nvSpPr>
+          <p:cNvPr id="2" name="标题 1"/>
+          <p:cNvSpPr>
+            <a:spLocks noGrp="1"/>
+          </p:cNvSpPr>
+          <p:nvPr>
+            <p:ph type="title"/>
+          </p:nvPr>
+        </p:nvSpPr>
+        <p:spPr/>
+        <p:txBody>
+          <a:bodyPr/>
+          <a:lstStyle/>
+          <a:p>
+            <a:r>
+              <a:rPr lang="zh-CN" altLang="zh-CN"/>
+              <a:t>总结</a:t>
+            </a:r>
+            <a:endParaRPr lang="en-US" altLang="zh-CN"/>
+          </a:p>
+        </p:txBody>
+      </p:sp>
+      <p:sp>
+        <p:nvSpPr>
+          <p:cNvPr id="3" name="内容占位符 2"/>
+          <p:cNvSpPr>
+            <a:spLocks noGrp="1"/>
+          </p:cNvSpPr>
+          <p:nvPr>
+            <p:ph idx="1"/>
+          </p:nvPr>
+        </p:nvSpPr>
+        <p:spPr/>
+        <p:txBody>
+          <a:bodyPr/>
+          <a:lstStyle/>
+          <a:p>
+            <a:r>
+              <a:rPr lang="zh-CN" altLang="en-US"/>
+              <a:t>接下来的侧重点将放在</a:t>
+            </a:r>
+            <a:r>
+              <a:rPr lang="en-US" altLang="zh-CN"/>
+              <a:t>ValueFlow</a:t>
+            </a:r>
+            <a:r>
+              <a:rPr lang="zh-CN" altLang="en-US"/>
+              <a:t>模块的研究和开发</a:t>
+            </a:r>
+          </a:p>
+          <a:p>
+            <a:pPr lvl="1"/>
+            <a:r>
+              <a:rPr lang="en-US" altLang="zh-CN"/>
+              <a:t>ValueFlow</a:t>
+            </a:r>
+            <a:r>
+              <a:rPr lang="zh-CN" altLang="en-US"/>
+              <a:t>在白盒测试中未能输出希望的结果</a:t>
+            </a:r>
+          </a:p>
+          <a:p>
+            <a:pPr lvl="1"/>
+            <a:r>
+              <a:rPr lang="en-US" altLang="zh-CN"/>
+              <a:t>Tokenize</a:t>
+            </a:r>
+            <a:r>
+              <a:rPr lang="zh-CN" altLang="en-US"/>
+              <a:t>与</a:t>
+            </a:r>
+            <a:r>
+              <a:rPr lang="en-US" altLang="zh-CN"/>
+              <a:t>SymbolDB</a:t>
+            </a:r>
+            <a:r>
+              <a:rPr lang="zh-CN" altLang="en-US"/>
+              <a:t>模块目前均表现良好</a:t>
+            </a:r>
+          </a:p>
+          <a:p>
+            <a:pPr lvl="0"/>
+            <a:r>
+              <a:rPr lang="zh-CN" altLang="en-US"/>
+              <a:t>继续向开发分配研究范围</a:t>
+            </a:r>
+          </a:p>
+          <a:p>
+            <a:pPr lvl="1"/>
+            <a:r>
+              <a:rPr lang="zh-CN" altLang="en-US"/>
+              <a:t>系统分析师继续向大方向研究，随时提供指导</a:t>
+            </a:r>
+          </a:p>
+          <a:p>
+            <a:pPr lvl="1"/>
+            <a:r>
+              <a:rPr lang="zh-CN" altLang="en-US"/>
+              <a:t>软件工程师根据分配的范围，深入测试小范围功能以及单元功能</a:t>
+            </a:r>
+          </a:p>
+        </p:txBody>
+      </p:sp>
+    </p:spTree>
+  </p:cSld>
+  <p:clrMapOvr>
+    <a:masterClrMapping/>
+  </p:clrMapOvr>
+  <p:timing>
+    <p:tnLst>
+      <p:par>
+        <p:cTn id="1" dur="indefinite" restart="never" nodeType="tmRoot"/>
+      </p:par>
+    </p:tnLst>
+  </p:timing>
+</p:sld>
+</file>
+
+<file path=ppt/slides/slide44.xml><?xml version="1.0" encoding="utf-8"?>
+<p:sld xmlns:a="http://schemas.openxmlformats.org/drawingml/2006/main" xmlns:r="http://schemas.openxmlformats.org/officeDocument/2006/relationships" xmlns:p="http://schemas.openxmlformats.org/presentationml/2006/main">
+  <p:cSld>
+    <p:spTree>
+      <p:nvGrpSpPr>
+        <p:cNvPr id="1" name=""/>
+        <p:cNvGrpSpPr/>
+        <p:nvPr/>
+      </p:nvGrpSpPr>
+      <p:grpSpPr>
+        <a:xfrm>
+          <a:off x="0" y="0"/>
+          <a:ext cx="0" cy="0"/>
+          <a:chOff x="0" y="0"/>
+          <a:chExt cx="0" cy="0"/>
+        </a:xfrm>
+      </p:grpSpPr>
+      <p:sp>
+        <p:nvSpPr>
+          <p:cNvPr id="2" name="标题 1"/>
+          <p:cNvSpPr>
+            <a:spLocks noGrp="1"/>
+          </p:cNvSpPr>
+          <p:nvPr>
+            <p:ph type="title"/>
+          </p:nvPr>
+        </p:nvSpPr>
+        <p:spPr/>
+        <p:txBody>
+          <a:bodyPr/>
+          <a:lstStyle/>
+          <a:p>
+            <a:r>
+              <a:rPr kumimoji="1" lang="zh-CN" altLang="en-US" dirty="0" smtClean="0"/>
+              <a:t>谢谢！</a:t>
+            </a:r>
+            <a:endParaRPr kumimoji="1" lang="zh-CN" altLang="en-US" dirty="0"/>
+          </a:p>
+        </p:txBody>
+      </p:sp>
+      <p:sp>
+        <p:nvSpPr>
+          <p:cNvPr id="3" name="内容占位符 2"/>
+          <p:cNvSpPr>
+            <a:spLocks noGrp="1"/>
+          </p:cNvSpPr>
+          <p:nvPr>
+            <p:ph idx="1"/>
+          </p:nvPr>
+        </p:nvSpPr>
+        <p:spPr/>
+        <p:txBody>
+          <a:bodyPr/>
+          <a:lstStyle/>
+          <a:p>
+            <a:r>
+              <a:rPr kumimoji="1" lang="zh-CN" altLang="en-US" dirty="0" smtClean="0"/>
+              <a:t>以上为</a:t>
+            </a:r>
+            <a:r>
+              <a:rPr kumimoji="1" lang="en-US" altLang="zh-CN" dirty="0" err="1" smtClean="0"/>
+              <a:t>HearthStone</a:t>
+            </a:r>
+            <a:r>
+              <a:rPr kumimoji="1" lang="zh-CN" altLang="en-US" dirty="0" smtClean="0"/>
+              <a:t> </a:t>
+            </a:r>
+            <a:r>
+              <a:rPr kumimoji="1" lang="en-US" altLang="zh-CN" dirty="0" smtClean="0"/>
+              <a:t>Team</a:t>
+            </a:r>
+            <a:r>
+              <a:rPr kumimoji="1" lang="zh-CN" altLang="en-US" dirty="0" smtClean="0"/>
+              <a:t>第四周到</a:t>
+            </a:r>
+            <a:r>
+              <a:rPr kumimoji="1" lang="zh-CN" altLang="en-US" dirty="0" smtClean="0">
+                <a:sym typeface="+mn-ea"/>
+              </a:rPr>
+              <a:t>第五周</a:t>
+            </a:r>
+            <a:r>
+              <a:rPr kumimoji="1" lang="zh-CN" altLang="en-US" dirty="0" smtClean="0"/>
+              <a:t>的工作进展</a:t>
+            </a:r>
+          </a:p>
+          <a:p>
+            <a:r>
+              <a:rPr kumimoji="1" lang="zh-CN" altLang="en-US" smtClean="0"/>
+              <a:t>感谢聆听！</a:t>
+            </a:r>
+            <a:endParaRPr kumimoji="1" lang="zh-CN" altLang="en-US" dirty="0"/>
           </a:p>
         </p:txBody>
       </p:sp>
@@ -19817,7 +21255,6 @@
               <a:rPr kumimoji="1" lang="en-US" altLang="zh-CN" dirty="0" smtClean="0"/>
               <a:t>》</a:t>
             </a:r>
-            <a:endParaRPr kumimoji="1" lang="en-US" altLang="zh-CN" dirty="0" smtClean="0"/>
           </a:p>
           <a:p>
             <a:pPr lvl="1"/>
@@ -19833,7 +21270,6 @@
               <a:rPr kumimoji="1" lang="en-US" altLang="zh-CN" dirty="0" smtClean="0"/>
               <a:t>》</a:t>
             </a:r>
-            <a:endParaRPr kumimoji="1" lang="en-US" altLang="zh-CN" dirty="0" smtClean="0"/>
           </a:p>
           <a:p>
             <a:pPr lvl="1"/>
@@ -19849,7 +21285,6 @@
               <a:rPr kumimoji="1" lang="en-US" altLang="zh-CN" dirty="0" smtClean="0"/>
               <a:t>》</a:t>
             </a:r>
-            <a:endParaRPr kumimoji="1" lang="en-US" altLang="zh-CN" dirty="0" smtClean="0"/>
           </a:p>
         </p:txBody>
       </p:sp>
@@ -19972,7 +21407,7 @@
           <p:nvPr/>
         </p:nvPicPr>
         <p:blipFill>
-          <a:blip r:embed="rId1">
+          <a:blip r:embed="rId2">
             <a:extLst>
               <a:ext uri="{28A0092B-C50C-407E-A947-70E740481C1C}">
                 <a14:useLocalDpi xmlns:a14="http://schemas.microsoft.com/office/drawing/2010/main" val="0"/>
@@ -20002,7 +21437,7 @@
           <p:nvPr/>
         </p:nvPicPr>
         <p:blipFill>
-          <a:blip r:embed="rId2">
+          <a:blip r:embed="rId3">
             <a:extLst>
               <a:ext uri="{28A0092B-C50C-407E-A947-70E740481C1C}">
                 <a14:useLocalDpi xmlns:a14="http://schemas.microsoft.com/office/drawing/2010/main" val="0"/>
@@ -20407,7 +21842,7 @@
           <a:p>
             <a:r>
               <a:rPr kumimoji="1" lang="zh-CN" altLang="en-US" dirty="0"/>
-              <a:t>分为三个模块：</a:t>
+              <a:t>分为三个部分：</a:t>
             </a:r>
             <a:endParaRPr kumimoji="1" lang="en-US" altLang="zh-CN" dirty="0"/>
           </a:p>
@@ -20462,7 +21897,7 @@
           <p:nvPr/>
         </p:nvPicPr>
         <p:blipFill>
-          <a:blip r:embed="rId1">
+          <a:blip r:embed="rId2">
             <a:extLst>
               <a:ext uri="{28A0092B-C50C-407E-A947-70E740481C1C}">
                 <a14:useLocalDpi xmlns:a14="http://schemas.microsoft.com/office/drawing/2010/main" val="0"/>
@@ -20492,7 +21927,7 @@
           <p:nvPr/>
         </p:nvPicPr>
         <p:blipFill>
-          <a:blip r:embed="rId2">
+          <a:blip r:embed="rId3">
             <a:extLst>
               <a:ext uri="{28A0092B-C50C-407E-A947-70E740481C1C}">
                 <a14:useLocalDpi xmlns:a14="http://schemas.microsoft.com/office/drawing/2010/main" val="0"/>
@@ -20522,7 +21957,7 @@
           <p:nvPr/>
         </p:nvPicPr>
         <p:blipFill>
-          <a:blip r:embed="rId3">
+          <a:blip r:embed="rId4">
             <a:extLst>
               <a:ext uri="{28A0092B-C50C-407E-A947-70E740481C1C}">
                 <a14:useLocalDpi xmlns:a14="http://schemas.microsoft.com/office/drawing/2010/main" val="0"/>
@@ -21150,7 +22585,6 @@
               <a:rPr kumimoji="1" lang="en-US" altLang="zh-CN" dirty="0" smtClean="0"/>
               <a:t>》</a:t>
             </a:r>
-            <a:endParaRPr kumimoji="1" lang="en-US" altLang="zh-CN" dirty="0" smtClean="0"/>
           </a:p>
           <a:p>
             <a:pPr lvl="1"/>
@@ -21166,7 +22600,6 @@
               <a:rPr kumimoji="1" lang="en-US" altLang="zh-CN" dirty="0" smtClean="0"/>
               <a:t>》</a:t>
             </a:r>
-            <a:endParaRPr kumimoji="1" lang="en-US" altLang="zh-CN" dirty="0" smtClean="0"/>
           </a:p>
         </p:txBody>
       </p:sp>
